--- a/Прогнозирование вероятности дефолта.pptx
+++ b/Прогнозирование вероятности дефолта.pptx
@@ -29,10 +29,6 @@
     <p:sldId id="269" r:id="rId24"/>
     <p:sldId id="270" r:id="rId25"/>
     <p:sldId id="271" r:id="rId26"/>
-    <p:sldId id="272" r:id="rId27"/>
-    <p:sldId id="273" r:id="rId28"/>
-    <p:sldId id="274" r:id="rId29"/>
-    <p:sldId id="275" r:id="rId30"/>
   </p:sldIdLst>
   <p:sldSz cx="12192000" cy="6858000"/>
   <p:notesSz cx="7559675" cy="10691813"/>
@@ -92,7 +88,7 @@
         <p:txBody>
           <a:bodyPr/>
           <a:p>
-            <a:fld id="{CA108F6B-039D-4FD8-815C-1E63B308EEDA}" type="slidenum">
+            <a:fld id="{7CA89AD7-373A-4FFF-805D-8AE6C64997C8}" type="slidenum">
               <a:t>&lt;#&gt;</a:t>
             </a:fld>
           </a:p>
@@ -134,7 +130,7 @@
         <p:txBody>
           <a:bodyPr/>
           <a:p>
-            <a:fld id="{DE379EF4-4267-4ADE-9D67-34EF17FC96D5}" type="slidenum">
+            <a:fld id="{05E4ADE0-0CC2-4A3F-8C27-02C62BE17497}" type="slidenum">
               <a:t>&lt;#&gt;</a:t>
             </a:fld>
           </a:p>
@@ -176,7 +172,7 @@
         <p:txBody>
           <a:bodyPr/>
           <a:p>
-            <a:fld id="{CED0ED50-2237-4037-B32E-A722F4BA3409}" type="slidenum">
+            <a:fld id="{409B1C9E-50D1-4DBA-966D-D1B08535C95B}" type="slidenum">
               <a:t>&lt;#&gt;</a:t>
             </a:fld>
           </a:p>
@@ -218,7 +214,7 @@
         <p:txBody>
           <a:bodyPr/>
           <a:p>
-            <a:fld id="{08561C54-8B7A-4DC3-A1D5-89FFF0E2060C}" type="slidenum">
+            <a:fld id="{F7582D03-5C71-4F18-B096-95289BB9F724}" type="slidenum">
               <a:t>&lt;#&gt;</a:t>
             </a:fld>
           </a:p>
@@ -260,7 +256,7 @@
         <p:txBody>
           <a:bodyPr/>
           <a:p>
-            <a:fld id="{B1BFEE2A-54EA-4BDF-9F27-F8C2F2A61912}" type="slidenum">
+            <a:fld id="{BA32299F-79B5-40F6-8886-3C1E784D3BE6}" type="slidenum">
               <a:t>&lt;#&gt;</a:t>
             </a:fld>
           </a:p>
@@ -302,7 +298,7 @@
         <p:txBody>
           <a:bodyPr/>
           <a:p>
-            <a:fld id="{751A9F3C-E515-4EDD-9E09-A4BEF597A93E}" type="slidenum">
+            <a:fld id="{5352F54A-53CA-4F1A-87E7-87C0412DBCAA}" type="slidenum">
               <a:t>&lt;#&gt;</a:t>
             </a:fld>
           </a:p>
@@ -344,7 +340,7 @@
         <p:txBody>
           <a:bodyPr/>
           <a:p>
-            <a:fld id="{4643226B-4DEA-440D-AE04-30DD8857C866}" type="slidenum">
+            <a:fld id="{74066D48-656D-4C43-BE64-966769CB71DA}" type="slidenum">
               <a:t>&lt;#&gt;</a:t>
             </a:fld>
           </a:p>
@@ -414,7 +410,7 @@
         <p:spPr>
           <a:xfrm>
             <a:off x="420480" y="446040"/>
-            <a:ext cx="2358360" cy="719640"/>
+            <a:ext cx="2358000" cy="719280"/>
           </a:xfrm>
           <a:prstGeom prst="rect">
             <a:avLst/>
@@ -432,13 +428,13 @@
         </p:nvPicPr>
         <p:blipFill>
           <a:blip r:embed="rId3"/>
-          <a:srcRect l="0" t="16251" r="0" b="8827"/>
+          <a:srcRect l="0" t="16249" r="0" b="8825"/>
           <a:stretch/>
         </p:blipFill>
         <p:spPr>
           <a:xfrm>
             <a:off x="0" y="0"/>
-            <a:ext cx="12188880" cy="6854760"/>
+            <a:ext cx="12188520" cy="6854400"/>
           </a:xfrm>
           <a:prstGeom prst="rect">
             <a:avLst/>
@@ -457,9 +453,9 @@
         <p:grpSpPr>
           <a:xfrm>
             <a:off x="694440" y="633240"/>
-            <a:ext cx="9499680" cy="4703400"/>
+            <a:ext cx="9499320" cy="4703040"/>
             <a:chOff x="694440" y="633240"/>
-            <a:chExt cx="9499680" cy="4703400"/>
+            <a:chExt cx="9499320" cy="4703040"/>
           </a:xfrm>
         </p:grpSpPr>
         <p:pic>
@@ -475,7 +471,7 @@
           <p:spPr>
             <a:xfrm>
               <a:off x="694440" y="633240"/>
-              <a:ext cx="9499680" cy="4703400"/>
+              <a:ext cx="9499320" cy="4703040"/>
             </a:xfrm>
             <a:prstGeom prst="rect">
               <a:avLst/>
@@ -494,7 +490,7 @@
           <p:spPr>
             <a:xfrm>
               <a:off x="694440" y="5307120"/>
-              <a:ext cx="9499680" cy="25560"/>
+              <a:ext cx="9499320" cy="25200"/>
             </a:xfrm>
             <a:prstGeom prst="rect">
               <a:avLst/>
@@ -554,7 +550,7 @@
         <p:spPr>
           <a:xfrm>
             <a:off x="9157680" y="612000"/>
-            <a:ext cx="2358360" cy="718560"/>
+            <a:ext cx="2358000" cy="718200"/>
           </a:xfrm>
           <a:prstGeom prst="rect">
             <a:avLst/>
@@ -884,7 +880,7 @@
         <p:spPr>
           <a:xfrm>
             <a:off x="420480" y="446040"/>
-            <a:ext cx="2358360" cy="719640"/>
+            <a:ext cx="2358000" cy="719280"/>
           </a:xfrm>
           <a:prstGeom prst="rect">
             <a:avLst/>
@@ -907,7 +903,7 @@
         <p:spPr>
           <a:xfrm>
             <a:off x="273600" y="6433920"/>
-            <a:ext cx="567000" cy="272160"/>
+            <a:ext cx="566640" cy="271800"/>
           </a:xfrm>
           <a:prstGeom prst="rect">
             <a:avLst/>
@@ -949,7 +945,7 @@
                 <a:tab algn="l" pos="0"/>
               </a:tabLst>
             </a:pPr>
-            <a:fld id="{EDC9AAD6-F52A-4E7D-B3FA-E00065BF9E55}" type="slidenum">
+            <a:fld id="{3A90D881-A893-474B-91E0-1CE35ED3C188}" type="slidenum">
               <a:rPr b="0" lang="ru-RU" sz="2400" spc="-1" strike="noStrike">
                 <a:solidFill>
                   <a:srgbClr val="898989"/>
@@ -1288,7 +1284,7 @@
         <p:spPr>
           <a:xfrm>
             <a:off x="420480" y="446040"/>
-            <a:ext cx="2358360" cy="719640"/>
+            <a:ext cx="2358000" cy="719280"/>
           </a:xfrm>
           <a:prstGeom prst="rect">
             <a:avLst/>
@@ -1311,7 +1307,7 @@
         <p:spPr>
           <a:xfrm>
             <a:off x="273600" y="6433920"/>
-            <a:ext cx="629280" cy="272160"/>
+            <a:ext cx="628920" cy="271800"/>
           </a:xfrm>
           <a:prstGeom prst="rect">
             <a:avLst/>
@@ -1353,7 +1349,7 @@
                 <a:tab algn="l" pos="0"/>
               </a:tabLst>
             </a:pPr>
-            <a:fld id="{710A51B5-2B57-4EAF-A49E-711811DF23D6}" type="slidenum">
+            <a:fld id="{3E0449BA-B43D-4494-A414-693DE0C8B6E9}" type="slidenum">
               <a:rPr b="0" lang="ru-RU" sz="2400" spc="-1" strike="noStrike">
                 <a:solidFill>
                   <a:srgbClr val="898989"/>
@@ -1418,7 +1414,7 @@
         <p:spPr>
           <a:xfrm>
             <a:off x="420480" y="446040"/>
-            <a:ext cx="2358360" cy="719640"/>
+            <a:ext cx="2358000" cy="719280"/>
           </a:xfrm>
           <a:prstGeom prst="rect">
             <a:avLst/>
@@ -1441,7 +1437,7 @@
         <p:spPr>
           <a:xfrm>
             <a:off x="273600" y="6433920"/>
-            <a:ext cx="567000" cy="272160"/>
+            <a:ext cx="566640" cy="271800"/>
           </a:xfrm>
           <a:prstGeom prst="rect">
             <a:avLst/>
@@ -1483,7 +1479,7 @@
                 <a:tab algn="l" pos="0"/>
               </a:tabLst>
             </a:pPr>
-            <a:fld id="{4BCDE408-F304-4E3C-844D-8705F918BC77}" type="slidenum">
+            <a:fld id="{064EAD33-059F-453A-BD15-29ABEFFAEB8F}" type="slidenum">
               <a:rPr b="0" lang="ru-RU" sz="2400" spc="-1" strike="noStrike">
                 <a:solidFill>
                   <a:srgbClr val="898989"/>
@@ -1548,7 +1544,7 @@
         <p:spPr>
           <a:xfrm>
             <a:off x="420480" y="446040"/>
-            <a:ext cx="2358360" cy="719640"/>
+            <a:ext cx="2358000" cy="719280"/>
           </a:xfrm>
           <a:prstGeom prst="rect">
             <a:avLst/>
@@ -1571,7 +1567,7 @@
         <p:spPr>
           <a:xfrm>
             <a:off x="273600" y="6433920"/>
-            <a:ext cx="567000" cy="272160"/>
+            <a:ext cx="566640" cy="271800"/>
           </a:xfrm>
           <a:prstGeom prst="rect">
             <a:avLst/>
@@ -1613,7 +1609,7 @@
                 <a:tab algn="l" pos="0"/>
               </a:tabLst>
             </a:pPr>
-            <a:fld id="{FD76246D-60C3-46CC-8019-B783CC4E1CBB}" type="slidenum">
+            <a:fld id="{4DAEFEEC-2410-4BF6-9E1B-8BEDBBEB7535}" type="slidenum">
               <a:rPr b="0" lang="ru-RU" sz="2400" spc="-1" strike="noStrike">
                 <a:solidFill>
                   <a:srgbClr val="898989"/>
@@ -1678,7 +1674,7 @@
         <p:spPr>
           <a:xfrm>
             <a:off x="420480" y="446040"/>
-            <a:ext cx="2358360" cy="719640"/>
+            <a:ext cx="2358000" cy="719280"/>
           </a:xfrm>
           <a:prstGeom prst="rect">
             <a:avLst/>
@@ -1701,7 +1697,7 @@
         <p:spPr>
           <a:xfrm>
             <a:off x="273600" y="6433920"/>
-            <a:ext cx="567000" cy="272160"/>
+            <a:ext cx="566640" cy="271800"/>
           </a:xfrm>
           <a:prstGeom prst="rect">
             <a:avLst/>
@@ -1743,7 +1739,7 @@
                 <a:tab algn="l" pos="0"/>
               </a:tabLst>
             </a:pPr>
-            <a:fld id="{D3D40981-46A7-406F-8847-A5D0BCE9A6A6}" type="slidenum">
+            <a:fld id="{F12298B1-A623-4743-A2C9-C3DB0C6713D2}" type="slidenum">
               <a:rPr b="0" lang="ru-RU" sz="2400" spc="-1" strike="noStrike">
                 <a:solidFill>
                   <a:srgbClr val="898989"/>
@@ -1808,7 +1804,7 @@
         <p:spPr>
           <a:xfrm>
             <a:off x="420480" y="446040"/>
-            <a:ext cx="2358360" cy="719640"/>
+            <a:ext cx="2358000" cy="719280"/>
           </a:xfrm>
           <a:prstGeom prst="rect">
             <a:avLst/>
@@ -1831,7 +1827,7 @@
         <p:spPr>
           <a:xfrm>
             <a:off x="273600" y="6433920"/>
-            <a:ext cx="567000" cy="272160"/>
+            <a:ext cx="566640" cy="271800"/>
           </a:xfrm>
           <a:prstGeom prst="rect">
             <a:avLst/>
@@ -1873,7 +1869,7 @@
                 <a:tab algn="l" pos="0"/>
               </a:tabLst>
             </a:pPr>
-            <a:fld id="{84E5EE4F-78D8-4A91-8D09-3D466AF2F2E7}" type="slidenum">
+            <a:fld id="{84DFE478-6F54-4CFC-8517-F4A7FD87A590}" type="slidenum">
               <a:rPr b="0" lang="ru-RU" sz="2400" spc="-1" strike="noStrike">
                 <a:solidFill>
                   <a:srgbClr val="898989"/>
@@ -1938,7 +1934,7 @@
         <p:spPr>
           <a:xfrm>
             <a:off x="420480" y="446040"/>
-            <a:ext cx="2358360" cy="719640"/>
+            <a:ext cx="2358000" cy="719280"/>
           </a:xfrm>
           <a:prstGeom prst="rect">
             <a:avLst/>
@@ -1961,7 +1957,7 @@
         <p:spPr>
           <a:xfrm>
             <a:off x="273600" y="6433920"/>
-            <a:ext cx="567000" cy="272160"/>
+            <a:ext cx="566640" cy="271800"/>
           </a:xfrm>
           <a:prstGeom prst="rect">
             <a:avLst/>
@@ -2003,7 +1999,7 @@
                 <a:tab algn="l" pos="0"/>
               </a:tabLst>
             </a:pPr>
-            <a:fld id="{23486AE8-01EB-4463-8BAD-023F5E4E7842}" type="slidenum">
+            <a:fld id="{AE76F421-246E-49A0-B8B2-39F8A3D34CE7}" type="slidenum">
               <a:rPr b="0" lang="ru-RU" sz="2400" spc="-1" strike="noStrike">
                 <a:solidFill>
                   <a:srgbClr val="898989"/>
@@ -2068,7 +2064,7 @@
         <p:spPr>
           <a:xfrm>
             <a:off x="420480" y="446040"/>
-            <a:ext cx="2358360" cy="719640"/>
+            <a:ext cx="2358000" cy="719280"/>
           </a:xfrm>
           <a:prstGeom prst="rect">
             <a:avLst/>
@@ -2086,13 +2082,13 @@
         </p:nvPicPr>
         <p:blipFill>
           <a:blip r:embed="rId3"/>
-          <a:srcRect l="0" t="16251" r="0" b="8827"/>
+          <a:srcRect l="0" t="16249" r="0" b="8825"/>
           <a:stretch/>
         </p:blipFill>
         <p:spPr>
           <a:xfrm>
             <a:off x="0" y="0"/>
-            <a:ext cx="12188880" cy="6854760"/>
+            <a:ext cx="12188520" cy="6854400"/>
           </a:xfrm>
           <a:prstGeom prst="rect">
             <a:avLst/>
@@ -2115,7 +2111,7 @@
         <p:spPr>
           <a:xfrm>
             <a:off x="6575400" y="2096640"/>
-            <a:ext cx="1328760" cy="1328760"/>
+            <a:ext cx="1328400" cy="1328400"/>
           </a:xfrm>
           <a:prstGeom prst="rect">
             <a:avLst/>
@@ -2138,7 +2134,7 @@
         <p:spPr>
           <a:xfrm>
             <a:off x="1278360" y="2042640"/>
-            <a:ext cx="4707000" cy="1436760"/>
+            <a:ext cx="4706640" cy="1436400"/>
           </a:xfrm>
           <a:prstGeom prst="rect">
             <a:avLst/>
@@ -2157,7 +2153,7 @@
         <p:spPr>
           <a:xfrm>
             <a:off x="7849800" y="2522520"/>
-            <a:ext cx="3045240" cy="473760"/>
+            <a:ext cx="3044880" cy="473760"/>
           </a:xfrm>
           <a:prstGeom prst="rect">
             <a:avLst/>
@@ -2210,16 +2206,16 @@
         </p:nvSpPr>
         <p:spPr>
           <a:xfrm flipH="1">
-            <a:off x="10708920" y="2096640"/>
-            <a:ext cx="127440" cy="1328760"/>
+            <a:off x="10708200" y="2096640"/>
+            <a:ext cx="127080" cy="1328400"/>
           </a:xfrm>
           <a:custGeom>
             <a:avLst/>
             <a:gdLst>
-              <a:gd name="textAreaLeft" fmla="*/ 1800 w 127440"/>
-              <a:gd name="textAreaRight" fmla="*/ 132480 w 127440"/>
-              <a:gd name="textAreaTop" fmla="*/ 0 h 1328760"/>
-              <a:gd name="textAreaBottom" fmla="*/ 1332000 h 1328760"/>
+              <a:gd name="textAreaLeft" fmla="*/ 1800 w 127080"/>
+              <a:gd name="textAreaRight" fmla="*/ 132480 w 127080"/>
+              <a:gd name="textAreaTop" fmla="*/ 0 h 1328400"/>
+              <a:gd name="textAreaBottom" fmla="*/ 1332000 h 1328400"/>
             </a:gdLst>
             <a:ahLst/>
             <a:rect l="textAreaLeft" t="textAreaTop" r="textAreaRight" b="textAreaBottom"/>
@@ -2593,7 +2589,7 @@
         <p:spPr>
           <a:xfrm>
             <a:off x="1078200" y="4363560"/>
-            <a:ext cx="9115920" cy="870840"/>
+            <a:ext cx="9115560" cy="870480"/>
           </a:xfrm>
           <a:prstGeom prst="rect">
             <a:avLst/>
@@ -2647,7 +2643,7 @@
         <p:spPr>
           <a:xfrm>
             <a:off x="1078200" y="743400"/>
-            <a:ext cx="9117000" cy="3414600"/>
+            <a:ext cx="9116640" cy="3414240"/>
           </a:xfrm>
           <a:prstGeom prst="rect">
             <a:avLst/>
@@ -2724,7 +2720,7 @@
       </p:grpSpPr>
       <p:sp>
         <p:nvSpPr>
-          <p:cNvPr id="90" name="PlaceHolder 1"/>
+          <p:cNvPr id="95" name="PlaceHolder 1"/>
           <p:cNvSpPr>
             <a:spLocks noGrp="1"/>
           </p:cNvSpPr>
@@ -2735,7 +2731,7 @@
         <p:spPr>
           <a:xfrm>
             <a:off x="300600" y="1371600"/>
-            <a:ext cx="4042080" cy="1876680"/>
+            <a:ext cx="4041720" cy="1876320"/>
           </a:xfrm>
           <a:prstGeom prst="rect">
             <a:avLst/>
@@ -2853,28 +2849,28 @@
       </p:sp>
       <p:grpSp>
         <p:nvGrpSpPr>
-          <p:cNvPr id="91" name="Группа 18"/>
+          <p:cNvPr id="96" name="Группа 18"/>
           <p:cNvGrpSpPr/>
           <p:nvPr/>
         </p:nvGrpSpPr>
         <p:grpSpPr>
           <a:xfrm>
             <a:off x="3168000" y="469440"/>
-            <a:ext cx="3832200" cy="666000"/>
+            <a:ext cx="3831840" cy="666000"/>
             <a:chOff x="3168000" y="469440"/>
-            <a:chExt cx="3832200" cy="666000"/>
+            <a:chExt cx="3831840" cy="666000"/>
           </a:xfrm>
         </p:grpSpPr>
         <p:sp>
           <p:nvSpPr>
-            <p:cNvPr id="92" name="Прямоугольник 50"/>
+            <p:cNvPr id="97" name="Прямоугольник 50"/>
             <p:cNvSpPr/>
             <p:nvPr/>
           </p:nvSpPr>
           <p:spPr>
             <a:xfrm>
               <a:off x="3168000" y="469440"/>
-              <a:ext cx="3832200" cy="662760"/>
+              <a:ext cx="3831840" cy="662400"/>
             </a:xfrm>
             <a:prstGeom prst="rect">
               <a:avLst/>
@@ -2934,22 +2930,22 @@
         </p:sp>
         <p:sp>
           <p:nvSpPr>
-            <p:cNvPr id="93" name="Прямоугольник 51"/>
+            <p:cNvPr id="98" name="Прямоугольник 51"/>
             <p:cNvSpPr/>
             <p:nvPr/>
           </p:nvSpPr>
           <p:spPr>
             <a:xfrm flipH="1" rot="10800000">
-              <a:off x="3168000" y="472680"/>
-              <a:ext cx="60480" cy="662760"/>
+              <a:off x="3167640" y="473040"/>
+              <a:ext cx="60120" cy="662400"/>
             </a:xfrm>
             <a:custGeom>
               <a:avLst/>
               <a:gdLst>
-                <a:gd name="textAreaLeft" fmla="*/ 1800 w 60480"/>
-                <a:gd name="textAreaRight" fmla="*/ 65520 w 60480"/>
-                <a:gd name="textAreaTop" fmla="*/ 0 h 662760"/>
-                <a:gd name="textAreaBottom" fmla="*/ 666000 h 662760"/>
+                <a:gd name="textAreaLeft" fmla="*/ 1800 w 60120"/>
+                <a:gd name="textAreaRight" fmla="*/ 65520 w 60120"/>
+                <a:gd name="textAreaTop" fmla="*/ 0 h 662400"/>
+                <a:gd name="textAreaBottom" fmla="*/ 666000 h 662400"/>
               </a:gdLst>
               <a:ahLst/>
               <a:rect l="textAreaLeft" t="textAreaTop" r="textAreaRight" b="textAreaBottom"/>
@@ -3012,22 +3008,22 @@
         </p:sp>
         <p:sp>
           <p:nvSpPr>
-            <p:cNvPr id="94" name="Прямоугольник 52"/>
+            <p:cNvPr id="99" name="Прямоугольник 52"/>
             <p:cNvSpPr/>
             <p:nvPr/>
           </p:nvSpPr>
           <p:spPr>
             <a:xfrm flipH="1">
               <a:off x="6924960" y="469440"/>
-              <a:ext cx="71640" cy="662760"/>
+              <a:ext cx="71280" cy="662400"/>
             </a:xfrm>
             <a:custGeom>
               <a:avLst/>
               <a:gdLst>
-                <a:gd name="textAreaLeft" fmla="*/ -1800 w 71640"/>
-                <a:gd name="textAreaRight" fmla="*/ 73080 w 71640"/>
-                <a:gd name="textAreaTop" fmla="*/ 0 h 662760"/>
-                <a:gd name="textAreaBottom" fmla="*/ 666000 h 662760"/>
+                <a:gd name="textAreaLeft" fmla="*/ -1800 w 71280"/>
+                <a:gd name="textAreaRight" fmla="*/ 73080 w 71280"/>
+                <a:gd name="textAreaTop" fmla="*/ 0 h 662400"/>
+                <a:gd name="textAreaBottom" fmla="*/ 666000 h 662400"/>
               </a:gdLst>
               <a:ahLst/>
               <a:rect l="textAreaLeft" t="textAreaTop" r="textAreaRight" b="textAreaBottom"/>
@@ -3091,14 +3087,14 @@
       </p:grpSp>
       <p:sp>
         <p:nvSpPr>
-          <p:cNvPr id="95" name="PlaceHolder 24"/>
+          <p:cNvPr id="100" name="PlaceHolder 24"/>
           <p:cNvSpPr/>
           <p:nvPr/>
         </p:nvSpPr>
         <p:spPr>
           <a:xfrm>
             <a:off x="273600" y="6435000"/>
-            <a:ext cx="567000" cy="272160"/>
+            <a:ext cx="566640" cy="271800"/>
           </a:xfrm>
           <a:prstGeom prst="rect">
             <a:avLst/>
@@ -3127,7 +3123,7 @@
                 <a:tab algn="l" pos="0"/>
               </a:tabLst>
             </a:pPr>
-            <a:fld id="{07C26D36-FFD1-4FF5-9CB6-6B0E12A8B9CC}" type="slidenum">
+            <a:fld id="{D8C088CE-0A3B-46E6-BF47-F7B7BB889AB0}" type="slidenum">
               <a:rPr b="0" lang="ru-RU" sz="1400" spc="-1" strike="noStrike">
                 <a:solidFill>
                   <a:srgbClr val="898989"/>
@@ -3148,7 +3144,7 @@
       </p:sp>
       <p:pic>
         <p:nvPicPr>
-          <p:cNvPr id="96" name="" descr=""/>
+          <p:cNvPr id="101" name="" descr=""/>
           <p:cNvPicPr/>
           <p:nvPr/>
         </p:nvPicPr>
@@ -3159,7 +3155,7 @@
         <p:spPr>
           <a:xfrm>
             <a:off x="542160" y="2295000"/>
-            <a:ext cx="3256920" cy="722880"/>
+            <a:ext cx="3256560" cy="722520"/>
           </a:xfrm>
           <a:prstGeom prst="rect">
             <a:avLst/>
@@ -3171,28 +3167,28 @@
       </p:pic>
       <p:grpSp>
         <p:nvGrpSpPr>
-          <p:cNvPr id="97" name=""/>
+          <p:cNvPr id="102" name=""/>
           <p:cNvGrpSpPr/>
           <p:nvPr/>
         </p:nvGrpSpPr>
         <p:grpSpPr>
           <a:xfrm>
             <a:off x="336600" y="3105000"/>
-            <a:ext cx="4182840" cy="1876680"/>
+            <a:ext cx="4182480" cy="1876320"/>
             <a:chOff x="336600" y="3105000"/>
-            <a:chExt cx="4182840" cy="1876680"/>
+            <a:chExt cx="4182480" cy="1876320"/>
           </a:xfrm>
         </p:grpSpPr>
         <p:sp>
           <p:nvSpPr>
-            <p:cNvPr id="98" name="PlaceHolder 27"/>
+            <p:cNvPr id="103" name="PlaceHolder 27"/>
             <p:cNvSpPr/>
             <p:nvPr/>
           </p:nvSpPr>
           <p:spPr>
             <a:xfrm>
               <a:off x="336600" y="3105000"/>
-              <a:ext cx="4182840" cy="1876680"/>
+              <a:ext cx="4182480" cy="1876320"/>
             </a:xfrm>
             <a:prstGeom prst="rect">
               <a:avLst/>
@@ -3264,7 +3260,7 @@
         </p:sp>
         <p:pic>
           <p:nvPicPr>
-            <p:cNvPr id="99" name="" descr=""/>
+            <p:cNvPr id="104" name="" descr=""/>
             <p:cNvPicPr/>
             <p:nvPr/>
           </p:nvPicPr>
@@ -3275,7 +3271,7 @@
           <p:spPr>
             <a:xfrm>
               <a:off x="529200" y="3729600"/>
-              <a:ext cx="3304440" cy="722880"/>
+              <a:ext cx="3304080" cy="722520"/>
             </a:xfrm>
             <a:prstGeom prst="rect">
               <a:avLst/>
@@ -3287,7 +3283,7 @@
         </p:pic>
         <p:pic>
           <p:nvPicPr>
-            <p:cNvPr id="100" name="" descr=""/>
+            <p:cNvPr id="105" name="" descr=""/>
             <p:cNvPicPr/>
             <p:nvPr/>
           </p:nvPicPr>
@@ -3298,7 +3294,7 @@
           <p:spPr>
             <a:xfrm>
               <a:off x="633960" y="4525200"/>
-              <a:ext cx="2742480" cy="313200"/>
+              <a:ext cx="2742120" cy="312840"/>
             </a:xfrm>
             <a:prstGeom prst="rect">
               <a:avLst/>
@@ -3311,28 +3307,28 @@
       </p:grpSp>
       <p:grpSp>
         <p:nvGrpSpPr>
-          <p:cNvPr id="101" name=""/>
+          <p:cNvPr id="106" name=""/>
           <p:cNvGrpSpPr/>
           <p:nvPr/>
         </p:nvGrpSpPr>
         <p:grpSpPr>
           <a:xfrm>
             <a:off x="336600" y="4980600"/>
-            <a:ext cx="4182840" cy="1876680"/>
+            <a:ext cx="4182480" cy="1876320"/>
             <a:chOff x="336600" y="4980600"/>
-            <a:chExt cx="4182840" cy="1876680"/>
+            <a:chExt cx="4182480" cy="1876320"/>
           </a:xfrm>
         </p:grpSpPr>
         <p:sp>
           <p:nvSpPr>
-            <p:cNvPr id="102" name="PlaceHolder 27"/>
+            <p:cNvPr id="107" name="PlaceHolder 27"/>
             <p:cNvSpPr/>
             <p:nvPr/>
           </p:nvSpPr>
           <p:spPr>
             <a:xfrm>
               <a:off x="336600" y="4980600"/>
-              <a:ext cx="4182840" cy="1876680"/>
+              <a:ext cx="4182480" cy="1876320"/>
             </a:xfrm>
             <a:prstGeom prst="rect">
               <a:avLst/>
@@ -3404,7 +3400,7 @@
         </p:sp>
         <p:pic>
           <p:nvPicPr>
-            <p:cNvPr id="103" name="" descr=""/>
+            <p:cNvPr id="108" name="" descr=""/>
             <p:cNvPicPr/>
             <p:nvPr/>
           </p:nvPicPr>
@@ -3415,7 +3411,7 @@
           <p:spPr>
             <a:xfrm>
               <a:off x="491040" y="5696280"/>
-              <a:ext cx="3342600" cy="703800"/>
+              <a:ext cx="3342240" cy="703440"/>
             </a:xfrm>
             <a:prstGeom prst="rect">
               <a:avLst/>
@@ -3428,28 +3424,28 @@
       </p:grpSp>
       <p:grpSp>
         <p:nvGrpSpPr>
-          <p:cNvPr id="104" name=""/>
+          <p:cNvPr id="109" name=""/>
           <p:cNvGrpSpPr/>
           <p:nvPr/>
         </p:nvGrpSpPr>
         <p:grpSpPr>
           <a:xfrm>
             <a:off x="7704360" y="1552320"/>
-            <a:ext cx="4182840" cy="1648080"/>
+            <a:ext cx="4182480" cy="1647720"/>
             <a:chOff x="7704360" y="1552320"/>
-            <a:chExt cx="4182840" cy="1648080"/>
+            <a:chExt cx="4182480" cy="1647720"/>
           </a:xfrm>
         </p:grpSpPr>
         <p:sp>
           <p:nvSpPr>
-            <p:cNvPr id="105" name="PlaceHolder 27"/>
+            <p:cNvPr id="110" name="PlaceHolder 27"/>
             <p:cNvSpPr/>
             <p:nvPr/>
           </p:nvSpPr>
           <p:spPr>
             <a:xfrm>
               <a:off x="7704360" y="1552320"/>
-              <a:ext cx="4182840" cy="1648080"/>
+              <a:ext cx="4182480" cy="1647720"/>
             </a:xfrm>
             <a:prstGeom prst="rect">
               <a:avLst/>
@@ -3502,7 +3498,7 @@
         </p:sp>
         <p:pic>
           <p:nvPicPr>
-            <p:cNvPr id="106" name="" descr=""/>
+            <p:cNvPr id="111" name="" descr=""/>
             <p:cNvPicPr/>
             <p:nvPr/>
           </p:nvPicPr>
@@ -3513,7 +3509,7 @@
           <p:spPr>
             <a:xfrm>
               <a:off x="7858800" y="1977840"/>
-              <a:ext cx="3923640" cy="741960"/>
+              <a:ext cx="3923280" cy="741600"/>
             </a:xfrm>
             <a:prstGeom prst="rect">
               <a:avLst/>
@@ -3526,14 +3522,14 @@
       </p:grpSp>
       <p:sp>
         <p:nvSpPr>
-          <p:cNvPr id="107" name="PlaceHolder 28"/>
+          <p:cNvPr id="112" name="PlaceHolder 28"/>
           <p:cNvSpPr/>
           <p:nvPr/>
         </p:nvSpPr>
         <p:spPr>
           <a:xfrm>
             <a:off x="4114800" y="3886200"/>
-            <a:ext cx="4182840" cy="1648080"/>
+            <a:ext cx="4182480" cy="1647720"/>
           </a:xfrm>
           <a:prstGeom prst="rect">
             <a:avLst/>
@@ -3577,7 +3573,7 @@
             </a:r>
             <a:endParaRPr b="0" lang="en-US" sz="1800" spc="-1" strike="noStrike">
               <a:solidFill>
-                <a:srgbClr val="3465a4"/>
+                <a:srgbClr val="000000"/>
               </a:solidFill>
               <a:latin typeface="Arial"/>
             </a:endParaRPr>
@@ -3586,14 +3582,14 @@
       </p:sp>
       <p:sp>
         <p:nvSpPr>
-          <p:cNvPr id="108" name=""/>
+          <p:cNvPr id="113" name=""/>
           <p:cNvSpPr/>
           <p:nvPr/>
         </p:nvSpPr>
         <p:spPr>
           <a:xfrm>
             <a:off x="4343400" y="5715000"/>
-            <a:ext cx="2514600" cy="457200"/>
+            <a:ext cx="2514240" cy="456840"/>
           </a:xfrm>
           <a:prstGeom prst="rightArrow">
             <a:avLst>
@@ -3621,6 +3617,11 @@
             <a:noAutofit/>
           </a:bodyPr>
           <a:p>
+            <a:pPr>
+              <a:lnSpc>
+                <a:spcPct val="100000"/>
+              </a:lnSpc>
+            </a:pPr>
             <a:endParaRPr b="0" lang="en-US" sz="1800" spc="-1" strike="noStrike">
               <a:solidFill>
                 <a:srgbClr val="000000"/>
@@ -3632,7 +3633,7 @@
       </p:sp>
       <p:pic>
         <p:nvPicPr>
-          <p:cNvPr id="109" name="" descr=""/>
+          <p:cNvPr id="114" name="" descr=""/>
           <p:cNvPicPr/>
           <p:nvPr/>
         </p:nvPicPr>
@@ -3643,7 +3644,7 @@
         <p:spPr>
           <a:xfrm>
             <a:off x="7200720" y="5486400"/>
-            <a:ext cx="4000680" cy="866520"/>
+            <a:ext cx="4000320" cy="866160"/>
           </a:xfrm>
           <a:prstGeom prst="rect">
             <a:avLst/>
@@ -3685,28 +3686,28 @@
       </p:grpSpPr>
       <p:grpSp>
         <p:nvGrpSpPr>
-          <p:cNvPr id="110" name="Группа 15"/>
+          <p:cNvPr id="115" name="Группа 15"/>
           <p:cNvGrpSpPr/>
           <p:nvPr/>
         </p:nvGrpSpPr>
         <p:grpSpPr>
           <a:xfrm>
             <a:off x="3168000" y="184320"/>
-            <a:ext cx="7117920" cy="1236240"/>
+            <a:ext cx="7117560" cy="1236240"/>
             <a:chOff x="3168000" y="184320"/>
-            <a:chExt cx="7117920" cy="1236240"/>
+            <a:chExt cx="7117560" cy="1236240"/>
           </a:xfrm>
         </p:grpSpPr>
         <p:sp>
           <p:nvSpPr>
-            <p:cNvPr id="111" name="Прямоугольник 41"/>
+            <p:cNvPr id="116" name="Прямоугольник 41"/>
             <p:cNvSpPr/>
             <p:nvPr/>
           </p:nvSpPr>
           <p:spPr>
             <a:xfrm>
               <a:off x="3168000" y="184320"/>
-              <a:ext cx="7117920" cy="1232640"/>
+              <a:ext cx="7117560" cy="1232280"/>
             </a:xfrm>
             <a:prstGeom prst="rect">
               <a:avLst/>
@@ -3766,22 +3767,22 @@
         </p:sp>
         <p:sp>
           <p:nvSpPr>
-            <p:cNvPr id="112" name="Прямоугольник 42"/>
+            <p:cNvPr id="117" name="Прямоугольник 42"/>
             <p:cNvSpPr/>
             <p:nvPr/>
           </p:nvSpPr>
           <p:spPr>
             <a:xfrm flipH="1" rot="10800000">
-              <a:off x="3167640" y="187920"/>
-              <a:ext cx="114840" cy="1232640"/>
+              <a:off x="3168000" y="188280"/>
+              <a:ext cx="114480" cy="1232280"/>
             </a:xfrm>
             <a:custGeom>
               <a:avLst/>
               <a:gdLst>
-                <a:gd name="textAreaLeft" fmla="*/ 360 w 114840"/>
-                <a:gd name="textAreaRight" fmla="*/ 118440 w 114840"/>
-                <a:gd name="textAreaTop" fmla="*/ 0 h 1232640"/>
-                <a:gd name="textAreaBottom" fmla="*/ 1235880 h 1232640"/>
+                <a:gd name="textAreaLeft" fmla="*/ 360 w 114480"/>
+                <a:gd name="textAreaRight" fmla="*/ 118440 w 114480"/>
+                <a:gd name="textAreaTop" fmla="*/ 0 h 1232280"/>
+                <a:gd name="textAreaBottom" fmla="*/ 1235880 h 1232280"/>
               </a:gdLst>
               <a:ahLst/>
               <a:rect l="textAreaLeft" t="textAreaTop" r="textAreaRight" b="textAreaBottom"/>
@@ -3827,6 +3828,11 @@
               <a:noAutofit/>
             </a:bodyPr>
             <a:p>
+              <a:pPr>
+                <a:lnSpc>
+                  <a:spcPct val="100000"/>
+                </a:lnSpc>
+              </a:pPr>
               <a:endParaRPr b="0" lang="ru-RU" sz="1400" spc="-1" strike="noStrike">
                 <a:solidFill>
                   <a:schemeClr val="dk1"/>
@@ -3839,22 +3845,22 @@
         </p:sp>
         <p:sp>
           <p:nvSpPr>
-            <p:cNvPr id="113" name="Прямоугольник 43"/>
+            <p:cNvPr id="118" name="Прямоугольник 43"/>
             <p:cNvSpPr/>
             <p:nvPr/>
           </p:nvSpPr>
           <p:spPr>
             <a:xfrm flipH="1">
               <a:off x="10146240" y="184320"/>
-              <a:ext cx="135720" cy="1232640"/>
+              <a:ext cx="135360" cy="1232280"/>
             </a:xfrm>
             <a:custGeom>
               <a:avLst/>
               <a:gdLst>
-                <a:gd name="textAreaLeft" fmla="*/ -360 w 135720"/>
-                <a:gd name="textAreaRight" fmla="*/ 138240 w 135720"/>
-                <a:gd name="textAreaTop" fmla="*/ 0 h 1232640"/>
-                <a:gd name="textAreaBottom" fmla="*/ 1235880 h 1232640"/>
+                <a:gd name="textAreaLeft" fmla="*/ 0 w 135360"/>
+                <a:gd name="textAreaRight" fmla="*/ 138600 w 135360"/>
+                <a:gd name="textAreaTop" fmla="*/ 0 h 1232280"/>
+                <a:gd name="textAreaBottom" fmla="*/ 1235880 h 1232280"/>
               </a:gdLst>
               <a:ahLst/>
               <a:rect l="textAreaLeft" t="textAreaTop" r="textAreaRight" b="textAreaBottom"/>
@@ -3900,6 +3906,11 @@
               <a:noAutofit/>
             </a:bodyPr>
             <a:p>
+              <a:pPr>
+                <a:lnSpc>
+                  <a:spcPct val="100000"/>
+                </a:lnSpc>
+              </a:pPr>
               <a:endParaRPr b="0" lang="ru-RU" sz="1400" spc="-1" strike="noStrike">
                 <a:solidFill>
                   <a:srgbClr val="065cab"/>
@@ -3913,14 +3924,14 @@
       </p:grpSp>
       <p:sp>
         <p:nvSpPr>
-          <p:cNvPr id="114" name="PlaceHolder 25"/>
+          <p:cNvPr id="119" name="PlaceHolder 25"/>
           <p:cNvSpPr/>
           <p:nvPr/>
         </p:nvSpPr>
         <p:spPr>
           <a:xfrm>
             <a:off x="273600" y="6435000"/>
-            <a:ext cx="567000" cy="272160"/>
+            <a:ext cx="566640" cy="271800"/>
           </a:xfrm>
           <a:prstGeom prst="rect">
             <a:avLst/>
@@ -3949,7 +3960,7 @@
                 <a:tab algn="l" pos="0"/>
               </a:tabLst>
             </a:pPr>
-            <a:fld id="{6A534275-DE37-4D4A-941D-E821B4B93AA2}" type="slidenum">
+            <a:fld id="{7053EBC3-BC2E-4BBE-A98A-F5B39B25EFC2}" type="slidenum">
               <a:rPr b="0" lang="ru-RU" sz="1400" spc="-1" strike="noStrike">
                 <a:solidFill>
                   <a:srgbClr val="898989"/>
@@ -3957,7 +3968,7 @@
                 <a:latin typeface="Times New Roman"/>
                 <a:ea typeface="Open Sans"/>
               </a:rPr>
-              <a:t>&lt;number&gt;</a:t>
+              <a:t>10</a:t>
             </a:fld>
             <a:endParaRPr b="0" lang="en-US" sz="1400" spc="-1" strike="noStrike">
               <a:solidFill>
@@ -3970,14 +3981,14 @@
       </p:sp>
       <p:sp>
         <p:nvSpPr>
-          <p:cNvPr id="115" name="PlaceHolder 15"/>
+          <p:cNvPr id="120" name="PlaceHolder 15"/>
           <p:cNvSpPr/>
           <p:nvPr/>
         </p:nvSpPr>
         <p:spPr>
           <a:xfrm>
             <a:off x="9601200" y="1600200"/>
-            <a:ext cx="2286000" cy="2743200"/>
+            <a:ext cx="2285640" cy="2742840"/>
           </a:xfrm>
           <a:prstGeom prst="rect">
             <a:avLst/>
@@ -4049,7 +4060,7 @@
       </p:sp>
       <p:pic>
         <p:nvPicPr>
-          <p:cNvPr id="116" name="" descr=""/>
+          <p:cNvPr id="121" name="" descr=""/>
           <p:cNvPicPr/>
           <p:nvPr/>
         </p:nvPicPr>
@@ -4060,7 +4071,7 @@
         <p:spPr>
           <a:xfrm>
             <a:off x="132480" y="1563480"/>
-            <a:ext cx="9144000" cy="4837320"/>
+            <a:ext cx="9143640" cy="4836960"/>
           </a:xfrm>
           <a:prstGeom prst="rect">
             <a:avLst/>
@@ -4102,7 +4113,7 @@
       </p:grpSpPr>
       <p:sp>
         <p:nvSpPr>
-          <p:cNvPr id="117" name="PlaceHolder 1"/>
+          <p:cNvPr id="122" name="PlaceHolder 1"/>
           <p:cNvSpPr>
             <a:spLocks noGrp="1"/>
           </p:cNvSpPr>
@@ -4113,7 +4124,7 @@
         <p:spPr>
           <a:xfrm>
             <a:off x="388440" y="1371600"/>
-            <a:ext cx="11041560" cy="5257800"/>
+            <a:ext cx="11041200" cy="5257440"/>
           </a:xfrm>
           <a:prstGeom prst="rect">
             <a:avLst/>
@@ -4412,28 +4423,28 @@
       </p:sp>
       <p:grpSp>
         <p:nvGrpSpPr>
-          <p:cNvPr id="118" name="Группа 8"/>
+          <p:cNvPr id="123" name="Группа 8"/>
           <p:cNvGrpSpPr/>
           <p:nvPr/>
         </p:nvGrpSpPr>
         <p:grpSpPr>
           <a:xfrm>
             <a:off x="3168000" y="283680"/>
-            <a:ext cx="5973120" cy="1037520"/>
+            <a:ext cx="5972760" cy="1037520"/>
             <a:chOff x="3168000" y="283680"/>
-            <a:chExt cx="5973120" cy="1037520"/>
+            <a:chExt cx="5972760" cy="1037520"/>
           </a:xfrm>
         </p:grpSpPr>
         <p:sp>
           <p:nvSpPr>
-            <p:cNvPr id="119" name="Прямоугольник 20"/>
+            <p:cNvPr id="124" name="Прямоугольник 20"/>
             <p:cNvSpPr/>
             <p:nvPr/>
           </p:nvSpPr>
           <p:spPr>
             <a:xfrm>
               <a:off x="3168000" y="283680"/>
-              <a:ext cx="5973120" cy="1034280"/>
+              <a:ext cx="5972760" cy="1033920"/>
             </a:xfrm>
             <a:prstGeom prst="rect">
               <a:avLst/>
@@ -4493,22 +4504,22 @@
         </p:sp>
         <p:sp>
           <p:nvSpPr>
-            <p:cNvPr id="120" name="Прямоугольник 21"/>
+            <p:cNvPr id="125" name="Прямоугольник 21"/>
             <p:cNvSpPr/>
             <p:nvPr/>
           </p:nvSpPr>
           <p:spPr>
             <a:xfrm flipH="1" rot="10800000">
-              <a:off x="3168000" y="286920"/>
-              <a:ext cx="95760" cy="1034280"/>
+              <a:off x="3167640" y="287280"/>
+              <a:ext cx="95400" cy="1033920"/>
             </a:xfrm>
             <a:custGeom>
               <a:avLst/>
               <a:gdLst>
-                <a:gd name="textAreaLeft" fmla="*/ 1800 w 95760"/>
-                <a:gd name="textAreaRight" fmla="*/ 100800 w 95760"/>
-                <a:gd name="textAreaTop" fmla="*/ 0 h 1034280"/>
-                <a:gd name="textAreaBottom" fmla="*/ 1037520 h 1034280"/>
+                <a:gd name="textAreaLeft" fmla="*/ 1800 w 95400"/>
+                <a:gd name="textAreaRight" fmla="*/ 100800 w 95400"/>
+                <a:gd name="textAreaTop" fmla="*/ 0 h 1033920"/>
+                <a:gd name="textAreaBottom" fmla="*/ 1037520 h 1033920"/>
               </a:gdLst>
               <a:ahLst/>
               <a:rect l="textAreaLeft" t="textAreaTop" r="textAreaRight" b="textAreaBottom"/>
@@ -4571,22 +4582,22 @@
         </p:sp>
         <p:sp>
           <p:nvSpPr>
-            <p:cNvPr id="121" name="Прямоугольник 22"/>
+            <p:cNvPr id="126" name="Прямоугольник 22"/>
             <p:cNvSpPr/>
             <p:nvPr/>
           </p:nvSpPr>
           <p:spPr>
             <a:xfrm flipH="1">
-              <a:off x="9024480" y="283680"/>
-              <a:ext cx="113040" cy="1034280"/>
+              <a:off x="9023760" y="283680"/>
+              <a:ext cx="112680" cy="1033920"/>
             </a:xfrm>
             <a:custGeom>
               <a:avLst/>
               <a:gdLst>
-                <a:gd name="textAreaLeft" fmla="*/ 1800 w 113040"/>
-                <a:gd name="textAreaRight" fmla="*/ 118080 w 113040"/>
-                <a:gd name="textAreaTop" fmla="*/ 0 h 1034280"/>
-                <a:gd name="textAreaBottom" fmla="*/ 1037520 h 1034280"/>
+                <a:gd name="textAreaLeft" fmla="*/ 1800 w 112680"/>
+                <a:gd name="textAreaRight" fmla="*/ 118080 w 112680"/>
+                <a:gd name="textAreaTop" fmla="*/ 0 h 1033920"/>
+                <a:gd name="textAreaBottom" fmla="*/ 1037520 h 1033920"/>
               </a:gdLst>
               <a:ahLst/>
               <a:rect l="textAreaLeft" t="textAreaTop" r="textAreaRight" b="textAreaBottom"/>
@@ -4650,14 +4661,14 @@
       </p:grpSp>
       <p:sp>
         <p:nvSpPr>
-          <p:cNvPr id="122" name="PlaceHolder 21"/>
+          <p:cNvPr id="127" name="PlaceHolder 21"/>
           <p:cNvSpPr/>
           <p:nvPr/>
         </p:nvSpPr>
         <p:spPr>
           <a:xfrm>
             <a:off x="273600" y="6435000"/>
-            <a:ext cx="567000" cy="272160"/>
+            <a:ext cx="566640" cy="271800"/>
           </a:xfrm>
           <a:prstGeom prst="rect">
             <a:avLst/>
@@ -4686,7 +4697,7 @@
                 <a:tab algn="l" pos="0"/>
               </a:tabLst>
             </a:pPr>
-            <a:fld id="{4C682FDF-A5E4-4B9A-BD3D-B70E8043C59A}" type="slidenum">
+            <a:fld id="{6CAF1A11-D414-42CE-B14C-D55C665317AE}" type="slidenum">
               <a:rPr b="0" lang="ru-RU" sz="1400" spc="-1" strike="noStrike">
                 <a:solidFill>
                   <a:srgbClr val="898989"/>
@@ -4707,7 +4718,7 @@
       </p:sp>
       <p:pic>
         <p:nvPicPr>
-          <p:cNvPr id="123" name="" descr=""/>
+          <p:cNvPr id="128" name="" descr=""/>
           <p:cNvPicPr/>
           <p:nvPr/>
         </p:nvPicPr>
@@ -4718,7 +4729,7 @@
         <p:spPr>
           <a:xfrm>
             <a:off x="6616800" y="5545800"/>
-            <a:ext cx="4048200" cy="904320"/>
+            <a:ext cx="4047840" cy="903960"/>
           </a:xfrm>
           <a:prstGeom prst="rect">
             <a:avLst/>
@@ -4760,7 +4771,7 @@
       </p:grpSpPr>
       <p:sp>
         <p:nvSpPr>
-          <p:cNvPr id="124" name="PlaceHolder 1"/>
+          <p:cNvPr id="129" name="PlaceHolder 1"/>
           <p:cNvSpPr>
             <a:spLocks noGrp="1"/>
           </p:cNvSpPr>
@@ -4770,8 +4781,8 @@
         </p:nvSpPr>
         <p:spPr>
           <a:xfrm>
-            <a:off x="388440" y="1551600"/>
-            <a:ext cx="6240960" cy="505800"/>
+            <a:off x="388440" y="1299600"/>
+            <a:ext cx="6240600" cy="505440"/>
           </a:xfrm>
           <a:prstGeom prst="rect">
             <a:avLst/>
@@ -4816,28 +4827,28 @@
       </p:sp>
       <p:grpSp>
         <p:nvGrpSpPr>
-          <p:cNvPr id="125" name="Группа 16"/>
+          <p:cNvPr id="130" name="Группа 16"/>
           <p:cNvGrpSpPr/>
           <p:nvPr/>
         </p:nvGrpSpPr>
         <p:grpSpPr>
           <a:xfrm>
             <a:off x="3168000" y="469440"/>
-            <a:ext cx="3832200" cy="666000"/>
+            <a:ext cx="3831840" cy="666000"/>
             <a:chOff x="3168000" y="469440"/>
-            <a:chExt cx="3832200" cy="666000"/>
+            <a:chExt cx="3831840" cy="666000"/>
           </a:xfrm>
         </p:grpSpPr>
         <p:sp>
           <p:nvSpPr>
-            <p:cNvPr id="126" name="Прямоугольник 44"/>
+            <p:cNvPr id="131" name="Прямоугольник 44"/>
             <p:cNvSpPr/>
             <p:nvPr/>
           </p:nvSpPr>
           <p:spPr>
             <a:xfrm>
               <a:off x="3168000" y="469440"/>
-              <a:ext cx="3832200" cy="662760"/>
+              <a:ext cx="3831840" cy="662400"/>
             </a:xfrm>
             <a:prstGeom prst="rect">
               <a:avLst/>
@@ -4897,22 +4908,22 @@
         </p:sp>
         <p:sp>
           <p:nvSpPr>
-            <p:cNvPr id="127" name="Прямоугольник 45"/>
+            <p:cNvPr id="132" name="Прямоугольник 45"/>
             <p:cNvSpPr/>
             <p:nvPr/>
           </p:nvSpPr>
           <p:spPr>
             <a:xfrm flipH="1" rot="10800000">
-              <a:off x="3168000" y="472680"/>
-              <a:ext cx="60480" cy="662760"/>
+              <a:off x="3167640" y="473040"/>
+              <a:ext cx="60120" cy="662400"/>
             </a:xfrm>
             <a:custGeom>
               <a:avLst/>
               <a:gdLst>
-                <a:gd name="textAreaLeft" fmla="*/ 1800 w 60480"/>
-                <a:gd name="textAreaRight" fmla="*/ 65520 w 60480"/>
-                <a:gd name="textAreaTop" fmla="*/ 0 h 662760"/>
-                <a:gd name="textAreaBottom" fmla="*/ 666000 h 662760"/>
+                <a:gd name="textAreaLeft" fmla="*/ 1800 w 60120"/>
+                <a:gd name="textAreaRight" fmla="*/ 65520 w 60120"/>
+                <a:gd name="textAreaTop" fmla="*/ 0 h 662400"/>
+                <a:gd name="textAreaBottom" fmla="*/ 666000 h 662400"/>
               </a:gdLst>
               <a:ahLst/>
               <a:rect l="textAreaLeft" t="textAreaTop" r="textAreaRight" b="textAreaBottom"/>
@@ -4958,6 +4969,11 @@
               <a:noAutofit/>
             </a:bodyPr>
             <a:p>
+              <a:pPr>
+                <a:lnSpc>
+                  <a:spcPct val="100000"/>
+                </a:lnSpc>
+              </a:pPr>
               <a:endParaRPr b="0" lang="ru-RU" sz="1400" spc="-1" strike="noStrike">
                 <a:solidFill>
                   <a:schemeClr val="dk1"/>
@@ -4970,22 +4986,22 @@
         </p:sp>
         <p:sp>
           <p:nvSpPr>
-            <p:cNvPr id="128" name="Прямоугольник 46"/>
+            <p:cNvPr id="133" name="Прямоугольник 46"/>
             <p:cNvSpPr/>
             <p:nvPr/>
           </p:nvSpPr>
           <p:spPr>
             <a:xfrm flipH="1">
               <a:off x="6924960" y="469440"/>
-              <a:ext cx="71640" cy="662760"/>
+              <a:ext cx="71280" cy="662400"/>
             </a:xfrm>
             <a:custGeom>
               <a:avLst/>
               <a:gdLst>
-                <a:gd name="textAreaLeft" fmla="*/ -1800 w 71640"/>
-                <a:gd name="textAreaRight" fmla="*/ 73080 w 71640"/>
-                <a:gd name="textAreaTop" fmla="*/ 0 h 662760"/>
-                <a:gd name="textAreaBottom" fmla="*/ 666000 h 662760"/>
+                <a:gd name="textAreaLeft" fmla="*/ -1800 w 71280"/>
+                <a:gd name="textAreaRight" fmla="*/ 73080 w 71280"/>
+                <a:gd name="textAreaTop" fmla="*/ 0 h 662400"/>
+                <a:gd name="textAreaBottom" fmla="*/ 666000 h 662400"/>
               </a:gdLst>
               <a:ahLst/>
               <a:rect l="textAreaLeft" t="textAreaTop" r="textAreaRight" b="textAreaBottom"/>
@@ -5031,6 +5047,11 @@
               <a:noAutofit/>
             </a:bodyPr>
             <a:p>
+              <a:pPr>
+                <a:lnSpc>
+                  <a:spcPct val="100000"/>
+                </a:lnSpc>
+              </a:pPr>
               <a:endParaRPr b="0" lang="ru-RU" sz="1400" spc="-1" strike="noStrike">
                 <a:solidFill>
                   <a:srgbClr val="065cab"/>
@@ -5044,14 +5065,14 @@
       </p:grpSp>
       <p:sp>
         <p:nvSpPr>
-          <p:cNvPr id="129" name="PlaceHolder 14"/>
+          <p:cNvPr id="134" name="PlaceHolder 14"/>
           <p:cNvSpPr/>
           <p:nvPr/>
         </p:nvSpPr>
         <p:spPr>
           <a:xfrm>
             <a:off x="273600" y="6435000"/>
-            <a:ext cx="567000" cy="272160"/>
+            <a:ext cx="566640" cy="271800"/>
           </a:xfrm>
           <a:prstGeom prst="rect">
             <a:avLst/>
@@ -5080,7 +5101,7 @@
                 <a:tab algn="l" pos="0"/>
               </a:tabLst>
             </a:pPr>
-            <a:fld id="{F88E8B56-6CAC-4BF8-87C8-A84EF5038F49}" type="slidenum">
+            <a:fld id="{97AFDBDE-0A38-4933-A54B-2A2779C09327}" type="slidenum">
               <a:rPr b="0" lang="ru-RU" sz="1400" spc="-1" strike="noStrike">
                 <a:solidFill>
                   <a:srgbClr val="898989"/>
@@ -5101,14 +5122,14 @@
       </p:sp>
       <p:sp>
         <p:nvSpPr>
-          <p:cNvPr id="130" name="PlaceHolder 23"/>
-          <p:cNvSpPr txBox="1"/>
+          <p:cNvPr id="135" name="PlaceHolder 23"/>
+          <p:cNvSpPr/>
           <p:nvPr/>
         </p:nvSpPr>
         <p:spPr>
           <a:xfrm>
-            <a:off x="6244200" y="1528200"/>
-            <a:ext cx="5486400" cy="505800"/>
+            <a:off x="6244200" y="1276200"/>
+            <a:ext cx="5486040" cy="505440"/>
           </a:xfrm>
           <a:prstGeom prst="rect">
             <a:avLst/>
@@ -5118,8 +5139,14 @@
             <a:noFill/>
           </a:ln>
         </p:spPr>
+        <p:style>
+          <a:lnRef idx="0"/>
+          <a:fillRef idx="0"/>
+          <a:effectRef idx="0"/>
+          <a:fontRef idx="minor"/>
+        </p:style>
         <p:txBody>
-          <a:bodyPr anchor="t">
+          <a:bodyPr lIns="90000" rIns="90000" tIns="45000" bIns="45000" anchor="t">
             <a:normAutofit/>
           </a:bodyPr>
           <a:p>
@@ -5152,14 +5179,14 @@
       </p:sp>
       <p:sp>
         <p:nvSpPr>
-          <p:cNvPr id="131" name="PlaceHolder 29"/>
-          <p:cNvSpPr txBox="1"/>
+          <p:cNvPr id="136" name="PlaceHolder 29"/>
+          <p:cNvSpPr/>
           <p:nvPr/>
         </p:nvSpPr>
         <p:spPr>
           <a:xfrm>
-            <a:off x="457200" y="2514600"/>
-            <a:ext cx="5486400" cy="505800"/>
+            <a:off x="457200" y="2694600"/>
+            <a:ext cx="5486040" cy="505440"/>
           </a:xfrm>
           <a:prstGeom prst="rect">
             <a:avLst/>
@@ -5169,8 +5196,14 @@
             <a:noFill/>
           </a:ln>
         </p:spPr>
+        <p:style>
+          <a:lnRef idx="0"/>
+          <a:fillRef idx="0"/>
+          <a:effectRef idx="0"/>
+          <a:fontRef idx="minor"/>
+        </p:style>
         <p:txBody>
-          <a:bodyPr anchor="t">
+          <a:bodyPr lIns="90000" rIns="90000" tIns="45000" bIns="45000" anchor="t">
             <a:normAutofit/>
           </a:bodyPr>
           <a:p>
@@ -5203,14 +5236,14 @@
       </p:sp>
       <p:sp>
         <p:nvSpPr>
-          <p:cNvPr id="132" name="PlaceHolder 30"/>
-          <p:cNvSpPr txBox="1"/>
+          <p:cNvPr id="137" name="PlaceHolder 30"/>
+          <p:cNvSpPr/>
           <p:nvPr/>
         </p:nvSpPr>
         <p:spPr>
           <a:xfrm>
-            <a:off x="6400800" y="2514600"/>
-            <a:ext cx="5486400" cy="505800"/>
+            <a:off x="6400800" y="2694600"/>
+            <a:ext cx="5486040" cy="505440"/>
           </a:xfrm>
           <a:prstGeom prst="rect">
             <a:avLst/>
@@ -5220,8 +5253,14 @@
             <a:noFill/>
           </a:ln>
         </p:spPr>
+        <p:style>
+          <a:lnRef idx="0"/>
+          <a:fillRef idx="0"/>
+          <a:effectRef idx="0"/>
+          <a:fontRef idx="minor"/>
+        </p:style>
         <p:txBody>
-          <a:bodyPr anchor="t">
+          <a:bodyPr lIns="90000" rIns="90000" tIns="45000" bIns="45000" anchor="t">
             <a:normAutofit/>
           </a:bodyPr>
           <a:p>
@@ -5260,14 +5299,14 @@
       </p:sp>
       <p:sp>
         <p:nvSpPr>
-          <p:cNvPr id="133" name="PlaceHolder 31"/>
-          <p:cNvSpPr txBox="1"/>
+          <p:cNvPr id="138" name="PlaceHolder 31"/>
+          <p:cNvSpPr/>
           <p:nvPr/>
         </p:nvSpPr>
         <p:spPr>
           <a:xfrm>
             <a:off x="388440" y="4572000"/>
-            <a:ext cx="11498760" cy="1600200"/>
+            <a:ext cx="11498400" cy="1599840"/>
           </a:xfrm>
           <a:prstGeom prst="rect">
             <a:avLst/>
@@ -5277,8 +5316,14 @@
             <a:noFill/>
           </a:ln>
         </p:spPr>
+        <p:style>
+          <a:lnRef idx="0"/>
+          <a:fillRef idx="0"/>
+          <a:effectRef idx="0"/>
+          <a:fontRef idx="minor"/>
+        </p:style>
         <p:txBody>
-          <a:bodyPr anchor="t">
+          <a:bodyPr lIns="90000" rIns="90000" tIns="45000" bIns="45000" anchor="t">
             <a:normAutofit/>
           </a:bodyPr>
           <a:p>
@@ -5330,7 +5375,7 @@
                 <a:latin typeface="Arial"/>
                 <a:ea typeface="Open Sans"/>
               </a:rPr>
-              <a:t>Ребалансировка датасета дает положительный эффект на предсказательную способность всех рассмотренных классификаторов</a:t>
+              <a:t>Ребалансировка датасета дает выраженный положительный эффект на предсказательную способность всех рассмотренных классификаторов</a:t>
             </a:r>
             <a:endParaRPr b="0" lang="en-US" sz="1800" spc="-1" strike="noStrike">
               <a:solidFill>
@@ -5362,7 +5407,7 @@
                 <a:latin typeface="Arial"/>
                 <a:ea typeface="Open Sans"/>
               </a:rPr>
-              <a:t>Наилучшие метрики показала модель LightGBM</a:t>
+              <a:t>Наилучшие метрики показала модель LightGBM. </a:t>
             </a:r>
             <a:endParaRPr b="0" lang="en-US" sz="1800" spc="-1" strike="noStrike">
               <a:solidFill>
@@ -5387,40 +5432,100 @@
               <a:latin typeface="Arial"/>
             </a:endParaRPr>
           </a:p>
-          <a:p>
-            <a:pPr>
-              <a:lnSpc>
-                <a:spcPct val="115000"/>
-              </a:lnSpc>
-              <a:tabLst>
-                <a:tab algn="l" pos="0"/>
-              </a:tabLst>
-            </a:pPr>
-            <a:endParaRPr b="0" lang="en-US" sz="1800" spc="-1" strike="noStrike">
-              <a:solidFill>
-                <a:srgbClr val="000000"/>
-              </a:solidFill>
-              <a:latin typeface="Arial"/>
-            </a:endParaRPr>
-          </a:p>
-          <a:p>
-            <a:pPr>
-              <a:lnSpc>
-                <a:spcPct val="115000"/>
-              </a:lnSpc>
-              <a:tabLst>
-                <a:tab algn="l" pos="0"/>
-              </a:tabLst>
-            </a:pPr>
-            <a:endParaRPr b="0" lang="en-US" sz="1800" spc="-1" strike="noStrike">
-              <a:solidFill>
-                <a:srgbClr val="000000"/>
-              </a:solidFill>
-              <a:latin typeface="Arial"/>
-            </a:endParaRPr>
-          </a:p>
         </p:txBody>
       </p:sp>
+      <p:pic>
+        <p:nvPicPr>
+          <p:cNvPr id="139" name="" descr=""/>
+          <p:cNvPicPr/>
+          <p:nvPr/>
+        </p:nvPicPr>
+        <p:blipFill>
+          <a:blip r:embed="rId1"/>
+          <a:stretch/>
+        </p:blipFill>
+        <p:spPr>
+          <a:xfrm>
+            <a:off x="457200" y="1780200"/>
+            <a:ext cx="3971520" cy="951840"/>
+          </a:xfrm>
+          <a:prstGeom prst="rect">
+            <a:avLst/>
+          </a:prstGeom>
+          <a:ln w="0">
+            <a:noFill/>
+          </a:ln>
+        </p:spPr>
+      </p:pic>
+      <p:pic>
+        <p:nvPicPr>
+          <p:cNvPr id="140" name="" descr=""/>
+          <p:cNvPicPr/>
+          <p:nvPr/>
+        </p:nvPicPr>
+        <p:blipFill>
+          <a:blip r:embed="rId2"/>
+          <a:stretch/>
+        </p:blipFill>
+        <p:spPr>
+          <a:xfrm>
+            <a:off x="6388920" y="1761480"/>
+            <a:ext cx="4066920" cy="932760"/>
+          </a:xfrm>
+          <a:prstGeom prst="rect">
+            <a:avLst/>
+          </a:prstGeom>
+          <a:ln w="0">
+            <a:noFill/>
+          </a:ln>
+        </p:spPr>
+      </p:pic>
+      <p:pic>
+        <p:nvPicPr>
+          <p:cNvPr id="141" name="" descr=""/>
+          <p:cNvPicPr/>
+          <p:nvPr/>
+        </p:nvPicPr>
+        <p:blipFill>
+          <a:blip r:embed="rId3"/>
+          <a:stretch/>
+        </p:blipFill>
+        <p:spPr>
+          <a:xfrm>
+            <a:off x="447840" y="3200400"/>
+            <a:ext cx="3895200" cy="903960"/>
+          </a:xfrm>
+          <a:prstGeom prst="rect">
+            <a:avLst/>
+          </a:prstGeom>
+          <a:ln w="0">
+            <a:noFill/>
+          </a:ln>
+        </p:spPr>
+      </p:pic>
+      <p:pic>
+        <p:nvPicPr>
+          <p:cNvPr id="142" name="" descr=""/>
+          <p:cNvPicPr/>
+          <p:nvPr/>
+        </p:nvPicPr>
+        <p:blipFill>
+          <a:blip r:embed="rId4"/>
+          <a:stretch/>
+        </p:blipFill>
+        <p:spPr>
+          <a:xfrm>
+            <a:off x="6400800" y="3200400"/>
+            <a:ext cx="4038120" cy="875520"/>
+          </a:xfrm>
+          <a:prstGeom prst="rect">
+            <a:avLst/>
+          </a:prstGeom>
+          <a:ln w="0">
+            <a:noFill/>
+          </a:ln>
+        </p:spPr>
+      </p:pic>
     </p:spTree>
   </p:cSld>
   <mc:AlternateContent>
@@ -5453,7 +5558,7 @@
       </p:grpSpPr>
       <p:sp>
         <p:nvSpPr>
-          <p:cNvPr id="134" name="PlaceHolder 1"/>
+          <p:cNvPr id="143" name="PlaceHolder 1"/>
           <p:cNvSpPr>
             <a:spLocks noGrp="1"/>
           </p:cNvSpPr>
@@ -5464,7 +5569,7 @@
         <p:spPr>
           <a:xfrm>
             <a:off x="388440" y="1371600"/>
-            <a:ext cx="11724840" cy="5255280"/>
+            <a:ext cx="11724480" cy="5254920"/>
           </a:xfrm>
           <a:prstGeom prst="rect">
             <a:avLst/>
@@ -5511,61 +5616,6 @@
                 <a:tab algn="l" pos="0"/>
               </a:tabLst>
             </a:pPr>
-            <a:endParaRPr b="0" lang="en-US" sz="2200" spc="-1" strike="noStrike">
-              <a:solidFill>
-                <a:srgbClr val="000000"/>
-              </a:solidFill>
-              <a:latin typeface="Arial"/>
-            </a:endParaRPr>
-          </a:p>
-          <a:p>
-            <a:pPr marL="216000" indent="-216000" algn="just">
-              <a:lnSpc>
-                <a:spcPct val="90000"/>
-              </a:lnSpc>
-              <a:spcBef>
-                <a:spcPts val="751"/>
-              </a:spcBef>
-              <a:buClr>
-                <a:srgbClr val="000000"/>
-              </a:buClr>
-              <a:buSzPct val="45000"/>
-              <a:buFont typeface="Wingdings" charset="2"/>
-              <a:buChar char=""/>
-              <a:tabLst>
-                <a:tab algn="l" pos="0"/>
-              </a:tabLst>
-            </a:pPr>
-            <a:r>
-              <a:rPr b="0" lang="ru-RU" sz="2200" spc="-1" strike="noStrike">
-                <a:solidFill>
-                  <a:srgbClr val="262626"/>
-                </a:solidFill>
-                <a:latin typeface="ALS Sector Regular"/>
-                <a:ea typeface="Open Sans"/>
-              </a:rPr>
-              <a:t>XXX</a:t>
-            </a:r>
-            <a:endParaRPr b="0" lang="en-US" sz="2200" spc="-1" strike="noStrike">
-              <a:solidFill>
-                <a:srgbClr val="000000"/>
-              </a:solidFill>
-              <a:latin typeface="Arial"/>
-            </a:endParaRPr>
-          </a:p>
-          <a:p>
-            <a:pPr marL="216000" indent="0" algn="just">
-              <a:lnSpc>
-                <a:spcPct val="90000"/>
-              </a:lnSpc>
-              <a:spcBef>
-                <a:spcPts val="751"/>
-              </a:spcBef>
-              <a:buNone/>
-              <a:tabLst>
-                <a:tab algn="l" pos="0"/>
-              </a:tabLst>
-            </a:pPr>
             <a:r>
               <a:rPr b="0" lang="ru-RU" sz="2200" spc="-1" strike="noStrike">
                 <a:solidFill>
@@ -5687,28 +5737,28 @@
       </p:sp>
       <p:grpSp>
         <p:nvGrpSpPr>
-          <p:cNvPr id="135" name="Группа 9"/>
+          <p:cNvPr id="144" name="Группа 9"/>
           <p:cNvGrpSpPr/>
           <p:nvPr/>
         </p:nvGrpSpPr>
         <p:grpSpPr>
           <a:xfrm>
             <a:off x="3168000" y="283680"/>
-            <a:ext cx="5973120" cy="1037520"/>
+            <a:ext cx="5972760" cy="1037520"/>
             <a:chOff x="3168000" y="283680"/>
-            <a:chExt cx="5973120" cy="1037520"/>
+            <a:chExt cx="5972760" cy="1037520"/>
           </a:xfrm>
         </p:grpSpPr>
         <p:sp>
           <p:nvSpPr>
-            <p:cNvPr id="136" name="Прямоугольник 23"/>
+            <p:cNvPr id="145" name="Прямоугольник 23"/>
             <p:cNvSpPr/>
             <p:nvPr/>
           </p:nvSpPr>
           <p:spPr>
             <a:xfrm>
               <a:off x="3168000" y="283680"/>
-              <a:ext cx="5973120" cy="1034280"/>
+              <a:ext cx="5972760" cy="1033920"/>
             </a:xfrm>
             <a:prstGeom prst="rect">
               <a:avLst/>
@@ -5755,7 +5805,7 @@
                   <a:latin typeface="ALS Sector Bold"/>
                   <a:ea typeface="Arial"/>
                 </a:rPr>
-                <a:t>XXX</a:t>
+                <a:t>Нейронная сеть. Keras</a:t>
               </a:r>
               <a:endParaRPr b="0" lang="en-US" sz="2800" spc="-1" strike="noStrike">
                 <a:solidFill>
@@ -5768,22 +5818,22 @@
         </p:sp>
         <p:sp>
           <p:nvSpPr>
-            <p:cNvPr id="137" name="Прямоугольник 24"/>
+            <p:cNvPr id="146" name="Прямоугольник 24"/>
             <p:cNvSpPr/>
             <p:nvPr/>
           </p:nvSpPr>
           <p:spPr>
             <a:xfrm flipH="1" rot="10800000">
-              <a:off x="3168000" y="286920"/>
-              <a:ext cx="95760" cy="1034280"/>
+              <a:off x="3167640" y="287280"/>
+              <a:ext cx="95400" cy="1033920"/>
             </a:xfrm>
             <a:custGeom>
               <a:avLst/>
               <a:gdLst>
-                <a:gd name="textAreaLeft" fmla="*/ 1800 w 95760"/>
-                <a:gd name="textAreaRight" fmla="*/ 100800 w 95760"/>
-                <a:gd name="textAreaTop" fmla="*/ 0 h 1034280"/>
-                <a:gd name="textAreaBottom" fmla="*/ 1037520 h 1034280"/>
+                <a:gd name="textAreaLeft" fmla="*/ 1800 w 95400"/>
+                <a:gd name="textAreaRight" fmla="*/ 100800 w 95400"/>
+                <a:gd name="textAreaTop" fmla="*/ 0 h 1033920"/>
+                <a:gd name="textAreaBottom" fmla="*/ 1037520 h 1033920"/>
               </a:gdLst>
               <a:ahLst/>
               <a:rect l="textAreaLeft" t="textAreaTop" r="textAreaRight" b="textAreaBottom"/>
@@ -5846,22 +5896,22 @@
         </p:sp>
         <p:sp>
           <p:nvSpPr>
-            <p:cNvPr id="138" name="Прямоугольник 25"/>
+            <p:cNvPr id="147" name="Прямоугольник 25"/>
             <p:cNvSpPr/>
             <p:nvPr/>
           </p:nvSpPr>
           <p:spPr>
             <a:xfrm flipH="1">
-              <a:off x="9024480" y="283680"/>
-              <a:ext cx="113040" cy="1034280"/>
+              <a:off x="9023760" y="283680"/>
+              <a:ext cx="112680" cy="1033920"/>
             </a:xfrm>
             <a:custGeom>
               <a:avLst/>
               <a:gdLst>
-                <a:gd name="textAreaLeft" fmla="*/ 1800 w 113040"/>
-                <a:gd name="textAreaRight" fmla="*/ 118080 w 113040"/>
-                <a:gd name="textAreaTop" fmla="*/ 0 h 1034280"/>
-                <a:gd name="textAreaBottom" fmla="*/ 1037520 h 1034280"/>
+                <a:gd name="textAreaLeft" fmla="*/ 1800 w 112680"/>
+                <a:gd name="textAreaRight" fmla="*/ 118080 w 112680"/>
+                <a:gd name="textAreaTop" fmla="*/ 0 h 1033920"/>
+                <a:gd name="textAreaBottom" fmla="*/ 1037520 h 1033920"/>
               </a:gdLst>
               <a:ahLst/>
               <a:rect l="textAreaLeft" t="textAreaTop" r="textAreaRight" b="textAreaBottom"/>
@@ -5925,14 +5975,14 @@
       </p:grpSp>
       <p:sp>
         <p:nvSpPr>
-          <p:cNvPr id="139" name="PlaceHolder 5"/>
+          <p:cNvPr id="148" name="PlaceHolder 5"/>
           <p:cNvSpPr/>
           <p:nvPr/>
         </p:nvSpPr>
         <p:spPr>
           <a:xfrm>
             <a:off x="273600" y="6435000"/>
-            <a:ext cx="567000" cy="272160"/>
+            <a:ext cx="566640" cy="271800"/>
           </a:xfrm>
           <a:prstGeom prst="rect">
             <a:avLst/>
@@ -5961,7 +6011,7 @@
                 <a:tab algn="l" pos="0"/>
               </a:tabLst>
             </a:pPr>
-            <a:fld id="{7B143E91-AF06-4565-966E-1E62D9B02CBF}" type="slidenum">
+            <a:fld id="{CEF11267-CA2D-414F-9363-0DA37CC21FAC}" type="slidenum">
               <a:rPr b="0" lang="ru-RU" sz="1400" spc="-1" strike="noStrike">
                 <a:solidFill>
                   <a:srgbClr val="898989"/>
@@ -6012,18 +6062,14 @@
       </p:grpSpPr>
       <p:sp>
         <p:nvSpPr>
-          <p:cNvPr id="140" name="PlaceHolder 1"/>
-          <p:cNvSpPr>
-            <a:spLocks noGrp="1"/>
-          </p:cNvSpPr>
-          <p:nvPr>
-            <p:ph/>
-          </p:nvPr>
+          <p:cNvPr id="149" name="Текст 8"/>
+          <p:cNvSpPr/>
+          <p:nvPr/>
         </p:nvSpPr>
         <p:spPr>
           <a:xfrm>
-            <a:off x="388440" y="1371600"/>
-            <a:ext cx="11724840" cy="5255280"/>
+            <a:off x="388800" y="1371960"/>
+            <a:ext cx="11347200" cy="4913280"/>
           </a:xfrm>
           <a:prstGeom prst="rect">
             <a:avLst/>
@@ -6033,23 +6079,54 @@
             <a:noFill/>
           </a:ln>
         </p:spPr>
+        <p:style>
+          <a:lnRef idx="0"/>
+          <a:fillRef idx="0"/>
+          <a:effectRef idx="0"/>
+          <a:fontRef idx="minor"/>
+        </p:style>
         <p:txBody>
-          <a:bodyPr lIns="91440" rIns="91440" tIns="45720" bIns="45720" anchor="t">
-            <a:normAutofit/>
+          <a:bodyPr lIns="90000" rIns="90000" tIns="45000" bIns="45000" anchor="t">
+            <a:normAutofit fontScale="93333" lnSpcReduction="10000"/>
           </a:bodyPr>
           <a:p>
-            <a:pPr marL="76320" indent="0" algn="just">
+            <a:pPr marL="73080" indent="-216000">
               <a:lnSpc>
-                <a:spcPct val="90000"/>
+                <a:spcPct val="115000"/>
               </a:lnSpc>
               <a:spcBef>
                 <a:spcPts val="751"/>
               </a:spcBef>
-              <a:buNone/>
+              <a:buClr>
+                <a:srgbClr val="000000"/>
+              </a:buClr>
+              <a:buSzPct val="45000"/>
+              <a:buFont typeface="Segoe UI"/>
+              <a:buChar char="□"/>
               <a:tabLst>
                 <a:tab algn="l" pos="0"/>
               </a:tabLst>
             </a:pPr>
+            <a:r>
+              <a:rPr b="0" lang="ru-RU" sz="2200" spc="-1" strike="noStrike">
+                <a:solidFill>
+                  <a:srgbClr val="262626"/>
+                </a:solidFill>
+                <a:latin typeface="Arial"/>
+                <a:ea typeface="Open Sans"/>
+              </a:rPr>
+              <a:t> </a:t>
+            </a:r>
+            <a:r>
+              <a:rPr b="0" lang="ru-RU" sz="2200" spc="-1" strike="noStrike">
+                <a:solidFill>
+                  <a:srgbClr val="262626"/>
+                </a:solidFill>
+                <a:latin typeface="Arial"/>
+                <a:ea typeface="Open Sans"/>
+              </a:rPr>
+              <a:t>Все обученные классификаторы показывают значительно лучшие результаты, чем базовая модель. </a:t>
+            </a:r>
             <a:endParaRPr b="0" lang="en-US" sz="2200" spc="-1" strike="noStrike">
               <a:solidFill>
                 <a:srgbClr val="000000"/>
@@ -6058,18 +6135,43 @@
             </a:endParaRPr>
           </a:p>
           <a:p>
-            <a:pPr marL="76320" indent="0" algn="just">
+            <a:pPr marL="73080" indent="-216000">
               <a:lnSpc>
-                <a:spcPct val="90000"/>
+                <a:spcPct val="115000"/>
               </a:lnSpc>
               <a:spcBef>
                 <a:spcPts val="751"/>
               </a:spcBef>
-              <a:buNone/>
+              <a:buClr>
+                <a:srgbClr val="000000"/>
+              </a:buClr>
+              <a:buSzPct val="45000"/>
+              <a:buFont typeface="Segoe UI"/>
+              <a:buChar char="□"/>
               <a:tabLst>
                 <a:tab algn="l" pos="0"/>
               </a:tabLst>
             </a:pPr>
+            <a:r>
+              <a:rPr b="0" lang="ru-RU" sz="2200" spc="-1" strike="noStrike">
+                <a:solidFill>
+                  <a:srgbClr val="262626"/>
+                </a:solidFill>
+                <a:latin typeface="Arial"/>
+                <a:ea typeface="Open Sans"/>
+              </a:rPr>
+              <a:t> </a:t>
+            </a:r>
+            <a:r>
+              <a:rPr b="0" lang="ru-RU" sz="2200" spc="-1" strike="noStrike">
+                <a:solidFill>
+                  <a:srgbClr val="262626"/>
+                </a:solidFill>
+                <a:latin typeface="Arial"/>
+                <a:ea typeface="Open Sans"/>
+              </a:rPr>
+              <a:t>Признаки отранжированы по значимости</a:t>
+            </a:r>
             <a:endParaRPr b="0" lang="en-US" sz="2200" spc="-1" strike="noStrike">
               <a:solidFill>
                 <a:srgbClr val="000000"/>
@@ -6078,12 +6180,57 @@
             </a:endParaRPr>
           </a:p>
           <a:p>
-            <a:pPr marL="216000" indent="-216000" algn="just">
+            <a:pPr marL="73080" indent="-216000">
               <a:lnSpc>
-                <a:spcPct val="90000"/>
+                <a:spcPct val="115000"/>
               </a:lnSpc>
               <a:spcBef>
-                <a:spcPts val="751"/>
+                <a:spcPts val="1729"/>
+              </a:spcBef>
+              <a:buClr>
+                <a:srgbClr val="000000"/>
+              </a:buClr>
+              <a:buSzPct val="45000"/>
+              <a:buFont typeface="Segoe UI"/>
+              <a:buChar char="□"/>
+              <a:tabLst>
+                <a:tab algn="l" pos="0"/>
+              </a:tabLst>
+            </a:pPr>
+            <a:r>
+              <a:rPr b="0" lang="ru-RU" sz="2200" spc="-1" strike="noStrike">
+                <a:solidFill>
+                  <a:srgbClr val="262626"/>
+                </a:solidFill>
+                <a:latin typeface="Arial"/>
+                <a:ea typeface="Open Sans"/>
+              </a:rPr>
+              <a:t> </a:t>
+            </a:r>
+            <a:r>
+              <a:rPr b="0" lang="ru-RU" sz="2200" spc="-1" strike="noStrike">
+                <a:solidFill>
+                  <a:srgbClr val="262626"/>
+                </a:solidFill>
+                <a:latin typeface="Arial"/>
+                <a:ea typeface="Open Sans"/>
+              </a:rPr>
+              <a:t>Дальнейшие шаги по улучшению качества моделей могли бы включать:</a:t>
+            </a:r>
+            <a:endParaRPr b="0" lang="en-US" sz="2200" spc="-1" strike="noStrike">
+              <a:solidFill>
+                <a:srgbClr val="000000"/>
+              </a:solidFill>
+              <a:latin typeface="Arial"/>
+            </a:endParaRPr>
+          </a:p>
+          <a:p>
+            <a:pPr lvl="4" marL="1080000" indent="-216000">
+              <a:lnSpc>
+                <a:spcPct val="115000"/>
+              </a:lnSpc>
+              <a:spcBef>
+                <a:spcPts val="1729"/>
               </a:spcBef>
               <a:buClr>
                 <a:srgbClr val="000000"/>
@@ -6100,10 +6247,10 @@
                 <a:solidFill>
                   <a:srgbClr val="262626"/>
                 </a:solidFill>
-                <a:latin typeface="ALS Sector Regular"/>
+                <a:latin typeface="Arial"/>
                 <a:ea typeface="Open Sans"/>
               </a:rPr>
-              <a:t>XXX</a:t>
+              <a:t>Более тонкую настройку стандартизации непрерывных переменных</a:t>
             </a:r>
             <a:endParaRPr b="0" lang="en-US" sz="2200" spc="-1" strike="noStrike">
               <a:solidFill>
@@ -6113,14 +6260,19 @@
             </a:endParaRPr>
           </a:p>
           <a:p>
-            <a:pPr marL="216000" indent="0" algn="just">
+            <a:pPr lvl="4" marL="1080000" indent="-216000">
               <a:lnSpc>
-                <a:spcPct val="90000"/>
+                <a:spcPct val="115000"/>
               </a:lnSpc>
               <a:spcBef>
-                <a:spcPts val="751"/>
+                <a:spcPts val="1729"/>
               </a:spcBef>
-              <a:buNone/>
+              <a:buClr>
+                <a:srgbClr val="000000"/>
+              </a:buClr>
+              <a:buSzPct val="45000"/>
+              <a:buFont typeface="Wingdings" charset="2"/>
+              <a:buChar char=""/>
               <a:tabLst>
                 <a:tab algn="l" pos="0"/>
               </a:tabLst>
@@ -6130,10 +6282,10 @@
                 <a:solidFill>
                   <a:srgbClr val="262626"/>
                 </a:solidFill>
-                <a:latin typeface="ALS Sector Regular"/>
+                <a:latin typeface="Arial"/>
                 <a:ea typeface="Open Sans"/>
               </a:rPr>
-              <a:t> </a:t>
+              <a:t>Снижение размерности, сокращение признаков в выборке, например методом главных компонент (PCA)</a:t>
             </a:r>
             <a:endParaRPr b="0" lang="en-US" sz="2200" spc="-1" strike="noStrike">
               <a:solidFill>
@@ -6143,18 +6295,33 @@
             </a:endParaRPr>
           </a:p>
           <a:p>
-            <a:pPr marL="76320" indent="0" algn="just">
+            <a:pPr lvl="4" marL="1080000" indent="-216000">
               <a:lnSpc>
-                <a:spcPct val="90000"/>
+                <a:spcPct val="115000"/>
               </a:lnSpc>
               <a:spcBef>
-                <a:spcPts val="751"/>
+                <a:spcPts val="1729"/>
               </a:spcBef>
-              <a:buNone/>
+              <a:buClr>
+                <a:srgbClr val="000000"/>
+              </a:buClr>
+              <a:buSzPct val="45000"/>
+              <a:buFont typeface="Wingdings" charset="2"/>
+              <a:buChar char=""/>
               <a:tabLst>
                 <a:tab algn="l" pos="0"/>
               </a:tabLst>
             </a:pPr>
+            <a:r>
+              <a:rPr b="0" lang="ru-RU" sz="2200" spc="-1" strike="noStrike">
+                <a:solidFill>
+                  <a:srgbClr val="262626"/>
+                </a:solidFill>
+                <a:latin typeface="Arial"/>
+                <a:ea typeface="Open Sans"/>
+              </a:rPr>
+              <a:t>Дальнейший подбор гиперпараметров (невозможен в текущем исследовании из-за большого количества признаков)</a:t>
+            </a:r>
             <a:endParaRPr b="0" lang="en-US" sz="2200" spc="-1" strike="noStrike">
               <a:solidFill>
                 <a:srgbClr val="000000"/>
@@ -6163,78 +6330,43 @@
             </a:endParaRPr>
           </a:p>
           <a:p>
-            <a:pPr marL="76320" indent="0" algn="just">
+            <a:pPr marL="73080" indent="-216000">
               <a:lnSpc>
-                <a:spcPct val="90000"/>
+                <a:spcPct val="115000"/>
               </a:lnSpc>
               <a:spcBef>
-                <a:spcPts val="751"/>
+                <a:spcPts val="1729"/>
               </a:spcBef>
-              <a:buNone/>
+              <a:buClr>
+                <a:srgbClr val="000000"/>
+              </a:buClr>
+              <a:buSzPct val="45000"/>
+              <a:buFont typeface="Segoe UI"/>
+              <a:buChar char="□"/>
               <a:tabLst>
                 <a:tab algn="l" pos="0"/>
               </a:tabLst>
             </a:pPr>
-            <a:endParaRPr b="0" lang="en-US" sz="2200" spc="-1" strike="noStrike">
-              <a:solidFill>
-                <a:srgbClr val="000000"/>
-              </a:solidFill>
-              <a:latin typeface="Arial"/>
-            </a:endParaRPr>
-          </a:p>
-          <a:p>
-            <a:pPr marL="76320" indent="0" algn="just">
-              <a:lnSpc>
-                <a:spcPct val="90000"/>
-              </a:lnSpc>
-              <a:spcBef>
-                <a:spcPts val="751"/>
-              </a:spcBef>
-              <a:buNone/>
-              <a:tabLst>
-                <a:tab algn="l" pos="0"/>
-              </a:tabLst>
-            </a:pPr>
-            <a:endParaRPr b="0" lang="en-US" sz="2200" spc="-1" strike="noStrike">
-              <a:solidFill>
-                <a:srgbClr val="000000"/>
-              </a:solidFill>
-              <a:latin typeface="Arial"/>
-            </a:endParaRPr>
-          </a:p>
-          <a:p>
-            <a:pPr marL="76320" indent="0" algn="just">
-              <a:lnSpc>
-                <a:spcPct val="90000"/>
-              </a:lnSpc>
-              <a:spcBef>
-                <a:spcPts val="751"/>
-              </a:spcBef>
-              <a:buNone/>
-              <a:tabLst>
-                <a:tab algn="l" pos="0"/>
-              </a:tabLst>
-            </a:pPr>
-            <a:endParaRPr b="0" lang="en-US" sz="2200" spc="-1" strike="noStrike">
-              <a:solidFill>
-                <a:srgbClr val="000000"/>
-              </a:solidFill>
-              <a:latin typeface="Arial"/>
-            </a:endParaRPr>
-          </a:p>
-          <a:p>
-            <a:pPr marL="76320" indent="0" algn="just">
-              <a:lnSpc>
-                <a:spcPct val="90000"/>
-              </a:lnSpc>
-              <a:spcBef>
-                <a:spcPts val="751"/>
-              </a:spcBef>
-              <a:buNone/>
-              <a:tabLst>
-                <a:tab algn="l" pos="0"/>
-              </a:tabLst>
-            </a:pPr>
+            <a:r>
+              <a:rPr b="0" lang="ru-RU" sz="2200" spc="-1" strike="noStrike">
+                <a:solidFill>
+                  <a:srgbClr val="262626"/>
+                </a:solidFill>
+                <a:latin typeface="Arial"/>
+                <a:ea typeface="Open Sans"/>
+              </a:rPr>
+              <a:t> </a:t>
+            </a:r>
+            <a:r>
+              <a:rPr b="0" lang="ru-RU" sz="2200" spc="-1" strike="noStrike">
+                <a:solidFill>
+                  <a:srgbClr val="262626"/>
+                </a:solidFill>
+                <a:latin typeface="Arial"/>
+                <a:ea typeface="Open Sans"/>
+              </a:rPr>
+              <a:t>Возможна в дальнейшем разработка приложения для использования обученной модели </a:t>
+            </a:r>
             <a:endParaRPr b="0" lang="en-US" sz="2200" spc="-1" strike="noStrike">
               <a:solidFill>
                 <a:srgbClr val="000000"/>
@@ -6244,254 +6376,16 @@
           </a:p>
         </p:txBody>
       </p:sp>
-      <p:grpSp>
-        <p:nvGrpSpPr>
-          <p:cNvPr id="141" name="Группа 11"/>
-          <p:cNvGrpSpPr/>
-          <p:nvPr/>
-        </p:nvGrpSpPr>
-        <p:grpSpPr>
-          <a:xfrm>
-            <a:off x="3168000" y="283680"/>
-            <a:ext cx="5973120" cy="1037520"/>
-            <a:chOff x="3168000" y="283680"/>
-            <a:chExt cx="5973120" cy="1037520"/>
-          </a:xfrm>
-        </p:grpSpPr>
-        <p:sp>
-          <p:nvSpPr>
-            <p:cNvPr id="142" name="Прямоугольник 29"/>
-            <p:cNvSpPr/>
-            <p:nvPr/>
-          </p:nvSpPr>
-          <p:spPr>
-            <a:xfrm>
-              <a:off x="3168000" y="283680"/>
-              <a:ext cx="5973120" cy="1034280"/>
-            </a:xfrm>
-            <a:prstGeom prst="rect">
-              <a:avLst/>
-            </a:prstGeom>
-            <a:solidFill>
-              <a:schemeClr val="bg1"/>
-            </a:solidFill>
-            <a:ln>
-              <a:solidFill>
-                <a:srgbClr val="ffffff"/>
-              </a:solidFill>
-              <a:round/>
-            </a:ln>
-          </p:spPr>
-          <p:style>
-            <a:lnRef idx="2">
-              <a:schemeClr val="accent1">
-                <a:shade val="50000"/>
-              </a:schemeClr>
-            </a:lnRef>
-            <a:fillRef idx="1">
-              <a:schemeClr val="accent1"/>
-            </a:fillRef>
-            <a:effectRef idx="0">
-              <a:schemeClr val="accent1"/>
-            </a:effectRef>
-            <a:fontRef idx="minor"/>
-          </p:style>
-          <p:txBody>
-            <a:bodyPr lIns="90000" rIns="90000" tIns="45000" bIns="45000" anchor="ctr">
-              <a:noAutofit/>
-            </a:bodyPr>
-            <a:p>
-              <a:pPr algn="ctr">
-                <a:lnSpc>
-                  <a:spcPct val="100000"/>
-                </a:lnSpc>
-              </a:pPr>
-              <a:r>
-                <a:rPr b="0" lang="ru-RU" sz="2800" spc="180" strike="noStrike">
-                  <a:solidFill>
-                    <a:srgbClr val="065cab"/>
-                  </a:solidFill>
-                  <a:latin typeface="ALS Sector Bold"/>
-                  <a:ea typeface="Arial"/>
-                </a:rPr>
-                <a:t>XXX</a:t>
-              </a:r>
-              <a:endParaRPr b="0" lang="en-US" sz="2800" spc="-1" strike="noStrike">
-                <a:solidFill>
-                  <a:srgbClr val="000000"/>
-                </a:solidFill>
-                <a:latin typeface="Arial"/>
-              </a:endParaRPr>
-            </a:p>
-          </p:txBody>
-        </p:sp>
-        <p:sp>
-          <p:nvSpPr>
-            <p:cNvPr id="143" name="Прямоугольник 30"/>
-            <p:cNvSpPr/>
-            <p:nvPr/>
-          </p:nvSpPr>
-          <p:spPr>
-            <a:xfrm flipH="1" rot="10800000">
-              <a:off x="3168000" y="286920"/>
-              <a:ext cx="95760" cy="1034280"/>
-            </a:xfrm>
-            <a:custGeom>
-              <a:avLst/>
-              <a:gdLst>
-                <a:gd name="textAreaLeft" fmla="*/ 1800 w 95760"/>
-                <a:gd name="textAreaRight" fmla="*/ 100800 w 95760"/>
-                <a:gd name="textAreaTop" fmla="*/ 0 h 1034280"/>
-                <a:gd name="textAreaBottom" fmla="*/ 1037520 h 1034280"/>
-              </a:gdLst>
-              <a:ahLst/>
-              <a:rect l="textAreaLeft" t="textAreaTop" r="textAreaRight" b="textAreaBottom"/>
-              <a:pathLst>
-                <a:path w="424732" h="424732">
-                  <a:moveTo>
-                    <a:pt x="424732" y="424732"/>
-                  </a:moveTo>
-                  <a:lnTo>
-                    <a:pt x="0" y="424732"/>
-                  </a:lnTo>
-                  <a:lnTo>
-                    <a:pt x="0" y="0"/>
-                  </a:lnTo>
-                  <a:lnTo>
-                    <a:pt x="424732" y="0"/>
-                  </a:lnTo>
-                </a:path>
-              </a:pathLst>
-            </a:custGeom>
-            <a:noFill/>
-            <a:ln w="16510">
-              <a:solidFill>
-                <a:srgbClr val="065cab"/>
-              </a:solidFill>
-              <a:round/>
-            </a:ln>
-          </p:spPr>
-          <p:style>
-            <a:lnRef idx="1">
-              <a:schemeClr val="accent1"/>
-            </a:lnRef>
-            <a:fillRef idx="0">
-              <a:schemeClr val="accent1"/>
-            </a:fillRef>
-            <a:effectRef idx="0">
-              <a:schemeClr val="accent1"/>
-            </a:effectRef>
-            <a:fontRef idx="minor"/>
-          </p:style>
-          <p:txBody>
-            <a:bodyPr lIns="90000" rIns="90000" tIns="45000" bIns="45000" anchor="ctr">
-              <a:noAutofit/>
-            </a:bodyPr>
-            <a:p>
-              <a:pPr>
-                <a:lnSpc>
-                  <a:spcPct val="100000"/>
-                </a:lnSpc>
-              </a:pPr>
-              <a:endParaRPr b="0" lang="ru-RU" sz="1400" spc="-1" strike="noStrike">
-                <a:solidFill>
-                  <a:schemeClr val="dk1"/>
-                </a:solidFill>
-                <a:latin typeface="ALS Sector Regular"/>
-                <a:ea typeface="Arial"/>
-              </a:endParaRPr>
-            </a:p>
-          </p:txBody>
-        </p:sp>
-        <p:sp>
-          <p:nvSpPr>
-            <p:cNvPr id="144" name="Прямоугольник 31"/>
-            <p:cNvSpPr/>
-            <p:nvPr/>
-          </p:nvSpPr>
-          <p:spPr>
-            <a:xfrm flipH="1">
-              <a:off x="9024480" y="283680"/>
-              <a:ext cx="113040" cy="1034280"/>
-            </a:xfrm>
-            <a:custGeom>
-              <a:avLst/>
-              <a:gdLst>
-                <a:gd name="textAreaLeft" fmla="*/ 1800 w 113040"/>
-                <a:gd name="textAreaRight" fmla="*/ 118080 w 113040"/>
-                <a:gd name="textAreaTop" fmla="*/ 0 h 1034280"/>
-                <a:gd name="textAreaBottom" fmla="*/ 1037520 h 1034280"/>
-              </a:gdLst>
-              <a:ahLst/>
-              <a:rect l="textAreaLeft" t="textAreaTop" r="textAreaRight" b="textAreaBottom"/>
-              <a:pathLst>
-                <a:path w="424732" h="424732">
-                  <a:moveTo>
-                    <a:pt x="424732" y="424732"/>
-                  </a:moveTo>
-                  <a:lnTo>
-                    <a:pt x="0" y="424732"/>
-                  </a:lnTo>
-                  <a:lnTo>
-                    <a:pt x="0" y="0"/>
-                  </a:lnTo>
-                  <a:lnTo>
-                    <a:pt x="424732" y="0"/>
-                  </a:lnTo>
-                </a:path>
-              </a:pathLst>
-            </a:custGeom>
-            <a:noFill/>
-            <a:ln w="16510">
-              <a:solidFill>
-                <a:srgbClr val="0046a2"/>
-              </a:solidFill>
-              <a:round/>
-            </a:ln>
-          </p:spPr>
-          <p:style>
-            <a:lnRef idx="1">
-              <a:schemeClr val="accent1"/>
-            </a:lnRef>
-            <a:fillRef idx="0">
-              <a:schemeClr val="accent1"/>
-            </a:fillRef>
-            <a:effectRef idx="0">
-              <a:schemeClr val="accent1"/>
-            </a:effectRef>
-            <a:fontRef idx="minor"/>
-          </p:style>
-          <p:txBody>
-            <a:bodyPr lIns="90000" rIns="90000" tIns="45000" bIns="45000" anchor="ctr">
-              <a:noAutofit/>
-            </a:bodyPr>
-            <a:p>
-              <a:pPr>
-                <a:lnSpc>
-                  <a:spcPct val="100000"/>
-                </a:lnSpc>
-              </a:pPr>
-              <a:endParaRPr b="0" lang="ru-RU" sz="1400" spc="-1" strike="noStrike">
-                <a:solidFill>
-                  <a:srgbClr val="065cab"/>
-                </a:solidFill>
-                <a:latin typeface="ALS Sector Regular"/>
-                <a:ea typeface="Arial"/>
-              </a:endParaRPr>
-            </a:p>
-          </p:txBody>
-        </p:sp>
-      </p:grpSp>
       <p:sp>
         <p:nvSpPr>
-          <p:cNvPr id="145" name="PlaceHolder 9"/>
+          <p:cNvPr id="150" name="PlaceHolder 7"/>
           <p:cNvSpPr/>
           <p:nvPr/>
         </p:nvSpPr>
         <p:spPr>
           <a:xfrm>
             <a:off x="273600" y="6435000"/>
-            <a:ext cx="567000" cy="272160"/>
+            <a:ext cx="566640" cy="271800"/>
           </a:xfrm>
           <a:prstGeom prst="rect">
             <a:avLst/>
@@ -6520,7 +6414,7 @@
                 <a:tab algn="l" pos="0"/>
               </a:tabLst>
             </a:pPr>
-            <a:fld id="{7BD5A7F7-245E-49DA-B6D6-E6AE3A4B196F}" type="slidenum">
+            <a:fld id="{C07C2503-40F4-4E4A-BD6B-B15BB6687BAD}" type="slidenum">
               <a:rPr b="0" lang="ru-RU" sz="1400" spc="-1" strike="noStrike">
                 <a:solidFill>
                   <a:srgbClr val="898989"/>
@@ -6531,270 +6425,6 @@
               <a:t>15</a:t>
             </a:fld>
             <a:endParaRPr b="0" lang="en-US" sz="1400" spc="-1" strike="noStrike">
-              <a:solidFill>
-                <a:srgbClr val="000000"/>
-              </a:solidFill>
-              <a:latin typeface="Arial"/>
-            </a:endParaRPr>
-          </a:p>
-        </p:txBody>
-      </p:sp>
-    </p:spTree>
-  </p:cSld>
-  <mc:AlternateContent>
-    <mc:Choice Requires="p14">
-      <p:transition p14:dur="10"/>
-    </mc:Choice>
-    <mc:Fallback>
-      <p:transition/>
-    </mc:Fallback>
-  </mc:AlternateContent>
-</p:sld>
-</file>
-
-<file path=ppt/slides/slide16.xml><?xml version="1.0" encoding="utf-8"?>
-<p:sld xmlns:a="http://schemas.openxmlformats.org/drawingml/2006/main" xmlns:p="http://schemas.openxmlformats.org/presentationml/2006/main" xmlns:r="http://schemas.openxmlformats.org/officeDocument/2006/relationships" xmlns:p14="http://schemas.microsoft.com/office/powerpoint/2010/main" xmlns:p15="http://schemas.microsoft.com/office/powerpoint/2012/main" xmlns:mc="http://schemas.openxmlformats.org/markup-compatibility/2006">
-  <p:cSld>
-    <p:spTree>
-      <p:nvGrpSpPr>
-        <p:cNvPr id="1" name=""/>
-        <p:cNvGrpSpPr/>
-        <p:nvPr/>
-      </p:nvGrpSpPr>
-      <p:grpSpPr>
-        <a:xfrm>
-          <a:off x="0" y="0"/>
-          <a:ext cx="0" cy="0"/>
-          <a:chOff x="0" y="0"/>
-          <a:chExt cx="0" cy="0"/>
-        </a:xfrm>
-      </p:grpSpPr>
-      <p:sp>
-        <p:nvSpPr>
-          <p:cNvPr id="146" name="PlaceHolder 1"/>
-          <p:cNvSpPr>
-            <a:spLocks noGrp="1"/>
-          </p:cNvSpPr>
-          <p:nvPr>
-            <p:ph/>
-          </p:nvPr>
-        </p:nvSpPr>
-        <p:spPr>
-          <a:xfrm>
-            <a:off x="388440" y="1371600"/>
-            <a:ext cx="11724840" cy="5255280"/>
-          </a:xfrm>
-          <a:prstGeom prst="rect">
-            <a:avLst/>
-          </a:prstGeom>
-          <a:noFill/>
-          <a:ln w="0">
-            <a:noFill/>
-          </a:ln>
-        </p:spPr>
-        <p:txBody>
-          <a:bodyPr lIns="91440" rIns="91440" tIns="45720" bIns="45720" anchor="t">
-            <a:normAutofit/>
-          </a:bodyPr>
-          <a:p>
-            <a:pPr marL="76320" indent="0" algn="just">
-              <a:lnSpc>
-                <a:spcPct val="90000"/>
-              </a:lnSpc>
-              <a:spcBef>
-                <a:spcPts val="751"/>
-              </a:spcBef>
-              <a:buNone/>
-              <a:tabLst>
-                <a:tab algn="l" pos="0"/>
-              </a:tabLst>
-            </a:pPr>
-            <a:endParaRPr b="0" lang="en-US" sz="2200" spc="-1" strike="noStrike">
-              <a:solidFill>
-                <a:srgbClr val="000000"/>
-              </a:solidFill>
-              <a:latin typeface="Arial"/>
-            </a:endParaRPr>
-          </a:p>
-          <a:p>
-            <a:pPr marL="76320" indent="0" algn="just">
-              <a:lnSpc>
-                <a:spcPct val="90000"/>
-              </a:lnSpc>
-              <a:spcBef>
-                <a:spcPts val="751"/>
-              </a:spcBef>
-              <a:buNone/>
-              <a:tabLst>
-                <a:tab algn="l" pos="0"/>
-              </a:tabLst>
-            </a:pPr>
-            <a:endParaRPr b="0" lang="en-US" sz="2200" spc="-1" strike="noStrike">
-              <a:solidFill>
-                <a:srgbClr val="000000"/>
-              </a:solidFill>
-              <a:latin typeface="Arial"/>
-            </a:endParaRPr>
-          </a:p>
-          <a:p>
-            <a:pPr marL="216000" indent="-216000" algn="just">
-              <a:lnSpc>
-                <a:spcPct val="90000"/>
-              </a:lnSpc>
-              <a:spcBef>
-                <a:spcPts val="751"/>
-              </a:spcBef>
-              <a:buClr>
-                <a:srgbClr val="000000"/>
-              </a:buClr>
-              <a:buSzPct val="45000"/>
-              <a:buFont typeface="Wingdings" charset="2"/>
-              <a:buChar char=""/>
-              <a:tabLst>
-                <a:tab algn="l" pos="0"/>
-              </a:tabLst>
-            </a:pPr>
-            <a:r>
-              <a:rPr b="0" lang="ru-RU" sz="2200" spc="-1" strike="noStrike">
-                <a:solidFill>
-                  <a:srgbClr val="262626"/>
-                </a:solidFill>
-                <a:latin typeface="ALS Sector Regular"/>
-                <a:ea typeface="Open Sans"/>
-              </a:rPr>
-              <a:t>XXX</a:t>
-            </a:r>
-            <a:endParaRPr b="0" lang="en-US" sz="2200" spc="-1" strike="noStrike">
-              <a:solidFill>
-                <a:srgbClr val="000000"/>
-              </a:solidFill>
-              <a:latin typeface="Arial"/>
-            </a:endParaRPr>
-          </a:p>
-          <a:p>
-            <a:pPr marL="216000" indent="0" algn="just">
-              <a:lnSpc>
-                <a:spcPct val="90000"/>
-              </a:lnSpc>
-              <a:spcBef>
-                <a:spcPts val="751"/>
-              </a:spcBef>
-              <a:buNone/>
-              <a:tabLst>
-                <a:tab algn="l" pos="0"/>
-              </a:tabLst>
-            </a:pPr>
-            <a:r>
-              <a:rPr b="0" lang="ru-RU" sz="2200" spc="-1" strike="noStrike">
-                <a:solidFill>
-                  <a:srgbClr val="262626"/>
-                </a:solidFill>
-                <a:latin typeface="ALS Sector Regular"/>
-                <a:ea typeface="Open Sans"/>
-              </a:rPr>
-              <a:t> </a:t>
-            </a:r>
-            <a:endParaRPr b="0" lang="en-US" sz="2200" spc="-1" strike="noStrike">
-              <a:solidFill>
-                <a:srgbClr val="000000"/>
-              </a:solidFill>
-              <a:latin typeface="Arial"/>
-            </a:endParaRPr>
-          </a:p>
-          <a:p>
-            <a:pPr marL="76320" indent="0" algn="just">
-              <a:lnSpc>
-                <a:spcPct val="90000"/>
-              </a:lnSpc>
-              <a:spcBef>
-                <a:spcPts val="751"/>
-              </a:spcBef>
-              <a:buNone/>
-              <a:tabLst>
-                <a:tab algn="l" pos="0"/>
-              </a:tabLst>
-            </a:pPr>
-            <a:endParaRPr b="0" lang="en-US" sz="2200" spc="-1" strike="noStrike">
-              <a:solidFill>
-                <a:srgbClr val="000000"/>
-              </a:solidFill>
-              <a:latin typeface="Arial"/>
-            </a:endParaRPr>
-          </a:p>
-          <a:p>
-            <a:pPr marL="76320" indent="0" algn="just">
-              <a:lnSpc>
-                <a:spcPct val="90000"/>
-              </a:lnSpc>
-              <a:spcBef>
-                <a:spcPts val="751"/>
-              </a:spcBef>
-              <a:buNone/>
-              <a:tabLst>
-                <a:tab algn="l" pos="0"/>
-              </a:tabLst>
-            </a:pPr>
-            <a:endParaRPr b="0" lang="en-US" sz="2200" spc="-1" strike="noStrike">
-              <a:solidFill>
-                <a:srgbClr val="000000"/>
-              </a:solidFill>
-              <a:latin typeface="Arial"/>
-            </a:endParaRPr>
-          </a:p>
-          <a:p>
-            <a:pPr marL="76320" indent="0" algn="just">
-              <a:lnSpc>
-                <a:spcPct val="90000"/>
-              </a:lnSpc>
-              <a:spcBef>
-                <a:spcPts val="751"/>
-              </a:spcBef>
-              <a:buNone/>
-              <a:tabLst>
-                <a:tab algn="l" pos="0"/>
-              </a:tabLst>
-            </a:pPr>
-            <a:endParaRPr b="0" lang="en-US" sz="2200" spc="-1" strike="noStrike">
-              <a:solidFill>
-                <a:srgbClr val="000000"/>
-              </a:solidFill>
-              <a:latin typeface="Arial"/>
-            </a:endParaRPr>
-          </a:p>
-          <a:p>
-            <a:pPr marL="76320" indent="0" algn="just">
-              <a:lnSpc>
-                <a:spcPct val="90000"/>
-              </a:lnSpc>
-              <a:spcBef>
-                <a:spcPts val="751"/>
-              </a:spcBef>
-              <a:buNone/>
-              <a:tabLst>
-                <a:tab algn="l" pos="0"/>
-              </a:tabLst>
-            </a:pPr>
-            <a:endParaRPr b="0" lang="en-US" sz="2200" spc="-1" strike="noStrike">
-              <a:solidFill>
-                <a:srgbClr val="000000"/>
-              </a:solidFill>
-              <a:latin typeface="Arial"/>
-            </a:endParaRPr>
-          </a:p>
-          <a:p>
-            <a:pPr marL="76320" indent="0" algn="just">
-              <a:lnSpc>
-                <a:spcPct val="90000"/>
-              </a:lnSpc>
-              <a:spcBef>
-                <a:spcPts val="751"/>
-              </a:spcBef>
-              <a:buNone/>
-              <a:tabLst>
-                <a:tab algn="l" pos="0"/>
-              </a:tabLst>
-            </a:pPr>
-            <a:endParaRPr b="0" lang="en-US" sz="2200" spc="-1" strike="noStrike">
               <a:solidFill>
                 <a:srgbClr val="000000"/>
               </a:solidFill>
@@ -6805,1799 +6435,28 @@
       </p:sp>
       <p:grpSp>
         <p:nvGrpSpPr>
-          <p:cNvPr id="147" name="Группа 12"/>
-          <p:cNvGrpSpPr/>
-          <p:nvPr/>
-        </p:nvGrpSpPr>
-        <p:grpSpPr>
-          <a:xfrm>
-            <a:off x="3168000" y="283680"/>
-            <a:ext cx="5973120" cy="1037520"/>
-            <a:chOff x="3168000" y="283680"/>
-            <a:chExt cx="5973120" cy="1037520"/>
-          </a:xfrm>
-        </p:grpSpPr>
-        <p:sp>
-          <p:nvSpPr>
-            <p:cNvPr id="148" name="Прямоугольник 32"/>
-            <p:cNvSpPr/>
-            <p:nvPr/>
-          </p:nvSpPr>
-          <p:spPr>
-            <a:xfrm>
-              <a:off x="3168000" y="283680"/>
-              <a:ext cx="5973120" cy="1034280"/>
-            </a:xfrm>
-            <a:prstGeom prst="rect">
-              <a:avLst/>
-            </a:prstGeom>
-            <a:solidFill>
-              <a:schemeClr val="bg1"/>
-            </a:solidFill>
-            <a:ln>
-              <a:solidFill>
-                <a:srgbClr val="ffffff"/>
-              </a:solidFill>
-              <a:round/>
-            </a:ln>
-          </p:spPr>
-          <p:style>
-            <a:lnRef idx="2">
-              <a:schemeClr val="accent1">
-                <a:shade val="50000"/>
-              </a:schemeClr>
-            </a:lnRef>
-            <a:fillRef idx="1">
-              <a:schemeClr val="accent1"/>
-            </a:fillRef>
-            <a:effectRef idx="0">
-              <a:schemeClr val="accent1"/>
-            </a:effectRef>
-            <a:fontRef idx="minor"/>
-          </p:style>
-          <p:txBody>
-            <a:bodyPr lIns="90000" rIns="90000" tIns="45000" bIns="45000" anchor="ctr">
-              <a:noAutofit/>
-            </a:bodyPr>
-            <a:p>
-              <a:pPr algn="ctr">
-                <a:lnSpc>
-                  <a:spcPct val="100000"/>
-                </a:lnSpc>
-              </a:pPr>
-              <a:r>
-                <a:rPr b="0" lang="ru-RU" sz="2800" spc="180" strike="noStrike">
-                  <a:solidFill>
-                    <a:srgbClr val="065cab"/>
-                  </a:solidFill>
-                  <a:latin typeface="ALS Sector Bold"/>
-                  <a:ea typeface="Arial"/>
-                </a:rPr>
-                <a:t>XXX</a:t>
-              </a:r>
-              <a:endParaRPr b="0" lang="en-US" sz="2800" spc="-1" strike="noStrike">
-                <a:solidFill>
-                  <a:srgbClr val="000000"/>
-                </a:solidFill>
-                <a:latin typeface="Arial"/>
-              </a:endParaRPr>
-            </a:p>
-          </p:txBody>
-        </p:sp>
-        <p:sp>
-          <p:nvSpPr>
-            <p:cNvPr id="149" name="Прямоугольник 33"/>
-            <p:cNvSpPr/>
-            <p:nvPr/>
-          </p:nvSpPr>
-          <p:spPr>
-            <a:xfrm flipH="1" rot="10800000">
-              <a:off x="3168000" y="286920"/>
-              <a:ext cx="95760" cy="1034280"/>
-            </a:xfrm>
-            <a:custGeom>
-              <a:avLst/>
-              <a:gdLst>
-                <a:gd name="textAreaLeft" fmla="*/ 1800 w 95760"/>
-                <a:gd name="textAreaRight" fmla="*/ 100800 w 95760"/>
-                <a:gd name="textAreaTop" fmla="*/ 0 h 1034280"/>
-                <a:gd name="textAreaBottom" fmla="*/ 1037520 h 1034280"/>
-              </a:gdLst>
-              <a:ahLst/>
-              <a:rect l="textAreaLeft" t="textAreaTop" r="textAreaRight" b="textAreaBottom"/>
-              <a:pathLst>
-                <a:path w="424732" h="424732">
-                  <a:moveTo>
-                    <a:pt x="424732" y="424732"/>
-                  </a:moveTo>
-                  <a:lnTo>
-                    <a:pt x="0" y="424732"/>
-                  </a:lnTo>
-                  <a:lnTo>
-                    <a:pt x="0" y="0"/>
-                  </a:lnTo>
-                  <a:lnTo>
-                    <a:pt x="424732" y="0"/>
-                  </a:lnTo>
-                </a:path>
-              </a:pathLst>
-            </a:custGeom>
-            <a:noFill/>
-            <a:ln w="16510">
-              <a:solidFill>
-                <a:srgbClr val="065cab"/>
-              </a:solidFill>
-              <a:round/>
-            </a:ln>
-          </p:spPr>
-          <p:style>
-            <a:lnRef idx="1">
-              <a:schemeClr val="accent1"/>
-            </a:lnRef>
-            <a:fillRef idx="0">
-              <a:schemeClr val="accent1"/>
-            </a:fillRef>
-            <a:effectRef idx="0">
-              <a:schemeClr val="accent1"/>
-            </a:effectRef>
-            <a:fontRef idx="minor"/>
-          </p:style>
-          <p:txBody>
-            <a:bodyPr lIns="90000" rIns="90000" tIns="45000" bIns="45000" anchor="ctr">
-              <a:noAutofit/>
-            </a:bodyPr>
-            <a:p>
-              <a:pPr>
-                <a:lnSpc>
-                  <a:spcPct val="100000"/>
-                </a:lnSpc>
-              </a:pPr>
-              <a:endParaRPr b="0" lang="ru-RU" sz="1400" spc="-1" strike="noStrike">
-                <a:solidFill>
-                  <a:schemeClr val="dk1"/>
-                </a:solidFill>
-                <a:latin typeface="ALS Sector Regular"/>
-                <a:ea typeface="Arial"/>
-              </a:endParaRPr>
-            </a:p>
-          </p:txBody>
-        </p:sp>
-        <p:sp>
-          <p:nvSpPr>
-            <p:cNvPr id="150" name="Прямоугольник 34"/>
-            <p:cNvSpPr/>
-            <p:nvPr/>
-          </p:nvSpPr>
-          <p:spPr>
-            <a:xfrm flipH="1">
-              <a:off x="9024480" y="283680"/>
-              <a:ext cx="113040" cy="1034280"/>
-            </a:xfrm>
-            <a:custGeom>
-              <a:avLst/>
-              <a:gdLst>
-                <a:gd name="textAreaLeft" fmla="*/ 1800 w 113040"/>
-                <a:gd name="textAreaRight" fmla="*/ 118080 w 113040"/>
-                <a:gd name="textAreaTop" fmla="*/ 0 h 1034280"/>
-                <a:gd name="textAreaBottom" fmla="*/ 1037520 h 1034280"/>
-              </a:gdLst>
-              <a:ahLst/>
-              <a:rect l="textAreaLeft" t="textAreaTop" r="textAreaRight" b="textAreaBottom"/>
-              <a:pathLst>
-                <a:path w="424732" h="424732">
-                  <a:moveTo>
-                    <a:pt x="424732" y="424732"/>
-                  </a:moveTo>
-                  <a:lnTo>
-                    <a:pt x="0" y="424732"/>
-                  </a:lnTo>
-                  <a:lnTo>
-                    <a:pt x="0" y="0"/>
-                  </a:lnTo>
-                  <a:lnTo>
-                    <a:pt x="424732" y="0"/>
-                  </a:lnTo>
-                </a:path>
-              </a:pathLst>
-            </a:custGeom>
-            <a:noFill/>
-            <a:ln w="16510">
-              <a:solidFill>
-                <a:srgbClr val="0046a2"/>
-              </a:solidFill>
-              <a:round/>
-            </a:ln>
-          </p:spPr>
-          <p:style>
-            <a:lnRef idx="1">
-              <a:schemeClr val="accent1"/>
-            </a:lnRef>
-            <a:fillRef idx="0">
-              <a:schemeClr val="accent1"/>
-            </a:fillRef>
-            <a:effectRef idx="0">
-              <a:schemeClr val="accent1"/>
-            </a:effectRef>
-            <a:fontRef idx="minor"/>
-          </p:style>
-          <p:txBody>
-            <a:bodyPr lIns="90000" rIns="90000" tIns="45000" bIns="45000" anchor="ctr">
-              <a:noAutofit/>
-            </a:bodyPr>
-            <a:p>
-              <a:pPr>
-                <a:lnSpc>
-                  <a:spcPct val="100000"/>
-                </a:lnSpc>
-              </a:pPr>
-              <a:endParaRPr b="0" lang="ru-RU" sz="1400" spc="-1" strike="noStrike">
-                <a:solidFill>
-                  <a:srgbClr val="065cab"/>
-                </a:solidFill>
-                <a:latin typeface="ALS Sector Regular"/>
-                <a:ea typeface="Arial"/>
-              </a:endParaRPr>
-            </a:p>
-          </p:txBody>
-        </p:sp>
-      </p:grpSp>
-      <p:sp>
-        <p:nvSpPr>
-          <p:cNvPr id="151" name="PlaceHolder 11"/>
-          <p:cNvSpPr/>
-          <p:nvPr/>
-        </p:nvSpPr>
-        <p:spPr>
-          <a:xfrm>
-            <a:off x="273600" y="6435000"/>
-            <a:ext cx="567000" cy="272160"/>
-          </a:xfrm>
-          <a:prstGeom prst="rect">
-            <a:avLst/>
-          </a:prstGeom>
-          <a:noFill/>
-          <a:ln w="0">
-            <a:noFill/>
-          </a:ln>
-        </p:spPr>
-        <p:style>
-          <a:lnRef idx="0"/>
-          <a:fillRef idx="0"/>
-          <a:effectRef idx="0"/>
-          <a:fontRef idx="minor"/>
-        </p:style>
-        <p:txBody>
-          <a:bodyPr lIns="90000" rIns="90000" tIns="45000" bIns="45000" anchor="ctr">
-            <a:noAutofit/>
-          </a:bodyPr>
-          <a:p>
-            <a:pPr>
-              <a:lnSpc>
-                <a:spcPct val="100000"/>
-              </a:lnSpc>
-              <a:tabLst>
-                <a:tab algn="l" pos="0"/>
-              </a:tabLst>
-            </a:pPr>
-            <a:fld id="{1D381A6A-185C-4DE5-9245-3B3B5489749D}" type="slidenum">
-              <a:rPr b="0" lang="ru-RU" sz="1400" spc="-1" strike="noStrike">
-                <a:solidFill>
-                  <a:srgbClr val="898989"/>
-                </a:solidFill>
-                <a:latin typeface="Times New Roman"/>
-                <a:ea typeface="Open Sans"/>
-              </a:rPr>
-              <a:t>16</a:t>
-            </a:fld>
-            <a:endParaRPr b="0" lang="en-US" sz="1400" spc="-1" strike="noStrike">
-              <a:solidFill>
-                <a:srgbClr val="000000"/>
-              </a:solidFill>
-              <a:latin typeface="Arial"/>
-            </a:endParaRPr>
-          </a:p>
-        </p:txBody>
-      </p:sp>
-    </p:spTree>
-  </p:cSld>
-  <mc:AlternateContent>
-    <mc:Choice Requires="p14">
-      <p:transition p14:dur="10"/>
-    </mc:Choice>
-    <mc:Fallback>
-      <p:transition/>
-    </mc:Fallback>
-  </mc:AlternateContent>
-</p:sld>
-</file>
-
-<file path=ppt/slides/slide17.xml><?xml version="1.0" encoding="utf-8"?>
-<p:sld xmlns:a="http://schemas.openxmlformats.org/drawingml/2006/main" xmlns:p="http://schemas.openxmlformats.org/presentationml/2006/main" xmlns:r="http://schemas.openxmlformats.org/officeDocument/2006/relationships" xmlns:p14="http://schemas.microsoft.com/office/powerpoint/2010/main" xmlns:p15="http://schemas.microsoft.com/office/powerpoint/2012/main" xmlns:mc="http://schemas.openxmlformats.org/markup-compatibility/2006">
-  <p:cSld>
-    <p:spTree>
-      <p:nvGrpSpPr>
-        <p:cNvPr id="1" name=""/>
-        <p:cNvGrpSpPr/>
-        <p:nvPr/>
-      </p:nvGrpSpPr>
-      <p:grpSpPr>
-        <a:xfrm>
-          <a:off x="0" y="0"/>
-          <a:ext cx="0" cy="0"/>
-          <a:chOff x="0" y="0"/>
-          <a:chExt cx="0" cy="0"/>
-        </a:xfrm>
-      </p:grpSpPr>
-      <p:sp>
-        <p:nvSpPr>
-          <p:cNvPr id="152" name="PlaceHolder 1"/>
-          <p:cNvSpPr>
-            <a:spLocks noGrp="1"/>
-          </p:cNvSpPr>
-          <p:nvPr>
-            <p:ph/>
-          </p:nvPr>
-        </p:nvSpPr>
-        <p:spPr>
-          <a:xfrm>
-            <a:off x="388440" y="1371600"/>
-            <a:ext cx="11724840" cy="5255280"/>
-          </a:xfrm>
-          <a:prstGeom prst="rect">
-            <a:avLst/>
-          </a:prstGeom>
-          <a:noFill/>
-          <a:ln w="0">
-            <a:noFill/>
-          </a:ln>
-        </p:spPr>
-        <p:txBody>
-          <a:bodyPr lIns="91440" rIns="91440" tIns="45720" bIns="45720" anchor="t">
-            <a:normAutofit/>
-          </a:bodyPr>
-          <a:p>
-            <a:pPr marL="76320" indent="0" algn="just">
-              <a:lnSpc>
-                <a:spcPct val="90000"/>
-              </a:lnSpc>
-              <a:spcBef>
-                <a:spcPts val="751"/>
-              </a:spcBef>
-              <a:buNone/>
-              <a:tabLst>
-                <a:tab algn="l" pos="0"/>
-              </a:tabLst>
-            </a:pPr>
-            <a:endParaRPr b="0" lang="en-US" sz="2200" spc="-1" strike="noStrike">
-              <a:solidFill>
-                <a:srgbClr val="000000"/>
-              </a:solidFill>
-              <a:latin typeface="Arial"/>
-            </a:endParaRPr>
-          </a:p>
-          <a:p>
-            <a:pPr marL="76320" indent="0" algn="just">
-              <a:lnSpc>
-                <a:spcPct val="90000"/>
-              </a:lnSpc>
-              <a:spcBef>
-                <a:spcPts val="751"/>
-              </a:spcBef>
-              <a:buNone/>
-              <a:tabLst>
-                <a:tab algn="l" pos="0"/>
-              </a:tabLst>
-            </a:pPr>
-            <a:endParaRPr b="0" lang="en-US" sz="2200" spc="-1" strike="noStrike">
-              <a:solidFill>
-                <a:srgbClr val="000000"/>
-              </a:solidFill>
-              <a:latin typeface="Arial"/>
-            </a:endParaRPr>
-          </a:p>
-          <a:p>
-            <a:pPr marL="216000" indent="-216000" algn="just">
-              <a:lnSpc>
-                <a:spcPct val="90000"/>
-              </a:lnSpc>
-              <a:spcBef>
-                <a:spcPts val="751"/>
-              </a:spcBef>
-              <a:buClr>
-                <a:srgbClr val="000000"/>
-              </a:buClr>
-              <a:buSzPct val="45000"/>
-              <a:buFont typeface="Wingdings" charset="2"/>
-              <a:buChar char=""/>
-              <a:tabLst>
-                <a:tab algn="l" pos="0"/>
-              </a:tabLst>
-            </a:pPr>
-            <a:r>
-              <a:rPr b="0" lang="ru-RU" sz="2200" spc="-1" strike="noStrike">
-                <a:solidFill>
-                  <a:srgbClr val="262626"/>
-                </a:solidFill>
-                <a:latin typeface="ALS Sector Regular"/>
-                <a:ea typeface="Open Sans"/>
-              </a:rPr>
-              <a:t>XXX</a:t>
-            </a:r>
-            <a:endParaRPr b="0" lang="en-US" sz="2200" spc="-1" strike="noStrike">
-              <a:solidFill>
-                <a:srgbClr val="000000"/>
-              </a:solidFill>
-              <a:latin typeface="Arial"/>
-            </a:endParaRPr>
-          </a:p>
-          <a:p>
-            <a:pPr marL="216000" indent="0" algn="just">
-              <a:lnSpc>
-                <a:spcPct val="90000"/>
-              </a:lnSpc>
-              <a:spcBef>
-                <a:spcPts val="751"/>
-              </a:spcBef>
-              <a:buNone/>
-              <a:tabLst>
-                <a:tab algn="l" pos="0"/>
-              </a:tabLst>
-            </a:pPr>
-            <a:r>
-              <a:rPr b="0" lang="ru-RU" sz="2200" spc="-1" strike="noStrike">
-                <a:solidFill>
-                  <a:srgbClr val="262626"/>
-                </a:solidFill>
-                <a:latin typeface="ALS Sector Regular"/>
-                <a:ea typeface="Open Sans"/>
-              </a:rPr>
-              <a:t> </a:t>
-            </a:r>
-            <a:endParaRPr b="0" lang="en-US" sz="2200" spc="-1" strike="noStrike">
-              <a:solidFill>
-                <a:srgbClr val="000000"/>
-              </a:solidFill>
-              <a:latin typeface="Arial"/>
-            </a:endParaRPr>
-          </a:p>
-          <a:p>
-            <a:pPr marL="76320" indent="0" algn="just">
-              <a:lnSpc>
-                <a:spcPct val="90000"/>
-              </a:lnSpc>
-              <a:spcBef>
-                <a:spcPts val="751"/>
-              </a:spcBef>
-              <a:buNone/>
-              <a:tabLst>
-                <a:tab algn="l" pos="0"/>
-              </a:tabLst>
-            </a:pPr>
-            <a:endParaRPr b="0" lang="en-US" sz="2200" spc="-1" strike="noStrike">
-              <a:solidFill>
-                <a:srgbClr val="000000"/>
-              </a:solidFill>
-              <a:latin typeface="Arial"/>
-            </a:endParaRPr>
-          </a:p>
-          <a:p>
-            <a:pPr marL="76320" indent="0" algn="just">
-              <a:lnSpc>
-                <a:spcPct val="90000"/>
-              </a:lnSpc>
-              <a:spcBef>
-                <a:spcPts val="751"/>
-              </a:spcBef>
-              <a:buNone/>
-              <a:tabLst>
-                <a:tab algn="l" pos="0"/>
-              </a:tabLst>
-            </a:pPr>
-            <a:endParaRPr b="0" lang="en-US" sz="2200" spc="-1" strike="noStrike">
-              <a:solidFill>
-                <a:srgbClr val="000000"/>
-              </a:solidFill>
-              <a:latin typeface="Arial"/>
-            </a:endParaRPr>
-          </a:p>
-          <a:p>
-            <a:pPr marL="76320" indent="0" algn="just">
-              <a:lnSpc>
-                <a:spcPct val="90000"/>
-              </a:lnSpc>
-              <a:spcBef>
-                <a:spcPts val="751"/>
-              </a:spcBef>
-              <a:buNone/>
-              <a:tabLst>
-                <a:tab algn="l" pos="0"/>
-              </a:tabLst>
-            </a:pPr>
-            <a:endParaRPr b="0" lang="en-US" sz="2200" spc="-1" strike="noStrike">
-              <a:solidFill>
-                <a:srgbClr val="000000"/>
-              </a:solidFill>
-              <a:latin typeface="Arial"/>
-            </a:endParaRPr>
-          </a:p>
-          <a:p>
-            <a:pPr marL="76320" indent="0" algn="just">
-              <a:lnSpc>
-                <a:spcPct val="90000"/>
-              </a:lnSpc>
-              <a:spcBef>
-                <a:spcPts val="751"/>
-              </a:spcBef>
-              <a:buNone/>
-              <a:tabLst>
-                <a:tab algn="l" pos="0"/>
-              </a:tabLst>
-            </a:pPr>
-            <a:endParaRPr b="0" lang="en-US" sz="2200" spc="-1" strike="noStrike">
-              <a:solidFill>
-                <a:srgbClr val="000000"/>
-              </a:solidFill>
-              <a:latin typeface="Arial"/>
-            </a:endParaRPr>
-          </a:p>
-          <a:p>
-            <a:pPr marL="76320" indent="0" algn="just">
-              <a:lnSpc>
-                <a:spcPct val="90000"/>
-              </a:lnSpc>
-              <a:spcBef>
-                <a:spcPts val="751"/>
-              </a:spcBef>
-              <a:buNone/>
-              <a:tabLst>
-                <a:tab algn="l" pos="0"/>
-              </a:tabLst>
-            </a:pPr>
-            <a:endParaRPr b="0" lang="en-US" sz="2200" spc="-1" strike="noStrike">
-              <a:solidFill>
-                <a:srgbClr val="000000"/>
-              </a:solidFill>
-              <a:latin typeface="Arial"/>
-            </a:endParaRPr>
-          </a:p>
-        </p:txBody>
-      </p:sp>
-      <p:grpSp>
-        <p:nvGrpSpPr>
-          <p:cNvPr id="153" name="Группа 13"/>
-          <p:cNvGrpSpPr/>
-          <p:nvPr/>
-        </p:nvGrpSpPr>
-        <p:grpSpPr>
-          <a:xfrm>
-            <a:off x="3168000" y="283680"/>
-            <a:ext cx="5973120" cy="1037520"/>
-            <a:chOff x="3168000" y="283680"/>
-            <a:chExt cx="5973120" cy="1037520"/>
-          </a:xfrm>
-        </p:grpSpPr>
-        <p:sp>
-          <p:nvSpPr>
-            <p:cNvPr id="154" name="Прямоугольник 35"/>
-            <p:cNvSpPr/>
-            <p:nvPr/>
-          </p:nvSpPr>
-          <p:spPr>
-            <a:xfrm>
-              <a:off x="3168000" y="283680"/>
-              <a:ext cx="5973120" cy="1034280"/>
-            </a:xfrm>
-            <a:prstGeom prst="rect">
-              <a:avLst/>
-            </a:prstGeom>
-            <a:solidFill>
-              <a:schemeClr val="bg1"/>
-            </a:solidFill>
-            <a:ln>
-              <a:solidFill>
-                <a:srgbClr val="ffffff"/>
-              </a:solidFill>
-              <a:round/>
-            </a:ln>
-          </p:spPr>
-          <p:style>
-            <a:lnRef idx="2">
-              <a:schemeClr val="accent1">
-                <a:shade val="50000"/>
-              </a:schemeClr>
-            </a:lnRef>
-            <a:fillRef idx="1">
-              <a:schemeClr val="accent1"/>
-            </a:fillRef>
-            <a:effectRef idx="0">
-              <a:schemeClr val="accent1"/>
-            </a:effectRef>
-            <a:fontRef idx="minor"/>
-          </p:style>
-          <p:txBody>
-            <a:bodyPr lIns="90000" rIns="90000" tIns="45000" bIns="45000" anchor="ctr">
-              <a:noAutofit/>
-            </a:bodyPr>
-            <a:p>
-              <a:pPr algn="ctr">
-                <a:lnSpc>
-                  <a:spcPct val="100000"/>
-                </a:lnSpc>
-              </a:pPr>
-              <a:r>
-                <a:rPr b="0" lang="ru-RU" sz="2800" spc="180" strike="noStrike">
-                  <a:solidFill>
-                    <a:srgbClr val="065cab"/>
-                  </a:solidFill>
-                  <a:latin typeface="ALS Sector Bold"/>
-                  <a:ea typeface="Arial"/>
-                </a:rPr>
-                <a:t>XXX</a:t>
-              </a:r>
-              <a:endParaRPr b="0" lang="en-US" sz="2800" spc="-1" strike="noStrike">
-                <a:solidFill>
-                  <a:srgbClr val="000000"/>
-                </a:solidFill>
-                <a:latin typeface="Arial"/>
-              </a:endParaRPr>
-            </a:p>
-          </p:txBody>
-        </p:sp>
-        <p:sp>
-          <p:nvSpPr>
-            <p:cNvPr id="155" name="Прямоугольник 36"/>
-            <p:cNvSpPr/>
-            <p:nvPr/>
-          </p:nvSpPr>
-          <p:spPr>
-            <a:xfrm flipH="1" rot="10800000">
-              <a:off x="3168000" y="286920"/>
-              <a:ext cx="95760" cy="1034280"/>
-            </a:xfrm>
-            <a:custGeom>
-              <a:avLst/>
-              <a:gdLst>
-                <a:gd name="textAreaLeft" fmla="*/ 1800 w 95760"/>
-                <a:gd name="textAreaRight" fmla="*/ 100800 w 95760"/>
-                <a:gd name="textAreaTop" fmla="*/ 0 h 1034280"/>
-                <a:gd name="textAreaBottom" fmla="*/ 1037520 h 1034280"/>
-              </a:gdLst>
-              <a:ahLst/>
-              <a:rect l="textAreaLeft" t="textAreaTop" r="textAreaRight" b="textAreaBottom"/>
-              <a:pathLst>
-                <a:path w="424732" h="424732">
-                  <a:moveTo>
-                    <a:pt x="424732" y="424732"/>
-                  </a:moveTo>
-                  <a:lnTo>
-                    <a:pt x="0" y="424732"/>
-                  </a:lnTo>
-                  <a:lnTo>
-                    <a:pt x="0" y="0"/>
-                  </a:lnTo>
-                  <a:lnTo>
-                    <a:pt x="424732" y="0"/>
-                  </a:lnTo>
-                </a:path>
-              </a:pathLst>
-            </a:custGeom>
-            <a:noFill/>
-            <a:ln w="16510">
-              <a:solidFill>
-                <a:srgbClr val="065cab"/>
-              </a:solidFill>
-              <a:round/>
-            </a:ln>
-          </p:spPr>
-          <p:style>
-            <a:lnRef idx="1">
-              <a:schemeClr val="accent1"/>
-            </a:lnRef>
-            <a:fillRef idx="0">
-              <a:schemeClr val="accent1"/>
-            </a:fillRef>
-            <a:effectRef idx="0">
-              <a:schemeClr val="accent1"/>
-            </a:effectRef>
-            <a:fontRef idx="minor"/>
-          </p:style>
-          <p:txBody>
-            <a:bodyPr lIns="90000" rIns="90000" tIns="45000" bIns="45000" anchor="ctr">
-              <a:noAutofit/>
-            </a:bodyPr>
-            <a:p>
-              <a:pPr>
-                <a:lnSpc>
-                  <a:spcPct val="100000"/>
-                </a:lnSpc>
-              </a:pPr>
-              <a:endParaRPr b="0" lang="ru-RU" sz="1400" spc="-1" strike="noStrike">
-                <a:solidFill>
-                  <a:schemeClr val="dk1"/>
-                </a:solidFill>
-                <a:latin typeface="ALS Sector Regular"/>
-                <a:ea typeface="Arial"/>
-              </a:endParaRPr>
-            </a:p>
-          </p:txBody>
-        </p:sp>
-        <p:sp>
-          <p:nvSpPr>
-            <p:cNvPr id="156" name="Прямоугольник 37"/>
-            <p:cNvSpPr/>
-            <p:nvPr/>
-          </p:nvSpPr>
-          <p:spPr>
-            <a:xfrm flipH="1">
-              <a:off x="9024480" y="283680"/>
-              <a:ext cx="113040" cy="1034280"/>
-            </a:xfrm>
-            <a:custGeom>
-              <a:avLst/>
-              <a:gdLst>
-                <a:gd name="textAreaLeft" fmla="*/ 1800 w 113040"/>
-                <a:gd name="textAreaRight" fmla="*/ 118080 w 113040"/>
-                <a:gd name="textAreaTop" fmla="*/ 0 h 1034280"/>
-                <a:gd name="textAreaBottom" fmla="*/ 1037520 h 1034280"/>
-              </a:gdLst>
-              <a:ahLst/>
-              <a:rect l="textAreaLeft" t="textAreaTop" r="textAreaRight" b="textAreaBottom"/>
-              <a:pathLst>
-                <a:path w="424732" h="424732">
-                  <a:moveTo>
-                    <a:pt x="424732" y="424732"/>
-                  </a:moveTo>
-                  <a:lnTo>
-                    <a:pt x="0" y="424732"/>
-                  </a:lnTo>
-                  <a:lnTo>
-                    <a:pt x="0" y="0"/>
-                  </a:lnTo>
-                  <a:lnTo>
-                    <a:pt x="424732" y="0"/>
-                  </a:lnTo>
-                </a:path>
-              </a:pathLst>
-            </a:custGeom>
-            <a:noFill/>
-            <a:ln w="16510">
-              <a:solidFill>
-                <a:srgbClr val="0046a2"/>
-              </a:solidFill>
-              <a:round/>
-            </a:ln>
-          </p:spPr>
-          <p:style>
-            <a:lnRef idx="1">
-              <a:schemeClr val="accent1"/>
-            </a:lnRef>
-            <a:fillRef idx="0">
-              <a:schemeClr val="accent1"/>
-            </a:fillRef>
-            <a:effectRef idx="0">
-              <a:schemeClr val="accent1"/>
-            </a:effectRef>
-            <a:fontRef idx="minor"/>
-          </p:style>
-          <p:txBody>
-            <a:bodyPr lIns="90000" rIns="90000" tIns="45000" bIns="45000" anchor="ctr">
-              <a:noAutofit/>
-            </a:bodyPr>
-            <a:p>
-              <a:pPr>
-                <a:lnSpc>
-                  <a:spcPct val="100000"/>
-                </a:lnSpc>
-              </a:pPr>
-              <a:endParaRPr b="0" lang="ru-RU" sz="1400" spc="-1" strike="noStrike">
-                <a:solidFill>
-                  <a:srgbClr val="065cab"/>
-                </a:solidFill>
-                <a:latin typeface="ALS Sector Regular"/>
-                <a:ea typeface="Arial"/>
-              </a:endParaRPr>
-            </a:p>
-          </p:txBody>
-        </p:sp>
-      </p:grpSp>
-      <p:sp>
-        <p:nvSpPr>
-          <p:cNvPr id="157" name="PlaceHolder 13"/>
-          <p:cNvSpPr/>
-          <p:nvPr/>
-        </p:nvSpPr>
-        <p:spPr>
-          <a:xfrm>
-            <a:off x="273600" y="6435000"/>
-            <a:ext cx="567000" cy="272160"/>
-          </a:xfrm>
-          <a:prstGeom prst="rect">
-            <a:avLst/>
-          </a:prstGeom>
-          <a:noFill/>
-          <a:ln w="0">
-            <a:noFill/>
-          </a:ln>
-        </p:spPr>
-        <p:style>
-          <a:lnRef idx="0"/>
-          <a:fillRef idx="0"/>
-          <a:effectRef idx="0"/>
-          <a:fontRef idx="minor"/>
-        </p:style>
-        <p:txBody>
-          <a:bodyPr lIns="90000" rIns="90000" tIns="45000" bIns="45000" anchor="ctr">
-            <a:noAutofit/>
-          </a:bodyPr>
-          <a:p>
-            <a:pPr>
-              <a:lnSpc>
-                <a:spcPct val="100000"/>
-              </a:lnSpc>
-              <a:tabLst>
-                <a:tab algn="l" pos="0"/>
-              </a:tabLst>
-            </a:pPr>
-            <a:fld id="{5AE3849D-E530-4B7D-A8B5-9D45C9E91C6E}" type="slidenum">
-              <a:rPr b="0" lang="ru-RU" sz="1400" spc="-1" strike="noStrike">
-                <a:solidFill>
-                  <a:srgbClr val="898989"/>
-                </a:solidFill>
-                <a:latin typeface="Times New Roman"/>
-                <a:ea typeface="Open Sans"/>
-              </a:rPr>
-              <a:t>17</a:t>
-            </a:fld>
-            <a:endParaRPr b="0" lang="en-US" sz="1400" spc="-1" strike="noStrike">
-              <a:solidFill>
-                <a:srgbClr val="000000"/>
-              </a:solidFill>
-              <a:latin typeface="Arial"/>
-            </a:endParaRPr>
-          </a:p>
-        </p:txBody>
-      </p:sp>
-    </p:spTree>
-  </p:cSld>
-  <mc:AlternateContent>
-    <mc:Choice Requires="p14">
-      <p:transition p14:dur="10"/>
-    </mc:Choice>
-    <mc:Fallback>
-      <p:transition/>
-    </mc:Fallback>
-  </mc:AlternateContent>
-</p:sld>
-</file>
-
-<file path=ppt/slides/slide18.xml><?xml version="1.0" encoding="utf-8"?>
-<p:sld xmlns:a="http://schemas.openxmlformats.org/drawingml/2006/main" xmlns:p="http://schemas.openxmlformats.org/presentationml/2006/main" xmlns:r="http://schemas.openxmlformats.org/officeDocument/2006/relationships" xmlns:p14="http://schemas.microsoft.com/office/powerpoint/2010/main" xmlns:p15="http://schemas.microsoft.com/office/powerpoint/2012/main" xmlns:mc="http://schemas.openxmlformats.org/markup-compatibility/2006">
-  <p:cSld>
-    <p:spTree>
-      <p:nvGrpSpPr>
-        <p:cNvPr id="1" name=""/>
-        <p:cNvGrpSpPr/>
-        <p:nvPr/>
-      </p:nvGrpSpPr>
-      <p:grpSpPr>
-        <a:xfrm>
-          <a:off x="0" y="0"/>
-          <a:ext cx="0" cy="0"/>
-          <a:chOff x="0" y="0"/>
-          <a:chExt cx="0" cy="0"/>
-        </a:xfrm>
-      </p:grpSpPr>
-      <p:sp>
-        <p:nvSpPr>
-          <p:cNvPr id="158" name="PlaceHolder 1"/>
-          <p:cNvSpPr>
-            <a:spLocks noGrp="1"/>
-          </p:cNvSpPr>
-          <p:nvPr>
-            <p:ph/>
-          </p:nvPr>
-        </p:nvSpPr>
-        <p:spPr>
-          <a:xfrm>
-            <a:off x="388440" y="1371600"/>
-            <a:ext cx="11724840" cy="5255280"/>
-          </a:xfrm>
-          <a:prstGeom prst="rect">
-            <a:avLst/>
-          </a:prstGeom>
-          <a:noFill/>
-          <a:ln w="0">
-            <a:noFill/>
-          </a:ln>
-        </p:spPr>
-        <p:txBody>
-          <a:bodyPr lIns="91440" rIns="91440" tIns="45720" bIns="45720" anchor="t">
-            <a:normAutofit/>
-          </a:bodyPr>
-          <a:p>
-            <a:pPr marL="76320" indent="0" algn="just">
-              <a:lnSpc>
-                <a:spcPct val="90000"/>
-              </a:lnSpc>
-              <a:spcBef>
-                <a:spcPts val="751"/>
-              </a:spcBef>
-              <a:buNone/>
-              <a:tabLst>
-                <a:tab algn="l" pos="0"/>
-              </a:tabLst>
-            </a:pPr>
-            <a:endParaRPr b="0" lang="en-US" sz="2200" spc="-1" strike="noStrike">
-              <a:solidFill>
-                <a:srgbClr val="000000"/>
-              </a:solidFill>
-              <a:latin typeface="Arial"/>
-            </a:endParaRPr>
-          </a:p>
-          <a:p>
-            <a:pPr marL="76320" indent="0" algn="just">
-              <a:lnSpc>
-                <a:spcPct val="90000"/>
-              </a:lnSpc>
-              <a:spcBef>
-                <a:spcPts val="751"/>
-              </a:spcBef>
-              <a:buNone/>
-              <a:tabLst>
-                <a:tab algn="l" pos="0"/>
-              </a:tabLst>
-            </a:pPr>
-            <a:endParaRPr b="0" lang="en-US" sz="2200" spc="-1" strike="noStrike">
-              <a:solidFill>
-                <a:srgbClr val="000000"/>
-              </a:solidFill>
-              <a:latin typeface="Arial"/>
-            </a:endParaRPr>
-          </a:p>
-          <a:p>
-            <a:pPr marL="216000" indent="-216000" algn="just">
-              <a:lnSpc>
-                <a:spcPct val="90000"/>
-              </a:lnSpc>
-              <a:spcBef>
-                <a:spcPts val="751"/>
-              </a:spcBef>
-              <a:buClr>
-                <a:srgbClr val="000000"/>
-              </a:buClr>
-              <a:buSzPct val="45000"/>
-              <a:buFont typeface="Wingdings" charset="2"/>
-              <a:buChar char=""/>
-              <a:tabLst>
-                <a:tab algn="l" pos="0"/>
-              </a:tabLst>
-            </a:pPr>
-            <a:r>
-              <a:rPr b="0" lang="ru-RU" sz="2200" spc="-1" strike="noStrike">
-                <a:solidFill>
-                  <a:srgbClr val="262626"/>
-                </a:solidFill>
-                <a:latin typeface="ALS Sector Regular"/>
-                <a:ea typeface="Open Sans"/>
-              </a:rPr>
-              <a:t>XXX</a:t>
-            </a:r>
-            <a:endParaRPr b="0" lang="en-US" sz="2200" spc="-1" strike="noStrike">
-              <a:solidFill>
-                <a:srgbClr val="000000"/>
-              </a:solidFill>
-              <a:latin typeface="Arial"/>
-            </a:endParaRPr>
-          </a:p>
-          <a:p>
-            <a:pPr marL="216000" indent="0" algn="just">
-              <a:lnSpc>
-                <a:spcPct val="90000"/>
-              </a:lnSpc>
-              <a:spcBef>
-                <a:spcPts val="751"/>
-              </a:spcBef>
-              <a:buNone/>
-              <a:tabLst>
-                <a:tab algn="l" pos="0"/>
-              </a:tabLst>
-            </a:pPr>
-            <a:r>
-              <a:rPr b="0" lang="ru-RU" sz="2200" spc="-1" strike="noStrike">
-                <a:solidFill>
-                  <a:srgbClr val="262626"/>
-                </a:solidFill>
-                <a:latin typeface="ALS Sector Regular"/>
-                <a:ea typeface="Open Sans"/>
-              </a:rPr>
-              <a:t> </a:t>
-            </a:r>
-            <a:endParaRPr b="0" lang="en-US" sz="2200" spc="-1" strike="noStrike">
-              <a:solidFill>
-                <a:srgbClr val="000000"/>
-              </a:solidFill>
-              <a:latin typeface="Arial"/>
-            </a:endParaRPr>
-          </a:p>
-          <a:p>
-            <a:pPr marL="76320" indent="0" algn="just">
-              <a:lnSpc>
-                <a:spcPct val="90000"/>
-              </a:lnSpc>
-              <a:spcBef>
-                <a:spcPts val="751"/>
-              </a:spcBef>
-              <a:buNone/>
-              <a:tabLst>
-                <a:tab algn="l" pos="0"/>
-              </a:tabLst>
-            </a:pPr>
-            <a:endParaRPr b="0" lang="en-US" sz="2200" spc="-1" strike="noStrike">
-              <a:solidFill>
-                <a:srgbClr val="000000"/>
-              </a:solidFill>
-              <a:latin typeface="Arial"/>
-            </a:endParaRPr>
-          </a:p>
-          <a:p>
-            <a:pPr marL="76320" indent="0" algn="just">
-              <a:lnSpc>
-                <a:spcPct val="90000"/>
-              </a:lnSpc>
-              <a:spcBef>
-                <a:spcPts val="751"/>
-              </a:spcBef>
-              <a:buNone/>
-              <a:tabLst>
-                <a:tab algn="l" pos="0"/>
-              </a:tabLst>
-            </a:pPr>
-            <a:endParaRPr b="0" lang="en-US" sz="2200" spc="-1" strike="noStrike">
-              <a:solidFill>
-                <a:srgbClr val="000000"/>
-              </a:solidFill>
-              <a:latin typeface="Arial"/>
-            </a:endParaRPr>
-          </a:p>
-          <a:p>
-            <a:pPr marL="76320" indent="0" algn="just">
-              <a:lnSpc>
-                <a:spcPct val="90000"/>
-              </a:lnSpc>
-              <a:spcBef>
-                <a:spcPts val="751"/>
-              </a:spcBef>
-              <a:buNone/>
-              <a:tabLst>
-                <a:tab algn="l" pos="0"/>
-              </a:tabLst>
-            </a:pPr>
-            <a:endParaRPr b="0" lang="en-US" sz="2200" spc="-1" strike="noStrike">
-              <a:solidFill>
-                <a:srgbClr val="000000"/>
-              </a:solidFill>
-              <a:latin typeface="Arial"/>
-            </a:endParaRPr>
-          </a:p>
-          <a:p>
-            <a:pPr marL="76320" indent="0" algn="just">
-              <a:lnSpc>
-                <a:spcPct val="90000"/>
-              </a:lnSpc>
-              <a:spcBef>
-                <a:spcPts val="751"/>
-              </a:spcBef>
-              <a:buNone/>
-              <a:tabLst>
-                <a:tab algn="l" pos="0"/>
-              </a:tabLst>
-            </a:pPr>
-            <a:endParaRPr b="0" lang="en-US" sz="2200" spc="-1" strike="noStrike">
-              <a:solidFill>
-                <a:srgbClr val="000000"/>
-              </a:solidFill>
-              <a:latin typeface="Arial"/>
-            </a:endParaRPr>
-          </a:p>
-          <a:p>
-            <a:pPr marL="76320" indent="0" algn="just">
-              <a:lnSpc>
-                <a:spcPct val="90000"/>
-              </a:lnSpc>
-              <a:spcBef>
-                <a:spcPts val="751"/>
-              </a:spcBef>
-              <a:buNone/>
-              <a:tabLst>
-                <a:tab algn="l" pos="0"/>
-              </a:tabLst>
-            </a:pPr>
-            <a:endParaRPr b="0" lang="en-US" sz="2200" spc="-1" strike="noStrike">
-              <a:solidFill>
-                <a:srgbClr val="000000"/>
-              </a:solidFill>
-              <a:latin typeface="Arial"/>
-            </a:endParaRPr>
-          </a:p>
-        </p:txBody>
-      </p:sp>
-      <p:grpSp>
-        <p:nvGrpSpPr>
-          <p:cNvPr id="159" name="Группа 10"/>
-          <p:cNvGrpSpPr/>
-          <p:nvPr/>
-        </p:nvGrpSpPr>
-        <p:grpSpPr>
-          <a:xfrm>
-            <a:off x="3168000" y="283680"/>
-            <a:ext cx="5973120" cy="1037520"/>
-            <a:chOff x="3168000" y="283680"/>
-            <a:chExt cx="5973120" cy="1037520"/>
-          </a:xfrm>
-        </p:grpSpPr>
-        <p:sp>
-          <p:nvSpPr>
-            <p:cNvPr id="160" name="Прямоугольник 26"/>
-            <p:cNvSpPr/>
-            <p:nvPr/>
-          </p:nvSpPr>
-          <p:spPr>
-            <a:xfrm>
-              <a:off x="3168000" y="283680"/>
-              <a:ext cx="5973120" cy="1034280"/>
-            </a:xfrm>
-            <a:prstGeom prst="rect">
-              <a:avLst/>
-            </a:prstGeom>
-            <a:solidFill>
-              <a:schemeClr val="bg1"/>
-            </a:solidFill>
-            <a:ln>
-              <a:solidFill>
-                <a:srgbClr val="ffffff"/>
-              </a:solidFill>
-              <a:round/>
-            </a:ln>
-          </p:spPr>
-          <p:style>
-            <a:lnRef idx="2">
-              <a:schemeClr val="accent1">
-                <a:shade val="50000"/>
-              </a:schemeClr>
-            </a:lnRef>
-            <a:fillRef idx="1">
-              <a:schemeClr val="accent1"/>
-            </a:fillRef>
-            <a:effectRef idx="0">
-              <a:schemeClr val="accent1"/>
-            </a:effectRef>
-            <a:fontRef idx="minor"/>
-          </p:style>
-          <p:txBody>
-            <a:bodyPr lIns="90000" rIns="90000" tIns="45000" bIns="45000" anchor="ctr">
-              <a:noAutofit/>
-            </a:bodyPr>
-            <a:p>
-              <a:pPr algn="ctr">
-                <a:lnSpc>
-                  <a:spcPct val="100000"/>
-                </a:lnSpc>
-              </a:pPr>
-              <a:r>
-                <a:rPr b="0" lang="ru-RU" sz="2800" spc="180" strike="noStrike">
-                  <a:solidFill>
-                    <a:srgbClr val="065cab"/>
-                  </a:solidFill>
-                  <a:latin typeface="ALS Sector Bold"/>
-                  <a:ea typeface="Arial"/>
-                </a:rPr>
-                <a:t>XXX</a:t>
-              </a:r>
-              <a:endParaRPr b="0" lang="en-US" sz="2800" spc="-1" strike="noStrike">
-                <a:solidFill>
-                  <a:srgbClr val="000000"/>
-                </a:solidFill>
-                <a:latin typeface="Arial"/>
-              </a:endParaRPr>
-            </a:p>
-          </p:txBody>
-        </p:sp>
-        <p:sp>
-          <p:nvSpPr>
-            <p:cNvPr id="161" name="Прямоугольник 27"/>
-            <p:cNvSpPr/>
-            <p:nvPr/>
-          </p:nvSpPr>
-          <p:spPr>
-            <a:xfrm flipH="1" rot="10800000">
-              <a:off x="3168000" y="286920"/>
-              <a:ext cx="95760" cy="1034280"/>
-            </a:xfrm>
-            <a:custGeom>
-              <a:avLst/>
-              <a:gdLst>
-                <a:gd name="textAreaLeft" fmla="*/ 1800 w 95760"/>
-                <a:gd name="textAreaRight" fmla="*/ 100800 w 95760"/>
-                <a:gd name="textAreaTop" fmla="*/ 0 h 1034280"/>
-                <a:gd name="textAreaBottom" fmla="*/ 1037520 h 1034280"/>
-              </a:gdLst>
-              <a:ahLst/>
-              <a:rect l="textAreaLeft" t="textAreaTop" r="textAreaRight" b="textAreaBottom"/>
-              <a:pathLst>
-                <a:path w="424732" h="424732">
-                  <a:moveTo>
-                    <a:pt x="424732" y="424732"/>
-                  </a:moveTo>
-                  <a:lnTo>
-                    <a:pt x="0" y="424732"/>
-                  </a:lnTo>
-                  <a:lnTo>
-                    <a:pt x="0" y="0"/>
-                  </a:lnTo>
-                  <a:lnTo>
-                    <a:pt x="424732" y="0"/>
-                  </a:lnTo>
-                </a:path>
-              </a:pathLst>
-            </a:custGeom>
-            <a:noFill/>
-            <a:ln w="16510">
-              <a:solidFill>
-                <a:srgbClr val="065cab"/>
-              </a:solidFill>
-              <a:round/>
-            </a:ln>
-          </p:spPr>
-          <p:style>
-            <a:lnRef idx="1">
-              <a:schemeClr val="accent1"/>
-            </a:lnRef>
-            <a:fillRef idx="0">
-              <a:schemeClr val="accent1"/>
-            </a:fillRef>
-            <a:effectRef idx="0">
-              <a:schemeClr val="accent1"/>
-            </a:effectRef>
-            <a:fontRef idx="minor"/>
-          </p:style>
-          <p:txBody>
-            <a:bodyPr lIns="90000" rIns="90000" tIns="45000" bIns="45000" anchor="ctr">
-              <a:noAutofit/>
-            </a:bodyPr>
-            <a:p>
-              <a:pPr>
-                <a:lnSpc>
-                  <a:spcPct val="100000"/>
-                </a:lnSpc>
-              </a:pPr>
-              <a:endParaRPr b="0" lang="ru-RU" sz="1400" spc="-1" strike="noStrike">
-                <a:solidFill>
-                  <a:schemeClr val="dk1"/>
-                </a:solidFill>
-                <a:latin typeface="ALS Sector Regular"/>
-                <a:ea typeface="Arial"/>
-              </a:endParaRPr>
-            </a:p>
-          </p:txBody>
-        </p:sp>
-        <p:sp>
-          <p:nvSpPr>
-            <p:cNvPr id="162" name="Прямоугольник 28"/>
-            <p:cNvSpPr/>
-            <p:nvPr/>
-          </p:nvSpPr>
-          <p:spPr>
-            <a:xfrm flipH="1">
-              <a:off x="9024480" y="283680"/>
-              <a:ext cx="113040" cy="1034280"/>
-            </a:xfrm>
-            <a:custGeom>
-              <a:avLst/>
-              <a:gdLst>
-                <a:gd name="textAreaLeft" fmla="*/ 1800 w 113040"/>
-                <a:gd name="textAreaRight" fmla="*/ 118080 w 113040"/>
-                <a:gd name="textAreaTop" fmla="*/ 0 h 1034280"/>
-                <a:gd name="textAreaBottom" fmla="*/ 1037520 h 1034280"/>
-              </a:gdLst>
-              <a:ahLst/>
-              <a:rect l="textAreaLeft" t="textAreaTop" r="textAreaRight" b="textAreaBottom"/>
-              <a:pathLst>
-                <a:path w="424732" h="424732">
-                  <a:moveTo>
-                    <a:pt x="424732" y="424732"/>
-                  </a:moveTo>
-                  <a:lnTo>
-                    <a:pt x="0" y="424732"/>
-                  </a:lnTo>
-                  <a:lnTo>
-                    <a:pt x="0" y="0"/>
-                  </a:lnTo>
-                  <a:lnTo>
-                    <a:pt x="424732" y="0"/>
-                  </a:lnTo>
-                </a:path>
-              </a:pathLst>
-            </a:custGeom>
-            <a:noFill/>
-            <a:ln w="16510">
-              <a:solidFill>
-                <a:srgbClr val="0046a2"/>
-              </a:solidFill>
-              <a:round/>
-            </a:ln>
-          </p:spPr>
-          <p:style>
-            <a:lnRef idx="1">
-              <a:schemeClr val="accent1"/>
-            </a:lnRef>
-            <a:fillRef idx="0">
-              <a:schemeClr val="accent1"/>
-            </a:fillRef>
-            <a:effectRef idx="0">
-              <a:schemeClr val="accent1"/>
-            </a:effectRef>
-            <a:fontRef idx="minor"/>
-          </p:style>
-          <p:txBody>
-            <a:bodyPr lIns="90000" rIns="90000" tIns="45000" bIns="45000" anchor="ctr">
-              <a:noAutofit/>
-            </a:bodyPr>
-            <a:p>
-              <a:pPr>
-                <a:lnSpc>
-                  <a:spcPct val="100000"/>
-                </a:lnSpc>
-              </a:pPr>
-              <a:endParaRPr b="0" lang="ru-RU" sz="1400" spc="-1" strike="noStrike">
-                <a:solidFill>
-                  <a:srgbClr val="065cab"/>
-                </a:solidFill>
-                <a:latin typeface="ALS Sector Regular"/>
-                <a:ea typeface="Arial"/>
-              </a:endParaRPr>
-            </a:p>
-          </p:txBody>
-        </p:sp>
-      </p:grpSp>
-      <p:sp>
-        <p:nvSpPr>
-          <p:cNvPr id="163" name="PlaceHolder 6"/>
-          <p:cNvSpPr/>
-          <p:nvPr/>
-        </p:nvSpPr>
-        <p:spPr>
-          <a:xfrm>
-            <a:off x="273600" y="6435000"/>
-            <a:ext cx="567000" cy="272160"/>
-          </a:xfrm>
-          <a:prstGeom prst="rect">
-            <a:avLst/>
-          </a:prstGeom>
-          <a:noFill/>
-          <a:ln w="0">
-            <a:noFill/>
-          </a:ln>
-        </p:spPr>
-        <p:style>
-          <a:lnRef idx="0"/>
-          <a:fillRef idx="0"/>
-          <a:effectRef idx="0"/>
-          <a:fontRef idx="minor"/>
-        </p:style>
-        <p:txBody>
-          <a:bodyPr lIns="90000" rIns="90000" tIns="45000" bIns="45000" anchor="ctr">
-            <a:noAutofit/>
-          </a:bodyPr>
-          <a:p>
-            <a:pPr>
-              <a:lnSpc>
-                <a:spcPct val="100000"/>
-              </a:lnSpc>
-              <a:tabLst>
-                <a:tab algn="l" pos="0"/>
-              </a:tabLst>
-            </a:pPr>
-            <a:fld id="{5C597418-E910-4FC8-918A-D65F44EBFA77}" type="slidenum">
-              <a:rPr b="0" lang="ru-RU" sz="1400" spc="-1" strike="noStrike">
-                <a:solidFill>
-                  <a:srgbClr val="898989"/>
-                </a:solidFill>
-                <a:latin typeface="Times New Roman"/>
-                <a:ea typeface="Open Sans"/>
-              </a:rPr>
-              <a:t>18</a:t>
-            </a:fld>
-            <a:endParaRPr b="0" lang="en-US" sz="1400" spc="-1" strike="noStrike">
-              <a:solidFill>
-                <a:srgbClr val="000000"/>
-              </a:solidFill>
-              <a:latin typeface="Arial"/>
-            </a:endParaRPr>
-          </a:p>
-        </p:txBody>
-      </p:sp>
-    </p:spTree>
-  </p:cSld>
-  <mc:AlternateContent>
-    <mc:Choice Requires="p14">
-      <p:transition p14:dur="10"/>
-    </mc:Choice>
-    <mc:Fallback>
-      <p:transition/>
-    </mc:Fallback>
-  </mc:AlternateContent>
-</p:sld>
-</file>
-
-<file path=ppt/slides/slide19.xml><?xml version="1.0" encoding="utf-8"?>
-<p:sld xmlns:a="http://schemas.openxmlformats.org/drawingml/2006/main" xmlns:p="http://schemas.openxmlformats.org/presentationml/2006/main" xmlns:r="http://schemas.openxmlformats.org/officeDocument/2006/relationships" xmlns:p14="http://schemas.microsoft.com/office/powerpoint/2010/main" xmlns:p15="http://schemas.microsoft.com/office/powerpoint/2012/main" xmlns:mc="http://schemas.openxmlformats.org/markup-compatibility/2006">
-  <p:cSld>
-    <p:spTree>
-      <p:nvGrpSpPr>
-        <p:cNvPr id="1" name=""/>
-        <p:cNvGrpSpPr/>
-        <p:nvPr/>
-      </p:nvGrpSpPr>
-      <p:grpSpPr>
-        <a:xfrm>
-          <a:off x="0" y="0"/>
-          <a:ext cx="0" cy="0"/>
-          <a:chOff x="0" y="0"/>
-          <a:chExt cx="0" cy="0"/>
-        </a:xfrm>
-      </p:grpSpPr>
-      <p:sp>
-        <p:nvSpPr>
-          <p:cNvPr id="164" name="Текст 8"/>
-          <p:cNvSpPr/>
-          <p:nvPr/>
-        </p:nvSpPr>
-        <p:spPr>
-          <a:xfrm>
-            <a:off x="388800" y="1371960"/>
-            <a:ext cx="11347560" cy="4913640"/>
-          </a:xfrm>
-          <a:prstGeom prst="rect">
-            <a:avLst/>
-          </a:prstGeom>
-          <a:noFill/>
-          <a:ln w="0">
-            <a:noFill/>
-          </a:ln>
-        </p:spPr>
-        <p:style>
-          <a:lnRef idx="0"/>
-          <a:fillRef idx="0"/>
-          <a:effectRef idx="0"/>
-          <a:fontRef idx="minor"/>
-        </p:style>
-        <p:txBody>
-          <a:bodyPr lIns="90000" rIns="90000" tIns="45000" bIns="45000" anchor="t">
-            <a:normAutofit fontScale="93333"/>
-          </a:bodyPr>
-          <a:p>
-            <a:pPr marL="73080" indent="-216000">
-              <a:lnSpc>
-                <a:spcPct val="115000"/>
-              </a:lnSpc>
-              <a:spcBef>
-                <a:spcPts val="751"/>
-              </a:spcBef>
-              <a:buClr>
-                <a:srgbClr val="000000"/>
-              </a:buClr>
-              <a:buSzPct val="45000"/>
-              <a:buFont typeface="Segoe UI"/>
-              <a:buChar char="□"/>
-              <a:tabLst>
-                <a:tab algn="l" pos="0"/>
-              </a:tabLst>
-            </a:pPr>
-            <a:r>
-              <a:rPr b="0" lang="ru-RU" sz="2200" spc="-1" strike="noStrike">
-                <a:solidFill>
-                  <a:srgbClr val="262626"/>
-                </a:solidFill>
-                <a:latin typeface="Arial"/>
-                <a:ea typeface="Open Sans"/>
-              </a:rPr>
-              <a:t> </a:t>
-            </a:r>
-            <a:r>
-              <a:rPr b="0" lang="ru-RU" sz="2200" spc="-1" strike="noStrike">
-                <a:solidFill>
-                  <a:srgbClr val="262626"/>
-                </a:solidFill>
-                <a:latin typeface="Arial"/>
-                <a:ea typeface="Open Sans"/>
-              </a:rPr>
-              <a:t>Все обученные классификаторы показывают значительно лучшие результаты, чем базовая модель.</a:t>
-            </a:r>
-            <a:endParaRPr b="0" lang="en-US" sz="2200" spc="-1" strike="noStrike">
-              <a:solidFill>
-                <a:srgbClr val="000000"/>
-              </a:solidFill>
-              <a:latin typeface="Arial"/>
-            </a:endParaRPr>
-          </a:p>
-          <a:p>
-            <a:pPr marL="73080" indent="-216000">
-              <a:lnSpc>
-                <a:spcPct val="115000"/>
-              </a:lnSpc>
-              <a:spcBef>
-                <a:spcPts val="1729"/>
-              </a:spcBef>
-              <a:buClr>
-                <a:srgbClr val="000000"/>
-              </a:buClr>
-              <a:buSzPct val="45000"/>
-              <a:buFont typeface="Segoe UI"/>
-              <a:buChar char="□"/>
-              <a:tabLst>
-                <a:tab algn="l" pos="0"/>
-              </a:tabLst>
-            </a:pPr>
-            <a:r>
-              <a:rPr b="0" lang="ru-RU" sz="2200" spc="-1" strike="noStrike">
-                <a:solidFill>
-                  <a:srgbClr val="262626"/>
-                </a:solidFill>
-                <a:latin typeface="Arial"/>
-                <a:ea typeface="Open Sans"/>
-              </a:rPr>
-              <a:t> </a:t>
-            </a:r>
-            <a:r>
-              <a:rPr b="0" lang="ru-RU" sz="2200" spc="-1" strike="noStrike">
-                <a:solidFill>
-                  <a:srgbClr val="262626"/>
-                </a:solidFill>
-                <a:latin typeface="Arial"/>
-                <a:ea typeface="Open Sans"/>
-              </a:rPr>
-              <a:t>Дальнейшие шаги по улучшению качества моделей могли бы включать:</a:t>
-            </a:r>
-            <a:endParaRPr b="0" lang="en-US" sz="2200" spc="-1" strike="noStrike">
-              <a:solidFill>
-                <a:srgbClr val="000000"/>
-              </a:solidFill>
-              <a:latin typeface="Arial"/>
-            </a:endParaRPr>
-          </a:p>
-          <a:p>
-            <a:pPr lvl="4" marL="1080000" indent="-216000">
-              <a:lnSpc>
-                <a:spcPct val="115000"/>
-              </a:lnSpc>
-              <a:spcBef>
-                <a:spcPts val="1729"/>
-              </a:spcBef>
-              <a:buClr>
-                <a:srgbClr val="000000"/>
-              </a:buClr>
-              <a:buSzPct val="45000"/>
-              <a:buFont typeface="Wingdings" charset="2"/>
-              <a:buChar char=""/>
-              <a:tabLst>
-                <a:tab algn="l" pos="0"/>
-              </a:tabLst>
-            </a:pPr>
-            <a:r>
-              <a:rPr b="0" lang="ru-RU" sz="2200" spc="-1" strike="noStrike">
-                <a:solidFill>
-                  <a:srgbClr val="262626"/>
-                </a:solidFill>
-                <a:latin typeface="Arial"/>
-                <a:ea typeface="Open Sans"/>
-              </a:rPr>
-              <a:t>Более тонкую настройку стандартизации непрерывных переменных</a:t>
-            </a:r>
-            <a:endParaRPr b="0" lang="en-US" sz="2200" spc="-1" strike="noStrike">
-              <a:solidFill>
-                <a:srgbClr val="000000"/>
-              </a:solidFill>
-              <a:latin typeface="Arial"/>
-            </a:endParaRPr>
-          </a:p>
-          <a:p>
-            <a:pPr lvl="4" marL="1080000" indent="-216000">
-              <a:lnSpc>
-                <a:spcPct val="115000"/>
-              </a:lnSpc>
-              <a:spcBef>
-                <a:spcPts val="1729"/>
-              </a:spcBef>
-              <a:buClr>
-                <a:srgbClr val="000000"/>
-              </a:buClr>
-              <a:buSzPct val="45000"/>
-              <a:buFont typeface="Wingdings" charset="2"/>
-              <a:buChar char=""/>
-              <a:tabLst>
-                <a:tab algn="l" pos="0"/>
-              </a:tabLst>
-            </a:pPr>
-            <a:r>
-              <a:rPr b="0" lang="ru-RU" sz="2200" spc="-1" strike="noStrike">
-                <a:solidFill>
-                  <a:srgbClr val="262626"/>
-                </a:solidFill>
-                <a:latin typeface="Arial"/>
-                <a:ea typeface="Open Sans"/>
-              </a:rPr>
-              <a:t>Снижение размерности, сокращение признаков в выборке, например методом главных компонент (PCA)</a:t>
-            </a:r>
-            <a:endParaRPr b="0" lang="en-US" sz="2200" spc="-1" strike="noStrike">
-              <a:solidFill>
-                <a:srgbClr val="000000"/>
-              </a:solidFill>
-              <a:latin typeface="Arial"/>
-            </a:endParaRPr>
-          </a:p>
-          <a:p>
-            <a:pPr lvl="4" marL="1080000" indent="-216000">
-              <a:lnSpc>
-                <a:spcPct val="115000"/>
-              </a:lnSpc>
-              <a:spcBef>
-                <a:spcPts val="1729"/>
-              </a:spcBef>
-              <a:buClr>
-                <a:srgbClr val="000000"/>
-              </a:buClr>
-              <a:buSzPct val="45000"/>
-              <a:buFont typeface="Wingdings" charset="2"/>
-              <a:buChar char=""/>
-              <a:tabLst>
-                <a:tab algn="l" pos="0"/>
-              </a:tabLst>
-            </a:pPr>
-            <a:r>
-              <a:rPr b="0" lang="ru-RU" sz="2200" spc="-1" strike="noStrike">
-                <a:solidFill>
-                  <a:srgbClr val="262626"/>
-                </a:solidFill>
-                <a:latin typeface="Arial"/>
-                <a:ea typeface="Open Sans"/>
-              </a:rPr>
-              <a:t>Дальнейший подбор гиперпараметров (невозможен в текущем исследовании из-за большого количества признаков)</a:t>
-            </a:r>
-            <a:endParaRPr b="0" lang="en-US" sz="2200" spc="-1" strike="noStrike">
-              <a:solidFill>
-                <a:srgbClr val="000000"/>
-              </a:solidFill>
-              <a:latin typeface="Arial"/>
-            </a:endParaRPr>
-          </a:p>
-          <a:p>
-            <a:pPr marL="73080" indent="-216000">
-              <a:lnSpc>
-                <a:spcPct val="115000"/>
-              </a:lnSpc>
-              <a:spcBef>
-                <a:spcPts val="1729"/>
-              </a:spcBef>
-              <a:buClr>
-                <a:srgbClr val="000000"/>
-              </a:buClr>
-              <a:buSzPct val="45000"/>
-              <a:buFont typeface="Segoe UI"/>
-              <a:buChar char="□"/>
-              <a:tabLst>
-                <a:tab algn="l" pos="0"/>
-              </a:tabLst>
-            </a:pPr>
-            <a:r>
-              <a:rPr b="0" lang="ru-RU" sz="2200" spc="-1" strike="noStrike">
-                <a:solidFill>
-                  <a:srgbClr val="262626"/>
-                </a:solidFill>
-                <a:latin typeface="Arial"/>
-                <a:ea typeface="Open Sans"/>
-              </a:rPr>
-              <a:t> </a:t>
-            </a:r>
-            <a:r>
-              <a:rPr b="0" lang="ru-RU" sz="2200" spc="-1" strike="noStrike">
-                <a:solidFill>
-                  <a:srgbClr val="262626"/>
-                </a:solidFill>
-                <a:latin typeface="Arial"/>
-                <a:ea typeface="Open Sans"/>
-              </a:rPr>
-              <a:t>Возможна в дальнейшем разработка приложения для использования обученной модели (на основе файла с весами модели…, размещенного на ресурсе GitHub)</a:t>
-            </a:r>
-            <a:endParaRPr b="0" lang="en-US" sz="2200" spc="-1" strike="noStrike">
-              <a:solidFill>
-                <a:srgbClr val="000000"/>
-              </a:solidFill>
-              <a:latin typeface="Arial"/>
-            </a:endParaRPr>
-          </a:p>
-        </p:txBody>
-      </p:sp>
-      <p:sp>
-        <p:nvSpPr>
-          <p:cNvPr id="165" name="PlaceHolder 7"/>
-          <p:cNvSpPr/>
-          <p:nvPr/>
-        </p:nvSpPr>
-        <p:spPr>
-          <a:xfrm>
-            <a:off x="273600" y="6435000"/>
-            <a:ext cx="567000" cy="272160"/>
-          </a:xfrm>
-          <a:prstGeom prst="rect">
-            <a:avLst/>
-          </a:prstGeom>
-          <a:noFill/>
-          <a:ln w="0">
-            <a:noFill/>
-          </a:ln>
-        </p:spPr>
-        <p:style>
-          <a:lnRef idx="0"/>
-          <a:fillRef idx="0"/>
-          <a:effectRef idx="0"/>
-          <a:fontRef idx="minor"/>
-        </p:style>
-        <p:txBody>
-          <a:bodyPr lIns="90000" rIns="90000" tIns="45000" bIns="45000" anchor="ctr">
-            <a:noAutofit/>
-          </a:bodyPr>
-          <a:p>
-            <a:pPr>
-              <a:lnSpc>
-                <a:spcPct val="100000"/>
-              </a:lnSpc>
-              <a:tabLst>
-                <a:tab algn="l" pos="0"/>
-              </a:tabLst>
-            </a:pPr>
-            <a:fld id="{8AAD9CE7-4447-4FE9-9209-C10E0D2A4EB4}" type="slidenum">
-              <a:rPr b="0" lang="ru-RU" sz="1400" spc="-1" strike="noStrike">
-                <a:solidFill>
-                  <a:srgbClr val="898989"/>
-                </a:solidFill>
-                <a:latin typeface="Times New Roman"/>
-                <a:ea typeface="Open Sans"/>
-              </a:rPr>
-              <a:t>19</a:t>
-            </a:fld>
-            <a:endParaRPr b="0" lang="en-US" sz="1400" spc="-1" strike="noStrike">
-              <a:solidFill>
-                <a:srgbClr val="000000"/>
-              </a:solidFill>
-              <a:latin typeface="Arial"/>
-            </a:endParaRPr>
-          </a:p>
-        </p:txBody>
-      </p:sp>
-      <p:grpSp>
-        <p:nvGrpSpPr>
-          <p:cNvPr id="166" name="Группа 2"/>
+          <p:cNvPr id="151" name="Группа 2"/>
           <p:cNvGrpSpPr/>
           <p:nvPr/>
         </p:nvGrpSpPr>
         <p:grpSpPr>
           <a:xfrm>
             <a:off x="3168000" y="532080"/>
-            <a:ext cx="3832200" cy="666000"/>
+            <a:ext cx="3831840" cy="666000"/>
             <a:chOff x="3168000" y="532080"/>
-            <a:chExt cx="3832200" cy="666000"/>
+            <a:chExt cx="3831840" cy="666000"/>
           </a:xfrm>
         </p:grpSpPr>
         <p:sp>
           <p:nvSpPr>
-            <p:cNvPr id="167" name="Прямоугольник 4"/>
+            <p:cNvPr id="152" name="Прямоугольник 4"/>
             <p:cNvSpPr/>
             <p:nvPr/>
           </p:nvSpPr>
           <p:spPr>
             <a:xfrm>
               <a:off x="3168000" y="532080"/>
-              <a:ext cx="3832200" cy="662760"/>
+              <a:ext cx="3831840" cy="662400"/>
             </a:xfrm>
             <a:prstGeom prst="rect">
               <a:avLst/>
@@ -8657,22 +6516,22 @@
         </p:sp>
         <p:sp>
           <p:nvSpPr>
-            <p:cNvPr id="168" name="Прямоугольник 5"/>
+            <p:cNvPr id="153" name="Прямоугольник 5"/>
             <p:cNvSpPr/>
             <p:nvPr/>
           </p:nvSpPr>
           <p:spPr>
             <a:xfrm flipH="1" rot="10800000">
-              <a:off x="3168000" y="535320"/>
-              <a:ext cx="60480" cy="662760"/>
+              <a:off x="3167640" y="535680"/>
+              <a:ext cx="60120" cy="662400"/>
             </a:xfrm>
             <a:custGeom>
               <a:avLst/>
               <a:gdLst>
-                <a:gd name="textAreaLeft" fmla="*/ 1800 w 60480"/>
-                <a:gd name="textAreaRight" fmla="*/ 65520 w 60480"/>
-                <a:gd name="textAreaTop" fmla="*/ 0 h 662760"/>
-                <a:gd name="textAreaBottom" fmla="*/ 666000 h 662760"/>
+                <a:gd name="textAreaLeft" fmla="*/ 1800 w 60120"/>
+                <a:gd name="textAreaRight" fmla="*/ 65520 w 60120"/>
+                <a:gd name="textAreaTop" fmla="*/ 0 h 662400"/>
+                <a:gd name="textAreaBottom" fmla="*/ 666000 h 662400"/>
               </a:gdLst>
               <a:ahLst/>
               <a:rect l="textAreaLeft" t="textAreaTop" r="textAreaRight" b="textAreaBottom"/>
@@ -8735,22 +6594,22 @@
         </p:sp>
         <p:sp>
           <p:nvSpPr>
-            <p:cNvPr id="169" name="Прямоугольник 6"/>
+            <p:cNvPr id="154" name="Прямоугольник 6"/>
             <p:cNvSpPr/>
             <p:nvPr/>
           </p:nvSpPr>
           <p:spPr>
             <a:xfrm flipH="1">
               <a:off x="6924960" y="532080"/>
-              <a:ext cx="71640" cy="662760"/>
+              <a:ext cx="71280" cy="662400"/>
             </a:xfrm>
             <a:custGeom>
               <a:avLst/>
               <a:gdLst>
-                <a:gd name="textAreaLeft" fmla="*/ -1800 w 71640"/>
-                <a:gd name="textAreaRight" fmla="*/ 73080 w 71640"/>
-                <a:gd name="textAreaTop" fmla="*/ 0 h 662760"/>
-                <a:gd name="textAreaBottom" fmla="*/ 666000 h 662760"/>
+                <a:gd name="textAreaLeft" fmla="*/ -1800 w 71280"/>
+                <a:gd name="textAreaRight" fmla="*/ 73080 w 71280"/>
+                <a:gd name="textAreaTop" fmla="*/ 0 h 662400"/>
+                <a:gd name="textAreaBottom" fmla="*/ 666000 h 662400"/>
               </a:gdLst>
               <a:ahLst/>
               <a:rect l="textAreaLeft" t="textAreaTop" r="textAreaRight" b="textAreaBottom"/>
@@ -8812,6 +6671,36 @@
           </p:txBody>
         </p:sp>
       </p:grpSp>
+    </p:spTree>
+  </p:cSld>
+  <mc:AlternateContent>
+    <mc:Choice Requires="p14">
+      <p:transition p14:dur="10"/>
+    </mc:Choice>
+    <mc:Fallback>
+      <p:transition/>
+    </mc:Fallback>
+  </mc:AlternateContent>
+</p:sld>
+</file>
+
+<file path=ppt/slides/slide16.xml><?xml version="1.0" encoding="utf-8"?>
+<p:sld xmlns:a="http://schemas.openxmlformats.org/drawingml/2006/main" xmlns:p="http://schemas.openxmlformats.org/presentationml/2006/main" xmlns:r="http://schemas.openxmlformats.org/officeDocument/2006/relationships" xmlns:p14="http://schemas.microsoft.com/office/powerpoint/2010/main" xmlns:p15="http://schemas.microsoft.com/office/powerpoint/2012/main" xmlns:mc="http://schemas.openxmlformats.org/markup-compatibility/2006">
+  <p:cSld>
+    <p:spTree>
+      <p:nvGrpSpPr>
+        <p:cNvPr id="1" name=""/>
+        <p:cNvGrpSpPr/>
+        <p:nvPr/>
+      </p:nvGrpSpPr>
+      <p:grpSpPr>
+        <a:xfrm>
+          <a:off x="0" y="0"/>
+          <a:ext cx="0" cy="0"/>
+          <a:chOff x="0" y="0"/>
+          <a:chExt cx="0" cy="0"/>
+        </a:xfrm>
+      </p:grpSpPr>
     </p:spTree>
   </p:cSld>
   <mc:AlternateContent>
@@ -8851,7 +6740,7 @@
         <p:spPr>
           <a:xfrm>
             <a:off x="273600" y="6435000"/>
-            <a:ext cx="567000" cy="272160"/>
+            <a:ext cx="566640" cy="271800"/>
           </a:xfrm>
           <a:prstGeom prst="rect">
             <a:avLst/>
@@ -8880,7 +6769,7 @@
                 <a:tab algn="l" pos="0"/>
               </a:tabLst>
             </a:pPr>
-            <a:fld id="{F99AB295-CC15-40EF-A7C6-BB9605576346}" type="slidenum">
+            <a:fld id="{AC7955A5-A7A2-4FD0-B190-0F26C9CBED9B}" type="slidenum">
               <a:rPr b="0" lang="ru-RU" sz="1400" spc="-1" strike="noStrike">
                 <a:solidFill>
                   <a:srgbClr val="898989"/>
@@ -8908,7 +6797,7 @@
         <p:spPr>
           <a:xfrm>
             <a:off x="457200" y="1406520"/>
-            <a:ext cx="11496240" cy="5026680"/>
+            <a:ext cx="11495880" cy="5026320"/>
           </a:xfrm>
           <a:prstGeom prst="rect">
             <a:avLst/>
@@ -8978,9 +6867,9 @@
         <p:grpSpPr>
           <a:xfrm>
             <a:off x="3168000" y="500760"/>
-            <a:ext cx="3832200" cy="666000"/>
+            <a:ext cx="3831840" cy="666000"/>
             <a:chOff x="3168000" y="500760"/>
-            <a:chExt cx="3832200" cy="666000"/>
+            <a:chExt cx="3831840" cy="666000"/>
           </a:xfrm>
         </p:grpSpPr>
         <p:sp>
@@ -8992,7 +6881,7 @@
           <p:spPr>
             <a:xfrm>
               <a:off x="3168000" y="500760"/>
-              <a:ext cx="3832200" cy="662760"/>
+              <a:ext cx="3831840" cy="662400"/>
             </a:xfrm>
             <a:prstGeom prst="rect">
               <a:avLst/>
@@ -9058,16 +6947,16 @@
           </p:nvSpPr>
           <p:spPr>
             <a:xfrm flipH="1" rot="10800000">
-              <a:off x="3168000" y="504000"/>
-              <a:ext cx="60480" cy="662760"/>
+              <a:off x="3167640" y="504360"/>
+              <a:ext cx="60120" cy="662400"/>
             </a:xfrm>
             <a:custGeom>
               <a:avLst/>
               <a:gdLst>
-                <a:gd name="textAreaLeft" fmla="*/ 1800 w 60480"/>
-                <a:gd name="textAreaRight" fmla="*/ 65520 w 60480"/>
-                <a:gd name="textAreaTop" fmla="*/ 0 h 662760"/>
-                <a:gd name="textAreaBottom" fmla="*/ 666000 h 662760"/>
+                <a:gd name="textAreaLeft" fmla="*/ 1800 w 60120"/>
+                <a:gd name="textAreaRight" fmla="*/ 65520 w 60120"/>
+                <a:gd name="textAreaTop" fmla="*/ 0 h 662400"/>
+                <a:gd name="textAreaBottom" fmla="*/ 666000 h 662400"/>
               </a:gdLst>
               <a:ahLst/>
               <a:rect l="textAreaLeft" t="textAreaTop" r="textAreaRight" b="textAreaBottom"/>
@@ -9137,15 +7026,15 @@
           <p:spPr>
             <a:xfrm flipH="1">
               <a:off x="6924960" y="500760"/>
-              <a:ext cx="71640" cy="662760"/>
+              <a:ext cx="71280" cy="662400"/>
             </a:xfrm>
             <a:custGeom>
               <a:avLst/>
               <a:gdLst>
-                <a:gd name="textAreaLeft" fmla="*/ -1800 w 71640"/>
-                <a:gd name="textAreaRight" fmla="*/ 73080 w 71640"/>
-                <a:gd name="textAreaTop" fmla="*/ 0 h 662760"/>
-                <a:gd name="textAreaBottom" fmla="*/ 666000 h 662760"/>
+                <a:gd name="textAreaLeft" fmla="*/ -1800 w 71280"/>
+                <a:gd name="textAreaRight" fmla="*/ 73080 w 71280"/>
+                <a:gd name="textAreaTop" fmla="*/ 0 h 662400"/>
+                <a:gd name="textAreaBottom" fmla="*/ 666000 h 662400"/>
               </a:gdLst>
               <a:ahLst/>
               <a:rect l="textAreaLeft" t="textAreaTop" r="textAreaRight" b="textAreaBottom"/>
@@ -9220,7 +7109,7 @@
         <p:spPr>
           <a:xfrm>
             <a:off x="8229600" y="2715120"/>
-            <a:ext cx="3160440" cy="1626480"/>
+            <a:ext cx="3160080" cy="1626120"/>
           </a:xfrm>
           <a:prstGeom prst="rect">
             <a:avLst/>
@@ -9239,7 +7128,7 @@
         <p:spPr>
           <a:xfrm>
             <a:off x="457200" y="2743200"/>
-            <a:ext cx="7084800" cy="2244240"/>
+            <a:ext cx="7084440" cy="2243880"/>
           </a:xfrm>
           <a:prstGeom prst="rect">
             <a:avLst/>
@@ -9313,36 +7202,6 @@
 </p:sld>
 </file>
 
-<file path=ppt/slides/slide20.xml><?xml version="1.0" encoding="utf-8"?>
-<p:sld xmlns:a="http://schemas.openxmlformats.org/drawingml/2006/main" xmlns:p="http://schemas.openxmlformats.org/presentationml/2006/main" xmlns:r="http://schemas.openxmlformats.org/officeDocument/2006/relationships" xmlns:p14="http://schemas.microsoft.com/office/powerpoint/2010/main" xmlns:p15="http://schemas.microsoft.com/office/powerpoint/2012/main" xmlns:mc="http://schemas.openxmlformats.org/markup-compatibility/2006">
-  <p:cSld>
-    <p:spTree>
-      <p:nvGrpSpPr>
-        <p:cNvPr id="1" name=""/>
-        <p:cNvGrpSpPr/>
-        <p:nvPr/>
-      </p:nvGrpSpPr>
-      <p:grpSpPr>
-        <a:xfrm>
-          <a:off x="0" y="0"/>
-          <a:ext cx="0" cy="0"/>
-          <a:chOff x="0" y="0"/>
-          <a:chExt cx="0" cy="0"/>
-        </a:xfrm>
-      </p:grpSpPr>
-    </p:spTree>
-  </p:cSld>
-  <mc:AlternateContent>
-    <mc:Choice Requires="p14">
-      <p:transition p14:dur="10"/>
-    </mc:Choice>
-    <mc:Fallback>
-      <p:transition/>
-    </mc:Fallback>
-  </mc:AlternateContent>
-</p:sld>
-</file>
-
 <file path=ppt/slides/slide3.xml><?xml version="1.0" encoding="utf-8"?>
 <p:sld xmlns:a="http://schemas.openxmlformats.org/drawingml/2006/main" xmlns:p="http://schemas.openxmlformats.org/presentationml/2006/main" xmlns:r="http://schemas.openxmlformats.org/officeDocument/2006/relationships" xmlns:p14="http://schemas.microsoft.com/office/powerpoint/2010/main" xmlns:p15="http://schemas.microsoft.com/office/powerpoint/2012/main" xmlns:mc="http://schemas.openxmlformats.org/markup-compatibility/2006">
   <p:cSld>
@@ -9369,7 +7228,7 @@
         <p:spPr>
           <a:xfrm>
             <a:off x="273600" y="6435000"/>
-            <a:ext cx="567000" cy="272160"/>
+            <a:ext cx="566640" cy="271800"/>
           </a:xfrm>
           <a:prstGeom prst="rect">
             <a:avLst/>
@@ -9398,7 +7257,7 @@
                 <a:tab algn="l" pos="0"/>
               </a:tabLst>
             </a:pPr>
-            <a:fld id="{424481FE-098E-4142-BD90-DCBD1BC3BD18}" type="slidenum">
+            <a:fld id="{C761C46E-1CCD-41EE-8DB0-055DBEDAE263}" type="slidenum">
               <a:rPr b="0" lang="ru-RU" sz="1400" spc="-1" strike="noStrike">
                 <a:solidFill>
                   <a:srgbClr val="898989"/>
@@ -9426,7 +7285,7 @@
         <p:spPr>
           <a:xfrm>
             <a:off x="389160" y="1600200"/>
-            <a:ext cx="11496240" cy="4798080"/>
+            <a:ext cx="11495880" cy="4797720"/>
           </a:xfrm>
           <a:prstGeom prst="rect">
             <a:avLst/>
@@ -9866,9 +7725,9 @@
         <p:grpSpPr>
           <a:xfrm>
             <a:off x="3168000" y="500760"/>
-            <a:ext cx="3832200" cy="666000"/>
+            <a:ext cx="3831840" cy="666000"/>
             <a:chOff x="3168000" y="500760"/>
-            <a:chExt cx="3832200" cy="666000"/>
+            <a:chExt cx="3831840" cy="666000"/>
           </a:xfrm>
         </p:grpSpPr>
         <p:sp>
@@ -9880,7 +7739,7 @@
           <p:spPr>
             <a:xfrm>
               <a:off x="3168000" y="500760"/>
-              <a:ext cx="3832200" cy="662760"/>
+              <a:ext cx="3831840" cy="662400"/>
             </a:xfrm>
             <a:prstGeom prst="rect">
               <a:avLst/>
@@ -9946,16 +7805,16 @@
           </p:nvSpPr>
           <p:spPr>
             <a:xfrm flipH="1" rot="10800000">
-              <a:off x="3168000" y="504000"/>
-              <a:ext cx="60480" cy="662760"/>
+              <a:off x="3167640" y="504360"/>
+              <a:ext cx="60120" cy="662400"/>
             </a:xfrm>
             <a:custGeom>
               <a:avLst/>
               <a:gdLst>
-                <a:gd name="textAreaLeft" fmla="*/ 1800 w 60480"/>
-                <a:gd name="textAreaRight" fmla="*/ 65520 w 60480"/>
-                <a:gd name="textAreaTop" fmla="*/ 0 h 662760"/>
-                <a:gd name="textAreaBottom" fmla="*/ 666000 h 662760"/>
+                <a:gd name="textAreaLeft" fmla="*/ 1800 w 60120"/>
+                <a:gd name="textAreaRight" fmla="*/ 65520 w 60120"/>
+                <a:gd name="textAreaTop" fmla="*/ 0 h 662400"/>
+                <a:gd name="textAreaBottom" fmla="*/ 666000 h 662400"/>
               </a:gdLst>
               <a:ahLst/>
               <a:rect l="textAreaLeft" t="textAreaTop" r="textAreaRight" b="textAreaBottom"/>
@@ -10025,15 +7884,15 @@
           <p:spPr>
             <a:xfrm flipH="1">
               <a:off x="6924960" y="500760"/>
-              <a:ext cx="71640" cy="662760"/>
+              <a:ext cx="71280" cy="662400"/>
             </a:xfrm>
             <a:custGeom>
               <a:avLst/>
               <a:gdLst>
-                <a:gd name="textAreaLeft" fmla="*/ -1800 w 71640"/>
-                <a:gd name="textAreaRight" fmla="*/ 73080 w 71640"/>
-                <a:gd name="textAreaTop" fmla="*/ 0 h 662760"/>
-                <a:gd name="textAreaBottom" fmla="*/ 666000 h 662760"/>
+                <a:gd name="textAreaLeft" fmla="*/ -1800 w 71280"/>
+                <a:gd name="textAreaRight" fmla="*/ 73080 w 71280"/>
+                <a:gd name="textAreaTop" fmla="*/ 0 h 662400"/>
+                <a:gd name="textAreaBottom" fmla="*/ 666000 h 662400"/>
               </a:gdLst>
               <a:ahLst/>
               <a:rect l="textAreaLeft" t="textAreaTop" r="textAreaRight" b="textAreaBottom"/>
@@ -10138,7 +7997,7 @@
         <p:spPr>
           <a:xfrm>
             <a:off x="388440" y="1371600"/>
-            <a:ext cx="11040480" cy="5027400"/>
+            <a:ext cx="11040120" cy="5027040"/>
           </a:xfrm>
           <a:prstGeom prst="rect">
             <a:avLst/>
@@ -10344,7 +8203,7 @@
                 <a:latin typeface="Arial"/>
                 <a:ea typeface="Open Sans"/>
               </a:rPr>
-              <a:t>application – информация о заявителе и заявке, 307 тысяч заявок и 120 признаков, из них 16 категориальных и 37 бинарных. 25% полей пустые. </a:t>
+              <a:t>application – информация о заявителе и заявке, 307 тысяч заявок и 120 признаков, из них 16 категориальных и 37 бинарных. 23% полей пустые. </a:t>
             </a:r>
             <a:endParaRPr b="0" lang="en-US" sz="1800" spc="-1" strike="noStrike">
               <a:solidFill>
@@ -10498,7 +8357,7 @@
                 <a:latin typeface="Arial"/>
                 <a:ea typeface="Open Sans"/>
               </a:rPr>
-              <a:t>Ожидаемо, что не все заемщики имеют кредитную историю. Следовательно, в результирующей выборке отсутствующих признаков значительное количество  - XX%</a:t>
+              <a:t>Ожидаемо, что не все заемщики имеют кредитную историю. Следовательно, в результирующей выборке отсутствующих признаков значительное количество (25%)</a:t>
             </a:r>
             <a:endParaRPr b="0" lang="en-US" sz="1800" spc="-1" strike="noStrike">
               <a:solidFill>
@@ -10518,9 +8377,9 @@
         <p:grpSpPr>
           <a:xfrm>
             <a:off x="3168000" y="469440"/>
-            <a:ext cx="3832200" cy="666000"/>
+            <a:ext cx="3831840" cy="666000"/>
             <a:chOff x="3168000" y="469440"/>
-            <a:chExt cx="3832200" cy="666000"/>
+            <a:chExt cx="3831840" cy="666000"/>
           </a:xfrm>
         </p:grpSpPr>
         <p:sp>
@@ -10532,7 +8391,7 @@
           <p:spPr>
             <a:xfrm>
               <a:off x="3168000" y="469440"/>
-              <a:ext cx="3832200" cy="662760"/>
+              <a:ext cx="3831840" cy="662400"/>
             </a:xfrm>
             <a:prstGeom prst="rect">
               <a:avLst/>
@@ -10598,16 +8457,16 @@
           </p:nvSpPr>
           <p:spPr>
             <a:xfrm flipH="1" rot="10800000">
-              <a:off x="3168000" y="472680"/>
-              <a:ext cx="60480" cy="662760"/>
+              <a:off x="3167640" y="473040"/>
+              <a:ext cx="60120" cy="662400"/>
             </a:xfrm>
             <a:custGeom>
               <a:avLst/>
               <a:gdLst>
-                <a:gd name="textAreaLeft" fmla="*/ 1800 w 60480"/>
-                <a:gd name="textAreaRight" fmla="*/ 65520 w 60480"/>
-                <a:gd name="textAreaTop" fmla="*/ 0 h 662760"/>
-                <a:gd name="textAreaBottom" fmla="*/ 666000 h 662760"/>
+                <a:gd name="textAreaLeft" fmla="*/ 1800 w 60120"/>
+                <a:gd name="textAreaRight" fmla="*/ 65520 w 60120"/>
+                <a:gd name="textAreaTop" fmla="*/ 0 h 662400"/>
+                <a:gd name="textAreaBottom" fmla="*/ 666000 h 662400"/>
               </a:gdLst>
               <a:ahLst/>
               <a:rect l="textAreaLeft" t="textAreaTop" r="textAreaRight" b="textAreaBottom"/>
@@ -10677,15 +8536,15 @@
           <p:spPr>
             <a:xfrm flipH="1">
               <a:off x="6924960" y="469440"/>
-              <a:ext cx="71640" cy="662760"/>
+              <a:ext cx="71280" cy="662400"/>
             </a:xfrm>
             <a:custGeom>
               <a:avLst/>
               <a:gdLst>
-                <a:gd name="textAreaLeft" fmla="*/ -1800 w 71640"/>
-                <a:gd name="textAreaRight" fmla="*/ 73080 w 71640"/>
-                <a:gd name="textAreaTop" fmla="*/ 0 h 662760"/>
-                <a:gd name="textAreaBottom" fmla="*/ 666000 h 662760"/>
+                <a:gd name="textAreaLeft" fmla="*/ -1800 w 71280"/>
+                <a:gd name="textAreaRight" fmla="*/ 73080 w 71280"/>
+                <a:gd name="textAreaTop" fmla="*/ 0 h 662400"/>
+                <a:gd name="textAreaBottom" fmla="*/ 666000 h 662400"/>
               </a:gdLst>
               <a:ahLst/>
               <a:rect l="textAreaLeft" t="textAreaTop" r="textAreaRight" b="textAreaBottom"/>
@@ -10756,7 +8615,7 @@
         <p:spPr>
           <a:xfrm>
             <a:off x="273600" y="6435000"/>
-            <a:ext cx="567000" cy="272160"/>
+            <a:ext cx="566640" cy="271800"/>
           </a:xfrm>
           <a:prstGeom prst="rect">
             <a:avLst/>
@@ -10785,7 +8644,7 @@
                 <a:tab algn="l" pos="0"/>
               </a:tabLst>
             </a:pPr>
-            <a:fld id="{499C0F83-F444-4D91-A767-77924FF8D320}" type="slidenum">
+            <a:fld id="{E32251CC-6F6B-42FF-9C89-F650C81690AF}" type="slidenum">
               <a:rPr b="0" lang="ru-RU" sz="1400" spc="-1" strike="noStrike">
                 <a:solidFill>
                   <a:srgbClr val="898989"/>
@@ -10843,9 +8702,9 @@
         <p:grpSpPr>
           <a:xfrm>
             <a:off x="3168000" y="203760"/>
-            <a:ext cx="6889320" cy="1197360"/>
+            <a:ext cx="6888960" cy="1197360"/>
             <a:chOff x="3168000" y="203760"/>
-            <a:chExt cx="6889320" cy="1197360"/>
+            <a:chExt cx="6888960" cy="1197360"/>
           </a:xfrm>
         </p:grpSpPr>
         <p:sp>
@@ -10857,7 +8716,7 @@
           <p:spPr>
             <a:xfrm>
               <a:off x="3168000" y="203760"/>
-              <a:ext cx="6889320" cy="1192320"/>
+              <a:ext cx="6888960" cy="1191960"/>
             </a:xfrm>
             <a:prstGeom prst="rect">
               <a:avLst/>
@@ -10946,16 +8805,16 @@
           </p:nvSpPr>
           <p:spPr>
             <a:xfrm flipH="1" rot="10800000">
-              <a:off x="3168000" y="208800"/>
-              <a:ext cx="109440" cy="1192320"/>
+              <a:off x="3167640" y="209160"/>
+              <a:ext cx="109080" cy="1191960"/>
             </a:xfrm>
             <a:custGeom>
               <a:avLst/>
               <a:gdLst>
-                <a:gd name="textAreaLeft" fmla="*/ 2520 w 109440"/>
-                <a:gd name="textAreaRight" fmla="*/ 116640 w 109440"/>
-                <a:gd name="textAreaTop" fmla="*/ 0 h 1192320"/>
-                <a:gd name="textAreaBottom" fmla="*/ 1196640 h 1192320"/>
+                <a:gd name="textAreaLeft" fmla="*/ 2520 w 109080"/>
+                <a:gd name="textAreaRight" fmla="*/ 116640 w 109080"/>
+                <a:gd name="textAreaTop" fmla="*/ 0 h 1191960"/>
+                <a:gd name="textAreaBottom" fmla="*/ 1196640 h 1191960"/>
               </a:gdLst>
               <a:ahLst/>
               <a:rect l="textAreaLeft" t="textAreaTop" r="textAreaRight" b="textAreaBottom"/>
@@ -11024,16 +8883,16 @@
           </p:nvSpPr>
           <p:spPr>
             <a:xfrm flipH="1">
-              <a:off x="9922680" y="203760"/>
-              <a:ext cx="129600" cy="1192320"/>
+              <a:off x="9921960" y="203760"/>
+              <a:ext cx="129240" cy="1191960"/>
             </a:xfrm>
             <a:custGeom>
               <a:avLst/>
               <a:gdLst>
-                <a:gd name="textAreaLeft" fmla="*/ -2520 w 129600"/>
-                <a:gd name="textAreaRight" fmla="*/ 131400 w 129600"/>
-                <a:gd name="textAreaTop" fmla="*/ 0 h 1192320"/>
-                <a:gd name="textAreaBottom" fmla="*/ 1196640 h 1192320"/>
+                <a:gd name="textAreaLeft" fmla="*/ -2880 w 129240"/>
+                <a:gd name="textAreaRight" fmla="*/ 131040 w 129240"/>
+                <a:gd name="textAreaTop" fmla="*/ 0 h 1191960"/>
+                <a:gd name="textAreaBottom" fmla="*/ 1196640 h 1191960"/>
               </a:gdLst>
               <a:ahLst/>
               <a:rect l="textAreaLeft" t="textAreaTop" r="textAreaRight" b="textAreaBottom"/>
@@ -11104,7 +8963,7 @@
         <p:spPr>
           <a:xfrm>
             <a:off x="273600" y="6435000"/>
-            <a:ext cx="567000" cy="272160"/>
+            <a:ext cx="566640" cy="271800"/>
           </a:xfrm>
           <a:prstGeom prst="rect">
             <a:avLst/>
@@ -11133,7 +8992,7 @@
                 <a:tab algn="l" pos="0"/>
               </a:tabLst>
             </a:pPr>
-            <a:fld id="{73A0FC87-B159-497A-B3F2-C65704D537CC}" type="slidenum">
+            <a:fld id="{BD99BA24-CEBB-4433-8EB2-33E563AA69B6}" type="slidenum">
               <a:rPr b="0" lang="ru-RU" sz="1400" spc="-1" strike="noStrike">
                 <a:solidFill>
                   <a:srgbClr val="898989"/>
@@ -11152,6 +9011,207 @@
           </a:p>
         </p:txBody>
       </p:sp>
+      <p:sp>
+        <p:nvSpPr>
+          <p:cNvPr id="59" name="PlaceHolder 6"/>
+          <p:cNvSpPr txBox="1"/>
+          <p:nvPr/>
+        </p:nvSpPr>
+        <p:spPr>
+          <a:xfrm>
+            <a:off x="5943600" y="1602360"/>
+            <a:ext cx="5715000" cy="1369440"/>
+          </a:xfrm>
+          <a:prstGeom prst="rect">
+            <a:avLst/>
+          </a:prstGeom>
+          <a:noFill/>
+          <a:ln w="0">
+            <a:noFill/>
+          </a:ln>
+        </p:spPr>
+        <p:txBody>
+          <a:bodyPr anchor="t">
+            <a:normAutofit fontScale="87222" lnSpcReduction="10000"/>
+          </a:bodyPr>
+          <a:p>
+            <a:pPr marL="54720" indent="-324000" algn="just">
+              <a:lnSpc>
+                <a:spcPct val="115000"/>
+              </a:lnSpc>
+              <a:buClr>
+                <a:srgbClr val="000000"/>
+              </a:buClr>
+              <a:buSzPct val="45000"/>
+              <a:buFont typeface="Wingdings" charset="2"/>
+              <a:buChar char=""/>
+              <a:tabLst>
+                <a:tab algn="l" pos="408240"/>
+              </a:tabLst>
+            </a:pPr>
+            <a:r>
+              <a:rPr b="0" lang="ru-RU" sz="1800" spc="-1" strike="noStrike">
+                <a:solidFill>
+                  <a:srgbClr val="262626"/>
+                </a:solidFill>
+                <a:latin typeface="Arial"/>
+                <a:ea typeface="Open Sans"/>
+              </a:rPr>
+              <a:t> </a:t>
+            </a:r>
+            <a:r>
+              <a:rPr b="0" lang="ru-RU" sz="1800" spc="-1" strike="noStrike">
+                <a:solidFill>
+                  <a:srgbClr val="262626"/>
+                </a:solidFill>
+                <a:latin typeface="Arial"/>
+                <a:ea typeface="Open Sans"/>
+              </a:rPr>
+              <a:t>Большинство непрерывных имеют смещенное влево или вправо распределение</a:t>
+            </a:r>
+            <a:endParaRPr b="0" lang="en-US" sz="1800" spc="-1" strike="noStrike">
+              <a:solidFill>
+                <a:srgbClr val="000000"/>
+              </a:solidFill>
+              <a:latin typeface="Arial"/>
+            </a:endParaRPr>
+          </a:p>
+          <a:p>
+            <a:pPr marL="54720" indent="-324000" algn="just">
+              <a:lnSpc>
+                <a:spcPct val="115000"/>
+              </a:lnSpc>
+              <a:buClr>
+                <a:srgbClr val="000000"/>
+              </a:buClr>
+              <a:buSzPct val="45000"/>
+              <a:buFont typeface="Wingdings" charset="2"/>
+              <a:buChar char=""/>
+              <a:tabLst>
+                <a:tab algn="l" pos="408240"/>
+              </a:tabLst>
+            </a:pPr>
+            <a:r>
+              <a:rPr b="0" lang="ru-RU" sz="1800" spc="-1" strike="noStrike">
+                <a:solidFill>
+                  <a:srgbClr val="262626"/>
+                </a:solidFill>
+                <a:latin typeface="Arial"/>
+                <a:ea typeface="Open Sans"/>
+              </a:rPr>
+              <a:t> </a:t>
+            </a:r>
+            <a:r>
+              <a:rPr b="0" lang="ru-RU" sz="1800" spc="-1" strike="noStrike">
+                <a:solidFill>
+                  <a:srgbClr val="262626"/>
+                </a:solidFill>
+                <a:latin typeface="Arial"/>
+                <a:ea typeface="Open Sans"/>
+              </a:rPr>
+              <a:t>Для таких данных имеет смысл использовать метод межквартильного расстояния для определения выбросов вместо метода 3-сигм </a:t>
+            </a:r>
+            <a:endParaRPr b="0" lang="en-US" sz="1800" spc="-1" strike="noStrike">
+              <a:solidFill>
+                <a:srgbClr val="000000"/>
+              </a:solidFill>
+              <a:latin typeface="Arial"/>
+            </a:endParaRPr>
+          </a:p>
+        </p:txBody>
+      </p:sp>
+      <p:pic>
+        <p:nvPicPr>
+          <p:cNvPr id="60" name="" descr=""/>
+          <p:cNvPicPr/>
+          <p:nvPr/>
+        </p:nvPicPr>
+        <p:blipFill>
+          <a:blip r:embed="rId1"/>
+          <a:stretch/>
+        </p:blipFill>
+        <p:spPr>
+          <a:xfrm>
+            <a:off x="452160" y="1492200"/>
+            <a:ext cx="2663640" cy="2676960"/>
+          </a:xfrm>
+          <a:prstGeom prst="rect">
+            <a:avLst/>
+          </a:prstGeom>
+          <a:ln w="0">
+            <a:noFill/>
+          </a:ln>
+        </p:spPr>
+      </p:pic>
+      <p:pic>
+        <p:nvPicPr>
+          <p:cNvPr id="61" name="" descr=""/>
+          <p:cNvPicPr/>
+          <p:nvPr/>
+        </p:nvPicPr>
+        <p:blipFill>
+          <a:blip r:embed="rId2"/>
+          <a:stretch/>
+        </p:blipFill>
+        <p:spPr>
+          <a:xfrm>
+            <a:off x="3136680" y="1492200"/>
+            <a:ext cx="2650320" cy="2672280"/>
+          </a:xfrm>
+          <a:prstGeom prst="rect">
+            <a:avLst/>
+          </a:prstGeom>
+          <a:ln w="0">
+            <a:noFill/>
+          </a:ln>
+        </p:spPr>
+      </p:pic>
+      <p:pic>
+        <p:nvPicPr>
+          <p:cNvPr id="62" name="" descr=""/>
+          <p:cNvPicPr/>
+          <p:nvPr/>
+        </p:nvPicPr>
+        <p:blipFill>
+          <a:blip r:embed="rId3"/>
+          <a:stretch/>
+        </p:blipFill>
+        <p:spPr>
+          <a:xfrm>
+            <a:off x="541800" y="4170960"/>
+            <a:ext cx="2430000" cy="2458440"/>
+          </a:xfrm>
+          <a:prstGeom prst="rect">
+            <a:avLst/>
+          </a:prstGeom>
+          <a:ln w="0">
+            <a:noFill/>
+          </a:ln>
+        </p:spPr>
+      </p:pic>
+      <p:pic>
+        <p:nvPicPr>
+          <p:cNvPr id="63" name="" descr=""/>
+          <p:cNvPicPr/>
+          <p:nvPr/>
+        </p:nvPicPr>
+        <p:blipFill>
+          <a:blip r:embed="rId4"/>
+          <a:stretch/>
+        </p:blipFill>
+        <p:spPr>
+          <a:xfrm>
+            <a:off x="3384720" y="4271400"/>
+            <a:ext cx="2286000" cy="2305080"/>
+          </a:xfrm>
+          <a:prstGeom prst="rect">
+            <a:avLst/>
+          </a:prstGeom>
+          <a:ln w="0">
+            <a:noFill/>
+          </a:ln>
+        </p:spPr>
+      </p:pic>
     </p:spTree>
   </p:cSld>
   <mc:AlternateContent>
@@ -11184,28 +9244,28 @@
       </p:grpSpPr>
       <p:grpSp>
         <p:nvGrpSpPr>
-          <p:cNvPr id="59" name="Группа 17"/>
+          <p:cNvPr id="64" name="Группа 17"/>
           <p:cNvGrpSpPr/>
           <p:nvPr/>
         </p:nvGrpSpPr>
         <p:grpSpPr>
           <a:xfrm>
             <a:off x="3168000" y="203760"/>
-            <a:ext cx="6889320" cy="1197360"/>
+            <a:ext cx="6888960" cy="1197360"/>
             <a:chOff x="3168000" y="203760"/>
-            <a:chExt cx="6889320" cy="1197360"/>
+            <a:chExt cx="6888960" cy="1197360"/>
           </a:xfrm>
         </p:grpSpPr>
         <p:sp>
           <p:nvSpPr>
-            <p:cNvPr id="60" name="Прямоугольник 47"/>
+            <p:cNvPr id="65" name="Прямоугольник 47"/>
             <p:cNvSpPr/>
             <p:nvPr/>
           </p:nvSpPr>
           <p:spPr>
             <a:xfrm>
               <a:off x="3168000" y="203760"/>
-              <a:ext cx="6889320" cy="1192320"/>
+              <a:ext cx="6888960" cy="1191960"/>
             </a:xfrm>
             <a:prstGeom prst="rect">
               <a:avLst/>
@@ -11288,22 +9348,22 @@
         </p:sp>
         <p:sp>
           <p:nvSpPr>
-            <p:cNvPr id="61" name="Прямоугольник 48"/>
+            <p:cNvPr id="66" name="Прямоугольник 48"/>
             <p:cNvSpPr/>
             <p:nvPr/>
           </p:nvSpPr>
           <p:spPr>
             <a:xfrm flipH="1" rot="10800000">
-              <a:off x="3168000" y="208800"/>
-              <a:ext cx="109440" cy="1192320"/>
+              <a:off x="3167640" y="209160"/>
+              <a:ext cx="109080" cy="1191960"/>
             </a:xfrm>
             <a:custGeom>
               <a:avLst/>
               <a:gdLst>
-                <a:gd name="textAreaLeft" fmla="*/ 2520 w 109440"/>
-                <a:gd name="textAreaRight" fmla="*/ 116640 w 109440"/>
-                <a:gd name="textAreaTop" fmla="*/ 0 h 1192320"/>
-                <a:gd name="textAreaBottom" fmla="*/ 1196640 h 1192320"/>
+                <a:gd name="textAreaLeft" fmla="*/ 2520 w 109080"/>
+                <a:gd name="textAreaRight" fmla="*/ 116640 w 109080"/>
+                <a:gd name="textAreaTop" fmla="*/ 0 h 1191960"/>
+                <a:gd name="textAreaBottom" fmla="*/ 1196640 h 1191960"/>
               </a:gdLst>
               <a:ahLst/>
               <a:rect l="textAreaLeft" t="textAreaTop" r="textAreaRight" b="textAreaBottom"/>
@@ -11366,22 +9426,22 @@
         </p:sp>
         <p:sp>
           <p:nvSpPr>
-            <p:cNvPr id="62" name="Прямоугольник 49"/>
+            <p:cNvPr id="67" name="Прямоугольник 49"/>
             <p:cNvSpPr/>
             <p:nvPr/>
           </p:nvSpPr>
           <p:spPr>
             <a:xfrm flipH="1">
-              <a:off x="9922680" y="203760"/>
-              <a:ext cx="129600" cy="1192320"/>
+              <a:off x="9921960" y="203760"/>
+              <a:ext cx="129240" cy="1191960"/>
             </a:xfrm>
             <a:custGeom>
               <a:avLst/>
               <a:gdLst>
-                <a:gd name="textAreaLeft" fmla="*/ -2520 w 129600"/>
-                <a:gd name="textAreaRight" fmla="*/ 131400 w 129600"/>
-                <a:gd name="textAreaTop" fmla="*/ 0 h 1192320"/>
-                <a:gd name="textAreaBottom" fmla="*/ 1196640 h 1192320"/>
+                <a:gd name="textAreaLeft" fmla="*/ -2880 w 129240"/>
+                <a:gd name="textAreaRight" fmla="*/ 131040 w 129240"/>
+                <a:gd name="textAreaTop" fmla="*/ 0 h 1191960"/>
+                <a:gd name="textAreaBottom" fmla="*/ 1196640 h 1191960"/>
               </a:gdLst>
               <a:ahLst/>
               <a:rect l="textAreaLeft" t="textAreaTop" r="textAreaRight" b="textAreaBottom"/>
@@ -11445,14 +9505,14 @@
       </p:grpSp>
       <p:sp>
         <p:nvSpPr>
-          <p:cNvPr id="63" name="PlaceHolder 2"/>
+          <p:cNvPr id="68" name="PlaceHolder 2"/>
           <p:cNvSpPr/>
           <p:nvPr/>
         </p:nvSpPr>
         <p:spPr>
           <a:xfrm>
             <a:off x="273600" y="6435000"/>
-            <a:ext cx="567000" cy="272160"/>
+            <a:ext cx="566640" cy="271800"/>
           </a:xfrm>
           <a:prstGeom prst="rect">
             <a:avLst/>
@@ -11481,7 +9541,7 @@
                 <a:tab algn="l" pos="0"/>
               </a:tabLst>
             </a:pPr>
-            <a:fld id="{85C6CB43-0F8A-4F9B-B6CF-8BF5BE3343A9}" type="slidenum">
+            <a:fld id="{5E0990A9-5E7F-4CFE-B7EA-4FFF411E8F7D}" type="slidenum">
               <a:rPr b="0" lang="ru-RU" sz="1400" spc="-1" strike="noStrike">
                 <a:solidFill>
                   <a:srgbClr val="898989"/>
@@ -11489,7 +9549,7 @@
                 <a:latin typeface="Times New Roman"/>
                 <a:ea typeface="Open Sans"/>
               </a:rPr>
-              <a:t>4</a:t>
+              <a:t>5</a:t>
             </a:fld>
             <a:endParaRPr b="0" lang="en-US" sz="1400" spc="-1" strike="noStrike">
               <a:solidFill>
@@ -11502,14 +9562,14 @@
       </p:sp>
       <p:sp>
         <p:nvSpPr>
-          <p:cNvPr id="64" name="PlaceHolder 8"/>
+          <p:cNvPr id="69" name="PlaceHolder 8"/>
           <p:cNvSpPr/>
           <p:nvPr/>
         </p:nvSpPr>
         <p:spPr>
           <a:xfrm>
             <a:off x="388440" y="1600200"/>
-            <a:ext cx="4409640" cy="913320"/>
+            <a:ext cx="4409280" cy="912960"/>
           </a:xfrm>
           <a:prstGeom prst="rect">
             <a:avLst/>
@@ -11562,14 +9622,14 @@
       </p:sp>
       <p:sp>
         <p:nvSpPr>
-          <p:cNvPr id="65" name="PlaceHolder 12"/>
+          <p:cNvPr id="70" name="PlaceHolder 12"/>
           <p:cNvSpPr/>
           <p:nvPr/>
         </p:nvSpPr>
         <p:spPr>
           <a:xfrm>
             <a:off x="5029200" y="1600200"/>
-            <a:ext cx="6857280" cy="1140480"/>
+            <a:ext cx="6856920" cy="1140120"/>
           </a:xfrm>
           <a:prstGeom prst="rect">
             <a:avLst/>
@@ -11651,7 +9711,7 @@
       </p:sp>
       <p:graphicFrame>
         <p:nvGraphicFramePr>
-          <p:cNvPr id="66" name=""/>
+          <p:cNvPr id="71" name=""/>
           <p:cNvGraphicFramePr/>
           <p:nvPr/>
         </p:nvGraphicFramePr>
@@ -12585,7 +10645,7 @@
       </p:graphicFrame>
       <p:pic>
         <p:nvPicPr>
-          <p:cNvPr id="67" name="" descr=""/>
+          <p:cNvPr id="72" name="" descr=""/>
           <p:cNvPicPr/>
           <p:nvPr/>
         </p:nvPicPr>
@@ -12596,7 +10656,7 @@
         <p:spPr>
           <a:xfrm>
             <a:off x="529200" y="2536920"/>
-            <a:ext cx="4114080" cy="3519720"/>
+            <a:ext cx="4113720" cy="3519360"/>
           </a:xfrm>
           <a:prstGeom prst="rect">
             <a:avLst/>
@@ -12638,7 +10698,7 @@
       </p:grpSpPr>
       <p:sp>
         <p:nvSpPr>
-          <p:cNvPr id="68" name="PlaceHolder 1"/>
+          <p:cNvPr id="73" name="PlaceHolder 1"/>
           <p:cNvSpPr>
             <a:spLocks noGrp="1"/>
           </p:cNvSpPr>
@@ -12649,7 +10709,7 @@
         <p:spPr>
           <a:xfrm>
             <a:off x="388440" y="1371600"/>
-            <a:ext cx="5781240" cy="5255280"/>
+            <a:ext cx="5780880" cy="5254920"/>
           </a:xfrm>
           <a:prstGeom prst="rect">
             <a:avLst/>
@@ -12829,28 +10889,28 @@
       </p:sp>
       <p:grpSp>
         <p:nvGrpSpPr>
-          <p:cNvPr id="69" name="Группа 4"/>
+          <p:cNvPr id="74" name="Группа 4"/>
           <p:cNvGrpSpPr/>
           <p:nvPr/>
         </p:nvGrpSpPr>
         <p:grpSpPr>
           <a:xfrm>
             <a:off x="3168000" y="243720"/>
-            <a:ext cx="6430680" cy="1117440"/>
+            <a:ext cx="6430320" cy="1117440"/>
             <a:chOff x="3168000" y="243720"/>
-            <a:chExt cx="6430680" cy="1117440"/>
+            <a:chExt cx="6430320" cy="1117440"/>
           </a:xfrm>
         </p:grpSpPr>
         <p:sp>
           <p:nvSpPr>
-            <p:cNvPr id="70" name="Прямоугольник 12"/>
+            <p:cNvPr id="75" name="Прямоугольник 12"/>
             <p:cNvSpPr/>
             <p:nvPr/>
           </p:nvSpPr>
           <p:spPr>
             <a:xfrm>
               <a:off x="3168000" y="243720"/>
-              <a:ext cx="6430680" cy="1113480"/>
+              <a:ext cx="6430320" cy="1113120"/>
             </a:xfrm>
             <a:prstGeom prst="rect">
               <a:avLst/>
@@ -12910,22 +10970,22 @@
         </p:sp>
         <p:sp>
           <p:nvSpPr>
-            <p:cNvPr id="71" name="Прямоугольник 13"/>
+            <p:cNvPr id="76" name="Прямоугольник 13"/>
             <p:cNvSpPr/>
             <p:nvPr/>
           </p:nvSpPr>
           <p:spPr>
             <a:xfrm flipH="1" rot="10800000">
-              <a:off x="3167640" y="247680"/>
-              <a:ext cx="103320" cy="1113480"/>
+              <a:off x="3168000" y="248040"/>
+              <a:ext cx="102960" cy="1113120"/>
             </a:xfrm>
             <a:custGeom>
               <a:avLst/>
               <a:gdLst>
-                <a:gd name="textAreaLeft" fmla="*/ 1800 w 103320"/>
-                <a:gd name="textAreaRight" fmla="*/ 108720 w 103320"/>
-                <a:gd name="textAreaTop" fmla="*/ 0 h 1113480"/>
-                <a:gd name="textAreaBottom" fmla="*/ 1116720 h 1113480"/>
+                <a:gd name="textAreaLeft" fmla="*/ 2160 w 102960"/>
+                <a:gd name="textAreaRight" fmla="*/ 109080 w 102960"/>
+                <a:gd name="textAreaTop" fmla="*/ 0 h 1113120"/>
+                <a:gd name="textAreaBottom" fmla="*/ 1116720 h 1113120"/>
               </a:gdLst>
               <a:ahLst/>
               <a:rect l="textAreaLeft" t="textAreaTop" r="textAreaRight" b="textAreaBottom"/>
@@ -12988,22 +11048,22 @@
         </p:sp>
         <p:sp>
           <p:nvSpPr>
-            <p:cNvPr id="72" name="Прямоугольник 15"/>
+            <p:cNvPr id="77" name="Прямоугольник 15"/>
             <p:cNvSpPr/>
             <p:nvPr/>
           </p:nvSpPr>
           <p:spPr>
             <a:xfrm flipH="1">
               <a:off x="9472680" y="243720"/>
-              <a:ext cx="122040" cy="1113480"/>
+              <a:ext cx="121680" cy="1113120"/>
             </a:xfrm>
             <a:custGeom>
               <a:avLst/>
               <a:gdLst>
-                <a:gd name="textAreaLeft" fmla="*/ -1800 w 122040"/>
-                <a:gd name="textAreaRight" fmla="*/ 123480 w 122040"/>
-                <a:gd name="textAreaTop" fmla="*/ 0 h 1113480"/>
-                <a:gd name="textAreaBottom" fmla="*/ 1116720 h 1113480"/>
+                <a:gd name="textAreaLeft" fmla="*/ -1800 w 121680"/>
+                <a:gd name="textAreaRight" fmla="*/ 123480 w 121680"/>
+                <a:gd name="textAreaTop" fmla="*/ 0 h 1113120"/>
+                <a:gd name="textAreaBottom" fmla="*/ 1116720 h 1113120"/>
               </a:gdLst>
               <a:ahLst/>
               <a:rect l="textAreaLeft" t="textAreaTop" r="textAreaRight" b="textAreaBottom"/>
@@ -13067,14 +11127,14 @@
       </p:grpSp>
       <p:sp>
         <p:nvSpPr>
-          <p:cNvPr id="73" name="Google Shape;149;p4"/>
+          <p:cNvPr id="78" name="Google Shape;149;p4"/>
           <p:cNvSpPr/>
           <p:nvPr/>
         </p:nvSpPr>
         <p:spPr>
           <a:xfrm>
             <a:off x="6400800" y="1359000"/>
-            <a:ext cx="5483880" cy="5267880"/>
+            <a:ext cx="5483520" cy="5267520"/>
           </a:xfrm>
           <a:prstGeom prst="rect">
             <a:avLst/>
@@ -13614,14 +11674,14 @@
       </p:sp>
       <p:sp>
         <p:nvSpPr>
-          <p:cNvPr id="74" name="PlaceHolder 18"/>
+          <p:cNvPr id="79" name="PlaceHolder 18"/>
           <p:cNvSpPr/>
           <p:nvPr/>
         </p:nvSpPr>
         <p:spPr>
           <a:xfrm>
             <a:off x="273600" y="6435000"/>
-            <a:ext cx="567000" cy="272160"/>
+            <a:ext cx="566640" cy="271800"/>
           </a:xfrm>
           <a:prstGeom prst="rect">
             <a:avLst/>
@@ -13650,7 +11710,7 @@
                 <a:tab algn="l" pos="0"/>
               </a:tabLst>
             </a:pPr>
-            <a:fld id="{E54E4148-0382-421C-8EC8-22730CE464AF}" type="slidenum">
+            <a:fld id="{8DB3AC79-7238-45CF-8E85-EC61B44AA46C}" type="slidenum">
               <a:rPr b="0" lang="ru-RU" sz="1400" spc="-1" strike="noStrike">
                 <a:solidFill>
                   <a:srgbClr val="898989"/>
@@ -13701,7 +11761,7 @@
       </p:grpSpPr>
       <p:sp>
         <p:nvSpPr>
-          <p:cNvPr id="75" name="PlaceHolder 1"/>
+          <p:cNvPr id="80" name="PlaceHolder 1"/>
           <p:cNvSpPr>
             <a:spLocks noGrp="1"/>
           </p:cNvSpPr>
@@ -13712,7 +11772,7 @@
         <p:spPr>
           <a:xfrm>
             <a:off x="388440" y="1600200"/>
-            <a:ext cx="11496240" cy="5026680"/>
+            <a:ext cx="11495880" cy="5026320"/>
           </a:xfrm>
           <a:prstGeom prst="rect">
             <a:avLst/>
@@ -14102,28 +12162,28 @@
       </p:sp>
       <p:grpSp>
         <p:nvGrpSpPr>
-          <p:cNvPr id="76" name="Группа 14"/>
+          <p:cNvPr id="81" name="Группа 14"/>
           <p:cNvGrpSpPr/>
           <p:nvPr/>
         </p:nvGrpSpPr>
         <p:grpSpPr>
           <a:xfrm>
             <a:off x="3168000" y="243720"/>
-            <a:ext cx="6430680" cy="1117440"/>
+            <a:ext cx="6430320" cy="1117440"/>
             <a:chOff x="3168000" y="243720"/>
-            <a:chExt cx="6430680" cy="1117440"/>
+            <a:chExt cx="6430320" cy="1117440"/>
           </a:xfrm>
         </p:grpSpPr>
         <p:sp>
           <p:nvSpPr>
-            <p:cNvPr id="77" name="Прямоугольник 38"/>
+            <p:cNvPr id="82" name="Прямоугольник 38"/>
             <p:cNvSpPr/>
             <p:nvPr/>
           </p:nvSpPr>
           <p:spPr>
             <a:xfrm>
               <a:off x="3168000" y="243720"/>
-              <a:ext cx="6430680" cy="1113480"/>
+              <a:ext cx="6430320" cy="1113120"/>
             </a:xfrm>
             <a:prstGeom prst="rect">
               <a:avLst/>
@@ -14183,22 +12243,22 @@
         </p:sp>
         <p:sp>
           <p:nvSpPr>
-            <p:cNvPr id="78" name="Прямоугольник 39"/>
+            <p:cNvPr id="83" name="Прямоугольник 39"/>
             <p:cNvSpPr/>
             <p:nvPr/>
           </p:nvSpPr>
           <p:spPr>
             <a:xfrm flipH="1" rot="10800000">
-              <a:off x="3167640" y="247680"/>
-              <a:ext cx="103320" cy="1113480"/>
+              <a:off x="3168000" y="248040"/>
+              <a:ext cx="102960" cy="1113120"/>
             </a:xfrm>
             <a:custGeom>
               <a:avLst/>
               <a:gdLst>
-                <a:gd name="textAreaLeft" fmla="*/ 1800 w 103320"/>
-                <a:gd name="textAreaRight" fmla="*/ 108720 w 103320"/>
-                <a:gd name="textAreaTop" fmla="*/ 0 h 1113480"/>
-                <a:gd name="textAreaBottom" fmla="*/ 1116720 h 1113480"/>
+                <a:gd name="textAreaLeft" fmla="*/ 2160 w 102960"/>
+                <a:gd name="textAreaRight" fmla="*/ 109080 w 102960"/>
+                <a:gd name="textAreaTop" fmla="*/ 0 h 1113120"/>
+                <a:gd name="textAreaBottom" fmla="*/ 1116720 h 1113120"/>
               </a:gdLst>
               <a:ahLst/>
               <a:rect l="textAreaLeft" t="textAreaTop" r="textAreaRight" b="textAreaBottom"/>
@@ -14261,22 +12321,22 @@
         </p:sp>
         <p:sp>
           <p:nvSpPr>
-            <p:cNvPr id="79" name="Прямоугольник 40"/>
+            <p:cNvPr id="84" name="Прямоугольник 40"/>
             <p:cNvSpPr/>
             <p:nvPr/>
           </p:nvSpPr>
           <p:spPr>
             <a:xfrm flipH="1">
               <a:off x="9472680" y="243720"/>
-              <a:ext cx="122040" cy="1113480"/>
+              <a:ext cx="121680" cy="1113120"/>
             </a:xfrm>
             <a:custGeom>
               <a:avLst/>
               <a:gdLst>
-                <a:gd name="textAreaLeft" fmla="*/ -1800 w 122040"/>
-                <a:gd name="textAreaRight" fmla="*/ 123480 w 122040"/>
-                <a:gd name="textAreaTop" fmla="*/ 0 h 1113480"/>
-                <a:gd name="textAreaBottom" fmla="*/ 1116720 h 1113480"/>
+                <a:gd name="textAreaLeft" fmla="*/ -1800 w 121680"/>
+                <a:gd name="textAreaRight" fmla="*/ 123480 w 121680"/>
+                <a:gd name="textAreaTop" fmla="*/ 0 h 1113120"/>
+                <a:gd name="textAreaBottom" fmla="*/ 1116720 h 1113120"/>
               </a:gdLst>
               <a:ahLst/>
               <a:rect l="textAreaLeft" t="textAreaTop" r="textAreaRight" b="textAreaBottom"/>
@@ -14340,14 +12400,14 @@
       </p:grpSp>
       <p:sp>
         <p:nvSpPr>
-          <p:cNvPr id="80" name="PlaceHolder 22"/>
+          <p:cNvPr id="85" name="PlaceHolder 22"/>
           <p:cNvSpPr/>
           <p:nvPr/>
         </p:nvSpPr>
         <p:spPr>
           <a:xfrm>
             <a:off x="273600" y="6435000"/>
-            <a:ext cx="567000" cy="272160"/>
+            <a:ext cx="566640" cy="271800"/>
           </a:xfrm>
           <a:prstGeom prst="rect">
             <a:avLst/>
@@ -14376,7 +12436,7 @@
                 <a:tab algn="l" pos="0"/>
               </a:tabLst>
             </a:pPr>
-            <a:fld id="{B1843797-75C6-4528-ABAC-2E9B9587E6A6}" type="slidenum">
+            <a:fld id="{C7B6A99F-16B7-4022-95EB-D7B42EE26BA5}" type="slidenum">
               <a:rPr b="0" lang="ru-RU" sz="1400" spc="-1" strike="noStrike">
                 <a:solidFill>
                   <a:srgbClr val="898989"/>
@@ -14427,28 +12487,28 @@
       </p:grpSpPr>
       <p:grpSp>
         <p:nvGrpSpPr>
-          <p:cNvPr id="81" name="Группа 6"/>
+          <p:cNvPr id="86" name="Группа 6"/>
           <p:cNvGrpSpPr/>
           <p:nvPr/>
         </p:nvGrpSpPr>
         <p:grpSpPr>
           <a:xfrm>
             <a:off x="3168000" y="322920"/>
-            <a:ext cx="5517360" cy="959040"/>
+            <a:ext cx="5517000" cy="959040"/>
             <a:chOff x="3168000" y="322920"/>
-            <a:chExt cx="5517360" cy="959040"/>
+            <a:chExt cx="5517000" cy="959040"/>
           </a:xfrm>
         </p:grpSpPr>
         <p:sp>
           <p:nvSpPr>
-            <p:cNvPr id="82" name="Прямоугольник 10"/>
+            <p:cNvPr id="87" name="Прямоугольник 10"/>
             <p:cNvSpPr/>
             <p:nvPr/>
           </p:nvSpPr>
           <p:spPr>
             <a:xfrm>
               <a:off x="3168000" y="322920"/>
-              <a:ext cx="5517360" cy="954720"/>
+              <a:ext cx="5517000" cy="954360"/>
             </a:xfrm>
             <a:prstGeom prst="rect">
               <a:avLst/>
@@ -14508,22 +12568,22 @@
         </p:sp>
         <p:sp>
           <p:nvSpPr>
-            <p:cNvPr id="83" name="Прямоугольник 14"/>
+            <p:cNvPr id="88" name="Прямоугольник 14"/>
             <p:cNvSpPr/>
             <p:nvPr/>
           </p:nvSpPr>
           <p:spPr>
             <a:xfrm flipH="1" rot="10800000">
-              <a:off x="3168000" y="327240"/>
-              <a:ext cx="87840" cy="954720"/>
+              <a:off x="3167640" y="327600"/>
+              <a:ext cx="87480" cy="954360"/>
             </a:xfrm>
             <a:custGeom>
               <a:avLst/>
               <a:gdLst>
-                <a:gd name="textAreaLeft" fmla="*/ 1800 w 87840"/>
-                <a:gd name="textAreaRight" fmla="*/ 93600 w 87840"/>
-                <a:gd name="textAreaTop" fmla="*/ 0 h 954720"/>
-                <a:gd name="textAreaBottom" fmla="*/ 958320 h 954720"/>
+                <a:gd name="textAreaLeft" fmla="*/ 1800 w 87480"/>
+                <a:gd name="textAreaRight" fmla="*/ 93600 w 87480"/>
+                <a:gd name="textAreaTop" fmla="*/ 0 h 954360"/>
+                <a:gd name="textAreaBottom" fmla="*/ 958320 h 954360"/>
               </a:gdLst>
               <a:ahLst/>
               <a:rect l="textAreaLeft" t="textAreaTop" r="textAreaRight" b="textAreaBottom"/>
@@ -14586,22 +12646,22 @@
         </p:sp>
         <p:sp>
           <p:nvSpPr>
-            <p:cNvPr id="84" name="Прямоугольник 19"/>
+            <p:cNvPr id="89" name="Прямоугольник 19"/>
             <p:cNvSpPr/>
             <p:nvPr/>
           </p:nvSpPr>
           <p:spPr>
             <a:xfrm flipH="1">
-              <a:off x="8577720" y="322920"/>
-              <a:ext cx="103680" cy="954720"/>
+              <a:off x="8577000" y="322920"/>
+              <a:ext cx="103320" cy="954360"/>
             </a:xfrm>
             <a:custGeom>
               <a:avLst/>
               <a:gdLst>
-                <a:gd name="textAreaLeft" fmla="*/ 360 w 103680"/>
-                <a:gd name="textAreaRight" fmla="*/ 107280 w 103680"/>
-                <a:gd name="textAreaTop" fmla="*/ 0 h 954720"/>
-                <a:gd name="textAreaBottom" fmla="*/ 958320 h 954720"/>
+                <a:gd name="textAreaLeft" fmla="*/ 360 w 103320"/>
+                <a:gd name="textAreaRight" fmla="*/ 107280 w 103320"/>
+                <a:gd name="textAreaTop" fmla="*/ 0 h 954360"/>
+                <a:gd name="textAreaBottom" fmla="*/ 958320 h 954360"/>
               </a:gdLst>
               <a:ahLst/>
               <a:rect l="textAreaLeft" t="textAreaTop" r="textAreaRight" b="textAreaBottom"/>
@@ -14665,14 +12725,14 @@
       </p:grpSp>
       <p:sp>
         <p:nvSpPr>
-          <p:cNvPr id="85" name="PlaceHolder 20"/>
+          <p:cNvPr id="90" name="PlaceHolder 20"/>
           <p:cNvSpPr/>
           <p:nvPr/>
         </p:nvSpPr>
         <p:spPr>
           <a:xfrm>
             <a:off x="273600" y="6435000"/>
-            <a:ext cx="567000" cy="272160"/>
+            <a:ext cx="566640" cy="271800"/>
           </a:xfrm>
           <a:prstGeom prst="rect">
             <a:avLst/>
@@ -14701,7 +12761,7 @@
                 <a:tab algn="l" pos="0"/>
               </a:tabLst>
             </a:pPr>
-            <a:fld id="{7D05F04A-84A7-4D0D-9F66-547D94ADA70B}" type="slidenum">
+            <a:fld id="{5C507FAA-792A-4280-806F-11A0667C56B8}" type="slidenum">
               <a:rPr b="0" lang="ru-RU" sz="1400" spc="-1" strike="noStrike">
                 <a:solidFill>
                   <a:srgbClr val="898989"/>
@@ -14722,7 +12782,7 @@
       </p:sp>
       <p:graphicFrame>
         <p:nvGraphicFramePr>
-          <p:cNvPr id="86" name=""/>
+          <p:cNvPr id="91" name=""/>
           <p:cNvGraphicFramePr/>
           <p:nvPr/>
         </p:nvGraphicFramePr>
@@ -15935,14 +13995,14 @@
       </p:graphicFrame>
       <p:sp>
         <p:nvSpPr>
-          <p:cNvPr id="87" name=""/>
+          <p:cNvPr id="92" name=""/>
           <p:cNvSpPr/>
           <p:nvPr/>
         </p:nvSpPr>
         <p:spPr>
           <a:xfrm>
             <a:off x="8121600" y="1371600"/>
-            <a:ext cx="3885120" cy="4570560"/>
+            <a:ext cx="3884760" cy="4570200"/>
           </a:xfrm>
           <a:prstGeom prst="rect">
             <a:avLst/>
@@ -16126,7 +14186,7 @@
       </p:sp>
       <p:pic>
         <p:nvPicPr>
-          <p:cNvPr id="88" name="" descr=""/>
+          <p:cNvPr id="93" name="" descr=""/>
           <p:cNvPicPr/>
           <p:nvPr/>
         </p:nvPicPr>
@@ -16137,7 +14197,7 @@
         <p:spPr>
           <a:xfrm>
             <a:off x="7952400" y="3128400"/>
-            <a:ext cx="3770280" cy="550440"/>
+            <a:ext cx="3769920" cy="550080"/>
           </a:xfrm>
           <a:prstGeom prst="rect">
             <a:avLst/>
@@ -16149,7 +14209,7 @@
       </p:pic>
       <p:pic>
         <p:nvPicPr>
-          <p:cNvPr id="89" name="" descr=""/>
+          <p:cNvPr id="94" name="" descr=""/>
           <p:cNvPicPr/>
           <p:nvPr/>
         </p:nvPicPr>
@@ -16160,7 +14220,7 @@
         <p:spPr>
           <a:xfrm>
             <a:off x="7759800" y="5571000"/>
-            <a:ext cx="4351680" cy="541080"/>
+            <a:ext cx="4351320" cy="540720"/>
           </a:xfrm>
           <a:prstGeom prst="rect">
             <a:avLst/>

--- a/Прогнозирование вероятности дефолта.pptx
+++ b/Прогнозирование вероятности дефолта.pptx
@@ -29,6 +29,7 @@
     <p:sldId id="269" r:id="rId24"/>
     <p:sldId id="270" r:id="rId25"/>
     <p:sldId id="271" r:id="rId26"/>
+    <p:sldId id="272" r:id="rId27"/>
   </p:sldIdLst>
   <p:sldSz cx="12192000" cy="6858000"/>
   <p:notesSz cx="7559675" cy="10691813"/>
@@ -88,7 +89,7 @@
         <p:txBody>
           <a:bodyPr/>
           <a:p>
-            <a:fld id="{7CA89AD7-373A-4FFF-805D-8AE6C64997C8}" type="slidenum">
+            <a:fld id="{7133A521-AF61-45C7-ADE2-75E7DDC098CB}" type="slidenum">
               <a:t>&lt;#&gt;</a:t>
             </a:fld>
           </a:p>
@@ -130,7 +131,7 @@
         <p:txBody>
           <a:bodyPr/>
           <a:p>
-            <a:fld id="{05E4ADE0-0CC2-4A3F-8C27-02C62BE17497}" type="slidenum">
+            <a:fld id="{9AF46EEB-9B7E-420E-A4AE-A1FDDCB991DC}" type="slidenum">
               <a:t>&lt;#&gt;</a:t>
             </a:fld>
           </a:p>
@@ -172,7 +173,7 @@
         <p:txBody>
           <a:bodyPr/>
           <a:p>
-            <a:fld id="{409B1C9E-50D1-4DBA-966D-D1B08535C95B}" type="slidenum">
+            <a:fld id="{8E545D4B-9F32-40AB-8BF4-5652B108B560}" type="slidenum">
               <a:t>&lt;#&gt;</a:t>
             </a:fld>
           </a:p>
@@ -214,7 +215,7 @@
         <p:txBody>
           <a:bodyPr/>
           <a:p>
-            <a:fld id="{F7582D03-5C71-4F18-B096-95289BB9F724}" type="slidenum">
+            <a:fld id="{0E1D7FF2-7759-49E0-9D88-A86069B407C0}" type="slidenum">
               <a:t>&lt;#&gt;</a:t>
             </a:fld>
           </a:p>
@@ -256,7 +257,7 @@
         <p:txBody>
           <a:bodyPr/>
           <a:p>
-            <a:fld id="{BA32299F-79B5-40F6-8886-3C1E784D3BE6}" type="slidenum">
+            <a:fld id="{BDF1BE39-D6BF-4A2A-954E-96C33181C0F6}" type="slidenum">
               <a:t>&lt;#&gt;</a:t>
             </a:fld>
           </a:p>
@@ -298,7 +299,7 @@
         <p:txBody>
           <a:bodyPr/>
           <a:p>
-            <a:fld id="{5352F54A-53CA-4F1A-87E7-87C0412DBCAA}" type="slidenum">
+            <a:fld id="{367E9412-E42A-4BE0-8715-36A7E7B3D48F}" type="slidenum">
               <a:t>&lt;#&gt;</a:t>
             </a:fld>
           </a:p>
@@ -340,7 +341,7 @@
         <p:txBody>
           <a:bodyPr/>
           <a:p>
-            <a:fld id="{74066D48-656D-4C43-BE64-966769CB71DA}" type="slidenum">
+            <a:fld id="{B38CC7B1-B8DA-49FB-9B62-31BC83052200}" type="slidenum">
               <a:t>&lt;#&gt;</a:t>
             </a:fld>
           </a:p>
@@ -945,7 +946,7 @@
                 <a:tab algn="l" pos="0"/>
               </a:tabLst>
             </a:pPr>
-            <a:fld id="{3A90D881-A893-474B-91E0-1CE35ED3C188}" type="slidenum">
+            <a:fld id="{D34E0CC0-309C-4C2F-95AF-6F28D1502F0F}" type="slidenum">
               <a:rPr b="0" lang="ru-RU" sz="2400" spc="-1" strike="noStrike">
                 <a:solidFill>
                   <a:srgbClr val="898989"/>
@@ -1349,7 +1350,7 @@
                 <a:tab algn="l" pos="0"/>
               </a:tabLst>
             </a:pPr>
-            <a:fld id="{3E0449BA-B43D-4494-A414-693DE0C8B6E9}" type="slidenum">
+            <a:fld id="{737814C2-F307-4790-B17E-E25C58A0F214}" type="slidenum">
               <a:rPr b="0" lang="ru-RU" sz="2400" spc="-1" strike="noStrike">
                 <a:solidFill>
                   <a:srgbClr val="898989"/>
@@ -1479,7 +1480,7 @@
                 <a:tab algn="l" pos="0"/>
               </a:tabLst>
             </a:pPr>
-            <a:fld id="{064EAD33-059F-453A-BD15-29ABEFFAEB8F}" type="slidenum">
+            <a:fld id="{AE46FEA0-93B1-4E62-96DF-01F61103B8E0}" type="slidenum">
               <a:rPr b="0" lang="ru-RU" sz="2400" spc="-1" strike="noStrike">
                 <a:solidFill>
                   <a:srgbClr val="898989"/>
@@ -1609,7 +1610,7 @@
                 <a:tab algn="l" pos="0"/>
               </a:tabLst>
             </a:pPr>
-            <a:fld id="{4DAEFEEC-2410-4BF6-9E1B-8BEDBBEB7535}" type="slidenum">
+            <a:fld id="{96F337CC-0CCA-4EE0-96EE-53B9B612FF54}" type="slidenum">
               <a:rPr b="0" lang="ru-RU" sz="2400" spc="-1" strike="noStrike">
                 <a:solidFill>
                   <a:srgbClr val="898989"/>
@@ -1739,7 +1740,7 @@
                 <a:tab algn="l" pos="0"/>
               </a:tabLst>
             </a:pPr>
-            <a:fld id="{F12298B1-A623-4743-A2C9-C3DB0C6713D2}" type="slidenum">
+            <a:fld id="{AB80F976-6D9C-4389-88A3-B3CB67EC64D2}" type="slidenum">
               <a:rPr b="0" lang="ru-RU" sz="2400" spc="-1" strike="noStrike">
                 <a:solidFill>
                   <a:srgbClr val="898989"/>
@@ -1869,7 +1870,7 @@
                 <a:tab algn="l" pos="0"/>
               </a:tabLst>
             </a:pPr>
-            <a:fld id="{84DFE478-6F54-4CFC-8517-F4A7FD87A590}" type="slidenum">
+            <a:fld id="{7C7D8B1E-F399-4328-BA9B-0D36FFAE13AF}" type="slidenum">
               <a:rPr b="0" lang="ru-RU" sz="2400" spc="-1" strike="noStrike">
                 <a:solidFill>
                   <a:srgbClr val="898989"/>
@@ -1999,7 +2000,7 @@
                 <a:tab algn="l" pos="0"/>
               </a:tabLst>
             </a:pPr>
-            <a:fld id="{AE76F421-246E-49A0-B8B2-39F8A3D34CE7}" type="slidenum">
+            <a:fld id="{01CE083F-9465-49B0-8D8A-236D53700D11}" type="slidenum">
               <a:rPr b="0" lang="ru-RU" sz="2400" spc="-1" strike="noStrike">
                 <a:solidFill>
                   <a:srgbClr val="898989"/>
@@ -3123,7 +3124,7 @@
                 <a:tab algn="l" pos="0"/>
               </a:tabLst>
             </a:pPr>
-            <a:fld id="{D8C088CE-0A3B-46E6-BF47-F7B7BB889AB0}" type="slidenum">
+            <a:fld id="{0754B62D-8163-4F41-B5E6-41524216A877}" type="slidenum">
               <a:rPr b="0" lang="ru-RU" sz="1400" spc="-1" strike="noStrike">
                 <a:solidFill>
                   <a:srgbClr val="898989"/>
@@ -3960,7 +3961,7 @@
                 <a:tab algn="l" pos="0"/>
               </a:tabLst>
             </a:pPr>
-            <a:fld id="{7053EBC3-BC2E-4BBE-A98A-F5B39B25EFC2}" type="slidenum">
+            <a:fld id="{DBCD5E97-851F-47F7-93F2-15C555BE9480}" type="slidenum">
               <a:rPr b="0" lang="ru-RU" sz="1400" spc="-1" strike="noStrike">
                 <a:solidFill>
                   <a:srgbClr val="898989"/>
@@ -4697,7 +4698,7 @@
                 <a:tab algn="l" pos="0"/>
               </a:tabLst>
             </a:pPr>
-            <a:fld id="{6CAF1A11-D414-42CE-B14C-D55C665317AE}" type="slidenum">
+            <a:fld id="{04CFAF20-97B3-422D-94E7-5409AE4F90AE}" type="slidenum">
               <a:rPr b="0" lang="ru-RU" sz="1400" spc="-1" strike="noStrike">
                 <a:solidFill>
                   <a:srgbClr val="898989"/>
@@ -5101,7 +5102,7 @@
                 <a:tab algn="l" pos="0"/>
               </a:tabLst>
             </a:pPr>
-            <a:fld id="{97AFDBDE-0A38-4933-A54B-2A2779C09327}" type="slidenum">
+            <a:fld id="{83206781-8918-461A-A760-3A7FBC5F7686}" type="slidenum">
               <a:rPr b="0" lang="ru-RU" sz="1400" spc="-1" strike="noStrike">
                 <a:solidFill>
                   <a:srgbClr val="898989"/>
@@ -5407,7 +5408,7 @@
                 <a:latin typeface="Arial"/>
                 <a:ea typeface="Open Sans"/>
               </a:rPr>
-              <a:t>Наилучшие метрики показала модель LightGBM. </a:t>
+              <a:t>Наилучшие метрики показала модель LightGBM </a:t>
             </a:r>
             <a:endParaRPr b="0" lang="en-US" sz="1800" spc="-1" strike="noStrike">
               <a:solidFill>
@@ -5805,7 +5806,7 @@
                   <a:latin typeface="ALS Sector Bold"/>
                   <a:ea typeface="Arial"/>
                 </a:rPr>
-                <a:t>Нейронная сеть. Keras</a:t>
+                <a:t>Нейронная сеть Keras</a:t>
               </a:r>
               <a:endParaRPr b="0" lang="en-US" sz="2800" spc="-1" strike="noStrike">
                 <a:solidFill>
@@ -6011,7 +6012,7 @@
                 <a:tab algn="l" pos="0"/>
               </a:tabLst>
             </a:pPr>
-            <a:fld id="{CEF11267-CA2D-414F-9363-0DA37CC21FAC}" type="slidenum">
+            <a:fld id="{45C019FB-94A3-41BA-988C-496D6D419B92}" type="slidenum">
               <a:rPr b="0" lang="ru-RU" sz="1400" spc="-1" strike="noStrike">
                 <a:solidFill>
                   <a:srgbClr val="898989"/>
@@ -6030,6 +6031,215 @@
           </a:p>
         </p:txBody>
       </p:sp>
+      <p:sp>
+        <p:nvSpPr>
+          <p:cNvPr id="149" name=""/>
+          <p:cNvSpPr txBox="1"/>
+          <p:nvPr/>
+        </p:nvSpPr>
+        <p:spPr>
+          <a:xfrm>
+            <a:off x="228600" y="1440720"/>
+            <a:ext cx="7086600" cy="2902680"/>
+          </a:xfrm>
+          <a:prstGeom prst="rect">
+            <a:avLst/>
+          </a:prstGeom>
+          <a:noFill/>
+          <a:ln w="0">
+            <a:noFill/>
+          </a:ln>
+        </p:spPr>
+        <p:txBody>
+          <a:bodyPr lIns="90000" rIns="90000" tIns="45000" bIns="45000" anchor="t">
+            <a:noAutofit/>
+          </a:bodyPr>
+          <a:p>
+            <a:pPr marL="216000" indent="-216000">
+              <a:buClr>
+                <a:srgbClr val="000000"/>
+              </a:buClr>
+              <a:buSzPct val="45000"/>
+              <a:buFont typeface="Wingdings" charset="2"/>
+              <a:buChar char=""/>
+            </a:pPr>
+            <a:r>
+              <a:rPr b="0" lang="ru-RU" sz="2200" spc="-1" strike="noStrike">
+                <a:solidFill>
+                  <a:srgbClr val="262626"/>
+                </a:solidFill>
+                <a:latin typeface="Arial"/>
+                <a:ea typeface="Open Sans"/>
+              </a:rPr>
+              <a:t>На вход подается стандартизованный и сбалансированный датасет</a:t>
+            </a:r>
+            <a:endParaRPr b="0" lang="en-US" sz="2200" spc="-1" strike="noStrike">
+              <a:solidFill>
+                <a:srgbClr val="000000"/>
+              </a:solidFill>
+              <a:latin typeface="Arial"/>
+            </a:endParaRPr>
+          </a:p>
+          <a:p>
+            <a:pPr marL="216000" indent="-216000">
+              <a:buClr>
+                <a:srgbClr val="000000"/>
+              </a:buClr>
+              <a:buSzPct val="45000"/>
+              <a:buFont typeface="Wingdings" charset="2"/>
+              <a:buChar char=""/>
+            </a:pPr>
+            <a:r>
+              <a:rPr b="0" lang="ru-RU" sz="2200" spc="-1" strike="noStrike">
+                <a:solidFill>
+                  <a:srgbClr val="262626"/>
+                </a:solidFill>
+                <a:latin typeface="Arial"/>
+                <a:ea typeface="Open Sans"/>
+              </a:rPr>
+              <a:t>Слои </a:t>
+            </a:r>
+            <a:r>
+              <a:rPr b="1" lang="ru-RU" sz="2200" spc="-1" strike="noStrike">
+                <a:solidFill>
+                  <a:srgbClr val="262626"/>
+                </a:solidFill>
+                <a:latin typeface="Arial"/>
+                <a:ea typeface="Open Sans"/>
+              </a:rPr>
+              <a:t>BatchNorm</a:t>
+            </a:r>
+            <a:r>
+              <a:rPr b="0" lang="ru-RU" sz="2200" spc="-1" strike="noStrike">
+                <a:solidFill>
+                  <a:srgbClr val="262626"/>
+                </a:solidFill>
+                <a:latin typeface="Arial"/>
+                <a:ea typeface="Open Sans"/>
+              </a:rPr>
+              <a:t> и </a:t>
+            </a:r>
+            <a:r>
+              <a:rPr b="1" lang="ru-RU" sz="2200" spc="-1" strike="noStrike">
+                <a:solidFill>
+                  <a:srgbClr val="262626"/>
+                </a:solidFill>
+                <a:latin typeface="Arial"/>
+                <a:ea typeface="Open Sans"/>
+              </a:rPr>
+              <a:t>DropOut</a:t>
+            </a:r>
+            <a:r>
+              <a:rPr b="0" lang="ru-RU" sz="2200" spc="-1" strike="noStrike">
+                <a:solidFill>
+                  <a:srgbClr val="262626"/>
+                </a:solidFill>
+                <a:latin typeface="Arial"/>
+                <a:ea typeface="Open Sans"/>
+              </a:rPr>
+              <a:t> защищают от переобучения модели</a:t>
+            </a:r>
+            <a:endParaRPr b="0" lang="en-US" sz="2200" spc="-1" strike="noStrike">
+              <a:solidFill>
+                <a:srgbClr val="000000"/>
+              </a:solidFill>
+              <a:latin typeface="Arial"/>
+            </a:endParaRPr>
+          </a:p>
+          <a:p>
+            <a:pPr marL="216000" indent="-216000">
+              <a:buClr>
+                <a:srgbClr val="000000"/>
+              </a:buClr>
+              <a:buSzPct val="45000"/>
+              <a:buFont typeface="Wingdings" charset="2"/>
+              <a:buChar char=""/>
+            </a:pPr>
+            <a:r>
+              <a:rPr b="0" lang="ru-RU" sz="2200" spc="-1" strike="noStrike">
+                <a:solidFill>
+                  <a:srgbClr val="262626"/>
+                </a:solidFill>
+                <a:latin typeface="Arial"/>
+                <a:ea typeface="Open Sans"/>
+              </a:rPr>
+              <a:t>Используем метод </a:t>
+            </a:r>
+            <a:r>
+              <a:rPr b="1" lang="ru-RU" sz="2200" spc="-1" strike="noStrike">
+                <a:solidFill>
+                  <a:srgbClr val="262626"/>
+                </a:solidFill>
+                <a:latin typeface="Arial"/>
+                <a:ea typeface="Open Sans"/>
+              </a:rPr>
+              <a:t>EarlyStopping</a:t>
+            </a:r>
+            <a:r>
+              <a:rPr b="0" lang="ru-RU" sz="2200" spc="-1" strike="noStrike">
+                <a:solidFill>
+                  <a:srgbClr val="262626"/>
+                </a:solidFill>
+                <a:latin typeface="Arial"/>
+                <a:ea typeface="Open Sans"/>
+              </a:rPr>
+              <a:t>, который мониторит метрику val_loss и если метрика перестает улучшаться в течении 10 эпох, автоматически прекращает обучение нейросети</a:t>
+            </a:r>
+            <a:endParaRPr b="0" lang="en-US" sz="2200" spc="-1" strike="noStrike">
+              <a:solidFill>
+                <a:srgbClr val="000000"/>
+              </a:solidFill>
+              <a:latin typeface="Arial"/>
+            </a:endParaRPr>
+          </a:p>
+        </p:txBody>
+      </p:sp>
+      <p:pic>
+        <p:nvPicPr>
+          <p:cNvPr id="150" name="" descr=""/>
+          <p:cNvPicPr/>
+          <p:nvPr/>
+        </p:nvPicPr>
+        <p:blipFill>
+          <a:blip r:embed="rId1"/>
+          <a:stretch/>
+        </p:blipFill>
+        <p:spPr>
+          <a:xfrm>
+            <a:off x="7363800" y="1330560"/>
+            <a:ext cx="4467240" cy="2904840"/>
+          </a:xfrm>
+          <a:prstGeom prst="rect">
+            <a:avLst/>
+          </a:prstGeom>
+          <a:ln w="0">
+            <a:noFill/>
+          </a:ln>
+        </p:spPr>
+      </p:pic>
+      <p:pic>
+        <p:nvPicPr>
+          <p:cNvPr id="151" name="" descr=""/>
+          <p:cNvPicPr/>
+          <p:nvPr/>
+        </p:nvPicPr>
+        <p:blipFill>
+          <a:blip r:embed="rId2"/>
+          <a:stretch/>
+        </p:blipFill>
+        <p:spPr>
+          <a:xfrm>
+            <a:off x="4185000" y="4114800"/>
+            <a:ext cx="4970880" cy="2496240"/>
+          </a:xfrm>
+          <a:prstGeom prst="rect">
+            <a:avLst/>
+          </a:prstGeom>
+          <a:ln w="0">
+            <a:noFill/>
+          </a:ln>
+        </p:spPr>
+      </p:pic>
     </p:spTree>
   </p:cSld>
   <mc:AlternateContent>
@@ -6062,7 +6272,7 @@
       </p:grpSpPr>
       <p:sp>
         <p:nvSpPr>
-          <p:cNvPr id="149" name="Текст 8"/>
+          <p:cNvPr id="152" name="Текст 8"/>
           <p:cNvSpPr/>
           <p:nvPr/>
         </p:nvSpPr>
@@ -6087,7 +6297,7 @@
         </p:style>
         <p:txBody>
           <a:bodyPr lIns="90000" rIns="90000" tIns="45000" bIns="45000" anchor="t">
-            <a:normAutofit fontScale="93333" lnSpcReduction="10000"/>
+            <a:normAutofit fontScale="81111" lnSpcReduction="10000"/>
           </a:bodyPr>
           <a:p>
             <a:pPr marL="73080" indent="-216000">
@@ -6125,7 +6335,7 @@
                 <a:latin typeface="Arial"/>
                 <a:ea typeface="Open Sans"/>
               </a:rPr>
-              <a:t>Все обученные классификаторы показывают значительно лучшие результаты, чем базовая модель. </a:t>
+              <a:t>Все обученные классификаторы показывают значительно лучшие результаты, чем базовая модель.</a:t>
             </a:r>
             <a:endParaRPr b="0" lang="en-US" sz="2200" spc="-1" strike="noStrike">
               <a:solidFill>
@@ -6170,6 +6380,51 @@
                 <a:latin typeface="Arial"/>
                 <a:ea typeface="Open Sans"/>
               </a:rPr>
+              <a:t>Не удалось обучить нейронную сеть, которая бы показывала результат, сопоставимый с классическими классификаторами </a:t>
+            </a:r>
+            <a:endParaRPr b="0" lang="en-US" sz="2200" spc="-1" strike="noStrike">
+              <a:solidFill>
+                <a:srgbClr val="000000"/>
+              </a:solidFill>
+              <a:latin typeface="Arial"/>
+            </a:endParaRPr>
+          </a:p>
+          <a:p>
+            <a:pPr marL="73080" indent="-216000">
+              <a:lnSpc>
+                <a:spcPct val="115000"/>
+              </a:lnSpc>
+              <a:spcBef>
+                <a:spcPts val="751"/>
+              </a:spcBef>
+              <a:buClr>
+                <a:srgbClr val="000000"/>
+              </a:buClr>
+              <a:buSzPct val="45000"/>
+              <a:buFont typeface="Segoe UI"/>
+              <a:buChar char="□"/>
+              <a:tabLst>
+                <a:tab algn="l" pos="0"/>
+              </a:tabLst>
+            </a:pPr>
+            <a:r>
+              <a:rPr b="0" lang="ru-RU" sz="2200" spc="-1" strike="noStrike">
+                <a:solidFill>
+                  <a:srgbClr val="262626"/>
+                </a:solidFill>
+                <a:latin typeface="Arial"/>
+                <a:ea typeface="Open Sans"/>
+              </a:rPr>
+              <a:t> </a:t>
+            </a:r>
+            <a:r>
+              <a:rPr b="0" lang="ru-RU" sz="2200" spc="-1" strike="noStrike">
+                <a:solidFill>
+                  <a:srgbClr val="262626"/>
+                </a:solidFill>
+                <a:latin typeface="Arial"/>
+                <a:ea typeface="Open Sans"/>
+              </a:rPr>
               <a:t>Признаки отранжированы по значимости</a:t>
             </a:r>
             <a:endParaRPr b="0" lang="en-US" sz="2200" spc="-1" strike="noStrike">
@@ -6374,11 +6629,77 @@
               <a:latin typeface="Arial"/>
             </a:endParaRPr>
           </a:p>
+          <a:p>
+            <a:pPr marL="73080" indent="-216000">
+              <a:lnSpc>
+                <a:spcPct val="115000"/>
+              </a:lnSpc>
+              <a:spcBef>
+                <a:spcPts val="1729"/>
+              </a:spcBef>
+              <a:buClr>
+                <a:srgbClr val="000000"/>
+              </a:buClr>
+              <a:buSzPct val="45000"/>
+              <a:buFont typeface="Segoe UI"/>
+              <a:buChar char="□"/>
+              <a:tabLst>
+                <a:tab algn="l" pos="0"/>
+              </a:tabLst>
+            </a:pPr>
+            <a:r>
+              <a:rPr b="0" lang="ru-RU" sz="2200" spc="-1" strike="noStrike">
+                <a:solidFill>
+                  <a:srgbClr val="262626"/>
+                </a:solidFill>
+                <a:latin typeface="Arial"/>
+                <a:ea typeface="Open Sans"/>
+              </a:rPr>
+              <a:t> </a:t>
+            </a:r>
+            <a:r>
+              <a:rPr b="0" lang="ru-RU" sz="2200" spc="-1" strike="noStrike">
+                <a:solidFill>
+                  <a:srgbClr val="262626"/>
+                </a:solidFill>
+                <a:latin typeface="Arial"/>
+                <a:ea typeface="Open Sans"/>
+              </a:rPr>
+              <a:t>Ссылка на репозиторий GitHub: </a:t>
+            </a:r>
+            <a:r>
+              <a:rPr b="0" lang="ru-RU" sz="2200" spc="-1" strike="noStrike">
+                <a:solidFill>
+                  <a:srgbClr val="262626"/>
+                </a:solidFill>
+                <a:latin typeface="Arial"/>
+                <a:ea typeface="Open Sans"/>
+                <a:hlinkClick r:id="rId1"/>
+              </a:rPr>
+              <a:t>https://github.com/Spring-31/HC_default_risk</a:t>
+            </a:r>
+            <a:r>
+              <a:rPr b="0" lang="ru-RU" sz="2200" spc="-1" strike="noStrike">
+                <a:solidFill>
+                  <a:srgbClr val="262626"/>
+                </a:solidFill>
+                <a:latin typeface="Arial"/>
+                <a:ea typeface="Open Sans"/>
+              </a:rPr>
+              <a:t> </a:t>
+            </a:r>
+            <a:endParaRPr b="0" lang="en-US" sz="2200" spc="-1" strike="noStrike">
+              <a:solidFill>
+                <a:srgbClr val="000000"/>
+              </a:solidFill>
+              <a:latin typeface="Arial"/>
+            </a:endParaRPr>
+          </a:p>
         </p:txBody>
       </p:sp>
       <p:sp>
         <p:nvSpPr>
-          <p:cNvPr id="150" name="PlaceHolder 7"/>
+          <p:cNvPr id="153" name="PlaceHolder 7"/>
           <p:cNvSpPr/>
           <p:nvPr/>
         </p:nvSpPr>
@@ -6414,7 +6735,7 @@
                 <a:tab algn="l" pos="0"/>
               </a:tabLst>
             </a:pPr>
-            <a:fld id="{C07C2503-40F4-4E4A-BD6B-B15BB6687BAD}" type="slidenum">
+            <a:fld id="{47802E57-F396-4B79-96AE-2A0C61B5EC14}" type="slidenum">
               <a:rPr b="0" lang="ru-RU" sz="1400" spc="-1" strike="noStrike">
                 <a:solidFill>
                   <a:srgbClr val="898989"/>
@@ -6435,7 +6756,7 @@
       </p:sp>
       <p:grpSp>
         <p:nvGrpSpPr>
-          <p:cNvPr id="151" name="Группа 2"/>
+          <p:cNvPr id="154" name="Группа 2"/>
           <p:cNvGrpSpPr/>
           <p:nvPr/>
         </p:nvGrpSpPr>
@@ -6449,7 +6770,7 @@
         </p:grpSpPr>
         <p:sp>
           <p:nvSpPr>
-            <p:cNvPr id="152" name="Прямоугольник 4"/>
+            <p:cNvPr id="155" name="Прямоугольник 4"/>
             <p:cNvSpPr/>
             <p:nvPr/>
           </p:nvSpPr>
@@ -6516,7 +6837,7 @@
         </p:sp>
         <p:sp>
           <p:nvSpPr>
-            <p:cNvPr id="153" name="Прямоугольник 5"/>
+            <p:cNvPr id="156" name="Прямоугольник 5"/>
             <p:cNvSpPr/>
             <p:nvPr/>
           </p:nvSpPr>
@@ -6594,7 +6915,7 @@
         </p:sp>
         <p:sp>
           <p:nvSpPr>
-            <p:cNvPr id="154" name="Прямоугольник 6"/>
+            <p:cNvPr id="157" name="Прямоугольник 6"/>
             <p:cNvSpPr/>
             <p:nvPr/>
           </p:nvSpPr>
@@ -6685,6 +7006,153 @@
 </file>
 
 <file path=ppt/slides/slide16.xml><?xml version="1.0" encoding="utf-8"?>
+<p:sld xmlns:a="http://schemas.openxmlformats.org/drawingml/2006/main" xmlns:p="http://schemas.openxmlformats.org/presentationml/2006/main" xmlns:r="http://schemas.openxmlformats.org/officeDocument/2006/relationships" xmlns:p14="http://schemas.microsoft.com/office/powerpoint/2010/main" xmlns:p15="http://schemas.microsoft.com/office/powerpoint/2012/main" xmlns:mc="http://schemas.openxmlformats.org/markup-compatibility/2006">
+  <p:cSld>
+    <p:spTree>
+      <p:nvGrpSpPr>
+        <p:cNvPr id="1" name=""/>
+        <p:cNvGrpSpPr/>
+        <p:nvPr/>
+      </p:nvGrpSpPr>
+      <p:grpSpPr>
+        <a:xfrm>
+          <a:off x="0" y="0"/>
+          <a:ext cx="0" cy="0"/>
+          <a:chOff x="0" y="0"/>
+          <a:chExt cx="0" cy="0"/>
+        </a:xfrm>
+      </p:grpSpPr>
+      <p:sp>
+        <p:nvSpPr>
+          <p:cNvPr id="158" name="PlaceHolder 9"/>
+          <p:cNvSpPr/>
+          <p:nvPr/>
+        </p:nvSpPr>
+        <p:spPr>
+          <a:xfrm>
+            <a:off x="273600" y="6435000"/>
+            <a:ext cx="566640" cy="271800"/>
+          </a:xfrm>
+          <a:prstGeom prst="rect">
+            <a:avLst/>
+          </a:prstGeom>
+          <a:noFill/>
+          <a:ln w="0">
+            <a:noFill/>
+          </a:ln>
+        </p:spPr>
+        <p:style>
+          <a:lnRef idx="0"/>
+          <a:fillRef idx="0"/>
+          <a:effectRef idx="0"/>
+          <a:fontRef idx="minor"/>
+        </p:style>
+        <p:txBody>
+          <a:bodyPr lIns="90000" rIns="90000" tIns="45000" bIns="45000" anchor="ctr">
+            <a:noAutofit/>
+          </a:bodyPr>
+          <a:p>
+            <a:pPr>
+              <a:lnSpc>
+                <a:spcPct val="100000"/>
+              </a:lnSpc>
+              <a:tabLst>
+                <a:tab algn="l" pos="0"/>
+              </a:tabLst>
+            </a:pPr>
+            <a:fld id="{0F303191-9F8E-4E7B-B36E-103875FA2F8D}" type="slidenum">
+              <a:rPr b="0" lang="ru-RU" sz="1400" spc="-1" strike="noStrike">
+                <a:solidFill>
+                  <a:srgbClr val="898989"/>
+                </a:solidFill>
+                <a:latin typeface="Times New Roman"/>
+                <a:ea typeface="Open Sans"/>
+              </a:rPr>
+              <a:t>15</a:t>
+            </a:fld>
+            <a:endParaRPr b="0" lang="en-US" sz="1400" spc="-1" strike="noStrike">
+              <a:solidFill>
+                <a:srgbClr val="000000"/>
+              </a:solidFill>
+              <a:latin typeface="Arial"/>
+            </a:endParaRPr>
+          </a:p>
+        </p:txBody>
+      </p:sp>
+      <p:sp>
+        <p:nvSpPr>
+          <p:cNvPr id="159" name="PlaceHolder 10"/>
+          <p:cNvSpPr/>
+          <p:nvPr/>
+        </p:nvSpPr>
+        <p:spPr>
+          <a:xfrm>
+            <a:off x="2514600" y="2057400"/>
+            <a:ext cx="6925680" cy="733320"/>
+          </a:xfrm>
+          <a:prstGeom prst="rect">
+            <a:avLst/>
+          </a:prstGeom>
+          <a:noFill/>
+          <a:ln w="0">
+            <a:noFill/>
+          </a:ln>
+        </p:spPr>
+        <p:style>
+          <a:lnRef idx="0"/>
+          <a:fillRef idx="0"/>
+          <a:effectRef idx="0"/>
+          <a:fontRef idx="minor"/>
+        </p:style>
+        <p:txBody>
+          <a:bodyPr lIns="90000" rIns="90000" tIns="45000" bIns="45000" anchor="t">
+            <a:normAutofit/>
+          </a:bodyPr>
+          <a:p>
+            <a:pPr marL="76320" algn="ctr">
+              <a:lnSpc>
+                <a:spcPct val="90000"/>
+              </a:lnSpc>
+              <a:spcBef>
+                <a:spcPts val="751"/>
+              </a:spcBef>
+              <a:tabLst>
+                <a:tab algn="l" pos="0"/>
+              </a:tabLst>
+            </a:pPr>
+            <a:r>
+              <a:rPr b="1" lang="ru-RU" sz="4000" spc="-1" strike="noStrike">
+                <a:solidFill>
+                  <a:srgbClr val="3465a4"/>
+                </a:solidFill>
+                <a:latin typeface="Constantia"/>
+                <a:ea typeface="Open Sans"/>
+              </a:rPr>
+              <a:t>Спасибо за внимание!</a:t>
+            </a:r>
+            <a:endParaRPr b="0" lang="en-US" sz="4000" spc="-1" strike="noStrike">
+              <a:solidFill>
+                <a:srgbClr val="000000"/>
+              </a:solidFill>
+              <a:latin typeface="Constantia"/>
+            </a:endParaRPr>
+          </a:p>
+        </p:txBody>
+      </p:sp>
+    </p:spTree>
+  </p:cSld>
+  <mc:AlternateContent>
+    <mc:Choice Requires="p14">
+      <p:transition p14:dur="10"/>
+    </mc:Choice>
+    <mc:Fallback>
+      <p:transition/>
+    </mc:Fallback>
+  </mc:AlternateContent>
+</p:sld>
+</file>
+
+<file path=ppt/slides/slide17.xml><?xml version="1.0" encoding="utf-8"?>
 <p:sld xmlns:a="http://schemas.openxmlformats.org/drawingml/2006/main" xmlns:p="http://schemas.openxmlformats.org/presentationml/2006/main" xmlns:r="http://schemas.openxmlformats.org/officeDocument/2006/relationships" xmlns:p14="http://schemas.microsoft.com/office/powerpoint/2010/main" xmlns:p15="http://schemas.microsoft.com/office/powerpoint/2012/main" xmlns:mc="http://schemas.openxmlformats.org/markup-compatibility/2006">
   <p:cSld>
     <p:spTree>
@@ -6769,7 +7237,7 @@
                 <a:tab algn="l" pos="0"/>
               </a:tabLst>
             </a:pPr>
-            <a:fld id="{AC7955A5-A7A2-4FD0-B190-0F26C9CBED9B}" type="slidenum">
+            <a:fld id="{7B80B80E-9BDD-4034-B1C8-0A0092BF9E6B}" type="slidenum">
               <a:rPr b="0" lang="ru-RU" sz="1400" spc="-1" strike="noStrike">
                 <a:solidFill>
                   <a:srgbClr val="898989"/>
@@ -7257,7 +7725,7 @@
                 <a:tab algn="l" pos="0"/>
               </a:tabLst>
             </a:pPr>
-            <a:fld id="{C761C46E-1CCD-41EE-8DB0-055DBEDAE263}" type="slidenum">
+            <a:fld id="{076C33F1-EFDB-44D1-8C78-06B6C39AB183}" type="slidenum">
               <a:rPr b="0" lang="ru-RU" sz="1400" spc="-1" strike="noStrike">
                 <a:solidFill>
                   <a:srgbClr val="898989"/>
@@ -8644,7 +9112,7 @@
                 <a:tab algn="l" pos="0"/>
               </a:tabLst>
             </a:pPr>
-            <a:fld id="{E32251CC-6F6B-42FF-9C89-F650C81690AF}" type="slidenum">
+            <a:fld id="{2DCC602C-16AA-49F6-B6EC-0F1554F48539}" type="slidenum">
               <a:rPr b="0" lang="ru-RU" sz="1400" spc="-1" strike="noStrike">
                 <a:solidFill>
                   <a:srgbClr val="898989"/>
@@ -8992,7 +9460,7 @@
                 <a:tab algn="l" pos="0"/>
               </a:tabLst>
             </a:pPr>
-            <a:fld id="{BD99BA24-CEBB-4433-8EB2-33E563AA69B6}" type="slidenum">
+            <a:fld id="{7ECE8502-7370-4924-A91A-2B2475E1B591}" type="slidenum">
               <a:rPr b="0" lang="ru-RU" sz="1400" spc="-1" strike="noStrike">
                 <a:solidFill>
                   <a:srgbClr val="898989"/>
@@ -9541,7 +10009,7 @@
                 <a:tab algn="l" pos="0"/>
               </a:tabLst>
             </a:pPr>
-            <a:fld id="{5E0990A9-5E7F-4CFE-B7EA-4FFF411E8F7D}" type="slidenum">
+            <a:fld id="{79799613-2630-4A4B-83A8-A6FAE6CD162E}" type="slidenum">
               <a:rPr b="0" lang="ru-RU" sz="1400" spc="-1" strike="noStrike">
                 <a:solidFill>
                   <a:srgbClr val="898989"/>
@@ -11710,7 +12178,7 @@
                 <a:tab algn="l" pos="0"/>
               </a:tabLst>
             </a:pPr>
-            <a:fld id="{8DB3AC79-7238-45CF-8E85-EC61B44AA46C}" type="slidenum">
+            <a:fld id="{C512A71B-0C46-41A0-8483-595C63D40F96}" type="slidenum">
               <a:rPr b="0" lang="ru-RU" sz="1400" spc="-1" strike="noStrike">
                 <a:solidFill>
                   <a:srgbClr val="898989"/>
@@ -12436,7 +12904,7 @@
                 <a:tab algn="l" pos="0"/>
               </a:tabLst>
             </a:pPr>
-            <a:fld id="{C7B6A99F-16B7-4022-95EB-D7B42EE26BA5}" type="slidenum">
+            <a:fld id="{BAA54601-D239-4B3F-8630-AD2AE1C8A058}" type="slidenum">
               <a:rPr b="0" lang="ru-RU" sz="1400" spc="-1" strike="noStrike">
                 <a:solidFill>
                   <a:srgbClr val="898989"/>
@@ -12761,7 +13229,7 @@
                 <a:tab algn="l" pos="0"/>
               </a:tabLst>
             </a:pPr>
-            <a:fld id="{5C507FAA-792A-4280-806F-11A0667C56B8}" type="slidenum">
+            <a:fld id="{CEDDA879-F0EE-46DC-9306-B154AECD8633}" type="slidenum">
               <a:rPr b="0" lang="ru-RU" sz="1400" spc="-1" strike="noStrike">
                 <a:solidFill>
                   <a:srgbClr val="898989"/>

--- a/Прогнозирование вероятности дефолта.pptx
+++ b/Прогнозирование вероятности дефолта.pptx
@@ -30,6 +30,7 @@
     <p:sldId id="270" r:id="rId25"/>
     <p:sldId id="271" r:id="rId26"/>
     <p:sldId id="272" r:id="rId27"/>
+    <p:sldId id="273" r:id="rId28"/>
   </p:sldIdLst>
   <p:sldSz cx="12192000" cy="6858000"/>
   <p:notesSz cx="7559675" cy="10691813"/>
@@ -89,7 +90,7 @@
         <p:txBody>
           <a:bodyPr/>
           <a:p>
-            <a:fld id="{7133A521-AF61-45C7-ADE2-75E7DDC098CB}" type="slidenum">
+            <a:fld id="{A4AABBA9-AB2B-40C8-A72B-216636CB8676}" type="slidenum">
               <a:t>&lt;#&gt;</a:t>
             </a:fld>
           </a:p>
@@ -131,7 +132,7 @@
         <p:txBody>
           <a:bodyPr/>
           <a:p>
-            <a:fld id="{9AF46EEB-9B7E-420E-A4AE-A1FDDCB991DC}" type="slidenum">
+            <a:fld id="{ED851066-F400-4303-80DF-0729EE663716}" type="slidenum">
               <a:t>&lt;#&gt;</a:t>
             </a:fld>
           </a:p>
@@ -173,7 +174,7 @@
         <p:txBody>
           <a:bodyPr/>
           <a:p>
-            <a:fld id="{8E545D4B-9F32-40AB-8BF4-5652B108B560}" type="slidenum">
+            <a:fld id="{88D63A48-30CB-4D22-B0FC-4E8E580F9CCD}" type="slidenum">
               <a:t>&lt;#&gt;</a:t>
             </a:fld>
           </a:p>
@@ -215,7 +216,7 @@
         <p:txBody>
           <a:bodyPr/>
           <a:p>
-            <a:fld id="{0E1D7FF2-7759-49E0-9D88-A86069B407C0}" type="slidenum">
+            <a:fld id="{2ABBA562-1081-4A1B-8A59-1B42A06360C1}" type="slidenum">
               <a:t>&lt;#&gt;</a:t>
             </a:fld>
           </a:p>
@@ -257,7 +258,7 @@
         <p:txBody>
           <a:bodyPr/>
           <a:p>
-            <a:fld id="{BDF1BE39-D6BF-4A2A-954E-96C33181C0F6}" type="slidenum">
+            <a:fld id="{61F44162-CDE4-47E8-99A5-7C5176E95F82}" type="slidenum">
               <a:t>&lt;#&gt;</a:t>
             </a:fld>
           </a:p>
@@ -299,7 +300,7 @@
         <p:txBody>
           <a:bodyPr/>
           <a:p>
-            <a:fld id="{367E9412-E42A-4BE0-8715-36A7E7B3D48F}" type="slidenum">
+            <a:fld id="{7C013083-3C75-4288-AFDE-6A872563EEF6}" type="slidenum">
               <a:t>&lt;#&gt;</a:t>
             </a:fld>
           </a:p>
@@ -341,7 +342,7 @@
         <p:txBody>
           <a:bodyPr/>
           <a:p>
-            <a:fld id="{B38CC7B1-B8DA-49FB-9B62-31BC83052200}" type="slidenum">
+            <a:fld id="{DDFC2A01-7113-43C1-97DE-520809D11895}" type="slidenum">
               <a:t>&lt;#&gt;</a:t>
             </a:fld>
           </a:p>
@@ -411,7 +412,7 @@
         <p:spPr>
           <a:xfrm>
             <a:off x="420480" y="446040"/>
-            <a:ext cx="2358000" cy="719280"/>
+            <a:ext cx="2357280" cy="718560"/>
           </a:xfrm>
           <a:prstGeom prst="rect">
             <a:avLst/>
@@ -429,13 +430,13 @@
         </p:nvPicPr>
         <p:blipFill>
           <a:blip r:embed="rId3"/>
-          <a:srcRect l="0" t="16249" r="0" b="8825"/>
+          <a:srcRect l="0" t="16245" r="0" b="8821"/>
           <a:stretch/>
         </p:blipFill>
         <p:spPr>
           <a:xfrm>
             <a:off x="0" y="0"/>
-            <a:ext cx="12188520" cy="6854400"/>
+            <a:ext cx="12187800" cy="6853680"/>
           </a:xfrm>
           <a:prstGeom prst="rect">
             <a:avLst/>
@@ -454,9 +455,9 @@
         <p:grpSpPr>
           <a:xfrm>
             <a:off x="694440" y="633240"/>
-            <a:ext cx="9499320" cy="4703040"/>
+            <a:ext cx="9498600" cy="4702320"/>
             <a:chOff x="694440" y="633240"/>
-            <a:chExt cx="9499320" cy="4703040"/>
+            <a:chExt cx="9498600" cy="4702320"/>
           </a:xfrm>
         </p:grpSpPr>
         <p:pic>
@@ -472,7 +473,7 @@
           <p:spPr>
             <a:xfrm>
               <a:off x="694440" y="633240"/>
-              <a:ext cx="9499320" cy="4703040"/>
+              <a:ext cx="9498600" cy="4702320"/>
             </a:xfrm>
             <a:prstGeom prst="rect">
               <a:avLst/>
@@ -491,7 +492,7 @@
           <p:spPr>
             <a:xfrm>
               <a:off x="694440" y="5307120"/>
-              <a:ext cx="9499320" cy="25200"/>
+              <a:ext cx="9498600" cy="24480"/>
             </a:xfrm>
             <a:prstGeom prst="rect">
               <a:avLst/>
@@ -551,7 +552,7 @@
         <p:spPr>
           <a:xfrm>
             <a:off x="9157680" y="612000"/>
-            <a:ext cx="2358000" cy="718200"/>
+            <a:ext cx="2357280" cy="717480"/>
           </a:xfrm>
           <a:prstGeom prst="rect">
             <a:avLst/>
@@ -881,7 +882,7 @@
         <p:spPr>
           <a:xfrm>
             <a:off x="420480" y="446040"/>
-            <a:ext cx="2358000" cy="719280"/>
+            <a:ext cx="2357280" cy="718560"/>
           </a:xfrm>
           <a:prstGeom prst="rect">
             <a:avLst/>
@@ -904,7 +905,7 @@
         <p:spPr>
           <a:xfrm>
             <a:off x="273600" y="6433920"/>
-            <a:ext cx="566640" cy="271800"/>
+            <a:ext cx="565920" cy="271080"/>
           </a:xfrm>
           <a:prstGeom prst="rect">
             <a:avLst/>
@@ -946,7 +947,7 @@
                 <a:tab algn="l" pos="0"/>
               </a:tabLst>
             </a:pPr>
-            <a:fld id="{D34E0CC0-309C-4C2F-95AF-6F28D1502F0F}" type="slidenum">
+            <a:fld id="{F2400D1B-4B11-426A-AD76-24D0843C3053}" type="slidenum">
               <a:rPr b="0" lang="ru-RU" sz="2400" spc="-1" strike="noStrike">
                 <a:solidFill>
                   <a:srgbClr val="898989"/>
@@ -1285,7 +1286,7 @@
         <p:spPr>
           <a:xfrm>
             <a:off x="420480" y="446040"/>
-            <a:ext cx="2358000" cy="719280"/>
+            <a:ext cx="2357280" cy="718560"/>
           </a:xfrm>
           <a:prstGeom prst="rect">
             <a:avLst/>
@@ -1308,7 +1309,7 @@
         <p:spPr>
           <a:xfrm>
             <a:off x="273600" y="6433920"/>
-            <a:ext cx="628920" cy="271800"/>
+            <a:ext cx="628200" cy="271080"/>
           </a:xfrm>
           <a:prstGeom prst="rect">
             <a:avLst/>
@@ -1350,7 +1351,7 @@
                 <a:tab algn="l" pos="0"/>
               </a:tabLst>
             </a:pPr>
-            <a:fld id="{737814C2-F307-4790-B17E-E25C58A0F214}" type="slidenum">
+            <a:fld id="{45E5BC8C-ABA6-43BD-9CBE-DAC18AD6A47D}" type="slidenum">
               <a:rPr b="0" lang="ru-RU" sz="2400" spc="-1" strike="noStrike">
                 <a:solidFill>
                   <a:srgbClr val="898989"/>
@@ -1415,7 +1416,7 @@
         <p:spPr>
           <a:xfrm>
             <a:off x="420480" y="446040"/>
-            <a:ext cx="2358000" cy="719280"/>
+            <a:ext cx="2357280" cy="718560"/>
           </a:xfrm>
           <a:prstGeom prst="rect">
             <a:avLst/>
@@ -1438,7 +1439,7 @@
         <p:spPr>
           <a:xfrm>
             <a:off x="273600" y="6433920"/>
-            <a:ext cx="566640" cy="271800"/>
+            <a:ext cx="565920" cy="271080"/>
           </a:xfrm>
           <a:prstGeom prst="rect">
             <a:avLst/>
@@ -1480,7 +1481,7 @@
                 <a:tab algn="l" pos="0"/>
               </a:tabLst>
             </a:pPr>
-            <a:fld id="{AE46FEA0-93B1-4E62-96DF-01F61103B8E0}" type="slidenum">
+            <a:fld id="{6567B508-CF02-4815-8850-C6A61555A311}" type="slidenum">
               <a:rPr b="0" lang="ru-RU" sz="2400" spc="-1" strike="noStrike">
                 <a:solidFill>
                   <a:srgbClr val="898989"/>
@@ -1545,7 +1546,7 @@
         <p:spPr>
           <a:xfrm>
             <a:off x="420480" y="446040"/>
-            <a:ext cx="2358000" cy="719280"/>
+            <a:ext cx="2357280" cy="718560"/>
           </a:xfrm>
           <a:prstGeom prst="rect">
             <a:avLst/>
@@ -1568,7 +1569,7 @@
         <p:spPr>
           <a:xfrm>
             <a:off x="273600" y="6433920"/>
-            <a:ext cx="566640" cy="271800"/>
+            <a:ext cx="565920" cy="271080"/>
           </a:xfrm>
           <a:prstGeom prst="rect">
             <a:avLst/>
@@ -1610,7 +1611,7 @@
                 <a:tab algn="l" pos="0"/>
               </a:tabLst>
             </a:pPr>
-            <a:fld id="{96F337CC-0CCA-4EE0-96EE-53B9B612FF54}" type="slidenum">
+            <a:fld id="{4B4394E0-2643-4B11-AF21-46932C840157}" type="slidenum">
               <a:rPr b="0" lang="ru-RU" sz="2400" spc="-1" strike="noStrike">
                 <a:solidFill>
                   <a:srgbClr val="898989"/>
@@ -1675,7 +1676,7 @@
         <p:spPr>
           <a:xfrm>
             <a:off x="420480" y="446040"/>
-            <a:ext cx="2358000" cy="719280"/>
+            <a:ext cx="2357280" cy="718560"/>
           </a:xfrm>
           <a:prstGeom prst="rect">
             <a:avLst/>
@@ -1698,7 +1699,7 @@
         <p:spPr>
           <a:xfrm>
             <a:off x="273600" y="6433920"/>
-            <a:ext cx="566640" cy="271800"/>
+            <a:ext cx="565920" cy="271080"/>
           </a:xfrm>
           <a:prstGeom prst="rect">
             <a:avLst/>
@@ -1740,7 +1741,7 @@
                 <a:tab algn="l" pos="0"/>
               </a:tabLst>
             </a:pPr>
-            <a:fld id="{AB80F976-6D9C-4389-88A3-B3CB67EC64D2}" type="slidenum">
+            <a:fld id="{A45E2E0B-8281-4446-9FA7-FEC6BDB6BB96}" type="slidenum">
               <a:rPr b="0" lang="ru-RU" sz="2400" spc="-1" strike="noStrike">
                 <a:solidFill>
                   <a:srgbClr val="898989"/>
@@ -1805,7 +1806,7 @@
         <p:spPr>
           <a:xfrm>
             <a:off x="420480" y="446040"/>
-            <a:ext cx="2358000" cy="719280"/>
+            <a:ext cx="2357280" cy="718560"/>
           </a:xfrm>
           <a:prstGeom prst="rect">
             <a:avLst/>
@@ -1828,7 +1829,7 @@
         <p:spPr>
           <a:xfrm>
             <a:off x="273600" y="6433920"/>
-            <a:ext cx="566640" cy="271800"/>
+            <a:ext cx="565920" cy="271080"/>
           </a:xfrm>
           <a:prstGeom prst="rect">
             <a:avLst/>
@@ -1870,7 +1871,7 @@
                 <a:tab algn="l" pos="0"/>
               </a:tabLst>
             </a:pPr>
-            <a:fld id="{7C7D8B1E-F399-4328-BA9B-0D36FFAE13AF}" type="slidenum">
+            <a:fld id="{F69D65DD-E549-495E-B85C-B2771543128A}" type="slidenum">
               <a:rPr b="0" lang="ru-RU" sz="2400" spc="-1" strike="noStrike">
                 <a:solidFill>
                   <a:srgbClr val="898989"/>
@@ -1935,7 +1936,7 @@
         <p:spPr>
           <a:xfrm>
             <a:off x="420480" y="446040"/>
-            <a:ext cx="2358000" cy="719280"/>
+            <a:ext cx="2357280" cy="718560"/>
           </a:xfrm>
           <a:prstGeom prst="rect">
             <a:avLst/>
@@ -1958,7 +1959,7 @@
         <p:spPr>
           <a:xfrm>
             <a:off x="273600" y="6433920"/>
-            <a:ext cx="566640" cy="271800"/>
+            <a:ext cx="565920" cy="271080"/>
           </a:xfrm>
           <a:prstGeom prst="rect">
             <a:avLst/>
@@ -2000,7 +2001,7 @@
                 <a:tab algn="l" pos="0"/>
               </a:tabLst>
             </a:pPr>
-            <a:fld id="{01CE083F-9465-49B0-8D8A-236D53700D11}" type="slidenum">
+            <a:fld id="{F0C1DB30-C90D-49CF-B3F7-253B558EF92B}" type="slidenum">
               <a:rPr b="0" lang="ru-RU" sz="2400" spc="-1" strike="noStrike">
                 <a:solidFill>
                   <a:srgbClr val="898989"/>
@@ -2065,7 +2066,7 @@
         <p:spPr>
           <a:xfrm>
             <a:off x="420480" y="446040"/>
-            <a:ext cx="2358000" cy="719280"/>
+            <a:ext cx="2357280" cy="718560"/>
           </a:xfrm>
           <a:prstGeom prst="rect">
             <a:avLst/>
@@ -2083,13 +2084,13 @@
         </p:nvPicPr>
         <p:blipFill>
           <a:blip r:embed="rId3"/>
-          <a:srcRect l="0" t="16249" r="0" b="8825"/>
+          <a:srcRect l="0" t="16245" r="0" b="8821"/>
           <a:stretch/>
         </p:blipFill>
         <p:spPr>
           <a:xfrm>
             <a:off x="0" y="0"/>
-            <a:ext cx="12188520" cy="6854400"/>
+            <a:ext cx="12187800" cy="6853680"/>
           </a:xfrm>
           <a:prstGeom prst="rect">
             <a:avLst/>
@@ -2112,7 +2113,7 @@
         <p:spPr>
           <a:xfrm>
             <a:off x="6575400" y="2096640"/>
-            <a:ext cx="1328400" cy="1328400"/>
+            <a:ext cx="1327680" cy="1327680"/>
           </a:xfrm>
           <a:prstGeom prst="rect">
             <a:avLst/>
@@ -2135,7 +2136,7 @@
         <p:spPr>
           <a:xfrm>
             <a:off x="1278360" y="2042640"/>
-            <a:ext cx="4706640" cy="1436400"/>
+            <a:ext cx="4705920" cy="1435680"/>
           </a:xfrm>
           <a:prstGeom prst="rect">
             <a:avLst/>
@@ -2154,7 +2155,7 @@
         <p:spPr>
           <a:xfrm>
             <a:off x="7849800" y="2522520"/>
-            <a:ext cx="3044880" cy="473760"/>
+            <a:ext cx="3044160" cy="473760"/>
           </a:xfrm>
           <a:prstGeom prst="rect">
             <a:avLst/>
@@ -2207,16 +2208,16 @@
         </p:nvSpPr>
         <p:spPr>
           <a:xfrm flipH="1">
-            <a:off x="10708200" y="2096640"/>
-            <a:ext cx="127080" cy="1328400"/>
+            <a:off x="10707480" y="2096640"/>
+            <a:ext cx="126360" cy="1327680"/>
           </a:xfrm>
           <a:custGeom>
             <a:avLst/>
             <a:gdLst>
-              <a:gd name="textAreaLeft" fmla="*/ 1800 w 127080"/>
-              <a:gd name="textAreaRight" fmla="*/ 132480 w 127080"/>
-              <a:gd name="textAreaTop" fmla="*/ 0 h 1328400"/>
-              <a:gd name="textAreaBottom" fmla="*/ 1332000 h 1328400"/>
+              <a:gd name="textAreaLeft" fmla="*/ 2160 w 126360"/>
+              <a:gd name="textAreaRight" fmla="*/ 132840 w 126360"/>
+              <a:gd name="textAreaTop" fmla="*/ 0 h 1327680"/>
+              <a:gd name="textAreaBottom" fmla="*/ 1332000 h 1327680"/>
             </a:gdLst>
             <a:ahLst/>
             <a:rect l="textAreaLeft" t="textAreaTop" r="textAreaRight" b="textAreaBottom"/>
@@ -2590,7 +2591,7 @@
         <p:spPr>
           <a:xfrm>
             <a:off x="1078200" y="4363560"/>
-            <a:ext cx="9115560" cy="870480"/>
+            <a:ext cx="9114840" cy="869760"/>
           </a:xfrm>
           <a:prstGeom prst="rect">
             <a:avLst/>
@@ -2644,7 +2645,7 @@
         <p:spPr>
           <a:xfrm>
             <a:off x="1078200" y="743400"/>
-            <a:ext cx="9116640" cy="3414240"/>
+            <a:ext cx="9115920" cy="3413520"/>
           </a:xfrm>
           <a:prstGeom prst="rect">
             <a:avLst/>
@@ -2719,159 +2720,30 @@
           <a:chExt cx="0" cy="0"/>
         </a:xfrm>
       </p:grpSpPr>
-      <p:sp>
-        <p:nvSpPr>
-          <p:cNvPr id="95" name="PlaceHolder 1"/>
-          <p:cNvSpPr>
-            <a:spLocks noGrp="1"/>
-          </p:cNvSpPr>
-          <p:nvPr>
-            <p:ph/>
-          </p:nvPr>
-        </p:nvSpPr>
-        <p:spPr>
-          <a:xfrm>
-            <a:off x="300600" y="1371600"/>
-            <a:ext cx="4041720" cy="1876320"/>
-          </a:xfrm>
-          <a:prstGeom prst="rect">
-            <a:avLst/>
-          </a:prstGeom>
-          <a:noFill/>
-          <a:ln w="0">
-            <a:noFill/>
-          </a:ln>
-        </p:spPr>
-        <p:txBody>
-          <a:bodyPr lIns="91440" rIns="91440" tIns="45720" bIns="45720" anchor="t">
-            <a:normAutofit/>
-          </a:bodyPr>
-          <a:p>
-            <a:pPr marL="76320" indent="0">
-              <a:lnSpc>
-                <a:spcPct val="90000"/>
-              </a:lnSpc>
-              <a:spcBef>
-                <a:spcPts val="751"/>
-              </a:spcBef>
-              <a:buNone/>
-              <a:tabLst>
-                <a:tab algn="l" pos="0"/>
-              </a:tabLst>
-            </a:pPr>
-            <a:r>
-              <a:rPr b="1" lang="ru-RU" sz="1800" spc="-1" strike="noStrike">
-                <a:solidFill>
-                  <a:srgbClr val="262626"/>
-                </a:solidFill>
-                <a:latin typeface="Arial"/>
-                <a:ea typeface="Open Sans"/>
-              </a:rPr>
-              <a:t>LightGBM</a:t>
-            </a:r>
-            <a:endParaRPr b="0" lang="en-US" sz="1800" spc="-1" strike="noStrike">
-              <a:solidFill>
-                <a:srgbClr val="000000"/>
-              </a:solidFill>
-              <a:latin typeface="Arial"/>
-            </a:endParaRPr>
-          </a:p>
-          <a:p>
-            <a:pPr marL="76320" indent="0">
-              <a:lnSpc>
-                <a:spcPct val="90000"/>
-              </a:lnSpc>
-              <a:spcBef>
-                <a:spcPts val="751"/>
-              </a:spcBef>
-              <a:buNone/>
-              <a:tabLst>
-                <a:tab algn="l" pos="0"/>
-              </a:tabLst>
-            </a:pPr>
-            <a:r>
-              <a:rPr b="0" lang="ru-RU" sz="1800" spc="-1" strike="noStrike">
-                <a:solidFill>
-                  <a:srgbClr val="262626"/>
-                </a:solidFill>
-                <a:latin typeface="Arial"/>
-                <a:ea typeface="Open Sans"/>
-              </a:rPr>
-              <a:t>1) полный датасет (303 признака, несбалансированный)</a:t>
-            </a:r>
-            <a:endParaRPr b="0" lang="en-US" sz="1800" spc="-1" strike="noStrike">
-              <a:solidFill>
-                <a:srgbClr val="000000"/>
-              </a:solidFill>
-              <a:latin typeface="Arial"/>
-            </a:endParaRPr>
-          </a:p>
-          <a:p>
-            <a:pPr marL="76320" indent="0">
-              <a:lnSpc>
-                <a:spcPct val="90000"/>
-              </a:lnSpc>
-              <a:spcBef>
-                <a:spcPts val="751"/>
-              </a:spcBef>
-              <a:buNone/>
-              <a:tabLst>
-                <a:tab algn="l" pos="0"/>
-              </a:tabLst>
-            </a:pPr>
-            <a:endParaRPr b="0" lang="en-US" sz="1800" spc="-1" strike="noStrike">
-              <a:solidFill>
-                <a:srgbClr val="000000"/>
-              </a:solidFill>
-              <a:latin typeface="Arial"/>
-            </a:endParaRPr>
-          </a:p>
-          <a:p>
-            <a:pPr marL="76320" indent="0">
-              <a:lnSpc>
-                <a:spcPct val="90000"/>
-              </a:lnSpc>
-              <a:spcBef>
-                <a:spcPts val="751"/>
-              </a:spcBef>
-              <a:buNone/>
-              <a:tabLst>
-                <a:tab algn="l" pos="0"/>
-              </a:tabLst>
-            </a:pPr>
-            <a:endParaRPr b="0" lang="en-US" sz="1800" spc="-1" strike="noStrike">
-              <a:solidFill>
-                <a:srgbClr val="000000"/>
-              </a:solidFill>
-              <a:latin typeface="Arial"/>
-            </a:endParaRPr>
-          </a:p>
-        </p:txBody>
-      </p:sp>
       <p:grpSp>
         <p:nvGrpSpPr>
-          <p:cNvPr id="96" name="Группа 18"/>
+          <p:cNvPr id="95" name="Группа 18"/>
           <p:cNvGrpSpPr/>
           <p:nvPr/>
         </p:nvGrpSpPr>
         <p:grpSpPr>
           <a:xfrm>
             <a:off x="3168000" y="469440"/>
-            <a:ext cx="3831840" cy="666000"/>
+            <a:ext cx="3831120" cy="666000"/>
             <a:chOff x="3168000" y="469440"/>
-            <a:chExt cx="3831840" cy="666000"/>
+            <a:chExt cx="3831120" cy="666000"/>
           </a:xfrm>
         </p:grpSpPr>
         <p:sp>
           <p:nvSpPr>
-            <p:cNvPr id="97" name="Прямоугольник 50"/>
+            <p:cNvPr id="96" name="Прямоугольник 50"/>
             <p:cNvSpPr/>
             <p:nvPr/>
           </p:nvSpPr>
           <p:spPr>
             <a:xfrm>
               <a:off x="3168000" y="469440"/>
-              <a:ext cx="3831840" cy="662400"/>
+              <a:ext cx="3831120" cy="661680"/>
             </a:xfrm>
             <a:prstGeom prst="rect">
               <a:avLst/>
@@ -2931,22 +2803,22 @@
         </p:sp>
         <p:sp>
           <p:nvSpPr>
-            <p:cNvPr id="98" name="Прямоугольник 51"/>
+            <p:cNvPr id="97" name="Прямоугольник 51"/>
             <p:cNvSpPr/>
             <p:nvPr/>
           </p:nvSpPr>
           <p:spPr>
             <a:xfrm flipH="1" rot="10800000">
-              <a:off x="3167640" y="473040"/>
-              <a:ext cx="60120" cy="662400"/>
+              <a:off x="3167640" y="473760"/>
+              <a:ext cx="59400" cy="661680"/>
             </a:xfrm>
             <a:custGeom>
               <a:avLst/>
               <a:gdLst>
-                <a:gd name="textAreaLeft" fmla="*/ 1800 w 60120"/>
-                <a:gd name="textAreaRight" fmla="*/ 65520 w 60120"/>
-                <a:gd name="textAreaTop" fmla="*/ 0 h 662400"/>
-                <a:gd name="textAreaBottom" fmla="*/ 666000 h 662400"/>
+                <a:gd name="textAreaLeft" fmla="*/ 2160 w 59400"/>
+                <a:gd name="textAreaRight" fmla="*/ 65880 w 59400"/>
+                <a:gd name="textAreaTop" fmla="*/ 0 h 661680"/>
+                <a:gd name="textAreaBottom" fmla="*/ 666000 h 661680"/>
               </a:gdLst>
               <a:ahLst/>
               <a:rect l="textAreaLeft" t="textAreaTop" r="textAreaRight" b="textAreaBottom"/>
@@ -3009,22 +2881,22 @@
         </p:sp>
         <p:sp>
           <p:nvSpPr>
-            <p:cNvPr id="99" name="Прямоугольник 52"/>
+            <p:cNvPr id="98" name="Прямоугольник 52"/>
             <p:cNvSpPr/>
             <p:nvPr/>
           </p:nvSpPr>
           <p:spPr>
             <a:xfrm flipH="1">
-              <a:off x="6924960" y="469440"/>
-              <a:ext cx="71280" cy="662400"/>
+              <a:off x="6924240" y="469440"/>
+              <a:ext cx="70560" cy="661680"/>
             </a:xfrm>
             <a:custGeom>
               <a:avLst/>
               <a:gdLst>
-                <a:gd name="textAreaLeft" fmla="*/ -1800 w 71280"/>
-                <a:gd name="textAreaRight" fmla="*/ 73080 w 71280"/>
-                <a:gd name="textAreaTop" fmla="*/ 0 h 662400"/>
-                <a:gd name="textAreaBottom" fmla="*/ 666000 h 662400"/>
+                <a:gd name="textAreaLeft" fmla="*/ -2160 w 70560"/>
+                <a:gd name="textAreaRight" fmla="*/ 72720 w 70560"/>
+                <a:gd name="textAreaTop" fmla="*/ 0 h 661680"/>
+                <a:gd name="textAreaBottom" fmla="*/ 666000 h 661680"/>
               </a:gdLst>
               <a:ahLst/>
               <a:rect l="textAreaLeft" t="textAreaTop" r="textAreaRight" b="textAreaBottom"/>
@@ -3088,14 +2960,14 @@
       </p:grpSp>
       <p:sp>
         <p:nvSpPr>
-          <p:cNvPr id="100" name="PlaceHolder 24"/>
+          <p:cNvPr id="99" name="PlaceHolder 24"/>
           <p:cNvSpPr/>
           <p:nvPr/>
         </p:nvSpPr>
         <p:spPr>
           <a:xfrm>
             <a:off x="273600" y="6435000"/>
-            <a:ext cx="566640" cy="271800"/>
+            <a:ext cx="565920" cy="271080"/>
           </a:xfrm>
           <a:prstGeom prst="rect">
             <a:avLst/>
@@ -3124,7 +2996,7 @@
                 <a:tab algn="l" pos="0"/>
               </a:tabLst>
             </a:pPr>
-            <a:fld id="{0754B62D-8163-4F41-B5E6-41524216A877}" type="slidenum">
+            <a:fld id="{489EED2C-844E-408D-8610-372DCAD3592B}" type="slidenum">
               <a:rPr b="0" lang="ru-RU" sz="1400" spc="-1" strike="noStrike">
                 <a:solidFill>
                   <a:srgbClr val="898989"/>
@@ -3132,7 +3004,764 @@
                 <a:latin typeface="Times New Roman"/>
                 <a:ea typeface="Open Sans"/>
               </a:rPr>
-              <a:t>10</a:t>
+              <a:t>8</a:t>
+            </a:fld>
+            <a:endParaRPr b="0" lang="en-US" sz="1400" spc="-1" strike="noStrike">
+              <a:solidFill>
+                <a:srgbClr val="000000"/>
+              </a:solidFill>
+              <a:latin typeface="Arial"/>
+            </a:endParaRPr>
+          </a:p>
+        </p:txBody>
+      </p:sp>
+      <p:sp>
+        <p:nvSpPr>
+          <p:cNvPr id="100" name="Google Shape;149;p 1"/>
+          <p:cNvSpPr/>
+          <p:nvPr/>
+        </p:nvSpPr>
+        <p:spPr>
+          <a:xfrm>
+            <a:off x="464040" y="1350720"/>
+            <a:ext cx="7311600" cy="5266800"/>
+          </a:xfrm>
+          <a:prstGeom prst="rect">
+            <a:avLst/>
+          </a:prstGeom>
+          <a:solidFill>
+            <a:srgbClr val="ffffff"/>
+          </a:solidFill>
+          <a:ln w="0">
+            <a:noFill/>
+          </a:ln>
+        </p:spPr>
+        <p:style>
+          <a:lnRef idx="0"/>
+          <a:fillRef idx="0"/>
+          <a:effectRef idx="0"/>
+          <a:fontRef idx="minor"/>
+        </p:style>
+        <p:txBody>
+          <a:bodyPr lIns="76680" rIns="76680" tIns="38520" bIns="38520" anchor="t">
+            <a:noAutofit/>
+          </a:bodyPr>
+          <a:p>
+            <a:pPr>
+              <a:lnSpc>
+                <a:spcPct val="100000"/>
+              </a:lnSpc>
+              <a:tabLst>
+                <a:tab algn="l" pos="0"/>
+              </a:tabLst>
+            </a:pPr>
+            <a:r>
+              <a:rPr b="1" lang="ru-RU" sz="2000" spc="-1" strike="noStrike">
+                <a:solidFill>
+                  <a:srgbClr val="000000"/>
+                </a:solidFill>
+                <a:latin typeface="Arial"/>
+                <a:ea typeface="Arial"/>
+              </a:rPr>
+              <a:t>Обучены классификаторы</a:t>
+            </a:r>
+            <a:endParaRPr b="0" lang="en-US" sz="2000" spc="-1" strike="noStrike">
+              <a:solidFill>
+                <a:srgbClr val="000000"/>
+              </a:solidFill>
+              <a:latin typeface="Arial"/>
+            </a:endParaRPr>
+          </a:p>
+          <a:p>
+            <a:pPr algn="just">
+              <a:lnSpc>
+                <a:spcPct val="100000"/>
+              </a:lnSpc>
+              <a:tabLst>
+                <a:tab algn="l" pos="0"/>
+              </a:tabLst>
+            </a:pPr>
+            <a:endParaRPr b="0" lang="en-US" sz="2000" spc="-1" strike="noStrike">
+              <a:solidFill>
+                <a:srgbClr val="000000"/>
+              </a:solidFill>
+              <a:latin typeface="Arial"/>
+            </a:endParaRPr>
+          </a:p>
+          <a:p>
+            <a:pPr marL="216000" indent="-216000" algn="just">
+              <a:lnSpc>
+                <a:spcPct val="100000"/>
+              </a:lnSpc>
+              <a:spcBef>
+                <a:spcPts val="145"/>
+              </a:spcBef>
+              <a:spcAft>
+                <a:spcPts val="145"/>
+              </a:spcAft>
+              <a:buClr>
+                <a:srgbClr val="000000"/>
+              </a:buClr>
+              <a:buSzPct val="45000"/>
+              <a:buFont typeface="Wingdings" charset="2"/>
+              <a:buChar char=""/>
+              <a:tabLst>
+                <a:tab algn="l" pos="408240"/>
+              </a:tabLst>
+            </a:pPr>
+            <a:r>
+              <a:rPr b="0" lang="ru-RU" sz="2000" spc="-1" strike="noStrike">
+                <a:solidFill>
+                  <a:srgbClr val="000000"/>
+                </a:solidFill>
+                <a:latin typeface="Arial"/>
+                <a:ea typeface="Arial"/>
+              </a:rPr>
+              <a:t>Логистическая регрессия</a:t>
+            </a:r>
+            <a:endParaRPr b="0" lang="en-US" sz="2000" spc="-1" strike="noStrike">
+              <a:solidFill>
+                <a:srgbClr val="000000"/>
+              </a:solidFill>
+              <a:latin typeface="Arial"/>
+            </a:endParaRPr>
+          </a:p>
+          <a:p>
+            <a:pPr marL="216000" indent="-216000" algn="just">
+              <a:lnSpc>
+                <a:spcPct val="100000"/>
+              </a:lnSpc>
+              <a:spcBef>
+                <a:spcPts val="145"/>
+              </a:spcBef>
+              <a:spcAft>
+                <a:spcPts val="145"/>
+              </a:spcAft>
+              <a:buClr>
+                <a:srgbClr val="000000"/>
+              </a:buClr>
+              <a:buSzPct val="45000"/>
+              <a:buFont typeface="Wingdings" charset="2"/>
+              <a:buChar char=""/>
+              <a:tabLst>
+                <a:tab algn="l" pos="408240"/>
+              </a:tabLst>
+            </a:pPr>
+            <a:r>
+              <a:rPr b="0" lang="ru-RU" sz="2000" spc="-1" strike="noStrike">
+                <a:solidFill>
+                  <a:srgbClr val="000000"/>
+                </a:solidFill>
+                <a:latin typeface="Arial"/>
+                <a:ea typeface="Arial"/>
+              </a:rPr>
+              <a:t>Дерево решений</a:t>
+            </a:r>
+            <a:endParaRPr b="0" lang="en-US" sz="2000" spc="-1" strike="noStrike">
+              <a:solidFill>
+                <a:srgbClr val="000000"/>
+              </a:solidFill>
+              <a:latin typeface="Arial"/>
+            </a:endParaRPr>
+          </a:p>
+          <a:p>
+            <a:pPr marL="216000" indent="-216000" algn="just">
+              <a:lnSpc>
+                <a:spcPct val="100000"/>
+              </a:lnSpc>
+              <a:spcBef>
+                <a:spcPts val="145"/>
+              </a:spcBef>
+              <a:spcAft>
+                <a:spcPts val="145"/>
+              </a:spcAft>
+              <a:buClr>
+                <a:srgbClr val="000000"/>
+              </a:buClr>
+              <a:buSzPct val="45000"/>
+              <a:buFont typeface="Wingdings" charset="2"/>
+              <a:buChar char=""/>
+              <a:tabLst>
+                <a:tab algn="l" pos="408240"/>
+              </a:tabLst>
+            </a:pPr>
+            <a:r>
+              <a:rPr b="0" lang="ru-RU" sz="2000" spc="-1" strike="noStrike">
+                <a:solidFill>
+                  <a:srgbClr val="000000"/>
+                </a:solidFill>
+                <a:latin typeface="Arial"/>
+                <a:ea typeface="Arial"/>
+              </a:rPr>
+              <a:t>Градиентный бустинг LightGBM</a:t>
+            </a:r>
+            <a:endParaRPr b="0" lang="en-US" sz="2000" spc="-1" strike="noStrike">
+              <a:solidFill>
+                <a:srgbClr val="000000"/>
+              </a:solidFill>
+              <a:latin typeface="Arial"/>
+            </a:endParaRPr>
+          </a:p>
+          <a:p>
+            <a:pPr marL="216000" indent="-216000" algn="just">
+              <a:lnSpc>
+                <a:spcPct val="100000"/>
+              </a:lnSpc>
+              <a:spcBef>
+                <a:spcPts val="145"/>
+              </a:spcBef>
+              <a:spcAft>
+                <a:spcPts val="145"/>
+              </a:spcAft>
+              <a:buClr>
+                <a:srgbClr val="000000"/>
+              </a:buClr>
+              <a:buSzPct val="45000"/>
+              <a:buFont typeface="Wingdings" charset="2"/>
+              <a:buChar char=""/>
+              <a:tabLst>
+                <a:tab algn="l" pos="408240"/>
+              </a:tabLst>
+            </a:pPr>
+            <a:r>
+              <a:rPr b="0" lang="ru-RU" sz="2000" spc="-1" strike="noStrike">
+                <a:solidFill>
+                  <a:srgbClr val="000000"/>
+                </a:solidFill>
+                <a:latin typeface="Arial"/>
+                <a:ea typeface="Arial"/>
+              </a:rPr>
+              <a:t>Адаптивный бустинг AdaBoost</a:t>
+            </a:r>
+            <a:endParaRPr b="0" lang="en-US" sz="2000" spc="-1" strike="noStrike">
+              <a:solidFill>
+                <a:srgbClr val="000000"/>
+              </a:solidFill>
+              <a:latin typeface="Arial"/>
+            </a:endParaRPr>
+          </a:p>
+          <a:p>
+            <a:pPr marL="216000" indent="-216000" algn="just">
+              <a:lnSpc>
+                <a:spcPct val="100000"/>
+              </a:lnSpc>
+              <a:spcBef>
+                <a:spcPts val="145"/>
+              </a:spcBef>
+              <a:spcAft>
+                <a:spcPts val="145"/>
+              </a:spcAft>
+              <a:buClr>
+                <a:srgbClr val="000000"/>
+              </a:buClr>
+              <a:buSzPct val="45000"/>
+              <a:buFont typeface="Wingdings" charset="2"/>
+              <a:buChar char=""/>
+              <a:tabLst>
+                <a:tab algn="l" pos="408240"/>
+              </a:tabLst>
+            </a:pPr>
+            <a:r>
+              <a:rPr b="0" lang="ru-RU" sz="2000" spc="-1" strike="noStrike">
+                <a:solidFill>
+                  <a:srgbClr val="000000"/>
+                </a:solidFill>
+                <a:latin typeface="Arial"/>
+                <a:ea typeface="Arial"/>
+              </a:rPr>
+              <a:t>Экстремальный градиентный бустинг XGBoost</a:t>
+            </a:r>
+            <a:endParaRPr b="0" lang="en-US" sz="2000" spc="-1" strike="noStrike">
+              <a:solidFill>
+                <a:srgbClr val="000000"/>
+              </a:solidFill>
+              <a:latin typeface="Arial"/>
+            </a:endParaRPr>
+          </a:p>
+          <a:p>
+            <a:pPr marL="216000" indent="-216000" algn="just">
+              <a:lnSpc>
+                <a:spcPct val="100000"/>
+              </a:lnSpc>
+              <a:spcBef>
+                <a:spcPts val="145"/>
+              </a:spcBef>
+              <a:spcAft>
+                <a:spcPts val="145"/>
+              </a:spcAft>
+              <a:buClr>
+                <a:srgbClr val="000000"/>
+              </a:buClr>
+              <a:buSzPct val="45000"/>
+              <a:buFont typeface="Wingdings" charset="2"/>
+              <a:buChar char=""/>
+              <a:tabLst>
+                <a:tab algn="l" pos="408240"/>
+              </a:tabLst>
+            </a:pPr>
+            <a:r>
+              <a:rPr b="0" lang="ru-RU" sz="2000" spc="-1" strike="noStrike">
+                <a:solidFill>
+                  <a:srgbClr val="000000"/>
+                </a:solidFill>
+                <a:latin typeface="Arial"/>
+                <a:ea typeface="Arial"/>
+              </a:rPr>
+              <a:t>Полносвязная нейронная сеть (перцептрон)</a:t>
+            </a:r>
+            <a:endParaRPr b="0" lang="en-US" sz="2000" spc="-1" strike="noStrike">
+              <a:solidFill>
+                <a:srgbClr val="000000"/>
+              </a:solidFill>
+              <a:latin typeface="Arial"/>
+            </a:endParaRPr>
+          </a:p>
+        </p:txBody>
+      </p:sp>
+    </p:spTree>
+  </p:cSld>
+  <mc:AlternateContent>
+    <mc:Choice Requires="p14">
+      <p:transition p14:dur="10"/>
+    </mc:Choice>
+    <mc:Fallback>
+      <p:transition/>
+    </mc:Fallback>
+  </mc:AlternateContent>
+</p:sld>
+</file>
+
+<file path=ppt/slides/slide11.xml><?xml version="1.0" encoding="utf-8"?>
+<p:sld xmlns:a="http://schemas.openxmlformats.org/drawingml/2006/main" xmlns:p="http://schemas.openxmlformats.org/presentationml/2006/main" xmlns:r="http://schemas.openxmlformats.org/officeDocument/2006/relationships" xmlns:p14="http://schemas.microsoft.com/office/powerpoint/2010/main" xmlns:p15="http://schemas.microsoft.com/office/powerpoint/2012/main" xmlns:mc="http://schemas.openxmlformats.org/markup-compatibility/2006">
+  <p:cSld>
+    <p:spTree>
+      <p:nvGrpSpPr>
+        <p:cNvPr id="1" name=""/>
+        <p:cNvGrpSpPr/>
+        <p:nvPr/>
+      </p:nvGrpSpPr>
+      <p:grpSpPr>
+        <a:xfrm>
+          <a:off x="0" y="0"/>
+          <a:ext cx="0" cy="0"/>
+          <a:chOff x="0" y="0"/>
+          <a:chExt cx="0" cy="0"/>
+        </a:xfrm>
+      </p:grpSpPr>
+      <p:sp>
+        <p:nvSpPr>
+          <p:cNvPr id="101" name="PlaceHolder 1"/>
+          <p:cNvSpPr>
+            <a:spLocks noGrp="1"/>
+          </p:cNvSpPr>
+          <p:nvPr>
+            <p:ph/>
+          </p:nvPr>
+        </p:nvSpPr>
+        <p:spPr>
+          <a:xfrm>
+            <a:off x="300600" y="1371600"/>
+            <a:ext cx="4041000" cy="1875600"/>
+          </a:xfrm>
+          <a:prstGeom prst="rect">
+            <a:avLst/>
+          </a:prstGeom>
+          <a:noFill/>
+          <a:ln w="0">
+            <a:noFill/>
+          </a:ln>
+        </p:spPr>
+        <p:txBody>
+          <a:bodyPr lIns="91440" rIns="91440" tIns="45720" bIns="45720" anchor="t">
+            <a:normAutofit/>
+          </a:bodyPr>
+          <a:p>
+            <a:pPr marL="76320" indent="0">
+              <a:lnSpc>
+                <a:spcPct val="90000"/>
+              </a:lnSpc>
+              <a:spcBef>
+                <a:spcPts val="751"/>
+              </a:spcBef>
+              <a:buNone/>
+              <a:tabLst>
+                <a:tab algn="l" pos="0"/>
+              </a:tabLst>
+            </a:pPr>
+            <a:r>
+              <a:rPr b="1" lang="ru-RU" sz="1800" spc="-1" strike="noStrike">
+                <a:solidFill>
+                  <a:srgbClr val="262626"/>
+                </a:solidFill>
+                <a:latin typeface="Arial"/>
+                <a:ea typeface="Open Sans"/>
+              </a:rPr>
+              <a:t>LightGBM</a:t>
+            </a:r>
+            <a:endParaRPr b="0" lang="en-US" sz="1800" spc="-1" strike="noStrike">
+              <a:solidFill>
+                <a:srgbClr val="000000"/>
+              </a:solidFill>
+              <a:latin typeface="Arial"/>
+            </a:endParaRPr>
+          </a:p>
+          <a:p>
+            <a:pPr marL="76320" indent="0">
+              <a:lnSpc>
+                <a:spcPct val="90000"/>
+              </a:lnSpc>
+              <a:spcBef>
+                <a:spcPts val="751"/>
+              </a:spcBef>
+              <a:buNone/>
+              <a:tabLst>
+                <a:tab algn="l" pos="0"/>
+              </a:tabLst>
+            </a:pPr>
+            <a:r>
+              <a:rPr b="0" lang="ru-RU" sz="1800" spc="-1" strike="noStrike">
+                <a:solidFill>
+                  <a:srgbClr val="262626"/>
+                </a:solidFill>
+                <a:latin typeface="Arial"/>
+                <a:ea typeface="Open Sans"/>
+              </a:rPr>
+              <a:t>1) полный датасет (303 признака, несбалансированный)</a:t>
+            </a:r>
+            <a:endParaRPr b="0" lang="en-US" sz="1800" spc="-1" strike="noStrike">
+              <a:solidFill>
+                <a:srgbClr val="000000"/>
+              </a:solidFill>
+              <a:latin typeface="Arial"/>
+            </a:endParaRPr>
+          </a:p>
+          <a:p>
+            <a:pPr marL="76320" indent="0">
+              <a:lnSpc>
+                <a:spcPct val="90000"/>
+              </a:lnSpc>
+              <a:spcBef>
+                <a:spcPts val="751"/>
+              </a:spcBef>
+              <a:buNone/>
+              <a:tabLst>
+                <a:tab algn="l" pos="0"/>
+              </a:tabLst>
+            </a:pPr>
+            <a:endParaRPr b="0" lang="en-US" sz="1800" spc="-1" strike="noStrike">
+              <a:solidFill>
+                <a:srgbClr val="000000"/>
+              </a:solidFill>
+              <a:latin typeface="Arial"/>
+            </a:endParaRPr>
+          </a:p>
+          <a:p>
+            <a:pPr marL="76320" indent="0">
+              <a:lnSpc>
+                <a:spcPct val="90000"/>
+              </a:lnSpc>
+              <a:spcBef>
+                <a:spcPts val="751"/>
+              </a:spcBef>
+              <a:buNone/>
+              <a:tabLst>
+                <a:tab algn="l" pos="0"/>
+              </a:tabLst>
+            </a:pPr>
+            <a:endParaRPr b="0" lang="en-US" sz="1800" spc="-1" strike="noStrike">
+              <a:solidFill>
+                <a:srgbClr val="000000"/>
+              </a:solidFill>
+              <a:latin typeface="Arial"/>
+            </a:endParaRPr>
+          </a:p>
+        </p:txBody>
+      </p:sp>
+      <p:grpSp>
+        <p:nvGrpSpPr>
+          <p:cNvPr id="102" name="Группа 10"/>
+          <p:cNvGrpSpPr/>
+          <p:nvPr/>
+        </p:nvGrpSpPr>
+        <p:grpSpPr>
+          <a:xfrm>
+            <a:off x="3168000" y="469440"/>
+            <a:ext cx="3831120" cy="666000"/>
+            <a:chOff x="3168000" y="469440"/>
+            <a:chExt cx="3831120" cy="666000"/>
+          </a:xfrm>
+        </p:grpSpPr>
+        <p:sp>
+          <p:nvSpPr>
+            <p:cNvPr id="103" name="Прямоугольник 26"/>
+            <p:cNvSpPr/>
+            <p:nvPr/>
+          </p:nvSpPr>
+          <p:spPr>
+            <a:xfrm>
+              <a:off x="3168000" y="469440"/>
+              <a:ext cx="3831120" cy="661680"/>
+            </a:xfrm>
+            <a:prstGeom prst="rect">
+              <a:avLst/>
+            </a:prstGeom>
+            <a:solidFill>
+              <a:schemeClr val="bg1"/>
+            </a:solidFill>
+            <a:ln>
+              <a:solidFill>
+                <a:srgbClr val="ffffff"/>
+              </a:solidFill>
+              <a:round/>
+            </a:ln>
+          </p:spPr>
+          <p:style>
+            <a:lnRef idx="2">
+              <a:schemeClr val="accent1">
+                <a:shade val="50000"/>
+              </a:schemeClr>
+            </a:lnRef>
+            <a:fillRef idx="1">
+              <a:schemeClr val="accent1"/>
+            </a:fillRef>
+            <a:effectRef idx="0">
+              <a:schemeClr val="accent1"/>
+            </a:effectRef>
+            <a:fontRef idx="minor"/>
+          </p:style>
+          <p:txBody>
+            <a:bodyPr lIns="90000" rIns="90000" tIns="45000" bIns="45000" anchor="ctr">
+              <a:noAutofit/>
+            </a:bodyPr>
+            <a:p>
+              <a:pPr algn="ctr">
+                <a:lnSpc>
+                  <a:spcPct val="100000"/>
+                </a:lnSpc>
+              </a:pPr>
+              <a:r>
+                <a:rPr b="0" lang="ru-RU" sz="2800" spc="180" strike="noStrike">
+                  <a:solidFill>
+                    <a:srgbClr val="065cab"/>
+                  </a:solidFill>
+                  <a:latin typeface="ALS Sector Bold"/>
+                  <a:ea typeface="Arial"/>
+                </a:rPr>
+                <a:t>Обучение моделей</a:t>
+              </a:r>
+              <a:endParaRPr b="0" lang="en-US" sz="2800" spc="-1" strike="noStrike">
+                <a:solidFill>
+                  <a:srgbClr val="000000"/>
+                </a:solidFill>
+                <a:latin typeface="Arial"/>
+              </a:endParaRPr>
+            </a:p>
+          </p:txBody>
+        </p:sp>
+        <p:sp>
+          <p:nvSpPr>
+            <p:cNvPr id="104" name="Прямоугольник 27"/>
+            <p:cNvSpPr/>
+            <p:nvPr/>
+          </p:nvSpPr>
+          <p:spPr>
+            <a:xfrm flipH="1" rot="10800000">
+              <a:off x="3167640" y="473760"/>
+              <a:ext cx="59400" cy="661680"/>
+            </a:xfrm>
+            <a:custGeom>
+              <a:avLst/>
+              <a:gdLst>
+                <a:gd name="textAreaLeft" fmla="*/ 2160 w 59400"/>
+                <a:gd name="textAreaRight" fmla="*/ 65880 w 59400"/>
+                <a:gd name="textAreaTop" fmla="*/ 0 h 661680"/>
+                <a:gd name="textAreaBottom" fmla="*/ 666000 h 661680"/>
+              </a:gdLst>
+              <a:ahLst/>
+              <a:rect l="textAreaLeft" t="textAreaTop" r="textAreaRight" b="textAreaBottom"/>
+              <a:pathLst>
+                <a:path w="424732" h="424732">
+                  <a:moveTo>
+                    <a:pt x="424732" y="424732"/>
+                  </a:moveTo>
+                  <a:lnTo>
+                    <a:pt x="0" y="424732"/>
+                  </a:lnTo>
+                  <a:lnTo>
+                    <a:pt x="0" y="0"/>
+                  </a:lnTo>
+                  <a:lnTo>
+                    <a:pt x="424732" y="0"/>
+                  </a:lnTo>
+                </a:path>
+              </a:pathLst>
+            </a:custGeom>
+            <a:noFill/>
+            <a:ln w="16510">
+              <a:solidFill>
+                <a:srgbClr val="065cab"/>
+              </a:solidFill>
+              <a:round/>
+            </a:ln>
+          </p:spPr>
+          <p:style>
+            <a:lnRef idx="1">
+              <a:schemeClr val="accent1"/>
+            </a:lnRef>
+            <a:fillRef idx="0">
+              <a:schemeClr val="accent1"/>
+            </a:fillRef>
+            <a:effectRef idx="0">
+              <a:schemeClr val="accent1"/>
+            </a:effectRef>
+            <a:fontRef idx="minor"/>
+          </p:style>
+          <p:txBody>
+            <a:bodyPr lIns="90000" rIns="90000" tIns="45000" bIns="45000" anchor="ctr">
+              <a:noAutofit/>
+            </a:bodyPr>
+            <a:p>
+              <a:pPr>
+                <a:lnSpc>
+                  <a:spcPct val="100000"/>
+                </a:lnSpc>
+              </a:pPr>
+              <a:endParaRPr b="0" lang="ru-RU" sz="1400" spc="-1" strike="noStrike">
+                <a:solidFill>
+                  <a:schemeClr val="dk1"/>
+                </a:solidFill>
+                <a:latin typeface="ALS Sector Regular"/>
+                <a:ea typeface="Arial"/>
+              </a:endParaRPr>
+            </a:p>
+          </p:txBody>
+        </p:sp>
+        <p:sp>
+          <p:nvSpPr>
+            <p:cNvPr id="105" name="Прямоугольник 28"/>
+            <p:cNvSpPr/>
+            <p:nvPr/>
+          </p:nvSpPr>
+          <p:spPr>
+            <a:xfrm flipH="1">
+              <a:off x="6924240" y="469440"/>
+              <a:ext cx="70560" cy="661680"/>
+            </a:xfrm>
+            <a:custGeom>
+              <a:avLst/>
+              <a:gdLst>
+                <a:gd name="textAreaLeft" fmla="*/ -2160 w 70560"/>
+                <a:gd name="textAreaRight" fmla="*/ 72720 w 70560"/>
+                <a:gd name="textAreaTop" fmla="*/ 0 h 661680"/>
+                <a:gd name="textAreaBottom" fmla="*/ 666000 h 661680"/>
+              </a:gdLst>
+              <a:ahLst/>
+              <a:rect l="textAreaLeft" t="textAreaTop" r="textAreaRight" b="textAreaBottom"/>
+              <a:pathLst>
+                <a:path w="424732" h="424732">
+                  <a:moveTo>
+                    <a:pt x="424732" y="424732"/>
+                  </a:moveTo>
+                  <a:lnTo>
+                    <a:pt x="0" y="424732"/>
+                  </a:lnTo>
+                  <a:lnTo>
+                    <a:pt x="0" y="0"/>
+                  </a:lnTo>
+                  <a:lnTo>
+                    <a:pt x="424732" y="0"/>
+                  </a:lnTo>
+                </a:path>
+              </a:pathLst>
+            </a:custGeom>
+            <a:noFill/>
+            <a:ln w="16510">
+              <a:solidFill>
+                <a:srgbClr val="0046a2"/>
+              </a:solidFill>
+              <a:round/>
+            </a:ln>
+          </p:spPr>
+          <p:style>
+            <a:lnRef idx="1">
+              <a:schemeClr val="accent1"/>
+            </a:lnRef>
+            <a:fillRef idx="0">
+              <a:schemeClr val="accent1"/>
+            </a:fillRef>
+            <a:effectRef idx="0">
+              <a:schemeClr val="accent1"/>
+            </a:effectRef>
+            <a:fontRef idx="minor"/>
+          </p:style>
+          <p:txBody>
+            <a:bodyPr lIns="90000" rIns="90000" tIns="45000" bIns="45000" anchor="ctr">
+              <a:noAutofit/>
+            </a:bodyPr>
+            <a:p>
+              <a:pPr>
+                <a:lnSpc>
+                  <a:spcPct val="100000"/>
+                </a:lnSpc>
+              </a:pPr>
+              <a:endParaRPr b="0" lang="ru-RU" sz="1400" spc="-1" strike="noStrike">
+                <a:solidFill>
+                  <a:srgbClr val="065cab"/>
+                </a:solidFill>
+                <a:latin typeface="ALS Sector Regular"/>
+                <a:ea typeface="Arial"/>
+              </a:endParaRPr>
+            </a:p>
+          </p:txBody>
+        </p:sp>
+      </p:grpSp>
+      <p:sp>
+        <p:nvSpPr>
+          <p:cNvPr id="106" name="PlaceHolder 13"/>
+          <p:cNvSpPr/>
+          <p:nvPr/>
+        </p:nvSpPr>
+        <p:spPr>
+          <a:xfrm>
+            <a:off x="273600" y="6435000"/>
+            <a:ext cx="565920" cy="271080"/>
+          </a:xfrm>
+          <a:prstGeom prst="rect">
+            <a:avLst/>
+          </a:prstGeom>
+          <a:noFill/>
+          <a:ln w="0">
+            <a:noFill/>
+          </a:ln>
+        </p:spPr>
+        <p:style>
+          <a:lnRef idx="0"/>
+          <a:fillRef idx="0"/>
+          <a:effectRef idx="0"/>
+          <a:fontRef idx="minor"/>
+        </p:style>
+        <p:txBody>
+          <a:bodyPr lIns="90000" rIns="90000" tIns="45000" bIns="45000" anchor="ctr">
+            <a:noAutofit/>
+          </a:bodyPr>
+          <a:p>
+            <a:pPr>
+              <a:lnSpc>
+                <a:spcPct val="100000"/>
+              </a:lnSpc>
+              <a:tabLst>
+                <a:tab algn="l" pos="0"/>
+              </a:tabLst>
+            </a:pPr>
+            <a:fld id="{891A20FE-A2BA-48D8-9F3D-7920C502F817}" type="slidenum">
+              <a:rPr b="0" lang="ru-RU" sz="1400" spc="-1" strike="noStrike">
+                <a:solidFill>
+                  <a:srgbClr val="898989"/>
+                </a:solidFill>
+                <a:latin typeface="Times New Roman"/>
+                <a:ea typeface="Open Sans"/>
+              </a:rPr>
+              <a:t>11</a:t>
             </a:fld>
             <a:endParaRPr b="0" lang="en-US" sz="1400" spc="-1" strike="noStrike">
               <a:solidFill>
@@ -3145,7 +3774,7 @@
       </p:sp>
       <p:pic>
         <p:nvPicPr>
-          <p:cNvPr id="101" name="" descr=""/>
+          <p:cNvPr id="107" name="" descr=""/>
           <p:cNvPicPr/>
           <p:nvPr/>
         </p:nvPicPr>
@@ -3156,7 +3785,7 @@
         <p:spPr>
           <a:xfrm>
             <a:off x="542160" y="2295000"/>
-            <a:ext cx="3256560" cy="722520"/>
+            <a:ext cx="3255840" cy="721800"/>
           </a:xfrm>
           <a:prstGeom prst="rect">
             <a:avLst/>
@@ -3168,28 +3797,28 @@
       </p:pic>
       <p:grpSp>
         <p:nvGrpSpPr>
-          <p:cNvPr id="102" name=""/>
+          <p:cNvPr id="108" name=""/>
           <p:cNvGrpSpPr/>
           <p:nvPr/>
         </p:nvGrpSpPr>
         <p:grpSpPr>
           <a:xfrm>
             <a:off x="336600" y="3105000"/>
-            <a:ext cx="4182480" cy="1876320"/>
+            <a:ext cx="4181760" cy="1875600"/>
             <a:chOff x="336600" y="3105000"/>
-            <a:chExt cx="4182480" cy="1876320"/>
+            <a:chExt cx="4181760" cy="1875600"/>
           </a:xfrm>
         </p:grpSpPr>
         <p:sp>
           <p:nvSpPr>
-            <p:cNvPr id="103" name="PlaceHolder 27"/>
+            <p:cNvPr id="109" name="PlaceHolder 27"/>
             <p:cNvSpPr/>
             <p:nvPr/>
           </p:nvSpPr>
           <p:spPr>
             <a:xfrm>
               <a:off x="336600" y="3105000"/>
-              <a:ext cx="4182480" cy="1876320"/>
+              <a:ext cx="4181760" cy="1875600"/>
             </a:xfrm>
             <a:prstGeom prst="rect">
               <a:avLst/>
@@ -3261,7 +3890,7 @@
         </p:sp>
         <p:pic>
           <p:nvPicPr>
-            <p:cNvPr id="104" name="" descr=""/>
+            <p:cNvPr id="110" name="" descr=""/>
             <p:cNvPicPr/>
             <p:nvPr/>
           </p:nvPicPr>
@@ -3272,7 +3901,7 @@
           <p:spPr>
             <a:xfrm>
               <a:off x="529200" y="3729600"/>
-              <a:ext cx="3304080" cy="722520"/>
+              <a:ext cx="3303360" cy="721800"/>
             </a:xfrm>
             <a:prstGeom prst="rect">
               <a:avLst/>
@@ -3284,7 +3913,7 @@
         </p:pic>
         <p:pic>
           <p:nvPicPr>
-            <p:cNvPr id="105" name="" descr=""/>
+            <p:cNvPr id="111" name="" descr=""/>
             <p:cNvPicPr/>
             <p:nvPr/>
           </p:nvPicPr>
@@ -3295,7 +3924,7 @@
           <p:spPr>
             <a:xfrm>
               <a:off x="633960" y="4525200"/>
-              <a:ext cx="2742120" cy="312840"/>
+              <a:ext cx="2741400" cy="312120"/>
             </a:xfrm>
             <a:prstGeom prst="rect">
               <a:avLst/>
@@ -3308,28 +3937,28 @@
       </p:grpSp>
       <p:grpSp>
         <p:nvGrpSpPr>
-          <p:cNvPr id="106" name=""/>
+          <p:cNvPr id="112" name=""/>
           <p:cNvGrpSpPr/>
           <p:nvPr/>
         </p:nvGrpSpPr>
         <p:grpSpPr>
           <a:xfrm>
             <a:off x="336600" y="4980600"/>
-            <a:ext cx="4182480" cy="1876320"/>
+            <a:ext cx="4181760" cy="1875600"/>
             <a:chOff x="336600" y="4980600"/>
-            <a:chExt cx="4182480" cy="1876320"/>
+            <a:chExt cx="4181760" cy="1875600"/>
           </a:xfrm>
         </p:grpSpPr>
         <p:sp>
           <p:nvSpPr>
-            <p:cNvPr id="107" name="PlaceHolder 27"/>
+            <p:cNvPr id="113" name="PlaceHolder 27"/>
             <p:cNvSpPr/>
             <p:nvPr/>
           </p:nvSpPr>
           <p:spPr>
             <a:xfrm>
               <a:off x="336600" y="4980600"/>
-              <a:ext cx="4182480" cy="1876320"/>
+              <a:ext cx="4181760" cy="1875600"/>
             </a:xfrm>
             <a:prstGeom prst="rect">
               <a:avLst/>
@@ -3401,7 +4030,7 @@
         </p:sp>
         <p:pic>
           <p:nvPicPr>
-            <p:cNvPr id="108" name="" descr=""/>
+            <p:cNvPr id="114" name="" descr=""/>
             <p:cNvPicPr/>
             <p:nvPr/>
           </p:nvPicPr>
@@ -3412,7 +4041,7 @@
           <p:spPr>
             <a:xfrm>
               <a:off x="491040" y="5696280"/>
-              <a:ext cx="3342240" cy="703440"/>
+              <a:ext cx="3341520" cy="702720"/>
             </a:xfrm>
             <a:prstGeom prst="rect">
               <a:avLst/>
@@ -3425,28 +4054,28 @@
       </p:grpSp>
       <p:grpSp>
         <p:nvGrpSpPr>
-          <p:cNvPr id="109" name=""/>
+          <p:cNvPr id="115" name=""/>
           <p:cNvGrpSpPr/>
           <p:nvPr/>
         </p:nvGrpSpPr>
         <p:grpSpPr>
           <a:xfrm>
             <a:off x="7704360" y="1552320"/>
-            <a:ext cx="4182480" cy="1647720"/>
+            <a:ext cx="4181760" cy="1647000"/>
             <a:chOff x="7704360" y="1552320"/>
-            <a:chExt cx="4182480" cy="1647720"/>
+            <a:chExt cx="4181760" cy="1647000"/>
           </a:xfrm>
         </p:grpSpPr>
         <p:sp>
           <p:nvSpPr>
-            <p:cNvPr id="110" name="PlaceHolder 27"/>
+            <p:cNvPr id="116" name="PlaceHolder 27"/>
             <p:cNvSpPr/>
             <p:nvPr/>
           </p:nvSpPr>
           <p:spPr>
             <a:xfrm>
               <a:off x="7704360" y="1552320"/>
-              <a:ext cx="4182480" cy="1647720"/>
+              <a:ext cx="4181760" cy="1647000"/>
             </a:xfrm>
             <a:prstGeom prst="rect">
               <a:avLst/>
@@ -3499,7 +4128,7 @@
         </p:sp>
         <p:pic>
           <p:nvPicPr>
-            <p:cNvPr id="111" name="" descr=""/>
+            <p:cNvPr id="117" name="" descr=""/>
             <p:cNvPicPr/>
             <p:nvPr/>
           </p:nvPicPr>
@@ -3510,7 +4139,7 @@
           <p:spPr>
             <a:xfrm>
               <a:off x="7858800" y="1977840"/>
-              <a:ext cx="3923280" cy="741600"/>
+              <a:ext cx="3922560" cy="740880"/>
             </a:xfrm>
             <a:prstGeom prst="rect">
               <a:avLst/>
@@ -3523,14 +4152,14 @@
       </p:grpSp>
       <p:sp>
         <p:nvSpPr>
-          <p:cNvPr id="112" name="PlaceHolder 28"/>
+          <p:cNvPr id="118" name="PlaceHolder 32"/>
           <p:cNvSpPr/>
           <p:nvPr/>
         </p:nvSpPr>
         <p:spPr>
           <a:xfrm>
             <a:off x="4114800" y="3886200"/>
-            <a:ext cx="4182480" cy="1647720"/>
+            <a:ext cx="4181760" cy="1647000"/>
           </a:xfrm>
           <a:prstGeom prst="rect">
             <a:avLst/>
@@ -3583,14 +4212,14 @@
       </p:sp>
       <p:sp>
         <p:nvSpPr>
-          <p:cNvPr id="113" name=""/>
+          <p:cNvPr id="119" name=""/>
           <p:cNvSpPr/>
           <p:nvPr/>
         </p:nvSpPr>
         <p:spPr>
           <a:xfrm>
             <a:off x="4343400" y="5715000"/>
-            <a:ext cx="2514240" cy="456840"/>
+            <a:ext cx="2513520" cy="456120"/>
           </a:xfrm>
           <a:prstGeom prst="rightArrow">
             <a:avLst>
@@ -3634,7 +4263,7 @@
       </p:sp>
       <p:pic>
         <p:nvPicPr>
-          <p:cNvPr id="114" name="" descr=""/>
+          <p:cNvPr id="120" name="" descr=""/>
           <p:cNvPicPr/>
           <p:nvPr/>
         </p:nvPicPr>
@@ -3645,434 +4274,7 @@
         <p:spPr>
           <a:xfrm>
             <a:off x="7200720" y="5486400"/>
-            <a:ext cx="4000320" cy="866160"/>
-          </a:xfrm>
-          <a:prstGeom prst="rect">
-            <a:avLst/>
-          </a:prstGeom>
-          <a:ln w="0">
-            <a:noFill/>
-          </a:ln>
-        </p:spPr>
-      </p:pic>
-    </p:spTree>
-  </p:cSld>
-  <mc:AlternateContent>
-    <mc:Choice Requires="p14">
-      <p:transition p14:dur="10"/>
-    </mc:Choice>
-    <mc:Fallback>
-      <p:transition/>
-    </mc:Fallback>
-  </mc:AlternateContent>
-</p:sld>
-</file>
-
-<file path=ppt/slides/slide11.xml><?xml version="1.0" encoding="utf-8"?>
-<p:sld xmlns:a="http://schemas.openxmlformats.org/drawingml/2006/main" xmlns:p="http://schemas.openxmlformats.org/presentationml/2006/main" xmlns:r="http://schemas.openxmlformats.org/officeDocument/2006/relationships" xmlns:p14="http://schemas.microsoft.com/office/powerpoint/2010/main" xmlns:p15="http://schemas.microsoft.com/office/powerpoint/2012/main" xmlns:mc="http://schemas.openxmlformats.org/markup-compatibility/2006">
-  <p:cSld>
-    <p:spTree>
-      <p:nvGrpSpPr>
-        <p:cNvPr id="1" name=""/>
-        <p:cNvGrpSpPr/>
-        <p:nvPr/>
-      </p:nvGrpSpPr>
-      <p:grpSpPr>
-        <a:xfrm>
-          <a:off x="0" y="0"/>
-          <a:ext cx="0" cy="0"/>
-          <a:chOff x="0" y="0"/>
-          <a:chExt cx="0" cy="0"/>
-        </a:xfrm>
-      </p:grpSpPr>
-      <p:grpSp>
-        <p:nvGrpSpPr>
-          <p:cNvPr id="115" name="Группа 15"/>
-          <p:cNvGrpSpPr/>
-          <p:nvPr/>
-        </p:nvGrpSpPr>
-        <p:grpSpPr>
-          <a:xfrm>
-            <a:off x="3168000" y="184320"/>
-            <a:ext cx="7117560" cy="1236240"/>
-            <a:chOff x="3168000" y="184320"/>
-            <a:chExt cx="7117560" cy="1236240"/>
-          </a:xfrm>
-        </p:grpSpPr>
-        <p:sp>
-          <p:nvSpPr>
-            <p:cNvPr id="116" name="Прямоугольник 41"/>
-            <p:cNvSpPr/>
-            <p:nvPr/>
-          </p:nvSpPr>
-          <p:spPr>
-            <a:xfrm>
-              <a:off x="3168000" y="184320"/>
-              <a:ext cx="7117560" cy="1232280"/>
-            </a:xfrm>
-            <a:prstGeom prst="rect">
-              <a:avLst/>
-            </a:prstGeom>
-            <a:solidFill>
-              <a:schemeClr val="bg1"/>
-            </a:solidFill>
-            <a:ln>
-              <a:solidFill>
-                <a:srgbClr val="ffffff"/>
-              </a:solidFill>
-              <a:round/>
-            </a:ln>
-          </p:spPr>
-          <p:style>
-            <a:lnRef idx="2">
-              <a:schemeClr val="accent1">
-                <a:shade val="50000"/>
-              </a:schemeClr>
-            </a:lnRef>
-            <a:fillRef idx="1">
-              <a:schemeClr val="accent1"/>
-            </a:fillRef>
-            <a:effectRef idx="0">
-              <a:schemeClr val="accent1"/>
-            </a:effectRef>
-            <a:fontRef idx="minor"/>
-          </p:style>
-          <p:txBody>
-            <a:bodyPr lIns="90000" rIns="90000" tIns="45000" bIns="45000" anchor="ctr">
-              <a:noAutofit/>
-            </a:bodyPr>
-            <a:p>
-              <a:pPr algn="ctr">
-                <a:lnSpc>
-                  <a:spcPct val="100000"/>
-                </a:lnSpc>
-              </a:pPr>
-              <a:r>
-                <a:rPr b="0" lang="ru-RU" sz="2800" spc="180" strike="noStrike">
-                  <a:solidFill>
-                    <a:srgbClr val="065cab"/>
-                  </a:solidFill>
-                  <a:latin typeface="ALS Sector Bold"/>
-                  <a:ea typeface="Arial"/>
-                </a:rPr>
-                <a:t>Отбор признаков-предикторов</a:t>
-              </a:r>
-              <a:endParaRPr b="0" lang="en-US" sz="2800" spc="-1" strike="noStrike">
-                <a:solidFill>
-                  <a:srgbClr val="000000"/>
-                </a:solidFill>
-                <a:latin typeface="Arial"/>
-              </a:endParaRPr>
-            </a:p>
-          </p:txBody>
-        </p:sp>
-        <p:sp>
-          <p:nvSpPr>
-            <p:cNvPr id="117" name="Прямоугольник 42"/>
-            <p:cNvSpPr/>
-            <p:nvPr/>
-          </p:nvSpPr>
-          <p:spPr>
-            <a:xfrm flipH="1" rot="10800000">
-              <a:off x="3168000" y="188280"/>
-              <a:ext cx="114480" cy="1232280"/>
-            </a:xfrm>
-            <a:custGeom>
-              <a:avLst/>
-              <a:gdLst>
-                <a:gd name="textAreaLeft" fmla="*/ 360 w 114480"/>
-                <a:gd name="textAreaRight" fmla="*/ 118440 w 114480"/>
-                <a:gd name="textAreaTop" fmla="*/ 0 h 1232280"/>
-                <a:gd name="textAreaBottom" fmla="*/ 1235880 h 1232280"/>
-              </a:gdLst>
-              <a:ahLst/>
-              <a:rect l="textAreaLeft" t="textAreaTop" r="textAreaRight" b="textAreaBottom"/>
-              <a:pathLst>
-                <a:path w="424732" h="424732">
-                  <a:moveTo>
-                    <a:pt x="424732" y="424732"/>
-                  </a:moveTo>
-                  <a:lnTo>
-                    <a:pt x="0" y="424732"/>
-                  </a:lnTo>
-                  <a:lnTo>
-                    <a:pt x="0" y="0"/>
-                  </a:lnTo>
-                  <a:lnTo>
-                    <a:pt x="424732" y="0"/>
-                  </a:lnTo>
-                </a:path>
-              </a:pathLst>
-            </a:custGeom>
-            <a:noFill/>
-            <a:ln w="16510">
-              <a:solidFill>
-                <a:srgbClr val="065cab"/>
-              </a:solidFill>
-              <a:round/>
-            </a:ln>
-          </p:spPr>
-          <p:style>
-            <a:lnRef idx="1">
-              <a:schemeClr val="accent1"/>
-            </a:lnRef>
-            <a:fillRef idx="0">
-              <a:schemeClr val="accent1"/>
-            </a:fillRef>
-            <a:effectRef idx="0">
-              <a:schemeClr val="accent1"/>
-            </a:effectRef>
-            <a:fontRef idx="minor"/>
-          </p:style>
-          <p:txBody>
-            <a:bodyPr lIns="90000" rIns="90000" tIns="45000" bIns="45000" anchor="ctr">
-              <a:noAutofit/>
-            </a:bodyPr>
-            <a:p>
-              <a:pPr>
-                <a:lnSpc>
-                  <a:spcPct val="100000"/>
-                </a:lnSpc>
-              </a:pPr>
-              <a:endParaRPr b="0" lang="ru-RU" sz="1400" spc="-1" strike="noStrike">
-                <a:solidFill>
-                  <a:schemeClr val="dk1"/>
-                </a:solidFill>
-                <a:latin typeface="ALS Sector Regular"/>
-                <a:ea typeface="Arial"/>
-              </a:endParaRPr>
-            </a:p>
-          </p:txBody>
-        </p:sp>
-        <p:sp>
-          <p:nvSpPr>
-            <p:cNvPr id="118" name="Прямоугольник 43"/>
-            <p:cNvSpPr/>
-            <p:nvPr/>
-          </p:nvSpPr>
-          <p:spPr>
-            <a:xfrm flipH="1">
-              <a:off x="10146240" y="184320"/>
-              <a:ext cx="135360" cy="1232280"/>
-            </a:xfrm>
-            <a:custGeom>
-              <a:avLst/>
-              <a:gdLst>
-                <a:gd name="textAreaLeft" fmla="*/ 0 w 135360"/>
-                <a:gd name="textAreaRight" fmla="*/ 138600 w 135360"/>
-                <a:gd name="textAreaTop" fmla="*/ 0 h 1232280"/>
-                <a:gd name="textAreaBottom" fmla="*/ 1235880 h 1232280"/>
-              </a:gdLst>
-              <a:ahLst/>
-              <a:rect l="textAreaLeft" t="textAreaTop" r="textAreaRight" b="textAreaBottom"/>
-              <a:pathLst>
-                <a:path w="424732" h="424732">
-                  <a:moveTo>
-                    <a:pt x="424732" y="424732"/>
-                  </a:moveTo>
-                  <a:lnTo>
-                    <a:pt x="0" y="424732"/>
-                  </a:lnTo>
-                  <a:lnTo>
-                    <a:pt x="0" y="0"/>
-                  </a:lnTo>
-                  <a:lnTo>
-                    <a:pt x="424732" y="0"/>
-                  </a:lnTo>
-                </a:path>
-              </a:pathLst>
-            </a:custGeom>
-            <a:noFill/>
-            <a:ln w="16510">
-              <a:solidFill>
-                <a:srgbClr val="0046a2"/>
-              </a:solidFill>
-              <a:round/>
-            </a:ln>
-          </p:spPr>
-          <p:style>
-            <a:lnRef idx="1">
-              <a:schemeClr val="accent1"/>
-            </a:lnRef>
-            <a:fillRef idx="0">
-              <a:schemeClr val="accent1"/>
-            </a:fillRef>
-            <a:effectRef idx="0">
-              <a:schemeClr val="accent1"/>
-            </a:effectRef>
-            <a:fontRef idx="minor"/>
-          </p:style>
-          <p:txBody>
-            <a:bodyPr lIns="90000" rIns="90000" tIns="45000" bIns="45000" anchor="ctr">
-              <a:noAutofit/>
-            </a:bodyPr>
-            <a:p>
-              <a:pPr>
-                <a:lnSpc>
-                  <a:spcPct val="100000"/>
-                </a:lnSpc>
-              </a:pPr>
-              <a:endParaRPr b="0" lang="ru-RU" sz="1400" spc="-1" strike="noStrike">
-                <a:solidFill>
-                  <a:srgbClr val="065cab"/>
-                </a:solidFill>
-                <a:latin typeface="ALS Sector Regular"/>
-                <a:ea typeface="Arial"/>
-              </a:endParaRPr>
-            </a:p>
-          </p:txBody>
-        </p:sp>
-      </p:grpSp>
-      <p:sp>
-        <p:nvSpPr>
-          <p:cNvPr id="119" name="PlaceHolder 25"/>
-          <p:cNvSpPr/>
-          <p:nvPr/>
-        </p:nvSpPr>
-        <p:spPr>
-          <a:xfrm>
-            <a:off x="273600" y="6435000"/>
-            <a:ext cx="566640" cy="271800"/>
-          </a:xfrm>
-          <a:prstGeom prst="rect">
-            <a:avLst/>
-          </a:prstGeom>
-          <a:noFill/>
-          <a:ln w="0">
-            <a:noFill/>
-          </a:ln>
-        </p:spPr>
-        <p:style>
-          <a:lnRef idx="0"/>
-          <a:fillRef idx="0"/>
-          <a:effectRef idx="0"/>
-          <a:fontRef idx="minor"/>
-        </p:style>
-        <p:txBody>
-          <a:bodyPr lIns="90000" rIns="90000" tIns="45000" bIns="45000" anchor="ctr">
-            <a:noAutofit/>
-          </a:bodyPr>
-          <a:p>
-            <a:pPr>
-              <a:lnSpc>
-                <a:spcPct val="100000"/>
-              </a:lnSpc>
-              <a:tabLst>
-                <a:tab algn="l" pos="0"/>
-              </a:tabLst>
-            </a:pPr>
-            <a:fld id="{DBCD5E97-851F-47F7-93F2-15C555BE9480}" type="slidenum">
-              <a:rPr b="0" lang="ru-RU" sz="1400" spc="-1" strike="noStrike">
-                <a:solidFill>
-                  <a:srgbClr val="898989"/>
-                </a:solidFill>
-                <a:latin typeface="Times New Roman"/>
-                <a:ea typeface="Open Sans"/>
-              </a:rPr>
-              <a:t>10</a:t>
-            </a:fld>
-            <a:endParaRPr b="0" lang="en-US" sz="1400" spc="-1" strike="noStrike">
-              <a:solidFill>
-                <a:srgbClr val="000000"/>
-              </a:solidFill>
-              <a:latin typeface="Arial"/>
-            </a:endParaRPr>
-          </a:p>
-        </p:txBody>
-      </p:sp>
-      <p:sp>
-        <p:nvSpPr>
-          <p:cNvPr id="120" name="PlaceHolder 15"/>
-          <p:cNvSpPr/>
-          <p:nvPr/>
-        </p:nvSpPr>
-        <p:spPr>
-          <a:xfrm>
-            <a:off x="9601200" y="1600200"/>
-            <a:ext cx="2285640" cy="2742840"/>
-          </a:xfrm>
-          <a:prstGeom prst="rect">
-            <a:avLst/>
-          </a:prstGeom>
-          <a:noFill/>
-          <a:ln w="0">
-            <a:noFill/>
-          </a:ln>
-        </p:spPr>
-        <p:style>
-          <a:lnRef idx="0"/>
-          <a:fillRef idx="0"/>
-          <a:effectRef idx="0"/>
-          <a:fontRef idx="minor"/>
-        </p:style>
-        <p:txBody>
-          <a:bodyPr lIns="90000" rIns="90000" tIns="45000" bIns="45000" anchor="t">
-            <a:normAutofit/>
-          </a:bodyPr>
-          <a:p>
-            <a:pPr marL="76320" algn="just">
-              <a:lnSpc>
-                <a:spcPct val="115000"/>
-              </a:lnSpc>
-              <a:spcBef>
-                <a:spcPts val="720"/>
-              </a:spcBef>
-              <a:tabLst>
-                <a:tab algn="l" pos="0"/>
-              </a:tabLst>
-            </a:pPr>
-            <a:r>
-              <a:rPr b="0" lang="ru-RU" sz="1800" spc="-1" strike="noStrike">
-                <a:solidFill>
-                  <a:srgbClr val="262626"/>
-                </a:solidFill>
-                <a:latin typeface="Arial"/>
-                <a:ea typeface="Open Sans"/>
-              </a:rPr>
-              <a:t>Сокращение набора признаков не влияет на качество модели</a:t>
-            </a:r>
-            <a:endParaRPr b="0" lang="en-US" sz="1800" spc="-1" strike="noStrike">
-              <a:solidFill>
-                <a:srgbClr val="000000"/>
-              </a:solidFill>
-              <a:latin typeface="Arial"/>
-            </a:endParaRPr>
-          </a:p>
-          <a:p>
-            <a:pPr marL="76320" algn="just">
-              <a:lnSpc>
-                <a:spcPct val="115000"/>
-              </a:lnSpc>
-              <a:spcBef>
-                <a:spcPts val="720"/>
-              </a:spcBef>
-              <a:tabLst>
-                <a:tab algn="l" pos="0"/>
-              </a:tabLst>
-            </a:pPr>
-            <a:endParaRPr b="0" lang="en-US" sz="1800" spc="-1" strike="noStrike">
-              <a:solidFill>
-                <a:srgbClr val="000000"/>
-              </a:solidFill>
-              <a:latin typeface="Arial"/>
-            </a:endParaRPr>
-          </a:p>
-        </p:txBody>
-      </p:sp>
-      <p:pic>
-        <p:nvPicPr>
-          <p:cNvPr id="121" name="" descr=""/>
-          <p:cNvPicPr/>
-          <p:nvPr/>
-        </p:nvPicPr>
-        <p:blipFill>
-          <a:blip r:embed="rId1"/>
-          <a:stretch/>
-        </p:blipFill>
-        <p:spPr>
-          <a:xfrm>
-            <a:off x="132480" y="1563480"/>
-            <a:ext cx="9143640" cy="4836960"/>
+            <a:ext cx="3999600" cy="865440"/>
           </a:xfrm>
           <a:prstGeom prst="rect">
             <a:avLst/>
@@ -4112,340 +4314,30 @@
           <a:chExt cx="0" cy="0"/>
         </a:xfrm>
       </p:grpSpPr>
-      <p:sp>
-        <p:nvSpPr>
-          <p:cNvPr id="122" name="PlaceHolder 1"/>
-          <p:cNvSpPr>
-            <a:spLocks noGrp="1"/>
-          </p:cNvSpPr>
-          <p:nvPr>
-            <p:ph/>
-          </p:nvPr>
-        </p:nvSpPr>
-        <p:spPr>
-          <a:xfrm>
-            <a:off x="388440" y="1371600"/>
-            <a:ext cx="11041200" cy="5257440"/>
-          </a:xfrm>
-          <a:prstGeom prst="rect">
-            <a:avLst/>
-          </a:prstGeom>
-          <a:noFill/>
-          <a:ln w="0">
-            <a:noFill/>
-          </a:ln>
-        </p:spPr>
-        <p:txBody>
-          <a:bodyPr lIns="91440" rIns="91440" tIns="45720" bIns="45720" anchor="t">
-            <a:normAutofit/>
-          </a:bodyPr>
-          <a:p>
-            <a:pPr marL="76320" indent="0" algn="just">
-              <a:lnSpc>
-                <a:spcPct val="115000"/>
-              </a:lnSpc>
-              <a:spcBef>
-                <a:spcPts val="751"/>
-              </a:spcBef>
-              <a:buNone/>
-              <a:tabLst>
-                <a:tab algn="l" pos="0"/>
-              </a:tabLst>
-            </a:pPr>
-            <a:r>
-              <a:rPr b="1" lang="ru-RU" sz="2200" spc="-1" strike="noStrike">
-                <a:solidFill>
-                  <a:srgbClr val="262626"/>
-                </a:solidFill>
-                <a:latin typeface="Arial"/>
-                <a:ea typeface="Open Sans"/>
-              </a:rPr>
-              <a:t>Порядок поиска оптимальных параметров для дерева решений</a:t>
-            </a:r>
-            <a:endParaRPr b="0" lang="en-US" sz="2200" spc="-1" strike="noStrike">
-              <a:solidFill>
-                <a:srgbClr val="000000"/>
-              </a:solidFill>
-              <a:latin typeface="Arial"/>
-            </a:endParaRPr>
-          </a:p>
-          <a:p>
-            <a:pPr marL="216000" indent="-216000" algn="just">
-              <a:lnSpc>
-                <a:spcPct val="115000"/>
-              </a:lnSpc>
-              <a:spcBef>
-                <a:spcPts val="751"/>
-              </a:spcBef>
-              <a:buClr>
-                <a:srgbClr val="000000"/>
-              </a:buClr>
-              <a:buSzPct val="45000"/>
-              <a:buFont typeface="Wingdings" charset="2"/>
-              <a:buChar char=""/>
-              <a:tabLst>
-                <a:tab algn="l" pos="0"/>
-              </a:tabLst>
-            </a:pPr>
-            <a:r>
-              <a:rPr b="0" lang="ru-RU" sz="2200" spc="-1" strike="noStrike">
-                <a:solidFill>
-                  <a:srgbClr val="262626"/>
-                </a:solidFill>
-                <a:latin typeface="Arial"/>
-                <a:ea typeface="Open Sans"/>
-              </a:rPr>
-              <a:t>Поиск гиперпараметров выполнен методом GridSearchCV с перекрестной проверкой с количеством блоков 10</a:t>
-            </a:r>
-            <a:endParaRPr b="0" lang="en-US" sz="2200" spc="-1" strike="noStrike">
-              <a:solidFill>
-                <a:srgbClr val="000000"/>
-              </a:solidFill>
-              <a:latin typeface="Arial"/>
-            </a:endParaRPr>
-          </a:p>
-          <a:p>
-            <a:pPr marL="216000" indent="-216000" algn="just">
-              <a:lnSpc>
-                <a:spcPct val="115000"/>
-              </a:lnSpc>
-              <a:spcBef>
-                <a:spcPts val="751"/>
-              </a:spcBef>
-              <a:buClr>
-                <a:srgbClr val="000000"/>
-              </a:buClr>
-              <a:buSzPct val="45000"/>
-              <a:buFont typeface="Wingdings" charset="2"/>
-              <a:buChar char=""/>
-              <a:tabLst>
-                <a:tab algn="l" pos="0"/>
-              </a:tabLst>
-            </a:pPr>
-            <a:r>
-              <a:rPr b="0" lang="ru-RU" sz="2200" spc="-1" strike="noStrike">
-                <a:solidFill>
-                  <a:srgbClr val="262626"/>
-                </a:solidFill>
-                <a:latin typeface="Arial"/>
-                <a:ea typeface="Open Sans"/>
-              </a:rPr>
-              <a:t>Список оптимизируемых параметров:</a:t>
-            </a:r>
-            <a:endParaRPr b="0" lang="en-US" sz="2200" spc="-1" strike="noStrike">
-              <a:solidFill>
-                <a:srgbClr val="000000"/>
-              </a:solidFill>
-              <a:latin typeface="Arial"/>
-            </a:endParaRPr>
-          </a:p>
-          <a:p>
-            <a:pPr lvl="1" marL="864000" indent="-324000" algn="just">
-              <a:lnSpc>
-                <a:spcPct val="115000"/>
-              </a:lnSpc>
-              <a:spcBef>
-                <a:spcPts val="1191"/>
-              </a:spcBef>
-              <a:spcAft>
-                <a:spcPts val="992"/>
-              </a:spcAft>
-              <a:buClr>
-                <a:srgbClr val="000000"/>
-              </a:buClr>
-              <a:buSzPct val="75000"/>
-              <a:buFont typeface="Symbol" charset="2"/>
-              <a:buChar char=""/>
-              <a:tabLst>
-                <a:tab algn="l" pos="0"/>
-              </a:tabLst>
-            </a:pPr>
-            <a:r>
-              <a:rPr b="0" lang="ru-RU" sz="2200" spc="-1" strike="noStrike">
-                <a:solidFill>
-                  <a:srgbClr val="262626"/>
-                </a:solidFill>
-                <a:latin typeface="Arial"/>
-                <a:ea typeface="Open Sans"/>
-              </a:rPr>
-              <a:t>Глубина дерева (  [3, 5, 10, None]  )</a:t>
-            </a:r>
-            <a:endParaRPr b="0" lang="en-US" sz="2200" spc="-1" strike="noStrike">
-              <a:solidFill>
-                <a:srgbClr val="000000"/>
-              </a:solidFill>
-              <a:latin typeface="Arial"/>
-            </a:endParaRPr>
-          </a:p>
-          <a:p>
-            <a:pPr lvl="1" marL="864000" indent="-324000" algn="just">
-              <a:lnSpc>
-                <a:spcPct val="115000"/>
-              </a:lnSpc>
-              <a:spcBef>
-                <a:spcPts val="1134"/>
-              </a:spcBef>
-              <a:buClr>
-                <a:srgbClr val="000000"/>
-              </a:buClr>
-              <a:buSzPct val="75000"/>
-              <a:buFont typeface="Symbol" charset="2"/>
-              <a:buChar char=""/>
-              <a:tabLst>
-                <a:tab algn="l" pos="0"/>
-              </a:tabLst>
-            </a:pPr>
-            <a:r>
-              <a:rPr b="0" lang="ru-RU" sz="2200" spc="-1" strike="noStrike">
-                <a:solidFill>
-                  <a:srgbClr val="262626"/>
-                </a:solidFill>
-                <a:latin typeface="Arial"/>
-                <a:ea typeface="Open Sans"/>
-              </a:rPr>
-              <a:t>Функция измерения качества разбиения (gini / entropy)</a:t>
-            </a:r>
-            <a:endParaRPr b="0" lang="en-US" sz="2200" spc="-1" strike="noStrike">
-              <a:solidFill>
-                <a:srgbClr val="000000"/>
-              </a:solidFill>
-              <a:latin typeface="Arial"/>
-            </a:endParaRPr>
-          </a:p>
-          <a:p>
-            <a:pPr marL="216000" indent="-216000" algn="just">
-              <a:lnSpc>
-                <a:spcPct val="115000"/>
-              </a:lnSpc>
-              <a:spcBef>
-                <a:spcPts val="1191"/>
-              </a:spcBef>
-              <a:spcAft>
-                <a:spcPts val="992"/>
-              </a:spcAft>
-              <a:buClr>
-                <a:srgbClr val="000000"/>
-              </a:buClr>
-              <a:buSzPct val="45000"/>
-              <a:buFont typeface="Wingdings" charset="2"/>
-              <a:buChar char=""/>
-              <a:tabLst>
-                <a:tab algn="l" pos="0"/>
-              </a:tabLst>
-            </a:pPr>
-            <a:r>
-              <a:rPr b="0" lang="ru-RU" sz="2200" spc="-1" strike="noStrike">
-                <a:solidFill>
-                  <a:srgbClr val="262626"/>
-                </a:solidFill>
-                <a:latin typeface="Arial"/>
-                <a:ea typeface="Open Sans"/>
-              </a:rPr>
-              <a:t>Гиперпараметры оптимальной модели - {'criterion': 'entropy', 'max_depth': 5} </a:t>
-            </a:r>
-            <a:endParaRPr b="0" lang="en-US" sz="2200" spc="-1" strike="noStrike">
-              <a:solidFill>
-                <a:srgbClr val="000000"/>
-              </a:solidFill>
-              <a:latin typeface="Arial"/>
-            </a:endParaRPr>
-          </a:p>
-          <a:p>
-            <a:pPr marL="216000" indent="-216000" algn="just">
-              <a:lnSpc>
-                <a:spcPct val="115000"/>
-              </a:lnSpc>
-              <a:spcBef>
-                <a:spcPts val="751"/>
-              </a:spcBef>
-              <a:buClr>
-                <a:srgbClr val="000000"/>
-              </a:buClr>
-              <a:buSzPct val="45000"/>
-              <a:buFont typeface="Wingdings" charset="2"/>
-              <a:buChar char=""/>
-              <a:tabLst>
-                <a:tab algn="l" pos="0"/>
-              </a:tabLst>
-            </a:pPr>
-            <a:r>
-              <a:rPr b="0" lang="ru-RU" sz="2200" spc="-1" strike="noStrike">
-                <a:solidFill>
-                  <a:srgbClr val="262626"/>
-                </a:solidFill>
-                <a:latin typeface="Arial"/>
-                <a:ea typeface="Open Sans"/>
-              </a:rPr>
-              <a:t>Подставляем оптимальные гиперпараметры в модель дерева решений, обучаемой на всей выборке</a:t>
-            </a:r>
-            <a:endParaRPr b="0" lang="en-US" sz="2200" spc="-1" strike="noStrike">
-              <a:solidFill>
-                <a:srgbClr val="000000"/>
-              </a:solidFill>
-              <a:latin typeface="Arial"/>
-            </a:endParaRPr>
-          </a:p>
-          <a:p>
-            <a:pPr marL="216000" indent="-216000" algn="just">
-              <a:lnSpc>
-                <a:spcPct val="115000"/>
-              </a:lnSpc>
-              <a:spcBef>
-                <a:spcPts val="751"/>
-              </a:spcBef>
-              <a:buClr>
-                <a:srgbClr val="000000"/>
-              </a:buClr>
-              <a:buSzPct val="45000"/>
-              <a:buFont typeface="Wingdings" charset="2"/>
-              <a:buChar char=""/>
-              <a:tabLst>
-                <a:tab algn="l" pos="0"/>
-              </a:tabLst>
-            </a:pPr>
-            <a:r>
-              <a:rPr b="0" lang="ru-RU" sz="2200" spc="-1" strike="noStrike">
-                <a:solidFill>
-                  <a:srgbClr val="262626"/>
-                </a:solidFill>
-                <a:latin typeface="Arial"/>
-                <a:ea typeface="Open Sans"/>
-              </a:rPr>
-              <a:t>Оцениваем точность на тестовом наборе</a:t>
-            </a:r>
-            <a:endParaRPr b="0" lang="en-US" sz="2200" spc="-1" strike="noStrike">
-              <a:solidFill>
-                <a:srgbClr val="000000"/>
-              </a:solidFill>
-              <a:latin typeface="Arial"/>
-            </a:endParaRPr>
-          </a:p>
-        </p:txBody>
-      </p:sp>
       <p:grpSp>
         <p:nvGrpSpPr>
-          <p:cNvPr id="123" name="Группа 8"/>
+          <p:cNvPr id="121" name="Группа 15"/>
           <p:cNvGrpSpPr/>
           <p:nvPr/>
         </p:nvGrpSpPr>
         <p:grpSpPr>
           <a:xfrm>
-            <a:off x="3168000" y="283680"/>
-            <a:ext cx="5972760" cy="1037520"/>
-            <a:chOff x="3168000" y="283680"/>
-            <a:chExt cx="5972760" cy="1037520"/>
+            <a:off x="3168000" y="184320"/>
+            <a:ext cx="7116840" cy="1236240"/>
+            <a:chOff x="3168000" y="184320"/>
+            <a:chExt cx="7116840" cy="1236240"/>
           </a:xfrm>
         </p:grpSpPr>
         <p:sp>
           <p:nvSpPr>
-            <p:cNvPr id="124" name="Прямоугольник 20"/>
+            <p:cNvPr id="122" name="Прямоугольник 41"/>
             <p:cNvSpPr/>
             <p:nvPr/>
           </p:nvSpPr>
           <p:spPr>
             <a:xfrm>
-              <a:off x="3168000" y="283680"/>
-              <a:ext cx="5972760" cy="1033920"/>
+              <a:off x="3168000" y="184320"/>
+              <a:ext cx="7116840" cy="1231560"/>
             </a:xfrm>
             <a:prstGeom prst="rect">
               <a:avLst/>
@@ -4492,7 +4384,7 @@
                   <a:latin typeface="ALS Sector Bold"/>
                   <a:ea typeface="Arial"/>
                 </a:rPr>
-                <a:t>Поиск оптимальных гиперпараметров</a:t>
+                <a:t>Отбор признаков-предикторов</a:t>
               </a:r>
               <a:endParaRPr b="0" lang="en-US" sz="2800" spc="-1" strike="noStrike">
                 <a:solidFill>
@@ -4505,22 +4397,22 @@
         </p:sp>
         <p:sp>
           <p:nvSpPr>
-            <p:cNvPr id="125" name="Прямоугольник 21"/>
+            <p:cNvPr id="123" name="Прямоугольник 42"/>
             <p:cNvSpPr/>
             <p:nvPr/>
           </p:nvSpPr>
           <p:spPr>
             <a:xfrm flipH="1" rot="10800000">
-              <a:off x="3167640" y="287280"/>
-              <a:ext cx="95400" cy="1033920"/>
+              <a:off x="3168000" y="189000"/>
+              <a:ext cx="113760" cy="1231560"/>
             </a:xfrm>
             <a:custGeom>
               <a:avLst/>
               <a:gdLst>
-                <a:gd name="textAreaLeft" fmla="*/ 1800 w 95400"/>
-                <a:gd name="textAreaRight" fmla="*/ 100800 w 95400"/>
-                <a:gd name="textAreaTop" fmla="*/ 0 h 1033920"/>
-                <a:gd name="textAreaBottom" fmla="*/ 1037520 h 1033920"/>
+                <a:gd name="textAreaLeft" fmla="*/ 0 w 113760"/>
+                <a:gd name="textAreaRight" fmla="*/ 118080 w 113760"/>
+                <a:gd name="textAreaTop" fmla="*/ 0 h 1231560"/>
+                <a:gd name="textAreaBottom" fmla="*/ 1235880 h 1231560"/>
               </a:gdLst>
               <a:ahLst/>
               <a:rect l="textAreaLeft" t="textAreaTop" r="textAreaRight" b="textAreaBottom"/>
@@ -4583,22 +4475,22 @@
         </p:sp>
         <p:sp>
           <p:nvSpPr>
-            <p:cNvPr id="126" name="Прямоугольник 22"/>
+            <p:cNvPr id="124" name="Прямоугольник 43"/>
             <p:cNvSpPr/>
             <p:nvPr/>
           </p:nvSpPr>
           <p:spPr>
             <a:xfrm flipH="1">
-              <a:off x="9023760" y="283680"/>
-              <a:ext cx="112680" cy="1033920"/>
+              <a:off x="10145520" y="184320"/>
+              <a:ext cx="134640" cy="1231560"/>
             </a:xfrm>
             <a:custGeom>
               <a:avLst/>
               <a:gdLst>
-                <a:gd name="textAreaLeft" fmla="*/ 1800 w 112680"/>
-                <a:gd name="textAreaRight" fmla="*/ 118080 w 112680"/>
-                <a:gd name="textAreaTop" fmla="*/ 0 h 1033920"/>
-                <a:gd name="textAreaBottom" fmla="*/ 1037520 h 1033920"/>
+                <a:gd name="textAreaLeft" fmla="*/ 360 w 134640"/>
+                <a:gd name="textAreaRight" fmla="*/ 138960 w 134640"/>
+                <a:gd name="textAreaTop" fmla="*/ 0 h 1231560"/>
+                <a:gd name="textAreaBottom" fmla="*/ 1235880 h 1231560"/>
               </a:gdLst>
               <a:ahLst/>
               <a:rect l="textAreaLeft" t="textAreaTop" r="textAreaRight" b="textAreaBottom"/>
@@ -4662,14 +4554,14 @@
       </p:grpSp>
       <p:sp>
         <p:nvSpPr>
-          <p:cNvPr id="127" name="PlaceHolder 21"/>
+          <p:cNvPr id="125" name="PlaceHolder 25"/>
           <p:cNvSpPr/>
           <p:nvPr/>
         </p:nvSpPr>
         <p:spPr>
           <a:xfrm>
             <a:off x="273600" y="6435000"/>
-            <a:ext cx="566640" cy="271800"/>
+            <a:ext cx="565920" cy="271080"/>
           </a:xfrm>
           <a:prstGeom prst="rect">
             <a:avLst/>
@@ -4698,7 +4590,7 @@
                 <a:tab algn="l" pos="0"/>
               </a:tabLst>
             </a:pPr>
-            <a:fld id="{04CFAF20-97B3-422D-94E7-5409AE4F90AE}" type="slidenum">
+            <a:fld id="{B11AECEA-A2D1-4990-A89F-963A31F28EFE}" type="slidenum">
               <a:rPr b="0" lang="ru-RU" sz="1400" spc="-1" strike="noStrike">
                 <a:solidFill>
                   <a:srgbClr val="898989"/>
@@ -4706,9 +4598,88 @@
                 <a:latin typeface="Times New Roman"/>
                 <a:ea typeface="Open Sans"/>
               </a:rPr>
-              <a:t>12</a:t>
+              <a:t>11</a:t>
             </a:fld>
             <a:endParaRPr b="0" lang="en-US" sz="1400" spc="-1" strike="noStrike">
+              <a:solidFill>
+                <a:srgbClr val="000000"/>
+              </a:solidFill>
+              <a:latin typeface="Arial"/>
+            </a:endParaRPr>
+          </a:p>
+        </p:txBody>
+      </p:sp>
+      <p:sp>
+        <p:nvSpPr>
+          <p:cNvPr id="126" name="PlaceHolder 15"/>
+          <p:cNvSpPr/>
+          <p:nvPr/>
+        </p:nvSpPr>
+        <p:spPr>
+          <a:xfrm>
+            <a:off x="9601200" y="1600200"/>
+            <a:ext cx="2284920" cy="2742120"/>
+          </a:xfrm>
+          <a:prstGeom prst="rect">
+            <a:avLst/>
+          </a:prstGeom>
+          <a:noFill/>
+          <a:ln w="0">
+            <a:noFill/>
+          </a:ln>
+        </p:spPr>
+        <p:style>
+          <a:lnRef idx="0"/>
+          <a:fillRef idx="0"/>
+          <a:effectRef idx="0"/>
+          <a:fontRef idx="minor"/>
+        </p:style>
+        <p:txBody>
+          <a:bodyPr lIns="90000" rIns="90000" tIns="45000" bIns="45000" anchor="t">
+            <a:normAutofit/>
+          </a:bodyPr>
+          <a:p>
+            <a:pPr marL="76320" algn="just">
+              <a:lnSpc>
+                <a:spcPct val="115000"/>
+              </a:lnSpc>
+              <a:spcBef>
+                <a:spcPts val="720"/>
+              </a:spcBef>
+              <a:tabLst>
+                <a:tab algn="l" pos="0"/>
+              </a:tabLst>
+            </a:pPr>
+            <a:r>
+              <a:rPr b="0" lang="ru-RU" sz="1800" spc="-1" strike="noStrike">
+                <a:solidFill>
+                  <a:srgbClr val="262626"/>
+                </a:solidFill>
+                <a:latin typeface="Arial"/>
+                <a:ea typeface="Open Sans"/>
+              </a:rPr>
+              <a:t>Сокращение набора признаков не влияет на качество модели</a:t>
+            </a:r>
+            <a:endParaRPr b="0" lang="en-US" sz="1800" spc="-1" strike="noStrike">
+              <a:solidFill>
+                <a:srgbClr val="000000"/>
+              </a:solidFill>
+              <a:latin typeface="Arial"/>
+            </a:endParaRPr>
+          </a:p>
+          <a:p>
+            <a:pPr marL="76320" algn="just">
+              <a:lnSpc>
+                <a:spcPct val="115000"/>
+              </a:lnSpc>
+              <a:spcBef>
+                <a:spcPts val="720"/>
+              </a:spcBef>
+              <a:tabLst>
+                <a:tab algn="l" pos="0"/>
+              </a:tabLst>
+            </a:pPr>
+            <a:endParaRPr b="0" lang="en-US" sz="1800" spc="-1" strike="noStrike">
               <a:solidFill>
                 <a:srgbClr val="000000"/>
               </a:solidFill>
@@ -4719,7 +4690,7 @@
       </p:sp>
       <p:pic>
         <p:nvPicPr>
-          <p:cNvPr id="128" name="" descr=""/>
+          <p:cNvPr id="127" name="" descr=""/>
           <p:cNvPicPr/>
           <p:nvPr/>
         </p:nvPicPr>
@@ -4729,8 +4700,8 @@
         </p:blipFill>
         <p:spPr>
           <a:xfrm>
-            <a:off x="6616800" y="5545800"/>
-            <a:ext cx="4047840" cy="903960"/>
+            <a:off x="132480" y="1563480"/>
+            <a:ext cx="9142920" cy="4836240"/>
           </a:xfrm>
           <a:prstGeom prst="rect">
             <a:avLst/>
@@ -4772,7 +4743,7 @@
       </p:grpSpPr>
       <p:sp>
         <p:nvSpPr>
-          <p:cNvPr id="129" name="PlaceHolder 1"/>
+          <p:cNvPr id="128" name="PlaceHolder 1"/>
           <p:cNvSpPr>
             <a:spLocks noGrp="1"/>
           </p:cNvSpPr>
@@ -4782,8 +4753,8 @@
         </p:nvSpPr>
         <p:spPr>
           <a:xfrm>
-            <a:off x="388440" y="1299600"/>
-            <a:ext cx="6240600" cy="505440"/>
+            <a:off x="388440" y="1371600"/>
+            <a:ext cx="11040480" cy="5256720"/>
           </a:xfrm>
           <a:prstGeom prst="rect">
             <a:avLst/>
@@ -4798,26 +4769,280 @@
             <a:normAutofit/>
           </a:bodyPr>
           <a:p>
-            <a:pPr indent="0">
+            <a:pPr marL="76320" indent="0" algn="just">
               <a:lnSpc>
                 <a:spcPct val="115000"/>
               </a:lnSpc>
+              <a:spcBef>
+                <a:spcPts val="751"/>
+              </a:spcBef>
               <a:buNone/>
               <a:tabLst>
                 <a:tab algn="l" pos="0"/>
               </a:tabLst>
             </a:pPr>
             <a:r>
-              <a:rPr b="1" lang="ru-RU" sz="1800" spc="-1" strike="noStrike">
+              <a:rPr b="1" lang="ru-RU" sz="2200" spc="-1" strike="noStrike">
                 <a:solidFill>
                   <a:srgbClr val="262626"/>
                 </a:solidFill>
                 <a:latin typeface="Arial"/>
                 <a:ea typeface="Open Sans"/>
               </a:rPr>
-              <a:t>Логистическая регрессия с l1-регуляризацией</a:t>
-            </a:r>
-            <a:endParaRPr b="0" lang="en-US" sz="1800" spc="-1" strike="noStrike">
+              <a:t>Порядок поиска оптимальных параметров для дерева решений</a:t>
+            </a:r>
+            <a:endParaRPr b="0" lang="en-US" sz="2200" spc="-1" strike="noStrike">
+              <a:solidFill>
+                <a:srgbClr val="000000"/>
+              </a:solidFill>
+              <a:latin typeface="Arial"/>
+            </a:endParaRPr>
+          </a:p>
+          <a:p>
+            <a:pPr marL="216000" indent="-216000" algn="just">
+              <a:lnSpc>
+                <a:spcPct val="115000"/>
+              </a:lnSpc>
+              <a:spcBef>
+                <a:spcPts val="751"/>
+              </a:spcBef>
+              <a:buClr>
+                <a:srgbClr val="000000"/>
+              </a:buClr>
+              <a:buSzPct val="45000"/>
+              <a:buFont typeface="Wingdings" charset="2"/>
+              <a:buChar char=""/>
+              <a:tabLst>
+                <a:tab algn="l" pos="0"/>
+              </a:tabLst>
+            </a:pPr>
+            <a:r>
+              <a:rPr b="0" lang="ru-RU" sz="2200" spc="-1" strike="noStrike">
+                <a:solidFill>
+                  <a:srgbClr val="262626"/>
+                </a:solidFill>
+                <a:latin typeface="Arial"/>
+                <a:ea typeface="Open Sans"/>
+              </a:rPr>
+              <a:t>Поиск гиперпараметров выполнен методом GridSearchCV с перекрестной проверкой с количеством блоков 10</a:t>
+            </a:r>
+            <a:endParaRPr b="0" lang="en-US" sz="2200" spc="-1" strike="noStrike">
+              <a:solidFill>
+                <a:srgbClr val="000000"/>
+              </a:solidFill>
+              <a:latin typeface="Arial"/>
+            </a:endParaRPr>
+          </a:p>
+          <a:p>
+            <a:pPr marL="216000" indent="-216000" algn="just">
+              <a:lnSpc>
+                <a:spcPct val="115000"/>
+              </a:lnSpc>
+              <a:spcBef>
+                <a:spcPts val="751"/>
+              </a:spcBef>
+              <a:buClr>
+                <a:srgbClr val="000000"/>
+              </a:buClr>
+              <a:buSzPct val="45000"/>
+              <a:buFont typeface="Wingdings" charset="2"/>
+              <a:buChar char=""/>
+              <a:tabLst>
+                <a:tab algn="l" pos="0"/>
+              </a:tabLst>
+            </a:pPr>
+            <a:r>
+              <a:rPr b="0" lang="ru-RU" sz="2200" spc="-1" strike="noStrike">
+                <a:solidFill>
+                  <a:srgbClr val="262626"/>
+                </a:solidFill>
+                <a:latin typeface="Arial"/>
+                <a:ea typeface="Open Sans"/>
+              </a:rPr>
+              <a:t>Список оптимизируемых параметров:</a:t>
+            </a:r>
+            <a:endParaRPr b="0" lang="en-US" sz="2200" spc="-1" strike="noStrike">
+              <a:solidFill>
+                <a:srgbClr val="000000"/>
+              </a:solidFill>
+              <a:latin typeface="Arial"/>
+            </a:endParaRPr>
+          </a:p>
+          <a:p>
+            <a:pPr lvl="1" marL="864000" indent="-324000" algn="just">
+              <a:lnSpc>
+                <a:spcPct val="115000"/>
+              </a:lnSpc>
+              <a:spcBef>
+                <a:spcPts val="1191"/>
+              </a:spcBef>
+              <a:spcAft>
+                <a:spcPts val="992"/>
+              </a:spcAft>
+              <a:buClr>
+                <a:srgbClr val="000000"/>
+              </a:buClr>
+              <a:buSzPct val="75000"/>
+              <a:buFont typeface="Symbol" charset="2"/>
+              <a:buChar char=""/>
+              <a:tabLst>
+                <a:tab algn="l" pos="0"/>
+              </a:tabLst>
+            </a:pPr>
+            <a:r>
+              <a:rPr b="0" lang="ru-RU" sz="2200" spc="-1" strike="noStrike">
+                <a:solidFill>
+                  <a:srgbClr val="262626"/>
+                </a:solidFill>
+                <a:latin typeface="Arial"/>
+                <a:ea typeface="Open Sans"/>
+              </a:rPr>
+              <a:t>Глубина дерева (  [3, 5, 10, None]  )</a:t>
+            </a:r>
+            <a:endParaRPr b="0" lang="en-US" sz="2200" spc="-1" strike="noStrike">
+              <a:solidFill>
+                <a:srgbClr val="000000"/>
+              </a:solidFill>
+              <a:latin typeface="Arial"/>
+            </a:endParaRPr>
+          </a:p>
+          <a:p>
+            <a:pPr lvl="1" marL="864000" indent="-324000" algn="just">
+              <a:lnSpc>
+                <a:spcPct val="115000"/>
+              </a:lnSpc>
+              <a:spcBef>
+                <a:spcPts val="1134"/>
+              </a:spcBef>
+              <a:buClr>
+                <a:srgbClr val="000000"/>
+              </a:buClr>
+              <a:buSzPct val="75000"/>
+              <a:buFont typeface="Symbol" charset="2"/>
+              <a:buChar char=""/>
+              <a:tabLst>
+                <a:tab algn="l" pos="0"/>
+              </a:tabLst>
+            </a:pPr>
+            <a:r>
+              <a:rPr b="0" lang="ru-RU" sz="2200" spc="-1" strike="noStrike">
+                <a:solidFill>
+                  <a:srgbClr val="262626"/>
+                </a:solidFill>
+                <a:latin typeface="Arial"/>
+                <a:ea typeface="Open Sans"/>
+              </a:rPr>
+              <a:t>Функция измерения качества разбиения (gini / entropy)</a:t>
+            </a:r>
+            <a:endParaRPr b="0" lang="en-US" sz="2200" spc="-1" strike="noStrike">
+              <a:solidFill>
+                <a:srgbClr val="000000"/>
+              </a:solidFill>
+              <a:latin typeface="Arial"/>
+            </a:endParaRPr>
+          </a:p>
+          <a:p>
+            <a:pPr marL="216000" indent="-216000" algn="just">
+              <a:lnSpc>
+                <a:spcPct val="115000"/>
+              </a:lnSpc>
+              <a:spcBef>
+                <a:spcPts val="1191"/>
+              </a:spcBef>
+              <a:spcAft>
+                <a:spcPts val="992"/>
+              </a:spcAft>
+              <a:buClr>
+                <a:srgbClr val="000000"/>
+              </a:buClr>
+              <a:buSzPct val="45000"/>
+              <a:buFont typeface="Wingdings" charset="2"/>
+              <a:buChar char=""/>
+              <a:tabLst>
+                <a:tab algn="l" pos="0"/>
+              </a:tabLst>
+            </a:pPr>
+            <a:r>
+              <a:rPr b="0" lang="ru-RU" sz="2200" spc="-1" strike="noStrike">
+                <a:solidFill>
+                  <a:srgbClr val="262626"/>
+                </a:solidFill>
+                <a:latin typeface="Arial"/>
+                <a:ea typeface="Open Sans"/>
+              </a:rPr>
+              <a:t>Гиперпараметры оптимальной модели - {'criterion': 'entropy', 'max_depth': 5} </a:t>
+            </a:r>
+            <a:endParaRPr b="0" lang="en-US" sz="2200" spc="-1" strike="noStrike">
+              <a:solidFill>
+                <a:srgbClr val="000000"/>
+              </a:solidFill>
+              <a:latin typeface="Arial"/>
+            </a:endParaRPr>
+          </a:p>
+          <a:p>
+            <a:pPr marL="216000" indent="-216000" algn="just">
+              <a:lnSpc>
+                <a:spcPct val="115000"/>
+              </a:lnSpc>
+              <a:spcBef>
+                <a:spcPts val="751"/>
+              </a:spcBef>
+              <a:buClr>
+                <a:srgbClr val="000000"/>
+              </a:buClr>
+              <a:buSzPct val="45000"/>
+              <a:buFont typeface="Wingdings" charset="2"/>
+              <a:buChar char=""/>
+              <a:tabLst>
+                <a:tab algn="l" pos="0"/>
+              </a:tabLst>
+            </a:pPr>
+            <a:r>
+              <a:rPr b="0" lang="ru-RU" sz="2200" spc="-1" strike="noStrike">
+                <a:solidFill>
+                  <a:srgbClr val="262626"/>
+                </a:solidFill>
+                <a:latin typeface="Arial"/>
+                <a:ea typeface="Open Sans"/>
+              </a:rPr>
+              <a:t>Подставляем оптимальные гиперпараметры в модель дерева решений, обучаемой на всей выборке</a:t>
+            </a:r>
+            <a:endParaRPr b="0" lang="en-US" sz="2200" spc="-1" strike="noStrike">
+              <a:solidFill>
+                <a:srgbClr val="000000"/>
+              </a:solidFill>
+              <a:latin typeface="Arial"/>
+            </a:endParaRPr>
+          </a:p>
+          <a:p>
+            <a:pPr marL="216000" indent="-216000" algn="just">
+              <a:lnSpc>
+                <a:spcPct val="115000"/>
+              </a:lnSpc>
+              <a:spcBef>
+                <a:spcPts val="751"/>
+              </a:spcBef>
+              <a:buClr>
+                <a:srgbClr val="000000"/>
+              </a:buClr>
+              <a:buSzPct val="45000"/>
+              <a:buFont typeface="Wingdings" charset="2"/>
+              <a:buChar char=""/>
+              <a:tabLst>
+                <a:tab algn="l" pos="0"/>
+              </a:tabLst>
+            </a:pPr>
+            <a:r>
+              <a:rPr b="0" lang="ru-RU" sz="2200" spc="-1" strike="noStrike">
+                <a:solidFill>
+                  <a:srgbClr val="262626"/>
+                </a:solidFill>
+                <a:latin typeface="Arial"/>
+                <a:ea typeface="Open Sans"/>
+              </a:rPr>
+              <a:t>Оцениваем точность на тестовом наборе</a:t>
+            </a:r>
+            <a:endParaRPr b="0" lang="en-US" sz="2200" spc="-1" strike="noStrike">
               <a:solidFill>
                 <a:srgbClr val="000000"/>
               </a:solidFill>
@@ -4828,28 +5053,28 @@
       </p:sp>
       <p:grpSp>
         <p:nvGrpSpPr>
-          <p:cNvPr id="130" name="Группа 16"/>
+          <p:cNvPr id="129" name="Группа 8"/>
           <p:cNvGrpSpPr/>
           <p:nvPr/>
         </p:nvGrpSpPr>
         <p:grpSpPr>
           <a:xfrm>
-            <a:off x="3168000" y="469440"/>
-            <a:ext cx="3831840" cy="666000"/>
-            <a:chOff x="3168000" y="469440"/>
-            <a:chExt cx="3831840" cy="666000"/>
+            <a:off x="3168000" y="283680"/>
+            <a:ext cx="5972040" cy="1037520"/>
+            <a:chOff x="3168000" y="283680"/>
+            <a:chExt cx="5972040" cy="1037520"/>
           </a:xfrm>
         </p:grpSpPr>
         <p:sp>
           <p:nvSpPr>
-            <p:cNvPr id="131" name="Прямоугольник 44"/>
+            <p:cNvPr id="130" name="Прямоугольник 20"/>
             <p:cNvSpPr/>
             <p:nvPr/>
           </p:nvSpPr>
           <p:spPr>
             <a:xfrm>
-              <a:off x="3168000" y="469440"/>
-              <a:ext cx="3831840" cy="662400"/>
+              <a:off x="3168000" y="283680"/>
+              <a:ext cx="5972040" cy="1033200"/>
             </a:xfrm>
             <a:prstGeom prst="rect">
               <a:avLst/>
@@ -4896,7 +5121,7 @@
                   <a:latin typeface="ALS Sector Bold"/>
                   <a:ea typeface="Arial"/>
                 </a:rPr>
-                <a:t>Обучение моделей</a:t>
+                <a:t>Поиск оптимальных гиперпараметров</a:t>
               </a:r>
               <a:endParaRPr b="0" lang="en-US" sz="2800" spc="-1" strike="noStrike">
                 <a:solidFill>
@@ -4909,22 +5134,22 @@
         </p:sp>
         <p:sp>
           <p:nvSpPr>
-            <p:cNvPr id="132" name="Прямоугольник 45"/>
+            <p:cNvPr id="131" name="Прямоугольник 21"/>
             <p:cNvSpPr/>
             <p:nvPr/>
           </p:nvSpPr>
           <p:spPr>
             <a:xfrm flipH="1" rot="10800000">
-              <a:off x="3167640" y="473040"/>
-              <a:ext cx="60120" cy="662400"/>
+              <a:off x="3167640" y="288000"/>
+              <a:ext cx="94680" cy="1033200"/>
             </a:xfrm>
             <a:custGeom>
               <a:avLst/>
               <a:gdLst>
-                <a:gd name="textAreaLeft" fmla="*/ 1800 w 60120"/>
-                <a:gd name="textAreaRight" fmla="*/ 65520 w 60120"/>
-                <a:gd name="textAreaTop" fmla="*/ 0 h 662400"/>
-                <a:gd name="textAreaBottom" fmla="*/ 666000 h 662400"/>
+                <a:gd name="textAreaLeft" fmla="*/ 2160 w 94680"/>
+                <a:gd name="textAreaRight" fmla="*/ 101160 w 94680"/>
+                <a:gd name="textAreaTop" fmla="*/ 0 h 1033200"/>
+                <a:gd name="textAreaBottom" fmla="*/ 1037520 h 1033200"/>
               </a:gdLst>
               <a:ahLst/>
               <a:rect l="textAreaLeft" t="textAreaTop" r="textAreaRight" b="textAreaBottom"/>
@@ -4987,22 +5212,22 @@
         </p:sp>
         <p:sp>
           <p:nvSpPr>
-            <p:cNvPr id="133" name="Прямоугольник 46"/>
+            <p:cNvPr id="132" name="Прямоугольник 22"/>
             <p:cNvSpPr/>
             <p:nvPr/>
           </p:nvSpPr>
           <p:spPr>
             <a:xfrm flipH="1">
-              <a:off x="6924960" y="469440"/>
-              <a:ext cx="71280" cy="662400"/>
+              <a:off x="9023040" y="283680"/>
+              <a:ext cx="111960" cy="1033200"/>
             </a:xfrm>
             <a:custGeom>
               <a:avLst/>
               <a:gdLst>
-                <a:gd name="textAreaLeft" fmla="*/ -1800 w 71280"/>
-                <a:gd name="textAreaRight" fmla="*/ 73080 w 71280"/>
-                <a:gd name="textAreaTop" fmla="*/ 0 h 662400"/>
-                <a:gd name="textAreaBottom" fmla="*/ 666000 h 662400"/>
+                <a:gd name="textAreaLeft" fmla="*/ 2160 w 111960"/>
+                <a:gd name="textAreaRight" fmla="*/ 118440 w 111960"/>
+                <a:gd name="textAreaTop" fmla="*/ 0 h 1033200"/>
+                <a:gd name="textAreaBottom" fmla="*/ 1037520 h 1033200"/>
               </a:gdLst>
               <a:ahLst/>
               <a:rect l="textAreaLeft" t="textAreaTop" r="textAreaRight" b="textAreaBottom"/>
@@ -5066,14 +5291,14 @@
       </p:grpSp>
       <p:sp>
         <p:nvSpPr>
-          <p:cNvPr id="134" name="PlaceHolder 14"/>
+          <p:cNvPr id="133" name="PlaceHolder 21"/>
           <p:cNvSpPr/>
           <p:nvPr/>
         </p:nvSpPr>
         <p:spPr>
           <a:xfrm>
             <a:off x="273600" y="6435000"/>
-            <a:ext cx="566640" cy="271800"/>
+            <a:ext cx="565920" cy="271080"/>
           </a:xfrm>
           <a:prstGeom prst="rect">
             <a:avLst/>
@@ -5102,7 +5327,7 @@
                 <a:tab algn="l" pos="0"/>
               </a:tabLst>
             </a:pPr>
-            <a:fld id="{83206781-8918-461A-A760-3A7FBC5F7686}" type="slidenum">
+            <a:fld id="{735E5276-CE8B-45A3-BA69-10A30826AF04}" type="slidenum">
               <a:rPr b="0" lang="ru-RU" sz="1400" spc="-1" strike="noStrike">
                 <a:solidFill>
                   <a:srgbClr val="898989"/>
@@ -5113,320 +5338,6 @@
               <a:t>13</a:t>
             </a:fld>
             <a:endParaRPr b="0" lang="en-US" sz="1400" spc="-1" strike="noStrike">
-              <a:solidFill>
-                <a:srgbClr val="000000"/>
-              </a:solidFill>
-              <a:latin typeface="Arial"/>
-            </a:endParaRPr>
-          </a:p>
-        </p:txBody>
-      </p:sp>
-      <p:sp>
-        <p:nvSpPr>
-          <p:cNvPr id="135" name="PlaceHolder 23"/>
-          <p:cNvSpPr/>
-          <p:nvPr/>
-        </p:nvSpPr>
-        <p:spPr>
-          <a:xfrm>
-            <a:off x="6244200" y="1276200"/>
-            <a:ext cx="5486040" cy="505440"/>
-          </a:xfrm>
-          <a:prstGeom prst="rect">
-            <a:avLst/>
-          </a:prstGeom>
-          <a:noFill/>
-          <a:ln w="0">
-            <a:noFill/>
-          </a:ln>
-        </p:spPr>
-        <p:style>
-          <a:lnRef idx="0"/>
-          <a:fillRef idx="0"/>
-          <a:effectRef idx="0"/>
-          <a:fontRef idx="minor"/>
-        </p:style>
-        <p:txBody>
-          <a:bodyPr lIns="90000" rIns="90000" tIns="45000" bIns="45000" anchor="t">
-            <a:normAutofit/>
-          </a:bodyPr>
-          <a:p>
-            <a:pPr>
-              <a:lnSpc>
-                <a:spcPct val="115000"/>
-              </a:lnSpc>
-              <a:tabLst>
-                <a:tab algn="l" pos="0"/>
-              </a:tabLst>
-            </a:pPr>
-            <a:r>
-              <a:rPr b="1" lang="ru-RU" sz="1800" spc="-1" strike="noStrike">
-                <a:solidFill>
-                  <a:srgbClr val="262626"/>
-                </a:solidFill>
-                <a:latin typeface="Arial"/>
-                <a:ea typeface="Open Sans"/>
-              </a:rPr>
-              <a:t>Логистическая регрессия без регуляризации</a:t>
-            </a:r>
-            <a:endParaRPr b="0" lang="en-US" sz="1800" spc="-1" strike="noStrike">
-              <a:solidFill>
-                <a:srgbClr val="000000"/>
-              </a:solidFill>
-              <a:latin typeface="Arial"/>
-            </a:endParaRPr>
-          </a:p>
-        </p:txBody>
-      </p:sp>
-      <p:sp>
-        <p:nvSpPr>
-          <p:cNvPr id="136" name="PlaceHolder 29"/>
-          <p:cNvSpPr/>
-          <p:nvPr/>
-        </p:nvSpPr>
-        <p:spPr>
-          <a:xfrm>
-            <a:off x="457200" y="2694600"/>
-            <a:ext cx="5486040" cy="505440"/>
-          </a:xfrm>
-          <a:prstGeom prst="rect">
-            <a:avLst/>
-          </a:prstGeom>
-          <a:noFill/>
-          <a:ln w="0">
-            <a:noFill/>
-          </a:ln>
-        </p:spPr>
-        <p:style>
-          <a:lnRef idx="0"/>
-          <a:fillRef idx="0"/>
-          <a:effectRef idx="0"/>
-          <a:fontRef idx="minor"/>
-        </p:style>
-        <p:txBody>
-          <a:bodyPr lIns="90000" rIns="90000" tIns="45000" bIns="45000" anchor="t">
-            <a:normAutofit/>
-          </a:bodyPr>
-          <a:p>
-            <a:pPr>
-              <a:lnSpc>
-                <a:spcPct val="115000"/>
-              </a:lnSpc>
-              <a:tabLst>
-                <a:tab algn="l" pos="0"/>
-              </a:tabLst>
-            </a:pPr>
-            <a:r>
-              <a:rPr b="1" lang="ru-RU" sz="1800" spc="-1" strike="noStrike">
-                <a:solidFill>
-                  <a:srgbClr val="262626"/>
-                </a:solidFill>
-                <a:latin typeface="Arial"/>
-                <a:ea typeface="Open Sans"/>
-              </a:rPr>
-              <a:t>AdaBoost</a:t>
-            </a:r>
-            <a:endParaRPr b="0" lang="en-US" sz="1800" spc="-1" strike="noStrike">
-              <a:solidFill>
-                <a:srgbClr val="000000"/>
-              </a:solidFill>
-              <a:latin typeface="Arial"/>
-            </a:endParaRPr>
-          </a:p>
-        </p:txBody>
-      </p:sp>
-      <p:sp>
-        <p:nvSpPr>
-          <p:cNvPr id="137" name="PlaceHolder 30"/>
-          <p:cNvSpPr/>
-          <p:nvPr/>
-        </p:nvSpPr>
-        <p:spPr>
-          <a:xfrm>
-            <a:off x="6400800" y="2694600"/>
-            <a:ext cx="5486040" cy="505440"/>
-          </a:xfrm>
-          <a:prstGeom prst="rect">
-            <a:avLst/>
-          </a:prstGeom>
-          <a:noFill/>
-          <a:ln w="0">
-            <a:noFill/>
-          </a:ln>
-        </p:spPr>
-        <p:style>
-          <a:lnRef idx="0"/>
-          <a:fillRef idx="0"/>
-          <a:effectRef idx="0"/>
-          <a:fontRef idx="minor"/>
-        </p:style>
-        <p:txBody>
-          <a:bodyPr lIns="90000" rIns="90000" tIns="45000" bIns="45000" anchor="t">
-            <a:normAutofit/>
-          </a:bodyPr>
-          <a:p>
-            <a:pPr>
-              <a:lnSpc>
-                <a:spcPct val="115000"/>
-              </a:lnSpc>
-              <a:spcBef>
-                <a:spcPts val="1191"/>
-              </a:spcBef>
-              <a:spcAft>
-                <a:spcPts val="992"/>
-              </a:spcAft>
-              <a:tabLst>
-                <a:tab algn="l" pos="0"/>
-              </a:tabLst>
-            </a:pPr>
-            <a:r>
-              <a:rPr b="1" lang="ru-RU" sz="1800" spc="-1" strike="noStrike">
-                <a:solidFill>
-                  <a:srgbClr val="262626"/>
-                </a:solidFill>
-                <a:latin typeface="Arial"/>
-                <a:ea typeface="Open Sans"/>
-              </a:rPr>
-              <a:t>XGBoost</a:t>
-            </a:r>
-            <a:endParaRPr b="0" lang="en-US" sz="1800" spc="-1" strike="noStrike">
-              <a:solidFill>
-                <a:srgbClr val="000000"/>
-              </a:solidFill>
-              <a:latin typeface="Arial"/>
-            </a:endParaRPr>
-          </a:p>
-        </p:txBody>
-      </p:sp>
-      <p:sp>
-        <p:nvSpPr>
-          <p:cNvPr id="138" name="PlaceHolder 31"/>
-          <p:cNvSpPr/>
-          <p:nvPr/>
-        </p:nvSpPr>
-        <p:spPr>
-          <a:xfrm>
-            <a:off x="388440" y="4572000"/>
-            <a:ext cx="11498400" cy="1599840"/>
-          </a:xfrm>
-          <a:prstGeom prst="rect">
-            <a:avLst/>
-          </a:prstGeom>
-          <a:noFill/>
-          <a:ln w="0">
-            <a:noFill/>
-          </a:ln>
-        </p:spPr>
-        <p:style>
-          <a:lnRef idx="0"/>
-          <a:fillRef idx="0"/>
-          <a:effectRef idx="0"/>
-          <a:fontRef idx="minor"/>
-        </p:style>
-        <p:txBody>
-          <a:bodyPr lIns="90000" rIns="90000" tIns="45000" bIns="45000" anchor="t">
-            <a:normAutofit/>
-          </a:bodyPr>
-          <a:p>
-            <a:pPr>
-              <a:lnSpc>
-                <a:spcPct val="115000"/>
-              </a:lnSpc>
-              <a:tabLst>
-                <a:tab algn="l" pos="0"/>
-              </a:tabLst>
-            </a:pPr>
-            <a:r>
-              <a:rPr b="1" lang="ru-RU" sz="1800" spc="-1" strike="noStrike">
-                <a:solidFill>
-                  <a:srgbClr val="262626"/>
-                </a:solidFill>
-                <a:latin typeface="Arial"/>
-                <a:ea typeface="Open Sans"/>
-              </a:rPr>
-              <a:t>Выводы</a:t>
-            </a:r>
-            <a:endParaRPr b="0" lang="en-US" sz="1800" spc="-1" strike="noStrike">
-              <a:solidFill>
-                <a:srgbClr val="000000"/>
-              </a:solidFill>
-              <a:latin typeface="Arial"/>
-            </a:endParaRPr>
-          </a:p>
-          <a:p>
-            <a:pPr marL="216000" indent="-216000">
-              <a:lnSpc>
-                <a:spcPct val="115000"/>
-              </a:lnSpc>
-              <a:buClr>
-                <a:srgbClr val="000000"/>
-              </a:buClr>
-              <a:buSzPct val="45000"/>
-              <a:buFont typeface="Wingdings" charset="2"/>
-              <a:buChar char=""/>
-              <a:tabLst>
-                <a:tab algn="l" pos="0"/>
-              </a:tabLst>
-            </a:pPr>
-            <a:r>
-              <a:rPr b="0" lang="ru-RU" sz="1800" spc="-1" strike="noStrike">
-                <a:solidFill>
-                  <a:srgbClr val="262626"/>
-                </a:solidFill>
-                <a:latin typeface="Arial"/>
-                <a:ea typeface="Open Sans"/>
-              </a:rPr>
-              <a:t>Ребалансировка датасета дает выраженный положительный эффект на предсказательную способность всех рассмотренных классификаторов</a:t>
-            </a:r>
-            <a:endParaRPr b="0" lang="en-US" sz="1800" spc="-1" strike="noStrike">
-              <a:solidFill>
-                <a:srgbClr val="000000"/>
-              </a:solidFill>
-              <a:latin typeface="Arial"/>
-            </a:endParaRPr>
-          </a:p>
-          <a:p>
-            <a:pPr marL="216000" indent="-216000">
-              <a:lnSpc>
-                <a:spcPct val="115000"/>
-              </a:lnSpc>
-              <a:buClr>
-                <a:srgbClr val="000000"/>
-              </a:buClr>
-              <a:buSzPct val="45000"/>
-              <a:buFont typeface="Wingdings" charset="2"/>
-              <a:buChar char=""/>
-              <a:tabLst>
-                <a:tab algn="l" pos="0"/>
-              </a:tabLst>
-            </a:pPr>
-            <a:r>
-              <a:rPr b="0" lang="ru-RU" sz="1800" spc="-1" strike="noStrike">
-                <a:solidFill>
-                  <a:srgbClr val="262626"/>
-                </a:solidFill>
-                <a:latin typeface="Arial"/>
-                <a:ea typeface="Open Sans"/>
-              </a:rPr>
-              <a:t>Наилучшие метрики показала модель LightGBM </a:t>
-            </a:r>
-            <a:endParaRPr b="0" lang="en-US" sz="1800" spc="-1" strike="noStrike">
-              <a:solidFill>
-                <a:srgbClr val="000000"/>
-              </a:solidFill>
-              <a:latin typeface="Arial"/>
-            </a:endParaRPr>
-          </a:p>
-          <a:p>
-            <a:pPr>
-              <a:lnSpc>
-                <a:spcPct val="115000"/>
-              </a:lnSpc>
-              <a:tabLst>
-                <a:tab algn="l" pos="0"/>
-              </a:tabLst>
-            </a:pPr>
-            <a:endParaRPr b="0" lang="en-US" sz="1800" spc="-1" strike="noStrike">
               <a:solidFill>
                 <a:srgbClr val="000000"/>
               </a:solidFill>
@@ -5437,7 +5348,7 @@
       </p:sp>
       <p:pic>
         <p:nvPicPr>
-          <p:cNvPr id="139" name="" descr=""/>
+          <p:cNvPr id="134" name="" descr=""/>
           <p:cNvPicPr/>
           <p:nvPr/>
         </p:nvPicPr>
@@ -5447,77 +5358,8 @@
         </p:blipFill>
         <p:spPr>
           <a:xfrm>
-            <a:off x="457200" y="1780200"/>
-            <a:ext cx="3971520" cy="951840"/>
-          </a:xfrm>
-          <a:prstGeom prst="rect">
-            <a:avLst/>
-          </a:prstGeom>
-          <a:ln w="0">
-            <a:noFill/>
-          </a:ln>
-        </p:spPr>
-      </p:pic>
-      <p:pic>
-        <p:nvPicPr>
-          <p:cNvPr id="140" name="" descr=""/>
-          <p:cNvPicPr/>
-          <p:nvPr/>
-        </p:nvPicPr>
-        <p:blipFill>
-          <a:blip r:embed="rId2"/>
-          <a:stretch/>
-        </p:blipFill>
-        <p:spPr>
-          <a:xfrm>
-            <a:off x="6388920" y="1761480"/>
-            <a:ext cx="4066920" cy="932760"/>
-          </a:xfrm>
-          <a:prstGeom prst="rect">
-            <a:avLst/>
-          </a:prstGeom>
-          <a:ln w="0">
-            <a:noFill/>
-          </a:ln>
-        </p:spPr>
-      </p:pic>
-      <p:pic>
-        <p:nvPicPr>
-          <p:cNvPr id="141" name="" descr=""/>
-          <p:cNvPicPr/>
-          <p:nvPr/>
-        </p:nvPicPr>
-        <p:blipFill>
-          <a:blip r:embed="rId3"/>
-          <a:stretch/>
-        </p:blipFill>
-        <p:spPr>
-          <a:xfrm>
-            <a:off x="447840" y="3200400"/>
-            <a:ext cx="3895200" cy="903960"/>
-          </a:xfrm>
-          <a:prstGeom prst="rect">
-            <a:avLst/>
-          </a:prstGeom>
-          <a:ln w="0">
-            <a:noFill/>
-          </a:ln>
-        </p:spPr>
-      </p:pic>
-      <p:pic>
-        <p:nvPicPr>
-          <p:cNvPr id="142" name="" descr=""/>
-          <p:cNvPicPr/>
-          <p:nvPr/>
-        </p:nvPicPr>
-        <p:blipFill>
-          <a:blip r:embed="rId4"/>
-          <a:stretch/>
-        </p:blipFill>
-        <p:spPr>
-          <a:xfrm>
-            <a:off x="6400800" y="3200400"/>
-            <a:ext cx="4038120" cy="875520"/>
+            <a:off x="6616800" y="5545800"/>
+            <a:ext cx="4047120" cy="903240"/>
           </a:xfrm>
           <a:prstGeom prst="rect">
             <a:avLst/>
@@ -5559,7 +5401,7 @@
       </p:grpSpPr>
       <p:sp>
         <p:nvSpPr>
-          <p:cNvPr id="143" name="PlaceHolder 1"/>
+          <p:cNvPr id="135" name="PlaceHolder 1"/>
           <p:cNvSpPr>
             <a:spLocks noGrp="1"/>
           </p:cNvSpPr>
@@ -5569,8 +5411,8 @@
         </p:nvSpPr>
         <p:spPr>
           <a:xfrm>
-            <a:off x="388440" y="1371600"/>
-            <a:ext cx="11724480" cy="5254920"/>
+            <a:off x="388440" y="1299600"/>
+            <a:ext cx="6239880" cy="504720"/>
           </a:xfrm>
           <a:prstGeom prst="rect">
             <a:avLst/>
@@ -5585,149 +5427,26 @@
             <a:normAutofit/>
           </a:bodyPr>
           <a:p>
-            <a:pPr marL="76320" indent="0" algn="just">
+            <a:pPr indent="0">
               <a:lnSpc>
-                <a:spcPct val="90000"/>
+                <a:spcPct val="115000"/>
               </a:lnSpc>
-              <a:spcBef>
-                <a:spcPts val="751"/>
-              </a:spcBef>
               <a:buNone/>
               <a:tabLst>
                 <a:tab algn="l" pos="0"/>
               </a:tabLst>
             </a:pPr>
-            <a:endParaRPr b="0" lang="en-US" sz="2200" spc="-1" strike="noStrike">
-              <a:solidFill>
-                <a:srgbClr val="000000"/>
-              </a:solidFill>
-              <a:latin typeface="Arial"/>
-            </a:endParaRPr>
-          </a:p>
-          <a:p>
-            <a:pPr marL="76320" indent="0" algn="just">
-              <a:lnSpc>
-                <a:spcPct val="90000"/>
-              </a:lnSpc>
-              <a:spcBef>
-                <a:spcPts val="751"/>
-              </a:spcBef>
-              <a:buNone/>
-              <a:tabLst>
-                <a:tab algn="l" pos="0"/>
-              </a:tabLst>
-            </a:pPr>
-            <a:r>
-              <a:rPr b="0" lang="ru-RU" sz="2200" spc="-1" strike="noStrike">
+            <a:r>
+              <a:rPr b="1" lang="ru-RU" sz="1800" spc="-1" strike="noStrike">
                 <a:solidFill>
                   <a:srgbClr val="262626"/>
                 </a:solidFill>
-                <a:latin typeface="ALS Sector Regular"/>
+                <a:latin typeface="Arial"/>
                 <a:ea typeface="Open Sans"/>
               </a:rPr>
-              <a:t> </a:t>
-            </a:r>
-            <a:endParaRPr b="0" lang="en-US" sz="2200" spc="-1" strike="noStrike">
-              <a:solidFill>
-                <a:srgbClr val="000000"/>
-              </a:solidFill>
-              <a:latin typeface="Arial"/>
-            </a:endParaRPr>
-          </a:p>
-          <a:p>
-            <a:pPr marL="76320" indent="0" algn="just">
-              <a:lnSpc>
-                <a:spcPct val="90000"/>
-              </a:lnSpc>
-              <a:spcBef>
-                <a:spcPts val="751"/>
-              </a:spcBef>
-              <a:buNone/>
-              <a:tabLst>
-                <a:tab algn="l" pos="0"/>
-              </a:tabLst>
-            </a:pPr>
-            <a:endParaRPr b="0" lang="en-US" sz="2200" spc="-1" strike="noStrike">
-              <a:solidFill>
-                <a:srgbClr val="000000"/>
-              </a:solidFill>
-              <a:latin typeface="Arial"/>
-            </a:endParaRPr>
-          </a:p>
-          <a:p>
-            <a:pPr marL="76320" indent="0" algn="just">
-              <a:lnSpc>
-                <a:spcPct val="90000"/>
-              </a:lnSpc>
-              <a:spcBef>
-                <a:spcPts val="751"/>
-              </a:spcBef>
-              <a:buNone/>
-              <a:tabLst>
-                <a:tab algn="l" pos="0"/>
-              </a:tabLst>
-            </a:pPr>
-            <a:endParaRPr b="0" lang="en-US" sz="2200" spc="-1" strike="noStrike">
-              <a:solidFill>
-                <a:srgbClr val="000000"/>
-              </a:solidFill>
-              <a:latin typeface="Arial"/>
-            </a:endParaRPr>
-          </a:p>
-          <a:p>
-            <a:pPr marL="76320" indent="0" algn="just">
-              <a:lnSpc>
-                <a:spcPct val="90000"/>
-              </a:lnSpc>
-              <a:spcBef>
-                <a:spcPts val="751"/>
-              </a:spcBef>
-              <a:buNone/>
-              <a:tabLst>
-                <a:tab algn="l" pos="0"/>
-              </a:tabLst>
-            </a:pPr>
-            <a:endParaRPr b="0" lang="en-US" sz="2200" spc="-1" strike="noStrike">
-              <a:solidFill>
-                <a:srgbClr val="000000"/>
-              </a:solidFill>
-              <a:latin typeface="Arial"/>
-            </a:endParaRPr>
-          </a:p>
-          <a:p>
-            <a:pPr marL="76320" indent="0" algn="just">
-              <a:lnSpc>
-                <a:spcPct val="90000"/>
-              </a:lnSpc>
-              <a:spcBef>
-                <a:spcPts val="751"/>
-              </a:spcBef>
-              <a:buNone/>
-              <a:tabLst>
-                <a:tab algn="l" pos="0"/>
-              </a:tabLst>
-            </a:pPr>
-            <a:endParaRPr b="0" lang="en-US" sz="2200" spc="-1" strike="noStrike">
-              <a:solidFill>
-                <a:srgbClr val="000000"/>
-              </a:solidFill>
-              <a:latin typeface="Arial"/>
-            </a:endParaRPr>
-          </a:p>
-          <a:p>
-            <a:pPr marL="76320" indent="0" algn="just">
-              <a:lnSpc>
-                <a:spcPct val="90000"/>
-              </a:lnSpc>
-              <a:spcBef>
-                <a:spcPts val="751"/>
-              </a:spcBef>
-              <a:buNone/>
-              <a:tabLst>
-                <a:tab algn="l" pos="0"/>
-              </a:tabLst>
-            </a:pPr>
-            <a:endParaRPr b="0" lang="en-US" sz="2200" spc="-1" strike="noStrike">
+              <a:t>Логистическая регрессия с l1-регуляризацией</a:t>
+            </a:r>
+            <a:endParaRPr b="0" lang="en-US" sz="1800" spc="-1" strike="noStrike">
               <a:solidFill>
                 <a:srgbClr val="000000"/>
               </a:solidFill>
@@ -5738,28 +5457,28 @@
       </p:sp>
       <p:grpSp>
         <p:nvGrpSpPr>
-          <p:cNvPr id="144" name="Группа 9"/>
+          <p:cNvPr id="136" name="Группа 16"/>
           <p:cNvGrpSpPr/>
           <p:nvPr/>
         </p:nvGrpSpPr>
         <p:grpSpPr>
           <a:xfrm>
-            <a:off x="3168000" y="283680"/>
-            <a:ext cx="5972760" cy="1037520"/>
-            <a:chOff x="3168000" y="283680"/>
-            <a:chExt cx="5972760" cy="1037520"/>
+            <a:off x="3168000" y="469440"/>
+            <a:ext cx="3831120" cy="666000"/>
+            <a:chOff x="3168000" y="469440"/>
+            <a:chExt cx="3831120" cy="666000"/>
           </a:xfrm>
         </p:grpSpPr>
         <p:sp>
           <p:nvSpPr>
-            <p:cNvPr id="145" name="Прямоугольник 23"/>
+            <p:cNvPr id="137" name="Прямоугольник 44"/>
             <p:cNvSpPr/>
             <p:nvPr/>
           </p:nvSpPr>
           <p:spPr>
             <a:xfrm>
-              <a:off x="3168000" y="283680"/>
-              <a:ext cx="5972760" cy="1033920"/>
+              <a:off x="3168000" y="469440"/>
+              <a:ext cx="3831120" cy="661680"/>
             </a:xfrm>
             <a:prstGeom prst="rect">
               <a:avLst/>
@@ -5806,7 +5525,7 @@
                   <a:latin typeface="ALS Sector Bold"/>
                   <a:ea typeface="Arial"/>
                 </a:rPr>
-                <a:t>Нейронная сеть Keras</a:t>
+                <a:t>Обучение моделей</a:t>
               </a:r>
               <a:endParaRPr b="0" lang="en-US" sz="2800" spc="-1" strike="noStrike">
                 <a:solidFill>
@@ -5819,22 +5538,22 @@
         </p:sp>
         <p:sp>
           <p:nvSpPr>
-            <p:cNvPr id="146" name="Прямоугольник 24"/>
+            <p:cNvPr id="138" name="Прямоугольник 45"/>
             <p:cNvSpPr/>
             <p:nvPr/>
           </p:nvSpPr>
           <p:spPr>
             <a:xfrm flipH="1" rot="10800000">
-              <a:off x="3167640" y="287280"/>
-              <a:ext cx="95400" cy="1033920"/>
+              <a:off x="3167640" y="473760"/>
+              <a:ext cx="59400" cy="661680"/>
             </a:xfrm>
             <a:custGeom>
               <a:avLst/>
               <a:gdLst>
-                <a:gd name="textAreaLeft" fmla="*/ 1800 w 95400"/>
-                <a:gd name="textAreaRight" fmla="*/ 100800 w 95400"/>
-                <a:gd name="textAreaTop" fmla="*/ 0 h 1033920"/>
-                <a:gd name="textAreaBottom" fmla="*/ 1037520 h 1033920"/>
+                <a:gd name="textAreaLeft" fmla="*/ 2160 w 59400"/>
+                <a:gd name="textAreaRight" fmla="*/ 65880 w 59400"/>
+                <a:gd name="textAreaTop" fmla="*/ 0 h 661680"/>
+                <a:gd name="textAreaBottom" fmla="*/ 666000 h 661680"/>
               </a:gdLst>
               <a:ahLst/>
               <a:rect l="textAreaLeft" t="textAreaTop" r="textAreaRight" b="textAreaBottom"/>
@@ -5897,22 +5616,22 @@
         </p:sp>
         <p:sp>
           <p:nvSpPr>
-            <p:cNvPr id="147" name="Прямоугольник 25"/>
+            <p:cNvPr id="139" name="Прямоугольник 46"/>
             <p:cNvSpPr/>
             <p:nvPr/>
           </p:nvSpPr>
           <p:spPr>
             <a:xfrm flipH="1">
-              <a:off x="9023760" y="283680"/>
-              <a:ext cx="112680" cy="1033920"/>
+              <a:off x="6924240" y="469440"/>
+              <a:ext cx="70560" cy="661680"/>
             </a:xfrm>
             <a:custGeom>
               <a:avLst/>
               <a:gdLst>
-                <a:gd name="textAreaLeft" fmla="*/ 1800 w 112680"/>
-                <a:gd name="textAreaRight" fmla="*/ 118080 w 112680"/>
-                <a:gd name="textAreaTop" fmla="*/ 0 h 1033920"/>
-                <a:gd name="textAreaBottom" fmla="*/ 1037520 h 1033920"/>
+                <a:gd name="textAreaLeft" fmla="*/ -2160 w 70560"/>
+                <a:gd name="textAreaRight" fmla="*/ 72720 w 70560"/>
+                <a:gd name="textAreaTop" fmla="*/ 0 h 661680"/>
+                <a:gd name="textAreaBottom" fmla="*/ 666000 h 661680"/>
               </a:gdLst>
               <a:ahLst/>
               <a:rect l="textAreaLeft" t="textAreaTop" r="textAreaRight" b="textAreaBottom"/>
@@ -5976,14 +5695,14 @@
       </p:grpSp>
       <p:sp>
         <p:nvSpPr>
-          <p:cNvPr id="148" name="PlaceHolder 5"/>
+          <p:cNvPr id="140" name="PlaceHolder 14"/>
           <p:cNvSpPr/>
           <p:nvPr/>
         </p:nvSpPr>
         <p:spPr>
           <a:xfrm>
             <a:off x="273600" y="6435000"/>
-            <a:ext cx="566640" cy="271800"/>
+            <a:ext cx="565920" cy="271080"/>
           </a:xfrm>
           <a:prstGeom prst="rect">
             <a:avLst/>
@@ -6012,7 +5731,7 @@
                 <a:tab algn="l" pos="0"/>
               </a:tabLst>
             </a:pPr>
-            <a:fld id="{45C019FB-94A3-41BA-988C-496D6D419B92}" type="slidenum">
+            <a:fld id="{74B7830D-F92C-472F-85D5-6956B1978E14}" type="slidenum">
               <a:rPr b="0" lang="ru-RU" sz="1400" spc="-1" strike="noStrike">
                 <a:solidFill>
                   <a:srgbClr val="898989"/>
@@ -6033,14 +5752,14 @@
       </p:sp>
       <p:sp>
         <p:nvSpPr>
-          <p:cNvPr id="149" name=""/>
-          <p:cNvSpPr txBox="1"/>
+          <p:cNvPr id="141" name="PlaceHolder 23"/>
+          <p:cNvSpPr/>
           <p:nvPr/>
         </p:nvSpPr>
         <p:spPr>
           <a:xfrm>
-            <a:off x="228600" y="1440720"/>
-            <a:ext cx="7086600" cy="2902680"/>
+            <a:off x="6244200" y="1276200"/>
+            <a:ext cx="5485320" cy="504720"/>
           </a:xfrm>
           <a:prstGeom prst="rect">
             <a:avLst/>
@@ -6050,30 +5769,213 @@
             <a:noFill/>
           </a:ln>
         </p:spPr>
+        <p:style>
+          <a:lnRef idx="0"/>
+          <a:fillRef idx="0"/>
+          <a:effectRef idx="0"/>
+          <a:fontRef idx="minor"/>
+        </p:style>
         <p:txBody>
           <a:bodyPr lIns="90000" rIns="90000" tIns="45000" bIns="45000" anchor="t">
-            <a:noAutofit/>
+            <a:normAutofit/>
           </a:bodyPr>
           <a:p>
-            <a:pPr marL="216000" indent="-216000">
-              <a:buClr>
-                <a:srgbClr val="000000"/>
-              </a:buClr>
-              <a:buSzPct val="45000"/>
-              <a:buFont typeface="Wingdings" charset="2"/>
-              <a:buChar char=""/>
+            <a:pPr>
+              <a:lnSpc>
+                <a:spcPct val="115000"/>
+              </a:lnSpc>
+              <a:tabLst>
+                <a:tab algn="l" pos="0"/>
+              </a:tabLst>
             </a:pPr>
             <a:r>
-              <a:rPr b="0" lang="ru-RU" sz="2200" spc="-1" strike="noStrike">
+              <a:rPr b="1" lang="ru-RU" sz="1800" spc="-1" strike="noStrike">
                 <a:solidFill>
                   <a:srgbClr val="262626"/>
                 </a:solidFill>
                 <a:latin typeface="Arial"/>
                 <a:ea typeface="Open Sans"/>
               </a:rPr>
-              <a:t>На вход подается стандартизованный и сбалансированный датасет</a:t>
-            </a:r>
-            <a:endParaRPr b="0" lang="en-US" sz="2200" spc="-1" strike="noStrike">
+              <a:t>Логистическая регрессия без регуляризации</a:t>
+            </a:r>
+            <a:endParaRPr b="0" lang="en-US" sz="1800" spc="-1" strike="noStrike">
+              <a:solidFill>
+                <a:srgbClr val="000000"/>
+              </a:solidFill>
+              <a:latin typeface="Arial"/>
+            </a:endParaRPr>
+          </a:p>
+        </p:txBody>
+      </p:sp>
+      <p:sp>
+        <p:nvSpPr>
+          <p:cNvPr id="142" name="PlaceHolder 29"/>
+          <p:cNvSpPr/>
+          <p:nvPr/>
+        </p:nvSpPr>
+        <p:spPr>
+          <a:xfrm>
+            <a:off x="457200" y="2694600"/>
+            <a:ext cx="5485320" cy="504720"/>
+          </a:xfrm>
+          <a:prstGeom prst="rect">
+            <a:avLst/>
+          </a:prstGeom>
+          <a:noFill/>
+          <a:ln w="0">
+            <a:noFill/>
+          </a:ln>
+        </p:spPr>
+        <p:style>
+          <a:lnRef idx="0"/>
+          <a:fillRef idx="0"/>
+          <a:effectRef idx="0"/>
+          <a:fontRef idx="minor"/>
+        </p:style>
+        <p:txBody>
+          <a:bodyPr lIns="90000" rIns="90000" tIns="45000" bIns="45000" anchor="t">
+            <a:normAutofit/>
+          </a:bodyPr>
+          <a:p>
+            <a:pPr>
+              <a:lnSpc>
+                <a:spcPct val="115000"/>
+              </a:lnSpc>
+              <a:tabLst>
+                <a:tab algn="l" pos="0"/>
+              </a:tabLst>
+            </a:pPr>
+            <a:r>
+              <a:rPr b="1" lang="ru-RU" sz="1800" spc="-1" strike="noStrike">
+                <a:solidFill>
+                  <a:srgbClr val="262626"/>
+                </a:solidFill>
+                <a:latin typeface="Arial"/>
+                <a:ea typeface="Open Sans"/>
+              </a:rPr>
+              <a:t>AdaBoost</a:t>
+            </a:r>
+            <a:endParaRPr b="0" lang="en-US" sz="1800" spc="-1" strike="noStrike">
+              <a:solidFill>
+                <a:srgbClr val="000000"/>
+              </a:solidFill>
+              <a:latin typeface="Arial"/>
+            </a:endParaRPr>
+          </a:p>
+        </p:txBody>
+      </p:sp>
+      <p:sp>
+        <p:nvSpPr>
+          <p:cNvPr id="143" name="PlaceHolder 30"/>
+          <p:cNvSpPr/>
+          <p:nvPr/>
+        </p:nvSpPr>
+        <p:spPr>
+          <a:xfrm>
+            <a:off x="6400800" y="2694600"/>
+            <a:ext cx="5485320" cy="504720"/>
+          </a:xfrm>
+          <a:prstGeom prst="rect">
+            <a:avLst/>
+          </a:prstGeom>
+          <a:noFill/>
+          <a:ln w="0">
+            <a:noFill/>
+          </a:ln>
+        </p:spPr>
+        <p:style>
+          <a:lnRef idx="0"/>
+          <a:fillRef idx="0"/>
+          <a:effectRef idx="0"/>
+          <a:fontRef idx="minor"/>
+        </p:style>
+        <p:txBody>
+          <a:bodyPr lIns="90000" rIns="90000" tIns="45000" bIns="45000" anchor="t">
+            <a:normAutofit/>
+          </a:bodyPr>
+          <a:p>
+            <a:pPr>
+              <a:lnSpc>
+                <a:spcPct val="115000"/>
+              </a:lnSpc>
+              <a:spcBef>
+                <a:spcPts val="1191"/>
+              </a:spcBef>
+              <a:spcAft>
+                <a:spcPts val="992"/>
+              </a:spcAft>
+              <a:tabLst>
+                <a:tab algn="l" pos="0"/>
+              </a:tabLst>
+            </a:pPr>
+            <a:r>
+              <a:rPr b="1" lang="ru-RU" sz="1800" spc="-1" strike="noStrike">
+                <a:solidFill>
+                  <a:srgbClr val="262626"/>
+                </a:solidFill>
+                <a:latin typeface="Arial"/>
+                <a:ea typeface="Open Sans"/>
+              </a:rPr>
+              <a:t>XGBoost</a:t>
+            </a:r>
+            <a:endParaRPr b="0" lang="en-US" sz="1800" spc="-1" strike="noStrike">
+              <a:solidFill>
+                <a:srgbClr val="000000"/>
+              </a:solidFill>
+              <a:latin typeface="Arial"/>
+            </a:endParaRPr>
+          </a:p>
+        </p:txBody>
+      </p:sp>
+      <p:sp>
+        <p:nvSpPr>
+          <p:cNvPr id="144" name="PlaceHolder 31"/>
+          <p:cNvSpPr/>
+          <p:nvPr/>
+        </p:nvSpPr>
+        <p:spPr>
+          <a:xfrm>
+            <a:off x="388440" y="4572000"/>
+            <a:ext cx="11497680" cy="1599120"/>
+          </a:xfrm>
+          <a:prstGeom prst="rect">
+            <a:avLst/>
+          </a:prstGeom>
+          <a:noFill/>
+          <a:ln w="0">
+            <a:noFill/>
+          </a:ln>
+        </p:spPr>
+        <p:style>
+          <a:lnRef idx="0"/>
+          <a:fillRef idx="0"/>
+          <a:effectRef idx="0"/>
+          <a:fontRef idx="minor"/>
+        </p:style>
+        <p:txBody>
+          <a:bodyPr lIns="90000" rIns="90000" tIns="45000" bIns="45000" anchor="t">
+            <a:normAutofit/>
+          </a:bodyPr>
+          <a:p>
+            <a:pPr>
+              <a:lnSpc>
+                <a:spcPct val="115000"/>
+              </a:lnSpc>
+              <a:tabLst>
+                <a:tab algn="l" pos="0"/>
+              </a:tabLst>
+            </a:pPr>
+            <a:r>
+              <a:rPr b="1" lang="ru-RU" sz="1800" spc="-1" strike="noStrike">
+                <a:solidFill>
+                  <a:srgbClr val="262626"/>
+                </a:solidFill>
+                <a:latin typeface="Arial"/>
+                <a:ea typeface="Open Sans"/>
+              </a:rPr>
+              <a:t>Выводы</a:t>
+            </a:r>
+            <a:endParaRPr b="0" lang="en-US" sz="1800" spc="-1" strike="noStrike">
               <a:solidFill>
                 <a:srgbClr val="000000"/>
               </a:solidFill>
@@ -6082,64 +5984,30 @@
           </a:p>
           <a:p>
             <a:pPr marL="216000" indent="-216000">
+              <a:lnSpc>
+                <a:spcPct val="115000"/>
+              </a:lnSpc>
               <a:buClr>
                 <a:srgbClr val="000000"/>
               </a:buClr>
               <a:buSzPct val="45000"/>
               <a:buFont typeface="Wingdings" charset="2"/>
               <a:buChar char=""/>
+              <a:tabLst>
+                <a:tab algn="l" pos="0"/>
+              </a:tabLst>
             </a:pPr>
             <a:r>
-              <a:rPr b="0" lang="ru-RU" sz="2200" spc="-1" strike="noStrike">
+              <a:rPr b="0" lang="ru-RU" sz="1800" spc="-1" strike="noStrike">
                 <a:solidFill>
                   <a:srgbClr val="262626"/>
                 </a:solidFill>
                 <a:latin typeface="Arial"/>
                 <a:ea typeface="Open Sans"/>
               </a:rPr>
-              <a:t>Слои </a:t>
-            </a:r>
-            <a:r>
-              <a:rPr b="1" lang="ru-RU" sz="2200" spc="-1" strike="noStrike">
-                <a:solidFill>
-                  <a:srgbClr val="262626"/>
-                </a:solidFill>
-                <a:latin typeface="Arial"/>
-                <a:ea typeface="Open Sans"/>
-              </a:rPr>
-              <a:t>BatchNorm</a:t>
-            </a:r>
-            <a:r>
-              <a:rPr b="0" lang="ru-RU" sz="2200" spc="-1" strike="noStrike">
-                <a:solidFill>
-                  <a:srgbClr val="262626"/>
-                </a:solidFill>
-                <a:latin typeface="Arial"/>
-                <a:ea typeface="Open Sans"/>
-              </a:rPr>
-              <a:t> и </a:t>
-            </a:r>
-            <a:r>
-              <a:rPr b="1" lang="ru-RU" sz="2200" spc="-1" strike="noStrike">
-                <a:solidFill>
-                  <a:srgbClr val="262626"/>
-                </a:solidFill>
-                <a:latin typeface="Arial"/>
-                <a:ea typeface="Open Sans"/>
-              </a:rPr>
-              <a:t>DropOut</a:t>
-            </a:r>
-            <a:r>
-              <a:rPr b="0" lang="ru-RU" sz="2200" spc="-1" strike="noStrike">
-                <a:solidFill>
-                  <a:srgbClr val="262626"/>
-                </a:solidFill>
-                <a:latin typeface="Arial"/>
-                <a:ea typeface="Open Sans"/>
-              </a:rPr>
-              <a:t> защищают от переобучения модели</a:t>
-            </a:r>
-            <a:endParaRPr b="0" lang="en-US" sz="2200" spc="-1" strike="noStrike">
+              <a:t>Ребалансировка датасета дает выраженный положительный эффект на предсказательную способность всех рассмотренных классификаторов</a:t>
+            </a:r>
+            <a:endParaRPr b="0" lang="en-US" sz="1800" spc="-1" strike="noStrike">
               <a:solidFill>
                 <a:srgbClr val="000000"/>
               </a:solidFill>
@@ -6148,44 +6016,46 @@
           </a:p>
           <a:p>
             <a:pPr marL="216000" indent="-216000">
+              <a:lnSpc>
+                <a:spcPct val="115000"/>
+              </a:lnSpc>
               <a:buClr>
                 <a:srgbClr val="000000"/>
               </a:buClr>
               <a:buSzPct val="45000"/>
               <a:buFont typeface="Wingdings" charset="2"/>
               <a:buChar char=""/>
+              <a:tabLst>
+                <a:tab algn="l" pos="0"/>
+              </a:tabLst>
             </a:pPr>
             <a:r>
-              <a:rPr b="0" lang="ru-RU" sz="2200" spc="-1" strike="noStrike">
+              <a:rPr b="0" lang="ru-RU" sz="1800" spc="-1" strike="noStrike">
                 <a:solidFill>
                   <a:srgbClr val="262626"/>
                 </a:solidFill>
                 <a:latin typeface="Arial"/>
                 <a:ea typeface="Open Sans"/>
               </a:rPr>
-              <a:t>Используем метод </a:t>
-            </a:r>
-            <a:r>
-              <a:rPr b="1" lang="ru-RU" sz="2200" spc="-1" strike="noStrike">
-                <a:solidFill>
-                  <a:srgbClr val="262626"/>
-                </a:solidFill>
-                <a:latin typeface="Arial"/>
-                <a:ea typeface="Open Sans"/>
-              </a:rPr>
-              <a:t>EarlyStopping</a:t>
-            </a:r>
-            <a:r>
-              <a:rPr b="0" lang="ru-RU" sz="2200" spc="-1" strike="noStrike">
-                <a:solidFill>
-                  <a:srgbClr val="262626"/>
-                </a:solidFill>
-                <a:latin typeface="Arial"/>
-                <a:ea typeface="Open Sans"/>
-              </a:rPr>
-              <a:t>, который мониторит метрику val_loss и если метрика перестает улучшаться в течении 10 эпох, автоматически прекращает обучение нейросети</a:t>
-            </a:r>
-            <a:endParaRPr b="0" lang="en-US" sz="2200" spc="-1" strike="noStrike">
+              <a:t>Наилучшие метрики показала модель LightGBM </a:t>
+            </a:r>
+            <a:endParaRPr b="0" lang="en-US" sz="1800" spc="-1" strike="noStrike">
+              <a:solidFill>
+                <a:srgbClr val="000000"/>
+              </a:solidFill>
+              <a:latin typeface="Arial"/>
+            </a:endParaRPr>
+          </a:p>
+          <a:p>
+            <a:pPr>
+              <a:lnSpc>
+                <a:spcPct val="115000"/>
+              </a:lnSpc>
+              <a:tabLst>
+                <a:tab algn="l" pos="0"/>
+              </a:tabLst>
+            </a:pPr>
+            <a:endParaRPr b="0" lang="en-US" sz="1800" spc="-1" strike="noStrike">
               <a:solidFill>
                 <a:srgbClr val="000000"/>
               </a:solidFill>
@@ -6196,7 +6066,7 @@
       </p:sp>
       <p:pic>
         <p:nvPicPr>
-          <p:cNvPr id="150" name="" descr=""/>
+          <p:cNvPr id="145" name="" descr=""/>
           <p:cNvPicPr/>
           <p:nvPr/>
         </p:nvPicPr>
@@ -6206,8 +6076,8 @@
         </p:blipFill>
         <p:spPr>
           <a:xfrm>
-            <a:off x="7363800" y="1330560"/>
-            <a:ext cx="4467240" cy="2904840"/>
+            <a:off x="457200" y="1780200"/>
+            <a:ext cx="3970800" cy="951120"/>
           </a:xfrm>
           <a:prstGeom prst="rect">
             <a:avLst/>
@@ -6219,7 +6089,7 @@
       </p:pic>
       <p:pic>
         <p:nvPicPr>
-          <p:cNvPr id="151" name="" descr=""/>
+          <p:cNvPr id="146" name="" descr=""/>
           <p:cNvPicPr/>
           <p:nvPr/>
         </p:nvPicPr>
@@ -6229,8 +6099,54 @@
         </p:blipFill>
         <p:spPr>
           <a:xfrm>
-            <a:off x="4185000" y="4114800"/>
-            <a:ext cx="4970880" cy="2496240"/>
+            <a:off x="6388920" y="1761480"/>
+            <a:ext cx="4066200" cy="932040"/>
+          </a:xfrm>
+          <a:prstGeom prst="rect">
+            <a:avLst/>
+          </a:prstGeom>
+          <a:ln w="0">
+            <a:noFill/>
+          </a:ln>
+        </p:spPr>
+      </p:pic>
+      <p:pic>
+        <p:nvPicPr>
+          <p:cNvPr id="147" name="" descr=""/>
+          <p:cNvPicPr/>
+          <p:nvPr/>
+        </p:nvPicPr>
+        <p:blipFill>
+          <a:blip r:embed="rId3"/>
+          <a:stretch/>
+        </p:blipFill>
+        <p:spPr>
+          <a:xfrm>
+            <a:off x="447840" y="3200400"/>
+            <a:ext cx="3894480" cy="903240"/>
+          </a:xfrm>
+          <a:prstGeom prst="rect">
+            <a:avLst/>
+          </a:prstGeom>
+          <a:ln w="0">
+            <a:noFill/>
+          </a:ln>
+        </p:spPr>
+      </p:pic>
+      <p:pic>
+        <p:nvPicPr>
+          <p:cNvPr id="148" name="" descr=""/>
+          <p:cNvPicPr/>
+          <p:nvPr/>
+        </p:nvPicPr>
+        <p:blipFill>
+          <a:blip r:embed="rId4"/>
+          <a:stretch/>
+        </p:blipFill>
+        <p:spPr>
+          <a:xfrm>
+            <a:off x="6400800" y="3200400"/>
+            <a:ext cx="4037400" cy="874800"/>
           </a:xfrm>
           <a:prstGeom prst="rect">
             <a:avLst/>
@@ -6272,14 +6188,771 @@
       </p:grpSpPr>
       <p:sp>
         <p:nvSpPr>
-          <p:cNvPr id="152" name="Текст 8"/>
+          <p:cNvPr id="149" name="PlaceHolder 1"/>
+          <p:cNvSpPr>
+            <a:spLocks noGrp="1"/>
+          </p:cNvSpPr>
+          <p:nvPr>
+            <p:ph/>
+          </p:nvPr>
+        </p:nvSpPr>
+        <p:spPr>
+          <a:xfrm>
+            <a:off x="388440" y="1371600"/>
+            <a:ext cx="11723760" cy="5254200"/>
+          </a:xfrm>
+          <a:prstGeom prst="rect">
+            <a:avLst/>
+          </a:prstGeom>
+          <a:noFill/>
+          <a:ln w="0">
+            <a:noFill/>
+          </a:ln>
+        </p:spPr>
+        <p:txBody>
+          <a:bodyPr lIns="91440" rIns="91440" tIns="45720" bIns="45720" anchor="t">
+            <a:normAutofit/>
+          </a:bodyPr>
+          <a:p>
+            <a:pPr marL="76320" indent="0" algn="just">
+              <a:lnSpc>
+                <a:spcPct val="90000"/>
+              </a:lnSpc>
+              <a:spcBef>
+                <a:spcPts val="751"/>
+              </a:spcBef>
+              <a:buNone/>
+              <a:tabLst>
+                <a:tab algn="l" pos="0"/>
+              </a:tabLst>
+            </a:pPr>
+            <a:endParaRPr b="0" lang="en-US" sz="2200" spc="-1" strike="noStrike">
+              <a:solidFill>
+                <a:srgbClr val="000000"/>
+              </a:solidFill>
+              <a:latin typeface="Arial"/>
+            </a:endParaRPr>
+          </a:p>
+          <a:p>
+            <a:pPr marL="76320" indent="0" algn="just">
+              <a:lnSpc>
+                <a:spcPct val="90000"/>
+              </a:lnSpc>
+              <a:spcBef>
+                <a:spcPts val="751"/>
+              </a:spcBef>
+              <a:buNone/>
+              <a:tabLst>
+                <a:tab algn="l" pos="0"/>
+              </a:tabLst>
+            </a:pPr>
+            <a:r>
+              <a:rPr b="0" lang="ru-RU" sz="2200" spc="-1" strike="noStrike">
+                <a:solidFill>
+                  <a:srgbClr val="262626"/>
+                </a:solidFill>
+                <a:latin typeface="ALS Sector Regular"/>
+                <a:ea typeface="Open Sans"/>
+              </a:rPr>
+              <a:t> </a:t>
+            </a:r>
+            <a:endParaRPr b="0" lang="en-US" sz="2200" spc="-1" strike="noStrike">
+              <a:solidFill>
+                <a:srgbClr val="000000"/>
+              </a:solidFill>
+              <a:latin typeface="Arial"/>
+            </a:endParaRPr>
+          </a:p>
+          <a:p>
+            <a:pPr marL="76320" indent="0" algn="just">
+              <a:lnSpc>
+                <a:spcPct val="90000"/>
+              </a:lnSpc>
+              <a:spcBef>
+                <a:spcPts val="751"/>
+              </a:spcBef>
+              <a:buNone/>
+              <a:tabLst>
+                <a:tab algn="l" pos="0"/>
+              </a:tabLst>
+            </a:pPr>
+            <a:endParaRPr b="0" lang="en-US" sz="2200" spc="-1" strike="noStrike">
+              <a:solidFill>
+                <a:srgbClr val="000000"/>
+              </a:solidFill>
+              <a:latin typeface="Arial"/>
+            </a:endParaRPr>
+          </a:p>
+          <a:p>
+            <a:pPr marL="76320" indent="0" algn="just">
+              <a:lnSpc>
+                <a:spcPct val="90000"/>
+              </a:lnSpc>
+              <a:spcBef>
+                <a:spcPts val="751"/>
+              </a:spcBef>
+              <a:buNone/>
+              <a:tabLst>
+                <a:tab algn="l" pos="0"/>
+              </a:tabLst>
+            </a:pPr>
+            <a:endParaRPr b="0" lang="en-US" sz="2200" spc="-1" strike="noStrike">
+              <a:solidFill>
+                <a:srgbClr val="000000"/>
+              </a:solidFill>
+              <a:latin typeface="Arial"/>
+            </a:endParaRPr>
+          </a:p>
+          <a:p>
+            <a:pPr marL="76320" indent="0" algn="just">
+              <a:lnSpc>
+                <a:spcPct val="90000"/>
+              </a:lnSpc>
+              <a:spcBef>
+                <a:spcPts val="751"/>
+              </a:spcBef>
+              <a:buNone/>
+              <a:tabLst>
+                <a:tab algn="l" pos="0"/>
+              </a:tabLst>
+            </a:pPr>
+            <a:endParaRPr b="0" lang="en-US" sz="2200" spc="-1" strike="noStrike">
+              <a:solidFill>
+                <a:srgbClr val="000000"/>
+              </a:solidFill>
+              <a:latin typeface="Arial"/>
+            </a:endParaRPr>
+          </a:p>
+          <a:p>
+            <a:pPr marL="76320" indent="0" algn="just">
+              <a:lnSpc>
+                <a:spcPct val="90000"/>
+              </a:lnSpc>
+              <a:spcBef>
+                <a:spcPts val="751"/>
+              </a:spcBef>
+              <a:buNone/>
+              <a:tabLst>
+                <a:tab algn="l" pos="0"/>
+              </a:tabLst>
+            </a:pPr>
+            <a:endParaRPr b="0" lang="en-US" sz="2200" spc="-1" strike="noStrike">
+              <a:solidFill>
+                <a:srgbClr val="000000"/>
+              </a:solidFill>
+              <a:latin typeface="Arial"/>
+            </a:endParaRPr>
+          </a:p>
+          <a:p>
+            <a:pPr marL="76320" indent="0" algn="just">
+              <a:lnSpc>
+                <a:spcPct val="90000"/>
+              </a:lnSpc>
+              <a:spcBef>
+                <a:spcPts val="751"/>
+              </a:spcBef>
+              <a:buNone/>
+              <a:tabLst>
+                <a:tab algn="l" pos="0"/>
+              </a:tabLst>
+            </a:pPr>
+            <a:endParaRPr b="0" lang="en-US" sz="2200" spc="-1" strike="noStrike">
+              <a:solidFill>
+                <a:srgbClr val="000000"/>
+              </a:solidFill>
+              <a:latin typeface="Arial"/>
+            </a:endParaRPr>
+          </a:p>
+        </p:txBody>
+      </p:sp>
+      <p:grpSp>
+        <p:nvGrpSpPr>
+          <p:cNvPr id="150" name="Группа 9"/>
+          <p:cNvGrpSpPr/>
+          <p:nvPr/>
+        </p:nvGrpSpPr>
+        <p:grpSpPr>
+          <a:xfrm>
+            <a:off x="3168000" y="283680"/>
+            <a:ext cx="5972040" cy="1037520"/>
+            <a:chOff x="3168000" y="283680"/>
+            <a:chExt cx="5972040" cy="1037520"/>
+          </a:xfrm>
+        </p:grpSpPr>
+        <p:sp>
+          <p:nvSpPr>
+            <p:cNvPr id="151" name="Прямоугольник 23"/>
+            <p:cNvSpPr/>
+            <p:nvPr/>
+          </p:nvSpPr>
+          <p:spPr>
+            <a:xfrm>
+              <a:off x="3168000" y="283680"/>
+              <a:ext cx="5972040" cy="1033200"/>
+            </a:xfrm>
+            <a:prstGeom prst="rect">
+              <a:avLst/>
+            </a:prstGeom>
+            <a:solidFill>
+              <a:schemeClr val="bg1"/>
+            </a:solidFill>
+            <a:ln>
+              <a:solidFill>
+                <a:srgbClr val="ffffff"/>
+              </a:solidFill>
+              <a:round/>
+            </a:ln>
+          </p:spPr>
+          <p:style>
+            <a:lnRef idx="2">
+              <a:schemeClr val="accent1">
+                <a:shade val="50000"/>
+              </a:schemeClr>
+            </a:lnRef>
+            <a:fillRef idx="1">
+              <a:schemeClr val="accent1"/>
+            </a:fillRef>
+            <a:effectRef idx="0">
+              <a:schemeClr val="accent1"/>
+            </a:effectRef>
+            <a:fontRef idx="minor"/>
+          </p:style>
+          <p:txBody>
+            <a:bodyPr lIns="90000" rIns="90000" tIns="45000" bIns="45000" anchor="ctr">
+              <a:noAutofit/>
+            </a:bodyPr>
+            <a:p>
+              <a:pPr algn="ctr">
+                <a:lnSpc>
+                  <a:spcPct val="100000"/>
+                </a:lnSpc>
+              </a:pPr>
+              <a:r>
+                <a:rPr b="0" lang="ru-RU" sz="2800" spc="180" strike="noStrike">
+                  <a:solidFill>
+                    <a:srgbClr val="065cab"/>
+                  </a:solidFill>
+                  <a:latin typeface="ALS Sector Bold"/>
+                  <a:ea typeface="Arial"/>
+                </a:rPr>
+                <a:t>Полносвязная NN</a:t>
+              </a:r>
+              <a:endParaRPr b="0" lang="en-US" sz="2800" spc="-1" strike="noStrike">
+                <a:solidFill>
+                  <a:srgbClr val="000000"/>
+                </a:solidFill>
+                <a:latin typeface="Arial"/>
+              </a:endParaRPr>
+            </a:p>
+          </p:txBody>
+        </p:sp>
+        <p:sp>
+          <p:nvSpPr>
+            <p:cNvPr id="152" name="Прямоугольник 24"/>
+            <p:cNvSpPr/>
+            <p:nvPr/>
+          </p:nvSpPr>
+          <p:spPr>
+            <a:xfrm flipH="1" rot="10800000">
+              <a:off x="3167640" y="288000"/>
+              <a:ext cx="94680" cy="1033200"/>
+            </a:xfrm>
+            <a:custGeom>
+              <a:avLst/>
+              <a:gdLst>
+                <a:gd name="textAreaLeft" fmla="*/ 2160 w 94680"/>
+                <a:gd name="textAreaRight" fmla="*/ 101160 w 94680"/>
+                <a:gd name="textAreaTop" fmla="*/ 0 h 1033200"/>
+                <a:gd name="textAreaBottom" fmla="*/ 1037520 h 1033200"/>
+              </a:gdLst>
+              <a:ahLst/>
+              <a:rect l="textAreaLeft" t="textAreaTop" r="textAreaRight" b="textAreaBottom"/>
+              <a:pathLst>
+                <a:path w="424732" h="424732">
+                  <a:moveTo>
+                    <a:pt x="424732" y="424732"/>
+                  </a:moveTo>
+                  <a:lnTo>
+                    <a:pt x="0" y="424732"/>
+                  </a:lnTo>
+                  <a:lnTo>
+                    <a:pt x="0" y="0"/>
+                  </a:lnTo>
+                  <a:lnTo>
+                    <a:pt x="424732" y="0"/>
+                  </a:lnTo>
+                </a:path>
+              </a:pathLst>
+            </a:custGeom>
+            <a:noFill/>
+            <a:ln w="16510">
+              <a:solidFill>
+                <a:srgbClr val="065cab"/>
+              </a:solidFill>
+              <a:round/>
+            </a:ln>
+          </p:spPr>
+          <p:style>
+            <a:lnRef idx="1">
+              <a:schemeClr val="accent1"/>
+            </a:lnRef>
+            <a:fillRef idx="0">
+              <a:schemeClr val="accent1"/>
+            </a:fillRef>
+            <a:effectRef idx="0">
+              <a:schemeClr val="accent1"/>
+            </a:effectRef>
+            <a:fontRef idx="minor"/>
+          </p:style>
+          <p:txBody>
+            <a:bodyPr lIns="90000" rIns="90000" tIns="45000" bIns="45000" anchor="ctr">
+              <a:noAutofit/>
+            </a:bodyPr>
+            <a:p>
+              <a:pPr>
+                <a:lnSpc>
+                  <a:spcPct val="100000"/>
+                </a:lnSpc>
+              </a:pPr>
+              <a:endParaRPr b="0" lang="ru-RU" sz="1400" spc="-1" strike="noStrike">
+                <a:solidFill>
+                  <a:schemeClr val="dk1"/>
+                </a:solidFill>
+                <a:latin typeface="ALS Sector Regular"/>
+                <a:ea typeface="Arial"/>
+              </a:endParaRPr>
+            </a:p>
+          </p:txBody>
+        </p:sp>
+        <p:sp>
+          <p:nvSpPr>
+            <p:cNvPr id="153" name="Прямоугольник 25"/>
+            <p:cNvSpPr/>
+            <p:nvPr/>
+          </p:nvSpPr>
+          <p:spPr>
+            <a:xfrm flipH="1">
+              <a:off x="9023040" y="283680"/>
+              <a:ext cx="111960" cy="1033200"/>
+            </a:xfrm>
+            <a:custGeom>
+              <a:avLst/>
+              <a:gdLst>
+                <a:gd name="textAreaLeft" fmla="*/ 2160 w 111960"/>
+                <a:gd name="textAreaRight" fmla="*/ 118440 w 111960"/>
+                <a:gd name="textAreaTop" fmla="*/ 0 h 1033200"/>
+                <a:gd name="textAreaBottom" fmla="*/ 1037520 h 1033200"/>
+              </a:gdLst>
+              <a:ahLst/>
+              <a:rect l="textAreaLeft" t="textAreaTop" r="textAreaRight" b="textAreaBottom"/>
+              <a:pathLst>
+                <a:path w="424732" h="424732">
+                  <a:moveTo>
+                    <a:pt x="424732" y="424732"/>
+                  </a:moveTo>
+                  <a:lnTo>
+                    <a:pt x="0" y="424732"/>
+                  </a:lnTo>
+                  <a:lnTo>
+                    <a:pt x="0" y="0"/>
+                  </a:lnTo>
+                  <a:lnTo>
+                    <a:pt x="424732" y="0"/>
+                  </a:lnTo>
+                </a:path>
+              </a:pathLst>
+            </a:custGeom>
+            <a:noFill/>
+            <a:ln w="16510">
+              <a:solidFill>
+                <a:srgbClr val="0046a2"/>
+              </a:solidFill>
+              <a:round/>
+            </a:ln>
+          </p:spPr>
+          <p:style>
+            <a:lnRef idx="1">
+              <a:schemeClr val="accent1"/>
+            </a:lnRef>
+            <a:fillRef idx="0">
+              <a:schemeClr val="accent1"/>
+            </a:fillRef>
+            <a:effectRef idx="0">
+              <a:schemeClr val="accent1"/>
+            </a:effectRef>
+            <a:fontRef idx="minor"/>
+          </p:style>
+          <p:txBody>
+            <a:bodyPr lIns="90000" rIns="90000" tIns="45000" bIns="45000" anchor="ctr">
+              <a:noAutofit/>
+            </a:bodyPr>
+            <a:p>
+              <a:pPr>
+                <a:lnSpc>
+                  <a:spcPct val="100000"/>
+                </a:lnSpc>
+              </a:pPr>
+              <a:endParaRPr b="0" lang="ru-RU" sz="1400" spc="-1" strike="noStrike">
+                <a:solidFill>
+                  <a:srgbClr val="065cab"/>
+                </a:solidFill>
+                <a:latin typeface="ALS Sector Regular"/>
+                <a:ea typeface="Arial"/>
+              </a:endParaRPr>
+            </a:p>
+          </p:txBody>
+        </p:sp>
+      </p:grpSp>
+      <p:sp>
+        <p:nvSpPr>
+          <p:cNvPr id="154" name="PlaceHolder 5"/>
+          <p:cNvSpPr/>
+          <p:nvPr/>
+        </p:nvSpPr>
+        <p:spPr>
+          <a:xfrm>
+            <a:off x="273600" y="6435000"/>
+            <a:ext cx="565920" cy="271080"/>
+          </a:xfrm>
+          <a:prstGeom prst="rect">
+            <a:avLst/>
+          </a:prstGeom>
+          <a:noFill/>
+          <a:ln w="0">
+            <a:noFill/>
+          </a:ln>
+        </p:spPr>
+        <p:style>
+          <a:lnRef idx="0"/>
+          <a:fillRef idx="0"/>
+          <a:effectRef idx="0"/>
+          <a:fontRef idx="minor"/>
+        </p:style>
+        <p:txBody>
+          <a:bodyPr lIns="90000" rIns="90000" tIns="45000" bIns="45000" anchor="ctr">
+            <a:noAutofit/>
+          </a:bodyPr>
+          <a:p>
+            <a:pPr>
+              <a:lnSpc>
+                <a:spcPct val="100000"/>
+              </a:lnSpc>
+              <a:tabLst>
+                <a:tab algn="l" pos="0"/>
+              </a:tabLst>
+            </a:pPr>
+            <a:fld id="{664CE0FC-0B04-4316-AFF1-498808A9DE17}" type="slidenum">
+              <a:rPr b="0" lang="ru-RU" sz="1400" spc="-1" strike="noStrike">
+                <a:solidFill>
+                  <a:srgbClr val="898989"/>
+                </a:solidFill>
+                <a:latin typeface="Times New Roman"/>
+                <a:ea typeface="Open Sans"/>
+              </a:rPr>
+              <a:t>15</a:t>
+            </a:fld>
+            <a:endParaRPr b="0" lang="en-US" sz="1400" spc="-1" strike="noStrike">
+              <a:solidFill>
+                <a:srgbClr val="000000"/>
+              </a:solidFill>
+              <a:latin typeface="Arial"/>
+            </a:endParaRPr>
+          </a:p>
+        </p:txBody>
+      </p:sp>
+      <p:sp>
+        <p:nvSpPr>
+          <p:cNvPr id="155" name=""/>
+          <p:cNvSpPr/>
+          <p:nvPr/>
+        </p:nvSpPr>
+        <p:spPr>
+          <a:xfrm>
+            <a:off x="228600" y="1440720"/>
+            <a:ext cx="7085880" cy="2901960"/>
+          </a:xfrm>
+          <a:prstGeom prst="rect">
+            <a:avLst/>
+          </a:prstGeom>
+          <a:noFill/>
+          <a:ln w="0">
+            <a:noFill/>
+          </a:ln>
+        </p:spPr>
+        <p:style>
+          <a:lnRef idx="0"/>
+          <a:fillRef idx="0"/>
+          <a:effectRef idx="0"/>
+          <a:fontRef idx="minor"/>
+        </p:style>
+        <p:txBody>
+          <a:bodyPr lIns="90000" rIns="90000" tIns="45000" bIns="45000" anchor="t">
+            <a:noAutofit/>
+          </a:bodyPr>
+          <a:p>
+            <a:pPr marL="216000" indent="-216000">
+              <a:lnSpc>
+                <a:spcPct val="100000"/>
+              </a:lnSpc>
+              <a:buClr>
+                <a:srgbClr val="000000"/>
+              </a:buClr>
+              <a:buSzPct val="45000"/>
+              <a:buFont typeface="Wingdings" charset="2"/>
+              <a:buChar char=""/>
+            </a:pPr>
+            <a:r>
+              <a:rPr b="0" lang="ru-RU" sz="1800" spc="-1" strike="noStrike">
+                <a:solidFill>
+                  <a:srgbClr val="262626"/>
+                </a:solidFill>
+                <a:latin typeface="Arial"/>
+                <a:ea typeface="Open Sans"/>
+              </a:rPr>
+              <a:t>Использован фреймворк Tensorflow + Keras</a:t>
+            </a:r>
+            <a:endParaRPr b="0" lang="en-US" sz="1800" spc="-1" strike="noStrike">
+              <a:solidFill>
+                <a:srgbClr val="000000"/>
+              </a:solidFill>
+              <a:latin typeface="Arial"/>
+            </a:endParaRPr>
+          </a:p>
+          <a:p>
+            <a:pPr marL="216000" indent="-216000">
+              <a:lnSpc>
+                <a:spcPct val="100000"/>
+              </a:lnSpc>
+              <a:buClr>
+                <a:srgbClr val="000000"/>
+              </a:buClr>
+              <a:buSzPct val="45000"/>
+              <a:buFont typeface="Wingdings" charset="2"/>
+              <a:buChar char=""/>
+            </a:pPr>
+            <a:r>
+              <a:rPr b="0" lang="ru-RU" sz="1800" spc="-1" strike="noStrike">
+                <a:solidFill>
+                  <a:srgbClr val="262626"/>
+                </a:solidFill>
+                <a:latin typeface="Arial"/>
+                <a:ea typeface="Open Sans"/>
+              </a:rPr>
+              <a:t>На вход подается стандартизованный и сбалансированный датасет</a:t>
+            </a:r>
+            <a:endParaRPr b="0" lang="en-US" sz="1800" spc="-1" strike="noStrike">
+              <a:solidFill>
+                <a:srgbClr val="000000"/>
+              </a:solidFill>
+              <a:latin typeface="Arial"/>
+            </a:endParaRPr>
+          </a:p>
+          <a:p>
+            <a:pPr marL="216000" indent="-216000">
+              <a:lnSpc>
+                <a:spcPct val="100000"/>
+              </a:lnSpc>
+              <a:buClr>
+                <a:srgbClr val="000000"/>
+              </a:buClr>
+              <a:buSzPct val="45000"/>
+              <a:buFont typeface="Wingdings" charset="2"/>
+              <a:buChar char=""/>
+            </a:pPr>
+            <a:r>
+              <a:rPr b="0" lang="ru-RU" sz="1800" spc="-1" strike="noStrike">
+                <a:solidFill>
+                  <a:srgbClr val="262626"/>
+                </a:solidFill>
+                <a:latin typeface="Arial"/>
+                <a:ea typeface="Open Sans"/>
+              </a:rPr>
+              <a:t>Слои </a:t>
+            </a:r>
+            <a:r>
+              <a:rPr b="1" lang="ru-RU" sz="1800" spc="-1" strike="noStrike">
+                <a:solidFill>
+                  <a:srgbClr val="262626"/>
+                </a:solidFill>
+                <a:latin typeface="Arial"/>
+                <a:ea typeface="Open Sans"/>
+              </a:rPr>
+              <a:t>BatchNorm</a:t>
+            </a:r>
+            <a:r>
+              <a:rPr b="0" lang="ru-RU" sz="1800" spc="-1" strike="noStrike">
+                <a:solidFill>
+                  <a:srgbClr val="262626"/>
+                </a:solidFill>
+                <a:latin typeface="Arial"/>
+                <a:ea typeface="Open Sans"/>
+              </a:rPr>
+              <a:t> и </a:t>
+            </a:r>
+            <a:r>
+              <a:rPr b="1" lang="ru-RU" sz="1800" spc="-1" strike="noStrike">
+                <a:solidFill>
+                  <a:srgbClr val="262626"/>
+                </a:solidFill>
+                <a:latin typeface="Arial"/>
+                <a:ea typeface="Open Sans"/>
+              </a:rPr>
+              <a:t>DropOut</a:t>
+            </a:r>
+            <a:r>
+              <a:rPr b="0" lang="ru-RU" sz="1800" spc="-1" strike="noStrike">
+                <a:solidFill>
+                  <a:srgbClr val="262626"/>
+                </a:solidFill>
+                <a:latin typeface="Arial"/>
+                <a:ea typeface="Open Sans"/>
+              </a:rPr>
+              <a:t> защищают от переобучения модели</a:t>
+            </a:r>
+            <a:endParaRPr b="0" lang="en-US" sz="1800" spc="-1" strike="noStrike">
+              <a:solidFill>
+                <a:srgbClr val="000000"/>
+              </a:solidFill>
+              <a:latin typeface="Arial"/>
+            </a:endParaRPr>
+          </a:p>
+          <a:p>
+            <a:pPr marL="216000" indent="-216000">
+              <a:lnSpc>
+                <a:spcPct val="100000"/>
+              </a:lnSpc>
+              <a:buClr>
+                <a:srgbClr val="000000"/>
+              </a:buClr>
+              <a:buSzPct val="45000"/>
+              <a:buFont typeface="Wingdings" charset="2"/>
+              <a:buChar char=""/>
+            </a:pPr>
+            <a:r>
+              <a:rPr b="0" lang="ru-RU" sz="1800" spc="-1" strike="noStrike">
+                <a:solidFill>
+                  <a:srgbClr val="262626"/>
+                </a:solidFill>
+                <a:latin typeface="Arial"/>
+                <a:ea typeface="Open Sans"/>
+              </a:rPr>
+              <a:t>Используем метод </a:t>
+            </a:r>
+            <a:r>
+              <a:rPr b="1" lang="ru-RU" sz="1800" spc="-1" strike="noStrike">
+                <a:solidFill>
+                  <a:srgbClr val="262626"/>
+                </a:solidFill>
+                <a:latin typeface="Arial"/>
+                <a:ea typeface="Open Sans"/>
+              </a:rPr>
+              <a:t>EarlyStopping</a:t>
+            </a:r>
+            <a:r>
+              <a:rPr b="0" lang="ru-RU" sz="1800" spc="-1" strike="noStrike">
+                <a:solidFill>
+                  <a:srgbClr val="262626"/>
+                </a:solidFill>
+                <a:latin typeface="Arial"/>
+                <a:ea typeface="Open Sans"/>
+              </a:rPr>
+              <a:t>, который мониторит метрику val_loss и если метрика перестает улучшаться в течении 10 эпох, автоматически прекращает обучение нейросети</a:t>
+            </a:r>
+            <a:endParaRPr b="0" lang="en-US" sz="1800" spc="-1" strike="noStrike">
+              <a:solidFill>
+                <a:srgbClr val="000000"/>
+              </a:solidFill>
+              <a:latin typeface="Arial"/>
+            </a:endParaRPr>
+          </a:p>
+        </p:txBody>
+      </p:sp>
+      <p:pic>
+        <p:nvPicPr>
+          <p:cNvPr id="156" name="" descr=""/>
+          <p:cNvPicPr/>
+          <p:nvPr/>
+        </p:nvPicPr>
+        <p:blipFill>
+          <a:blip r:embed="rId1"/>
+          <a:stretch/>
+        </p:blipFill>
+        <p:spPr>
+          <a:xfrm>
+            <a:off x="7363800" y="1330560"/>
+            <a:ext cx="4466520" cy="2904120"/>
+          </a:xfrm>
+          <a:prstGeom prst="rect">
+            <a:avLst/>
+          </a:prstGeom>
+          <a:ln w="0">
+            <a:noFill/>
+          </a:ln>
+        </p:spPr>
+      </p:pic>
+      <p:pic>
+        <p:nvPicPr>
+          <p:cNvPr id="157" name="" descr=""/>
+          <p:cNvPicPr/>
+          <p:nvPr/>
+        </p:nvPicPr>
+        <p:blipFill>
+          <a:blip r:embed="rId2"/>
+          <a:stretch/>
+        </p:blipFill>
+        <p:spPr>
+          <a:xfrm>
+            <a:off x="4185000" y="4114800"/>
+            <a:ext cx="4970160" cy="2495520"/>
+          </a:xfrm>
+          <a:prstGeom prst="rect">
+            <a:avLst/>
+          </a:prstGeom>
+          <a:ln w="0">
+            <a:noFill/>
+          </a:ln>
+        </p:spPr>
+      </p:pic>
+    </p:spTree>
+  </p:cSld>
+  <mc:AlternateContent>
+    <mc:Choice Requires="p14">
+      <p:transition p14:dur="10"/>
+    </mc:Choice>
+    <mc:Fallback>
+      <p:transition/>
+    </mc:Fallback>
+  </mc:AlternateContent>
+</p:sld>
+</file>
+
+<file path=ppt/slides/slide16.xml><?xml version="1.0" encoding="utf-8"?>
+<p:sld xmlns:a="http://schemas.openxmlformats.org/drawingml/2006/main" xmlns:p="http://schemas.openxmlformats.org/presentationml/2006/main" xmlns:r="http://schemas.openxmlformats.org/officeDocument/2006/relationships" xmlns:p14="http://schemas.microsoft.com/office/powerpoint/2010/main" xmlns:p15="http://schemas.microsoft.com/office/powerpoint/2012/main" xmlns:mc="http://schemas.openxmlformats.org/markup-compatibility/2006">
+  <p:cSld>
+    <p:spTree>
+      <p:nvGrpSpPr>
+        <p:cNvPr id="1" name=""/>
+        <p:cNvGrpSpPr/>
+        <p:nvPr/>
+      </p:nvGrpSpPr>
+      <p:grpSpPr>
+        <a:xfrm>
+          <a:off x="0" y="0"/>
+          <a:ext cx="0" cy="0"/>
+          <a:chOff x="0" y="0"/>
+          <a:chExt cx="0" cy="0"/>
+        </a:xfrm>
+      </p:grpSpPr>
+      <p:sp>
+        <p:nvSpPr>
+          <p:cNvPr id="158" name="Текст 8"/>
           <p:cNvSpPr/>
           <p:nvPr/>
         </p:nvSpPr>
         <p:spPr>
           <a:xfrm>
             <a:off x="388800" y="1371960"/>
-            <a:ext cx="11347200" cy="4913280"/>
+            <a:ext cx="11346480" cy="4912560"/>
           </a:xfrm>
           <a:prstGeom prst="rect">
             <a:avLst/>
@@ -6668,10 +7341,11 @@
               <a:t>Ссылка на репозиторий GitHub: </a:t>
             </a:r>
             <a:r>
-              <a:rPr b="0" lang="ru-RU" sz="2200" spc="-1" strike="noStrike">
-                <a:solidFill>
-                  <a:srgbClr val="262626"/>
-                </a:solidFill>
+              <a:rPr b="0" lang="ru-RU" sz="2200" spc="-1" strike="noStrike" u="sng">
+                <a:solidFill>
+                  <a:srgbClr val="1f75e2"/>
+                </a:solidFill>
+                <a:uFillTx/>
                 <a:latin typeface="Arial"/>
                 <a:ea typeface="Open Sans"/>
                 <a:hlinkClick r:id="rId1"/>
@@ -6699,14 +7373,14 @@
       </p:sp>
       <p:sp>
         <p:nvSpPr>
-          <p:cNvPr id="153" name="PlaceHolder 7"/>
+          <p:cNvPr id="159" name="PlaceHolder 7"/>
           <p:cNvSpPr/>
           <p:nvPr/>
         </p:nvSpPr>
         <p:spPr>
           <a:xfrm>
             <a:off x="273600" y="6435000"/>
-            <a:ext cx="566640" cy="271800"/>
+            <a:ext cx="565920" cy="271080"/>
           </a:xfrm>
           <a:prstGeom prst="rect">
             <a:avLst/>
@@ -6735,7 +7409,7 @@
                 <a:tab algn="l" pos="0"/>
               </a:tabLst>
             </a:pPr>
-            <a:fld id="{47802E57-F396-4B79-96AE-2A0C61B5EC14}" type="slidenum">
+            <a:fld id="{A5506F05-3D8F-4B55-B5BC-3C46884975AA}" type="slidenum">
               <a:rPr b="0" lang="ru-RU" sz="1400" spc="-1" strike="noStrike">
                 <a:solidFill>
                   <a:srgbClr val="898989"/>
@@ -6743,7 +7417,7 @@
                 <a:latin typeface="Times New Roman"/>
                 <a:ea typeface="Open Sans"/>
               </a:rPr>
-              <a:t>15</a:t>
+              <a:t>16</a:t>
             </a:fld>
             <a:endParaRPr b="0" lang="en-US" sz="1400" spc="-1" strike="noStrike">
               <a:solidFill>
@@ -6756,28 +7430,28 @@
       </p:sp>
       <p:grpSp>
         <p:nvGrpSpPr>
-          <p:cNvPr id="154" name="Группа 2"/>
+          <p:cNvPr id="160" name="Группа 2"/>
           <p:cNvGrpSpPr/>
           <p:nvPr/>
         </p:nvGrpSpPr>
         <p:grpSpPr>
           <a:xfrm>
             <a:off x="3168000" y="532080"/>
-            <a:ext cx="3831840" cy="666000"/>
+            <a:ext cx="3831120" cy="666000"/>
             <a:chOff x="3168000" y="532080"/>
-            <a:chExt cx="3831840" cy="666000"/>
+            <a:chExt cx="3831120" cy="666000"/>
           </a:xfrm>
         </p:grpSpPr>
         <p:sp>
           <p:nvSpPr>
-            <p:cNvPr id="155" name="Прямоугольник 4"/>
+            <p:cNvPr id="161" name="Прямоугольник 4"/>
             <p:cNvSpPr/>
             <p:nvPr/>
           </p:nvSpPr>
           <p:spPr>
             <a:xfrm>
               <a:off x="3168000" y="532080"/>
-              <a:ext cx="3831840" cy="662400"/>
+              <a:ext cx="3831120" cy="661680"/>
             </a:xfrm>
             <a:prstGeom prst="rect">
               <a:avLst/>
@@ -6837,22 +7511,22 @@
         </p:sp>
         <p:sp>
           <p:nvSpPr>
-            <p:cNvPr id="156" name="Прямоугольник 5"/>
+            <p:cNvPr id="162" name="Прямоугольник 5"/>
             <p:cNvSpPr/>
             <p:nvPr/>
           </p:nvSpPr>
           <p:spPr>
             <a:xfrm flipH="1" rot="10800000">
-              <a:off x="3167640" y="535680"/>
-              <a:ext cx="60120" cy="662400"/>
+              <a:off x="3167640" y="536400"/>
+              <a:ext cx="59400" cy="661680"/>
             </a:xfrm>
             <a:custGeom>
               <a:avLst/>
               <a:gdLst>
-                <a:gd name="textAreaLeft" fmla="*/ 1800 w 60120"/>
-                <a:gd name="textAreaRight" fmla="*/ 65520 w 60120"/>
-                <a:gd name="textAreaTop" fmla="*/ 0 h 662400"/>
-                <a:gd name="textAreaBottom" fmla="*/ 666000 h 662400"/>
+                <a:gd name="textAreaLeft" fmla="*/ 2160 w 59400"/>
+                <a:gd name="textAreaRight" fmla="*/ 65880 w 59400"/>
+                <a:gd name="textAreaTop" fmla="*/ 0 h 661680"/>
+                <a:gd name="textAreaBottom" fmla="*/ 666000 h 661680"/>
               </a:gdLst>
               <a:ahLst/>
               <a:rect l="textAreaLeft" t="textAreaTop" r="textAreaRight" b="textAreaBottom"/>
@@ -6915,22 +7589,22 @@
         </p:sp>
         <p:sp>
           <p:nvSpPr>
-            <p:cNvPr id="157" name="Прямоугольник 6"/>
+            <p:cNvPr id="163" name="Прямоугольник 6"/>
             <p:cNvSpPr/>
             <p:nvPr/>
           </p:nvSpPr>
           <p:spPr>
             <a:xfrm flipH="1">
-              <a:off x="6924960" y="532080"/>
-              <a:ext cx="71280" cy="662400"/>
+              <a:off x="6924240" y="532080"/>
+              <a:ext cx="70560" cy="661680"/>
             </a:xfrm>
             <a:custGeom>
               <a:avLst/>
               <a:gdLst>
-                <a:gd name="textAreaLeft" fmla="*/ -1800 w 71280"/>
-                <a:gd name="textAreaRight" fmla="*/ 73080 w 71280"/>
-                <a:gd name="textAreaTop" fmla="*/ 0 h 662400"/>
-                <a:gd name="textAreaBottom" fmla="*/ 666000 h 662400"/>
+                <a:gd name="textAreaLeft" fmla="*/ -2160 w 70560"/>
+                <a:gd name="textAreaRight" fmla="*/ 72720 w 70560"/>
+                <a:gd name="textAreaTop" fmla="*/ 0 h 661680"/>
+                <a:gd name="textAreaBottom" fmla="*/ 666000 h 661680"/>
               </a:gdLst>
               <a:ahLst/>
               <a:rect l="textAreaLeft" t="textAreaTop" r="textAreaRight" b="textAreaBottom"/>
@@ -7005,7 +7679,7 @@
 </p:sld>
 </file>
 
-<file path=ppt/slides/slide16.xml><?xml version="1.0" encoding="utf-8"?>
+<file path=ppt/slides/slide17.xml><?xml version="1.0" encoding="utf-8"?>
 <p:sld xmlns:a="http://schemas.openxmlformats.org/drawingml/2006/main" xmlns:p="http://schemas.openxmlformats.org/presentationml/2006/main" xmlns:r="http://schemas.openxmlformats.org/officeDocument/2006/relationships" xmlns:p14="http://schemas.microsoft.com/office/powerpoint/2010/main" xmlns:p15="http://schemas.microsoft.com/office/powerpoint/2012/main" xmlns:mc="http://schemas.openxmlformats.org/markup-compatibility/2006">
   <p:cSld>
     <p:spTree>
@@ -7024,14 +7698,14 @@
       </p:grpSpPr>
       <p:sp>
         <p:nvSpPr>
-          <p:cNvPr id="158" name="PlaceHolder 9"/>
+          <p:cNvPr id="164" name="PlaceHolder 9"/>
           <p:cNvSpPr/>
           <p:nvPr/>
         </p:nvSpPr>
         <p:spPr>
           <a:xfrm>
             <a:off x="273600" y="6435000"/>
-            <a:ext cx="566640" cy="271800"/>
+            <a:ext cx="565920" cy="271080"/>
           </a:xfrm>
           <a:prstGeom prst="rect">
             <a:avLst/>
@@ -7060,7 +7734,7 @@
                 <a:tab algn="l" pos="0"/>
               </a:tabLst>
             </a:pPr>
-            <a:fld id="{0F303191-9F8E-4E7B-B36E-103875FA2F8D}" type="slidenum">
+            <a:fld id="{4D3E8DD3-260A-46BA-ABE4-8972F23243D7}" type="slidenum">
               <a:rPr b="0" lang="ru-RU" sz="1400" spc="-1" strike="noStrike">
                 <a:solidFill>
                   <a:srgbClr val="898989"/>
@@ -7068,7 +7742,7 @@
                 <a:latin typeface="Times New Roman"/>
                 <a:ea typeface="Open Sans"/>
               </a:rPr>
-              <a:t>15</a:t>
+              <a:t>16</a:t>
             </a:fld>
             <a:endParaRPr b="0" lang="en-US" sz="1400" spc="-1" strike="noStrike">
               <a:solidFill>
@@ -7081,14 +7755,14 @@
       </p:sp>
       <p:sp>
         <p:nvSpPr>
-          <p:cNvPr id="159" name="PlaceHolder 10"/>
+          <p:cNvPr id="165" name="PlaceHolder 10"/>
           <p:cNvSpPr/>
           <p:nvPr/>
         </p:nvSpPr>
         <p:spPr>
           <a:xfrm>
             <a:off x="2514600" y="2057400"/>
-            <a:ext cx="6925680" cy="733320"/>
+            <a:ext cx="6924960" cy="732600"/>
           </a:xfrm>
           <a:prstGeom prst="rect">
             <a:avLst/>
@@ -7134,7 +7808,7 @@
               <a:solidFill>
                 <a:srgbClr val="000000"/>
               </a:solidFill>
-              <a:latin typeface="Constantia"/>
+              <a:latin typeface="Arial"/>
             </a:endParaRPr>
           </a:p>
         </p:txBody>
@@ -7152,7 +7826,7 @@
 </p:sld>
 </file>
 
-<file path=ppt/slides/slide17.xml><?xml version="1.0" encoding="utf-8"?>
+<file path=ppt/slides/slide18.xml><?xml version="1.0" encoding="utf-8"?>
 <p:sld xmlns:a="http://schemas.openxmlformats.org/drawingml/2006/main" xmlns:p="http://schemas.openxmlformats.org/presentationml/2006/main" xmlns:r="http://schemas.openxmlformats.org/officeDocument/2006/relationships" xmlns:p14="http://schemas.microsoft.com/office/powerpoint/2010/main" xmlns:p15="http://schemas.microsoft.com/office/powerpoint/2012/main" xmlns:mc="http://schemas.openxmlformats.org/markup-compatibility/2006">
   <p:cSld>
     <p:spTree>
@@ -7208,7 +7882,7 @@
         <p:spPr>
           <a:xfrm>
             <a:off x="273600" y="6435000"/>
-            <a:ext cx="566640" cy="271800"/>
+            <a:ext cx="565920" cy="271080"/>
           </a:xfrm>
           <a:prstGeom prst="rect">
             <a:avLst/>
@@ -7237,7 +7911,7 @@
                 <a:tab algn="l" pos="0"/>
               </a:tabLst>
             </a:pPr>
-            <a:fld id="{7B80B80E-9BDD-4034-B1C8-0A0092BF9E6B}" type="slidenum">
+            <a:fld id="{DF29D486-9848-4035-AC25-E0D0E6EA3DCD}" type="slidenum">
               <a:rPr b="0" lang="ru-RU" sz="1400" spc="-1" strike="noStrike">
                 <a:solidFill>
                   <a:srgbClr val="898989"/>
@@ -7265,7 +7939,7 @@
         <p:spPr>
           <a:xfrm>
             <a:off x="457200" y="1406520"/>
-            <a:ext cx="11495880" cy="5026320"/>
+            <a:ext cx="11495160" cy="5025600"/>
           </a:xfrm>
           <a:prstGeom prst="rect">
             <a:avLst/>
@@ -7335,9 +8009,9 @@
         <p:grpSpPr>
           <a:xfrm>
             <a:off x="3168000" y="500760"/>
-            <a:ext cx="3831840" cy="666000"/>
+            <a:ext cx="3831120" cy="666000"/>
             <a:chOff x="3168000" y="500760"/>
-            <a:chExt cx="3831840" cy="666000"/>
+            <a:chExt cx="3831120" cy="666000"/>
           </a:xfrm>
         </p:grpSpPr>
         <p:sp>
@@ -7349,7 +8023,7 @@
           <p:spPr>
             <a:xfrm>
               <a:off x="3168000" y="500760"/>
-              <a:ext cx="3831840" cy="662400"/>
+              <a:ext cx="3831120" cy="661680"/>
             </a:xfrm>
             <a:prstGeom prst="rect">
               <a:avLst/>
@@ -7415,16 +8089,16 @@
           </p:nvSpPr>
           <p:spPr>
             <a:xfrm flipH="1" rot="10800000">
-              <a:off x="3167640" y="504360"/>
-              <a:ext cx="60120" cy="662400"/>
+              <a:off x="3167640" y="505080"/>
+              <a:ext cx="59400" cy="661680"/>
             </a:xfrm>
             <a:custGeom>
               <a:avLst/>
               <a:gdLst>
-                <a:gd name="textAreaLeft" fmla="*/ 1800 w 60120"/>
-                <a:gd name="textAreaRight" fmla="*/ 65520 w 60120"/>
-                <a:gd name="textAreaTop" fmla="*/ 0 h 662400"/>
-                <a:gd name="textAreaBottom" fmla="*/ 666000 h 662400"/>
+                <a:gd name="textAreaLeft" fmla="*/ 2160 w 59400"/>
+                <a:gd name="textAreaRight" fmla="*/ 65880 w 59400"/>
+                <a:gd name="textAreaTop" fmla="*/ 0 h 661680"/>
+                <a:gd name="textAreaBottom" fmla="*/ 666000 h 661680"/>
               </a:gdLst>
               <a:ahLst/>
               <a:rect l="textAreaLeft" t="textAreaTop" r="textAreaRight" b="textAreaBottom"/>
@@ -7493,16 +8167,16 @@
           </p:nvSpPr>
           <p:spPr>
             <a:xfrm flipH="1">
-              <a:off x="6924960" y="500760"/>
-              <a:ext cx="71280" cy="662400"/>
+              <a:off x="6924240" y="500760"/>
+              <a:ext cx="70560" cy="661680"/>
             </a:xfrm>
             <a:custGeom>
               <a:avLst/>
               <a:gdLst>
-                <a:gd name="textAreaLeft" fmla="*/ -1800 w 71280"/>
-                <a:gd name="textAreaRight" fmla="*/ 73080 w 71280"/>
-                <a:gd name="textAreaTop" fmla="*/ 0 h 662400"/>
-                <a:gd name="textAreaBottom" fmla="*/ 666000 h 662400"/>
+                <a:gd name="textAreaLeft" fmla="*/ -2160 w 70560"/>
+                <a:gd name="textAreaRight" fmla="*/ 72720 w 70560"/>
+                <a:gd name="textAreaTop" fmla="*/ 0 h 661680"/>
+                <a:gd name="textAreaBottom" fmla="*/ 666000 h 661680"/>
               </a:gdLst>
               <a:ahLst/>
               <a:rect l="textAreaLeft" t="textAreaTop" r="textAreaRight" b="textAreaBottom"/>
@@ -7577,7 +8251,7 @@
         <p:spPr>
           <a:xfrm>
             <a:off x="8229600" y="2715120"/>
-            <a:ext cx="3160080" cy="1626120"/>
+            <a:ext cx="3159360" cy="1625400"/>
           </a:xfrm>
           <a:prstGeom prst="rect">
             <a:avLst/>
@@ -7596,7 +8270,7 @@
         <p:spPr>
           <a:xfrm>
             <a:off x="457200" y="2743200"/>
-            <a:ext cx="7084440" cy="2243880"/>
+            <a:ext cx="7083720" cy="2243160"/>
           </a:xfrm>
           <a:prstGeom prst="rect">
             <a:avLst/>
@@ -7696,7 +8370,7 @@
         <p:spPr>
           <a:xfrm>
             <a:off x="273600" y="6435000"/>
-            <a:ext cx="566640" cy="271800"/>
+            <a:ext cx="565920" cy="271080"/>
           </a:xfrm>
           <a:prstGeom prst="rect">
             <a:avLst/>
@@ -7725,7 +8399,7 @@
                 <a:tab algn="l" pos="0"/>
               </a:tabLst>
             </a:pPr>
-            <a:fld id="{076C33F1-EFDB-44D1-8C78-06B6C39AB183}" type="slidenum">
+            <a:fld id="{65E4CE05-4437-4E9F-BC9A-FC95F33D14CC}" type="slidenum">
               <a:rPr b="0" lang="ru-RU" sz="1400" spc="-1" strike="noStrike">
                 <a:solidFill>
                   <a:srgbClr val="898989"/>
@@ -7753,7 +8427,7 @@
         <p:spPr>
           <a:xfrm>
             <a:off x="389160" y="1600200"/>
-            <a:ext cx="11495880" cy="4797720"/>
+            <a:ext cx="11495160" cy="4797000"/>
           </a:xfrm>
           <a:prstGeom prst="rect">
             <a:avLst/>
@@ -8193,9 +8867,9 @@
         <p:grpSpPr>
           <a:xfrm>
             <a:off x="3168000" y="500760"/>
-            <a:ext cx="3831840" cy="666000"/>
+            <a:ext cx="3831120" cy="666000"/>
             <a:chOff x="3168000" y="500760"/>
-            <a:chExt cx="3831840" cy="666000"/>
+            <a:chExt cx="3831120" cy="666000"/>
           </a:xfrm>
         </p:grpSpPr>
         <p:sp>
@@ -8207,7 +8881,7 @@
           <p:spPr>
             <a:xfrm>
               <a:off x="3168000" y="500760"/>
-              <a:ext cx="3831840" cy="662400"/>
+              <a:ext cx="3831120" cy="661680"/>
             </a:xfrm>
             <a:prstGeom prst="rect">
               <a:avLst/>
@@ -8273,16 +8947,16 @@
           </p:nvSpPr>
           <p:spPr>
             <a:xfrm flipH="1" rot="10800000">
-              <a:off x="3167640" y="504360"/>
-              <a:ext cx="60120" cy="662400"/>
+              <a:off x="3167640" y="505080"/>
+              <a:ext cx="59400" cy="661680"/>
             </a:xfrm>
             <a:custGeom>
               <a:avLst/>
               <a:gdLst>
-                <a:gd name="textAreaLeft" fmla="*/ 1800 w 60120"/>
-                <a:gd name="textAreaRight" fmla="*/ 65520 w 60120"/>
-                <a:gd name="textAreaTop" fmla="*/ 0 h 662400"/>
-                <a:gd name="textAreaBottom" fmla="*/ 666000 h 662400"/>
+                <a:gd name="textAreaLeft" fmla="*/ 2160 w 59400"/>
+                <a:gd name="textAreaRight" fmla="*/ 65880 w 59400"/>
+                <a:gd name="textAreaTop" fmla="*/ 0 h 661680"/>
+                <a:gd name="textAreaBottom" fmla="*/ 666000 h 661680"/>
               </a:gdLst>
               <a:ahLst/>
               <a:rect l="textAreaLeft" t="textAreaTop" r="textAreaRight" b="textAreaBottom"/>
@@ -8351,16 +9025,16 @@
           </p:nvSpPr>
           <p:spPr>
             <a:xfrm flipH="1">
-              <a:off x="6924960" y="500760"/>
-              <a:ext cx="71280" cy="662400"/>
+              <a:off x="6924240" y="500760"/>
+              <a:ext cx="70560" cy="661680"/>
             </a:xfrm>
             <a:custGeom>
               <a:avLst/>
               <a:gdLst>
-                <a:gd name="textAreaLeft" fmla="*/ -1800 w 71280"/>
-                <a:gd name="textAreaRight" fmla="*/ 73080 w 71280"/>
-                <a:gd name="textAreaTop" fmla="*/ 0 h 662400"/>
-                <a:gd name="textAreaBottom" fmla="*/ 666000 h 662400"/>
+                <a:gd name="textAreaLeft" fmla="*/ -2160 w 70560"/>
+                <a:gd name="textAreaRight" fmla="*/ 72720 w 70560"/>
+                <a:gd name="textAreaTop" fmla="*/ 0 h 661680"/>
+                <a:gd name="textAreaBottom" fmla="*/ 666000 h 661680"/>
               </a:gdLst>
               <a:ahLst/>
               <a:rect l="textAreaLeft" t="textAreaTop" r="textAreaRight" b="textAreaBottom"/>
@@ -8465,7 +9139,7 @@
         <p:spPr>
           <a:xfrm>
             <a:off x="388440" y="1371600"/>
-            <a:ext cx="11040120" cy="5027040"/>
+            <a:ext cx="11039400" cy="5026320"/>
           </a:xfrm>
           <a:prstGeom prst="rect">
             <a:avLst/>
@@ -8845,9 +9519,9 @@
         <p:grpSpPr>
           <a:xfrm>
             <a:off x="3168000" y="469440"/>
-            <a:ext cx="3831840" cy="666000"/>
+            <a:ext cx="3831120" cy="666000"/>
             <a:chOff x="3168000" y="469440"/>
-            <a:chExt cx="3831840" cy="666000"/>
+            <a:chExt cx="3831120" cy="666000"/>
           </a:xfrm>
         </p:grpSpPr>
         <p:sp>
@@ -8859,7 +9533,7 @@
           <p:spPr>
             <a:xfrm>
               <a:off x="3168000" y="469440"/>
-              <a:ext cx="3831840" cy="662400"/>
+              <a:ext cx="3831120" cy="661680"/>
             </a:xfrm>
             <a:prstGeom prst="rect">
               <a:avLst/>
@@ -8925,16 +9599,16 @@
           </p:nvSpPr>
           <p:spPr>
             <a:xfrm flipH="1" rot="10800000">
-              <a:off x="3167640" y="473040"/>
-              <a:ext cx="60120" cy="662400"/>
+              <a:off x="3167640" y="473760"/>
+              <a:ext cx="59400" cy="661680"/>
             </a:xfrm>
             <a:custGeom>
               <a:avLst/>
               <a:gdLst>
-                <a:gd name="textAreaLeft" fmla="*/ 1800 w 60120"/>
-                <a:gd name="textAreaRight" fmla="*/ 65520 w 60120"/>
-                <a:gd name="textAreaTop" fmla="*/ 0 h 662400"/>
-                <a:gd name="textAreaBottom" fmla="*/ 666000 h 662400"/>
+                <a:gd name="textAreaLeft" fmla="*/ 2160 w 59400"/>
+                <a:gd name="textAreaRight" fmla="*/ 65880 w 59400"/>
+                <a:gd name="textAreaTop" fmla="*/ 0 h 661680"/>
+                <a:gd name="textAreaBottom" fmla="*/ 666000 h 661680"/>
               </a:gdLst>
               <a:ahLst/>
               <a:rect l="textAreaLeft" t="textAreaTop" r="textAreaRight" b="textAreaBottom"/>
@@ -9003,16 +9677,16 @@
           </p:nvSpPr>
           <p:spPr>
             <a:xfrm flipH="1">
-              <a:off x="6924960" y="469440"/>
-              <a:ext cx="71280" cy="662400"/>
+              <a:off x="6924240" y="469440"/>
+              <a:ext cx="70560" cy="661680"/>
             </a:xfrm>
             <a:custGeom>
               <a:avLst/>
               <a:gdLst>
-                <a:gd name="textAreaLeft" fmla="*/ -1800 w 71280"/>
-                <a:gd name="textAreaRight" fmla="*/ 73080 w 71280"/>
-                <a:gd name="textAreaTop" fmla="*/ 0 h 662400"/>
-                <a:gd name="textAreaBottom" fmla="*/ 666000 h 662400"/>
+                <a:gd name="textAreaLeft" fmla="*/ -2160 w 70560"/>
+                <a:gd name="textAreaRight" fmla="*/ 72720 w 70560"/>
+                <a:gd name="textAreaTop" fmla="*/ 0 h 661680"/>
+                <a:gd name="textAreaBottom" fmla="*/ 666000 h 661680"/>
               </a:gdLst>
               <a:ahLst/>
               <a:rect l="textAreaLeft" t="textAreaTop" r="textAreaRight" b="textAreaBottom"/>
@@ -9083,7 +9757,7 @@
         <p:spPr>
           <a:xfrm>
             <a:off x="273600" y="6435000"/>
-            <a:ext cx="566640" cy="271800"/>
+            <a:ext cx="565920" cy="271080"/>
           </a:xfrm>
           <a:prstGeom prst="rect">
             <a:avLst/>
@@ -9112,7 +9786,7 @@
                 <a:tab algn="l" pos="0"/>
               </a:tabLst>
             </a:pPr>
-            <a:fld id="{2DCC602C-16AA-49F6-B6EC-0F1554F48539}" type="slidenum">
+            <a:fld id="{F2D7CB5E-0F1B-49A0-8AD3-DDA45E355F88}" type="slidenum">
               <a:rPr b="0" lang="ru-RU" sz="1400" spc="-1" strike="noStrike">
                 <a:solidFill>
                   <a:srgbClr val="898989"/>
@@ -9170,9 +9844,9 @@
         <p:grpSpPr>
           <a:xfrm>
             <a:off x="3168000" y="203760"/>
-            <a:ext cx="6888960" cy="1197360"/>
+            <a:ext cx="6888240" cy="1197360"/>
             <a:chOff x="3168000" y="203760"/>
-            <a:chExt cx="6888960" cy="1197360"/>
+            <a:chExt cx="6888240" cy="1197360"/>
           </a:xfrm>
         </p:grpSpPr>
         <p:sp>
@@ -9184,7 +9858,7 @@
           <p:spPr>
             <a:xfrm>
               <a:off x="3168000" y="203760"/>
-              <a:ext cx="6888960" cy="1191960"/>
+              <a:ext cx="6888240" cy="1191240"/>
             </a:xfrm>
             <a:prstGeom prst="rect">
               <a:avLst/>
@@ -9273,16 +9947,16 @@
           </p:nvSpPr>
           <p:spPr>
             <a:xfrm flipH="1" rot="10800000">
-              <a:off x="3167640" y="209160"/>
-              <a:ext cx="109080" cy="1191960"/>
+              <a:off x="3167640" y="209880"/>
+              <a:ext cx="108360" cy="1191240"/>
             </a:xfrm>
             <a:custGeom>
               <a:avLst/>
               <a:gdLst>
-                <a:gd name="textAreaLeft" fmla="*/ 2520 w 109080"/>
-                <a:gd name="textAreaRight" fmla="*/ 116640 w 109080"/>
-                <a:gd name="textAreaTop" fmla="*/ 0 h 1191960"/>
-                <a:gd name="textAreaBottom" fmla="*/ 1196640 h 1191960"/>
+                <a:gd name="textAreaLeft" fmla="*/ 2880 w 108360"/>
+                <a:gd name="textAreaRight" fmla="*/ 117000 w 108360"/>
+                <a:gd name="textAreaTop" fmla="*/ 0 h 1191240"/>
+                <a:gd name="textAreaBottom" fmla="*/ 1196640 h 1191240"/>
               </a:gdLst>
               <a:ahLst/>
               <a:rect l="textAreaLeft" t="textAreaTop" r="textAreaRight" b="textAreaBottom"/>
@@ -9351,16 +10025,16 @@
           </p:nvSpPr>
           <p:spPr>
             <a:xfrm flipH="1">
-              <a:off x="9921960" y="203760"/>
-              <a:ext cx="129240" cy="1191960"/>
+              <a:off x="9921240" y="203760"/>
+              <a:ext cx="128520" cy="1191240"/>
             </a:xfrm>
             <a:custGeom>
               <a:avLst/>
               <a:gdLst>
-                <a:gd name="textAreaLeft" fmla="*/ -2880 w 129240"/>
-                <a:gd name="textAreaRight" fmla="*/ 131040 w 129240"/>
-                <a:gd name="textAreaTop" fmla="*/ 0 h 1191960"/>
-                <a:gd name="textAreaBottom" fmla="*/ 1196640 h 1191960"/>
+                <a:gd name="textAreaLeft" fmla="*/ -3240 w 128520"/>
+                <a:gd name="textAreaRight" fmla="*/ 130680 w 128520"/>
+                <a:gd name="textAreaTop" fmla="*/ 0 h 1191240"/>
+                <a:gd name="textAreaBottom" fmla="*/ 1196640 h 1191240"/>
               </a:gdLst>
               <a:ahLst/>
               <a:rect l="textAreaLeft" t="textAreaTop" r="textAreaRight" b="textAreaBottom"/>
@@ -9431,7 +10105,7 @@
         <p:spPr>
           <a:xfrm>
             <a:off x="273600" y="6435000"/>
-            <a:ext cx="566640" cy="271800"/>
+            <a:ext cx="565920" cy="271080"/>
           </a:xfrm>
           <a:prstGeom prst="rect">
             <a:avLst/>
@@ -9460,7 +10134,7 @@
                 <a:tab algn="l" pos="0"/>
               </a:tabLst>
             </a:pPr>
-            <a:fld id="{7ECE8502-7370-4924-A91A-2B2475E1B591}" type="slidenum">
+            <a:fld id="{A72B0543-9B08-4854-A007-8D307E2DADAD}" type="slidenum">
               <a:rPr b="0" lang="ru-RU" sz="1400" spc="-1" strike="noStrike">
                 <a:solidFill>
                   <a:srgbClr val="898989"/>
@@ -9482,13 +10156,13 @@
       <p:sp>
         <p:nvSpPr>
           <p:cNvPr id="59" name="PlaceHolder 6"/>
-          <p:cNvSpPr txBox="1"/>
+          <p:cNvSpPr/>
           <p:nvPr/>
         </p:nvSpPr>
         <p:spPr>
           <a:xfrm>
             <a:off x="5943600" y="1602360"/>
-            <a:ext cx="5715000" cy="1369440"/>
+            <a:ext cx="5714280" cy="1368720"/>
           </a:xfrm>
           <a:prstGeom prst="rect">
             <a:avLst/>
@@ -9498,8 +10172,14 @@
             <a:noFill/>
           </a:ln>
         </p:spPr>
+        <p:style>
+          <a:lnRef idx="0"/>
+          <a:fillRef idx="0"/>
+          <a:effectRef idx="0"/>
+          <a:fontRef idx="minor"/>
+        </p:style>
         <p:txBody>
-          <a:bodyPr anchor="t">
+          <a:bodyPr lIns="90000" rIns="90000" tIns="45000" bIns="45000" anchor="t">
             <a:normAutofit fontScale="87222" lnSpcReduction="10000"/>
           </a:bodyPr>
           <a:p>
@@ -9601,7 +10281,7 @@
         <p:spPr>
           <a:xfrm>
             <a:off x="452160" y="1492200"/>
-            <a:ext cx="2663640" cy="2676960"/>
+            <a:ext cx="2662920" cy="2676240"/>
           </a:xfrm>
           <a:prstGeom prst="rect">
             <a:avLst/>
@@ -9624,7 +10304,7 @@
         <p:spPr>
           <a:xfrm>
             <a:off x="3136680" y="1492200"/>
-            <a:ext cx="2650320" cy="2672280"/>
+            <a:ext cx="2649600" cy="2671560"/>
           </a:xfrm>
           <a:prstGeom prst="rect">
             <a:avLst/>
@@ -9647,7 +10327,7 @@
         <p:spPr>
           <a:xfrm>
             <a:off x="541800" y="4170960"/>
-            <a:ext cx="2430000" cy="2458440"/>
+            <a:ext cx="2429280" cy="2457720"/>
           </a:xfrm>
           <a:prstGeom prst="rect">
             <a:avLst/>
@@ -9670,7 +10350,7 @@
         <p:spPr>
           <a:xfrm>
             <a:off x="3384720" y="4271400"/>
-            <a:ext cx="2286000" cy="2305080"/>
+            <a:ext cx="2285280" cy="2304360"/>
           </a:xfrm>
           <a:prstGeom prst="rect">
             <a:avLst/>
@@ -9719,9 +10399,9 @@
         <p:grpSpPr>
           <a:xfrm>
             <a:off x="3168000" y="203760"/>
-            <a:ext cx="6888960" cy="1197360"/>
+            <a:ext cx="6888240" cy="1197360"/>
             <a:chOff x="3168000" y="203760"/>
-            <a:chExt cx="6888960" cy="1197360"/>
+            <a:chExt cx="6888240" cy="1197360"/>
           </a:xfrm>
         </p:grpSpPr>
         <p:sp>
@@ -9733,7 +10413,7 @@
           <p:spPr>
             <a:xfrm>
               <a:off x="3168000" y="203760"/>
-              <a:ext cx="6888960" cy="1191960"/>
+              <a:ext cx="6888240" cy="1191240"/>
             </a:xfrm>
             <a:prstGeom prst="rect">
               <a:avLst/>
@@ -9822,16 +10502,16 @@
           </p:nvSpPr>
           <p:spPr>
             <a:xfrm flipH="1" rot="10800000">
-              <a:off x="3167640" y="209160"/>
-              <a:ext cx="109080" cy="1191960"/>
+              <a:off x="3167640" y="209880"/>
+              <a:ext cx="108360" cy="1191240"/>
             </a:xfrm>
             <a:custGeom>
               <a:avLst/>
               <a:gdLst>
-                <a:gd name="textAreaLeft" fmla="*/ 2520 w 109080"/>
-                <a:gd name="textAreaRight" fmla="*/ 116640 w 109080"/>
-                <a:gd name="textAreaTop" fmla="*/ 0 h 1191960"/>
-                <a:gd name="textAreaBottom" fmla="*/ 1196640 h 1191960"/>
+                <a:gd name="textAreaLeft" fmla="*/ 2880 w 108360"/>
+                <a:gd name="textAreaRight" fmla="*/ 117000 w 108360"/>
+                <a:gd name="textAreaTop" fmla="*/ 0 h 1191240"/>
+                <a:gd name="textAreaBottom" fmla="*/ 1196640 h 1191240"/>
               </a:gdLst>
               <a:ahLst/>
               <a:rect l="textAreaLeft" t="textAreaTop" r="textAreaRight" b="textAreaBottom"/>
@@ -9900,16 +10580,16 @@
           </p:nvSpPr>
           <p:spPr>
             <a:xfrm flipH="1">
-              <a:off x="9921960" y="203760"/>
-              <a:ext cx="129240" cy="1191960"/>
+              <a:off x="9921240" y="203760"/>
+              <a:ext cx="128520" cy="1191240"/>
             </a:xfrm>
             <a:custGeom>
               <a:avLst/>
               <a:gdLst>
-                <a:gd name="textAreaLeft" fmla="*/ -2880 w 129240"/>
-                <a:gd name="textAreaRight" fmla="*/ 131040 w 129240"/>
-                <a:gd name="textAreaTop" fmla="*/ 0 h 1191960"/>
-                <a:gd name="textAreaBottom" fmla="*/ 1196640 h 1191960"/>
+                <a:gd name="textAreaLeft" fmla="*/ -3240 w 128520"/>
+                <a:gd name="textAreaRight" fmla="*/ 130680 w 128520"/>
+                <a:gd name="textAreaTop" fmla="*/ 0 h 1191240"/>
+                <a:gd name="textAreaBottom" fmla="*/ 1196640 h 1191240"/>
               </a:gdLst>
               <a:ahLst/>
               <a:rect l="textAreaLeft" t="textAreaTop" r="textAreaRight" b="textAreaBottom"/>
@@ -9980,7 +10660,7 @@
         <p:spPr>
           <a:xfrm>
             <a:off x="273600" y="6435000"/>
-            <a:ext cx="566640" cy="271800"/>
+            <a:ext cx="565920" cy="271080"/>
           </a:xfrm>
           <a:prstGeom prst="rect">
             <a:avLst/>
@@ -10009,7 +10689,7 @@
                 <a:tab algn="l" pos="0"/>
               </a:tabLst>
             </a:pPr>
-            <a:fld id="{79799613-2630-4A4B-83A8-A6FAE6CD162E}" type="slidenum">
+            <a:fld id="{68C2D056-29FE-4486-997B-4152E8A0AAAF}" type="slidenum">
               <a:rPr b="0" lang="ru-RU" sz="1400" spc="-1" strike="noStrike">
                 <a:solidFill>
                   <a:srgbClr val="898989"/>
@@ -10037,7 +10717,7 @@
         <p:spPr>
           <a:xfrm>
             <a:off x="388440" y="1600200"/>
-            <a:ext cx="4409280" cy="912960"/>
+            <a:ext cx="4408560" cy="912240"/>
           </a:xfrm>
           <a:prstGeom prst="rect">
             <a:avLst/>
@@ -10097,7 +10777,7 @@
         <p:spPr>
           <a:xfrm>
             <a:off x="5029200" y="1600200"/>
-            <a:ext cx="6856920" cy="1140120"/>
+            <a:ext cx="6856200" cy="1139400"/>
           </a:xfrm>
           <a:prstGeom prst="rect">
             <a:avLst/>
@@ -11124,7 +11804,7 @@
         <p:spPr>
           <a:xfrm>
             <a:off x="529200" y="2536920"/>
-            <a:ext cx="4113720" cy="3519360"/>
+            <a:ext cx="4113000" cy="3518640"/>
           </a:xfrm>
           <a:prstGeom prst="rect">
             <a:avLst/>
@@ -11177,7 +11857,7 @@
         <p:spPr>
           <a:xfrm>
             <a:off x="388440" y="1371600"/>
-            <a:ext cx="5780880" cy="5254920"/>
+            <a:ext cx="5780160" cy="5254200"/>
           </a:xfrm>
           <a:prstGeom prst="rect">
             <a:avLst/>
@@ -11364,9 +12044,9 @@
         <p:grpSpPr>
           <a:xfrm>
             <a:off x="3168000" y="243720"/>
-            <a:ext cx="6430320" cy="1117440"/>
+            <a:ext cx="6429600" cy="1117440"/>
             <a:chOff x="3168000" y="243720"/>
-            <a:chExt cx="6430320" cy="1117440"/>
+            <a:chExt cx="6429600" cy="1117440"/>
           </a:xfrm>
         </p:grpSpPr>
         <p:sp>
@@ -11378,7 +12058,7 @@
           <p:spPr>
             <a:xfrm>
               <a:off x="3168000" y="243720"/>
-              <a:ext cx="6430320" cy="1113120"/>
+              <a:ext cx="6429600" cy="1112400"/>
             </a:xfrm>
             <a:prstGeom prst="rect">
               <a:avLst/>
@@ -11444,16 +12124,16 @@
           </p:nvSpPr>
           <p:spPr>
             <a:xfrm flipH="1" rot="10800000">
-              <a:off x="3168000" y="248040"/>
-              <a:ext cx="102960" cy="1113120"/>
+              <a:off x="3168000" y="248760"/>
+              <a:ext cx="102240" cy="1112400"/>
             </a:xfrm>
             <a:custGeom>
               <a:avLst/>
               <a:gdLst>
-                <a:gd name="textAreaLeft" fmla="*/ 2160 w 102960"/>
-                <a:gd name="textAreaRight" fmla="*/ 109080 w 102960"/>
-                <a:gd name="textAreaTop" fmla="*/ 0 h 1113120"/>
-                <a:gd name="textAreaBottom" fmla="*/ 1116720 h 1113120"/>
+                <a:gd name="textAreaLeft" fmla="*/ 2520 w 102240"/>
+                <a:gd name="textAreaRight" fmla="*/ 109440 w 102240"/>
+                <a:gd name="textAreaTop" fmla="*/ 0 h 1112400"/>
+                <a:gd name="textAreaBottom" fmla="*/ 1116720 h 1112400"/>
               </a:gdLst>
               <a:ahLst/>
               <a:rect l="textAreaLeft" t="textAreaTop" r="textAreaRight" b="textAreaBottom"/>
@@ -11522,16 +12202,16 @@
           </p:nvSpPr>
           <p:spPr>
             <a:xfrm flipH="1">
-              <a:off x="9472680" y="243720"/>
-              <a:ext cx="121680" cy="1113120"/>
+              <a:off x="9471960" y="243720"/>
+              <a:ext cx="120960" cy="1112400"/>
             </a:xfrm>
             <a:custGeom>
               <a:avLst/>
               <a:gdLst>
-                <a:gd name="textAreaLeft" fmla="*/ -1800 w 121680"/>
-                <a:gd name="textAreaRight" fmla="*/ 123480 w 121680"/>
-                <a:gd name="textAreaTop" fmla="*/ 0 h 1113120"/>
-                <a:gd name="textAreaBottom" fmla="*/ 1116720 h 1113120"/>
+                <a:gd name="textAreaLeft" fmla="*/ -2160 w 120960"/>
+                <a:gd name="textAreaRight" fmla="*/ 123120 w 120960"/>
+                <a:gd name="textAreaTop" fmla="*/ 0 h 1112400"/>
+                <a:gd name="textAreaBottom" fmla="*/ 1116720 h 1112400"/>
               </a:gdLst>
               <a:ahLst/>
               <a:rect l="textAreaLeft" t="textAreaTop" r="textAreaRight" b="textAreaBottom"/>
@@ -11602,7 +12282,7 @@
         <p:spPr>
           <a:xfrm>
             <a:off x="6400800" y="1359000"/>
-            <a:ext cx="5483520" cy="5267520"/>
+            <a:ext cx="5482800" cy="5266800"/>
           </a:xfrm>
           <a:prstGeom prst="rect">
             <a:avLst/>
@@ -12149,7 +12829,7 @@
         <p:spPr>
           <a:xfrm>
             <a:off x="273600" y="6435000"/>
-            <a:ext cx="566640" cy="271800"/>
+            <a:ext cx="565920" cy="271080"/>
           </a:xfrm>
           <a:prstGeom prst="rect">
             <a:avLst/>
@@ -12178,7 +12858,7 @@
                 <a:tab algn="l" pos="0"/>
               </a:tabLst>
             </a:pPr>
-            <a:fld id="{C512A71B-0C46-41A0-8483-595C63D40F96}" type="slidenum">
+            <a:fld id="{5AF31EF3-58A9-43B8-9D0D-DAE09452BC56}" type="slidenum">
               <a:rPr b="0" lang="ru-RU" sz="1400" spc="-1" strike="noStrike">
                 <a:solidFill>
                   <a:srgbClr val="898989"/>
@@ -12240,7 +12920,7 @@
         <p:spPr>
           <a:xfrm>
             <a:off x="388440" y="1600200"/>
-            <a:ext cx="11495880" cy="5026320"/>
+            <a:ext cx="11495160" cy="5025600"/>
           </a:xfrm>
           <a:prstGeom prst="rect">
             <a:avLst/>
@@ -12383,7 +13063,7 @@
                 <a:latin typeface="Arial"/>
                 <a:ea typeface="Open Sans"/>
               </a:rPr>
-              <a:t>Проверяем что нет “бесконечности” среди признаков типа float, там где есть исправляем их на NaN</a:t>
+              <a:t>Проверяем что нет “бесконечности” среди признаков типа float, там где есть - исправляем их на NaN</a:t>
             </a:r>
             <a:endParaRPr b="0" lang="en-US" sz="1800" spc="-1" strike="noStrike">
               <a:solidFill>
@@ -12637,9 +13317,9 @@
         <p:grpSpPr>
           <a:xfrm>
             <a:off x="3168000" y="243720"/>
-            <a:ext cx="6430320" cy="1117440"/>
+            <a:ext cx="6429600" cy="1117440"/>
             <a:chOff x="3168000" y="243720"/>
-            <a:chExt cx="6430320" cy="1117440"/>
+            <a:chExt cx="6429600" cy="1117440"/>
           </a:xfrm>
         </p:grpSpPr>
         <p:sp>
@@ -12651,7 +13331,7 @@
           <p:spPr>
             <a:xfrm>
               <a:off x="3168000" y="243720"/>
-              <a:ext cx="6430320" cy="1113120"/>
+              <a:ext cx="6429600" cy="1112400"/>
             </a:xfrm>
             <a:prstGeom prst="rect">
               <a:avLst/>
@@ -12717,16 +13397,16 @@
           </p:nvSpPr>
           <p:spPr>
             <a:xfrm flipH="1" rot="10800000">
-              <a:off x="3168000" y="248040"/>
-              <a:ext cx="102960" cy="1113120"/>
+              <a:off x="3168000" y="248760"/>
+              <a:ext cx="102240" cy="1112400"/>
             </a:xfrm>
             <a:custGeom>
               <a:avLst/>
               <a:gdLst>
-                <a:gd name="textAreaLeft" fmla="*/ 2160 w 102960"/>
-                <a:gd name="textAreaRight" fmla="*/ 109080 w 102960"/>
-                <a:gd name="textAreaTop" fmla="*/ 0 h 1113120"/>
-                <a:gd name="textAreaBottom" fmla="*/ 1116720 h 1113120"/>
+                <a:gd name="textAreaLeft" fmla="*/ 2520 w 102240"/>
+                <a:gd name="textAreaRight" fmla="*/ 109440 w 102240"/>
+                <a:gd name="textAreaTop" fmla="*/ 0 h 1112400"/>
+                <a:gd name="textAreaBottom" fmla="*/ 1116720 h 1112400"/>
               </a:gdLst>
               <a:ahLst/>
               <a:rect l="textAreaLeft" t="textAreaTop" r="textAreaRight" b="textAreaBottom"/>
@@ -12795,16 +13475,16 @@
           </p:nvSpPr>
           <p:spPr>
             <a:xfrm flipH="1">
-              <a:off x="9472680" y="243720"/>
-              <a:ext cx="121680" cy="1113120"/>
+              <a:off x="9471960" y="243720"/>
+              <a:ext cx="120960" cy="1112400"/>
             </a:xfrm>
             <a:custGeom>
               <a:avLst/>
               <a:gdLst>
-                <a:gd name="textAreaLeft" fmla="*/ -1800 w 121680"/>
-                <a:gd name="textAreaRight" fmla="*/ 123480 w 121680"/>
-                <a:gd name="textAreaTop" fmla="*/ 0 h 1113120"/>
-                <a:gd name="textAreaBottom" fmla="*/ 1116720 h 1113120"/>
+                <a:gd name="textAreaLeft" fmla="*/ -2160 w 120960"/>
+                <a:gd name="textAreaRight" fmla="*/ 123120 w 120960"/>
+                <a:gd name="textAreaTop" fmla="*/ 0 h 1112400"/>
+                <a:gd name="textAreaBottom" fmla="*/ 1116720 h 1112400"/>
               </a:gdLst>
               <a:ahLst/>
               <a:rect l="textAreaLeft" t="textAreaTop" r="textAreaRight" b="textAreaBottom"/>
@@ -12875,7 +13555,7 @@
         <p:spPr>
           <a:xfrm>
             <a:off x="273600" y="6435000"/>
-            <a:ext cx="566640" cy="271800"/>
+            <a:ext cx="565920" cy="271080"/>
           </a:xfrm>
           <a:prstGeom prst="rect">
             <a:avLst/>
@@ -12904,7 +13584,7 @@
                 <a:tab algn="l" pos="0"/>
               </a:tabLst>
             </a:pPr>
-            <a:fld id="{BAA54601-D239-4B3F-8630-AD2AE1C8A058}" type="slidenum">
+            <a:fld id="{7F6BFB26-B0CA-4DCE-A4B4-DDEF4B8F80F6}" type="slidenum">
               <a:rPr b="0" lang="ru-RU" sz="1400" spc="-1" strike="noStrike">
                 <a:solidFill>
                   <a:srgbClr val="898989"/>
@@ -12962,9 +13642,9 @@
         <p:grpSpPr>
           <a:xfrm>
             <a:off x="3168000" y="322920"/>
-            <a:ext cx="5517000" cy="959040"/>
+            <a:ext cx="5516280" cy="959040"/>
             <a:chOff x="3168000" y="322920"/>
-            <a:chExt cx="5517000" cy="959040"/>
+            <a:chExt cx="5516280" cy="959040"/>
           </a:xfrm>
         </p:grpSpPr>
         <p:sp>
@@ -12976,7 +13656,7 @@
           <p:spPr>
             <a:xfrm>
               <a:off x="3168000" y="322920"/>
-              <a:ext cx="5517000" cy="954360"/>
+              <a:ext cx="5516280" cy="953640"/>
             </a:xfrm>
             <a:prstGeom prst="rect">
               <a:avLst/>
@@ -13042,16 +13722,16 @@
           </p:nvSpPr>
           <p:spPr>
             <a:xfrm flipH="1" rot="10800000">
-              <a:off x="3167640" y="327600"/>
-              <a:ext cx="87480" cy="954360"/>
+              <a:off x="3167640" y="328320"/>
+              <a:ext cx="86760" cy="953640"/>
             </a:xfrm>
             <a:custGeom>
               <a:avLst/>
               <a:gdLst>
-                <a:gd name="textAreaLeft" fmla="*/ 1800 w 87480"/>
-                <a:gd name="textAreaRight" fmla="*/ 93600 w 87480"/>
-                <a:gd name="textAreaTop" fmla="*/ 0 h 954360"/>
-                <a:gd name="textAreaBottom" fmla="*/ 958320 h 954360"/>
+                <a:gd name="textAreaLeft" fmla="*/ 2160 w 86760"/>
+                <a:gd name="textAreaRight" fmla="*/ 93960 w 86760"/>
+                <a:gd name="textAreaTop" fmla="*/ 0 h 953640"/>
+                <a:gd name="textAreaBottom" fmla="*/ 958320 h 953640"/>
               </a:gdLst>
               <a:ahLst/>
               <a:rect l="textAreaLeft" t="textAreaTop" r="textAreaRight" b="textAreaBottom"/>
@@ -13120,16 +13800,16 @@
           </p:nvSpPr>
           <p:spPr>
             <a:xfrm flipH="1">
-              <a:off x="8577000" y="322920"/>
-              <a:ext cx="103320" cy="954360"/>
+              <a:off x="8576280" y="322920"/>
+              <a:ext cx="102600" cy="953640"/>
             </a:xfrm>
             <a:custGeom>
               <a:avLst/>
               <a:gdLst>
-                <a:gd name="textAreaLeft" fmla="*/ 360 w 103320"/>
-                <a:gd name="textAreaRight" fmla="*/ 107280 w 103320"/>
-                <a:gd name="textAreaTop" fmla="*/ 0 h 954360"/>
-                <a:gd name="textAreaBottom" fmla="*/ 958320 h 954360"/>
+                <a:gd name="textAreaLeft" fmla="*/ 720 w 102600"/>
+                <a:gd name="textAreaRight" fmla="*/ 107640 w 102600"/>
+                <a:gd name="textAreaTop" fmla="*/ 0 h 953640"/>
+                <a:gd name="textAreaBottom" fmla="*/ 958320 h 953640"/>
               </a:gdLst>
               <a:ahLst/>
               <a:rect l="textAreaLeft" t="textAreaTop" r="textAreaRight" b="textAreaBottom"/>
@@ -13200,7 +13880,7 @@
         <p:spPr>
           <a:xfrm>
             <a:off x="273600" y="6435000"/>
-            <a:ext cx="566640" cy="271800"/>
+            <a:ext cx="565920" cy="271080"/>
           </a:xfrm>
           <a:prstGeom prst="rect">
             <a:avLst/>
@@ -13229,7 +13909,7 @@
                 <a:tab algn="l" pos="0"/>
               </a:tabLst>
             </a:pPr>
-            <a:fld id="{CEDDA879-F0EE-46DC-9306-B154AECD8633}" type="slidenum">
+            <a:fld id="{B870ACE4-D530-46C9-BFB2-8410C9CA7A44}" type="slidenum">
               <a:rPr b="0" lang="ru-RU" sz="1400" spc="-1" strike="noStrike">
                 <a:solidFill>
                   <a:srgbClr val="898989"/>
@@ -14470,7 +15150,7 @@
         <p:spPr>
           <a:xfrm>
             <a:off x="8121600" y="1371600"/>
-            <a:ext cx="3884760" cy="4570200"/>
+            <a:ext cx="3884040" cy="4569480"/>
           </a:xfrm>
           <a:prstGeom prst="rect">
             <a:avLst/>
@@ -14665,7 +15345,7 @@
         <p:spPr>
           <a:xfrm>
             <a:off x="7952400" y="3128400"/>
-            <a:ext cx="3769920" cy="550080"/>
+            <a:ext cx="3769200" cy="549360"/>
           </a:xfrm>
           <a:prstGeom prst="rect">
             <a:avLst/>
@@ -14688,7 +15368,7 @@
         <p:spPr>
           <a:xfrm>
             <a:off x="7759800" y="5571000"/>
-            <a:ext cx="4351320" cy="540720"/>
+            <a:ext cx="4350600" cy="540000"/>
           </a:xfrm>
           <a:prstGeom prst="rect">
             <a:avLst/>
